--- a/fig/aws-enterprise-v01.pptx
+++ b/fig/aws-enterprise-v01.pptx
@@ -4108,7 +4108,7 @@
                 <a:ea typeface="Open Sans Light" charset="0"/>
                 <a:cs typeface="Open Sans Light" charset="0"/>
               </a:rPr>
-              <a:t>Enterprise setup</a:t>
+              <a:t>AWS enterprise setup</a:t>
             </a:r>
             <a:endParaRPr lang="en-US" sz="1200" dirty="0">
               <a:solidFill>
@@ -4400,8 +4400,8 @@
         </p:nvSpPr>
         <p:spPr>
           <a:xfrm>
-            <a:off x="45671" y="894339"/>
-            <a:ext cx="1603781" cy="276999"/>
+            <a:off x="125695" y="663427"/>
+            <a:ext cx="1523757" cy="276999"/>
           </a:xfrm>
           <a:prstGeom prst="rect">
             <a:avLst/>
@@ -4440,12 +4440,12 @@
         </p:nvCxnSpPr>
         <p:spPr>
           <a:xfrm rot="10800000" flipH="1" flipV="1">
-            <a:off x="540908" y="1339238"/>
-            <a:ext cx="41469" cy="1385575"/>
+            <a:off x="540908" y="1087334"/>
+            <a:ext cx="41469" cy="1637479"/>
           </a:xfrm>
           <a:prstGeom prst="bentConnector3">
             <a:avLst>
-              <a:gd name="adj1" fmla="val -272823"/>
+              <a:gd name="adj1" fmla="val -356932"/>
             </a:avLst>
           </a:prstGeom>
           <a:ln>
@@ -4702,7 +4702,7 @@
         </p:blipFill>
         <p:spPr>
           <a:xfrm>
-            <a:off x="2508443" y="13467"/>
+            <a:off x="1899733" y="107931"/>
             <a:ext cx="603504" cy="393954"/>
           </a:xfrm>
           <a:prstGeom prst="rect">
@@ -4732,7 +4732,7 @@
         </p:blipFill>
         <p:spPr>
           <a:xfrm>
-            <a:off x="543056" y="380691"/>
+            <a:off x="543056" y="128787"/>
             <a:ext cx="627151" cy="627151"/>
           </a:xfrm>
           <a:prstGeom prst="rect">
@@ -4768,14 +4768,7 @@
                 <a:latin typeface="Open Sans Light"/>
                 <a:cs typeface="Open Sans Light"/>
               </a:rPr>
-              <a:t>Elastic Load </a:t>
-            </a:r>
-            <a:r>
-              <a:rPr lang="en-US" sz="1200" b="1" dirty="0" smtClean="0">
-                <a:latin typeface="Open Sans Light"/>
-                <a:cs typeface="Open Sans Light"/>
-              </a:rPr>
-              <a:t>Balancer 1</a:t>
+              <a:t>Elastic Load Balancer 1</a:t>
             </a:r>
             <a:endParaRPr lang="en-US" sz="1200" b="1" dirty="0">
               <a:latin typeface="Open Sans Light"/>
@@ -4842,14 +4835,7 @@
                 <a:latin typeface="Open Sans Light"/>
                 <a:cs typeface="Open Sans Light"/>
               </a:rPr>
-              <a:t>Elastic Load </a:t>
-            </a:r>
-            <a:r>
-              <a:rPr lang="en-US" sz="1200" b="1" dirty="0" smtClean="0">
-                <a:latin typeface="Open Sans Light"/>
-                <a:cs typeface="Open Sans Light"/>
-              </a:rPr>
-              <a:t>Balancer 2</a:t>
+              <a:t>Elastic Load Balancer 2</a:t>
             </a:r>
             <a:endParaRPr lang="en-US" sz="1200" b="1" dirty="0">
               <a:latin typeface="Open Sans Light"/>
@@ -5524,14 +5510,14 @@
           <p:cNvPr id="190" name="Straight Connector 189"/>
           <p:cNvCxnSpPr>
             <a:stCxn id="177" idx="3"/>
-            <a:endCxn id="302" idx="1"/>
+            <a:endCxn id="296" idx="1"/>
           </p:cNvCxnSpPr>
           <p:nvPr/>
         </p:nvCxnSpPr>
         <p:spPr>
           <a:xfrm flipV="1">
-            <a:off x="6331619" y="1766511"/>
-            <a:ext cx="937491" cy="307438"/>
+            <a:off x="6331619" y="1787305"/>
+            <a:ext cx="862019" cy="286644"/>
           </a:xfrm>
           <a:prstGeom prst="line">
             <a:avLst/>
@@ -5843,7 +5829,7 @@
         </p:nvSpPr>
         <p:spPr>
           <a:xfrm>
-            <a:off x="540909" y="1184848"/>
+            <a:off x="540909" y="932944"/>
             <a:ext cx="800769" cy="308782"/>
           </a:xfrm>
           <a:prstGeom prst="rect">
@@ -5898,30 +5884,6 @@
           </a:p>
         </p:txBody>
       </p:sp>
-      <p:pic>
-        <p:nvPicPr>
-          <p:cNvPr id="260" name="Picture 259"/>
-          <p:cNvPicPr>
-            <a:picLocks noChangeAspect="1"/>
-          </p:cNvPicPr>
-          <p:nvPr/>
-        </p:nvPicPr>
-        <p:blipFill>
-          <a:blip r:embed="rId8"/>
-          <a:stretch>
-            <a:fillRect/>
-          </a:stretch>
-        </p:blipFill>
-        <p:spPr>
-          <a:xfrm>
-            <a:off x="5324392" y="404171"/>
-            <a:ext cx="215900" cy="241300"/>
-          </a:xfrm>
-          <a:prstGeom prst="rect">
-            <a:avLst/>
-          </a:prstGeom>
-        </p:spPr>
-      </p:pic>
       <p:sp>
         <p:nvSpPr>
           <p:cNvPr id="261" name="TextBox 260"/>
@@ -5930,7 +5892,7 @@
         </p:nvSpPr>
         <p:spPr>
           <a:xfrm>
-            <a:off x="5420212" y="637949"/>
+            <a:off x="5420212" y="634394"/>
             <a:ext cx="797902" cy="646331"/>
           </a:xfrm>
           <a:prstGeom prst="rect">
@@ -6235,7 +6197,7 @@
           <p:nvPr/>
         </p:nvPicPr>
         <p:blipFill>
-          <a:blip r:embed="rId9">
+          <a:blip r:embed="rId8">
             <a:extLst>
               <a:ext uri="{28A0092B-C50C-407E-A947-70E740481C1C}">
                 <a14:useLocalDpi xmlns:a14="http://schemas.microsoft.com/office/drawing/2010/main" val="0"/>
@@ -6248,7 +6210,7 @@
         </p:blipFill>
         <p:spPr>
           <a:xfrm>
-            <a:off x="660830" y="4741678"/>
+            <a:off x="751550" y="4605598"/>
             <a:ext cx="731520" cy="731520"/>
           </a:xfrm>
           <a:prstGeom prst="rect">
@@ -6264,7 +6226,7 @@
         </p:nvSpPr>
         <p:spPr>
           <a:xfrm>
-            <a:off x="658646" y="5351540"/>
+            <a:off x="749366" y="5215460"/>
             <a:ext cx="789937" cy="276999"/>
           </a:xfrm>
           <a:prstGeom prst="rect">
@@ -6298,13 +6260,14 @@
           <p:cNvPr id="270" name="Straight Connector 269"/>
           <p:cNvCxnSpPr>
             <a:stCxn id="278" idx="3"/>
+            <a:endCxn id="267" idx="1"/>
           </p:cNvCxnSpPr>
           <p:nvPr/>
         </p:nvCxnSpPr>
         <p:spPr>
-          <a:xfrm>
-            <a:off x="1288305" y="5991923"/>
-            <a:ext cx="611023" cy="0"/>
+          <a:xfrm flipV="1">
+            <a:off x="1379025" y="5845531"/>
+            <a:ext cx="521253" cy="10312"/>
           </a:xfrm>
           <a:prstGeom prst="straightConnector1">
             <a:avLst/>
@@ -6354,7 +6317,7 @@
         </p:blipFill>
         <p:spPr>
           <a:xfrm>
-            <a:off x="807049" y="5751295"/>
+            <a:off x="897769" y="5615215"/>
             <a:ext cx="481256" cy="481256"/>
           </a:xfrm>
           <a:prstGeom prst="rect">
@@ -6370,7 +6333,7 @@
         </p:nvCxnSpPr>
         <p:spPr>
           <a:xfrm flipH="1">
-            <a:off x="1047677" y="5641367"/>
+            <a:off x="1138397" y="5505287"/>
             <a:ext cx="5938" cy="212552"/>
           </a:xfrm>
           <a:prstGeom prst="line">
@@ -7235,69 +7198,6 @@
           </a:fontRef>
         </p:style>
       </p:cxnSp>
-      <p:sp>
-        <p:nvSpPr>
-          <p:cNvPr id="84" name="Rectangle 83"/>
-          <p:cNvSpPr/>
-          <p:nvPr/>
-        </p:nvSpPr>
-        <p:spPr>
-          <a:xfrm>
-            <a:off x="600235" y="3523263"/>
-            <a:ext cx="667828" cy="266136"/>
-          </a:xfrm>
-          <a:prstGeom prst="rect">
-            <a:avLst/>
-          </a:prstGeom>
-          <a:solidFill>
-            <a:schemeClr val="accent3"/>
-          </a:solidFill>
-          <a:ln>
-            <a:solidFill>
-              <a:schemeClr val="bg1"/>
-            </a:solidFill>
-          </a:ln>
-        </p:spPr>
-        <p:style>
-          <a:lnRef idx="2">
-            <a:schemeClr val="accent1">
-              <a:shade val="50000"/>
-            </a:schemeClr>
-          </a:lnRef>
-          <a:fillRef idx="1">
-            <a:schemeClr val="accent1"/>
-          </a:fillRef>
-          <a:effectRef idx="0">
-            <a:schemeClr val="accent1"/>
-          </a:effectRef>
-          <a:fontRef idx="minor">
-            <a:schemeClr val="lt1"/>
-          </a:fontRef>
-        </p:style>
-        <p:txBody>
-          <a:bodyPr lIns="68681" tIns="34340" rIns="68681" bIns="34340" anchor="t"/>
-          <a:lstStyle/>
-          <a:p>
-            <a:pPr algn="ctr" defTabSz="343403" eaLnBrk="1" fontAlgn="auto" hangingPunct="1">
-              <a:spcBef>
-                <a:spcPts val="0"/>
-              </a:spcBef>
-              <a:spcAft>
-                <a:spcPts val="0"/>
-              </a:spcAft>
-              <a:defRPr/>
-            </a:pPr>
-            <a:r>
-              <a:rPr lang="en-US" sz="1400" dirty="0" smtClean="0">
-                <a:latin typeface="Open Sans Light" charset="0"/>
-                <a:ea typeface="Open Sans Light" charset="0"/>
-                <a:cs typeface="Open Sans Light" charset="0"/>
-              </a:rPr>
-              <a:t>DNS</a:t>
-            </a:r>
-          </a:p>
-        </p:txBody>
-      </p:sp>
       <p:pic>
         <p:nvPicPr>
           <p:cNvPr id="69" name="Picture 68"/>
@@ -7307,7 +7207,7 @@
           <p:nvPr/>
         </p:nvPicPr>
         <p:blipFill>
-          <a:blip r:embed="rId10">
+          <a:blip r:embed="rId9">
             <a:extLst>
               <a:ext uri="{28A0092B-C50C-407E-A947-70E740481C1C}">
                 <a14:useLocalDpi xmlns:a14="http://schemas.microsoft.com/office/drawing/2010/main" val="0"/>
@@ -7478,7 +7378,7 @@
           <p:nvPr/>
         </p:nvPicPr>
         <p:blipFill>
-          <a:blip r:embed="rId11">
+          <a:blip r:embed="rId10">
             <a:extLst>
               <a:ext uri="{28A0092B-C50C-407E-A947-70E740481C1C}">
                 <a14:useLocalDpi xmlns:a14="http://schemas.microsoft.com/office/drawing/2010/main" val="0"/>
@@ -7622,7 +7522,7 @@
         </p:nvSpPr>
         <p:spPr>
           <a:xfrm>
-            <a:off x="2468432" y="348051"/>
+            <a:off x="2479826" y="225714"/>
             <a:ext cx="751862" cy="276999"/>
           </a:xfrm>
           <a:prstGeom prst="rect">
@@ -7811,8 +7711,8 @@
         </p:nvSpPr>
         <p:spPr>
           <a:xfrm>
-            <a:off x="6125511" y="634394"/>
-            <a:ext cx="797902" cy="646331"/>
+            <a:off x="6091328" y="634394"/>
+            <a:ext cx="705299" cy="646331"/>
           </a:xfrm>
           <a:prstGeom prst="rect">
             <a:avLst/>
@@ -7825,6 +7725,7 @@
           </a:bodyPr>
           <a:lstStyle/>
           <a:p>
+            <a:pPr algn="r"/>
             <a:r>
               <a:rPr lang="en-US" sz="1200" b="1" dirty="0" smtClean="0">
                 <a:latin typeface="Open Sans Light"/>
@@ -7852,16 +7753,21 @@
               </a:rPr>
               <a:t>subnet</a:t>
             </a:r>
-          </a:p>
-          <a:p>
+            <a:endParaRPr lang="en-US" sz="1200" b="1" dirty="0">
+              <a:latin typeface="Open Sans Light"/>
+              <a:cs typeface="Open Sans Light"/>
+            </a:endParaRPr>
+          </a:p>
+          <a:p>
+            <a:pPr algn="r"/>
             <a:r>
-              <a:rPr lang="en-US" sz="1200" b="1" dirty="0" smtClean="0">
+              <a:rPr lang="en-US" sz="1200" b="1" dirty="0">
                 <a:latin typeface="Open Sans Light"/>
                 <a:cs typeface="Open Sans Light"/>
               </a:rPr>
               <a:t>2</a:t>
             </a:r>
-            <a:endParaRPr lang="en-US" sz="1200" b="1" dirty="0">
+            <a:endParaRPr lang="en-US" sz="1200" b="1" dirty="0" smtClean="0">
               <a:latin typeface="Open Sans Light"/>
               <a:cs typeface="Open Sans Light"/>
             </a:endParaRPr>
@@ -7877,14 +7783,14 @@
           <p:nvPr/>
         </p:nvPicPr>
         <p:blipFill>
-          <a:blip r:embed="rId8"/>
+          <a:blip r:embed="rId11"/>
           <a:stretch>
             <a:fillRect/>
           </a:stretch>
         </p:blipFill>
         <p:spPr>
           <a:xfrm>
-            <a:off x="6665020" y="416999"/>
+            <a:off x="6665020" y="404171"/>
             <a:ext cx="215900" cy="241300"/>
           </a:xfrm>
           <a:prstGeom prst="rect">
@@ -7948,7 +7854,7 @@
           </a:xfrm>
           <a:prstGeom prst="bentConnector3">
             <a:avLst>
-              <a:gd name="adj1" fmla="val 518490"/>
+              <a:gd name="adj1" fmla="val 1152589"/>
             </a:avLst>
           </a:prstGeom>
           <a:ln>
@@ -8026,7 +7932,7 @@
         </p:blipFill>
         <p:spPr>
           <a:xfrm>
-            <a:off x="1481324" y="1655754"/>
+            <a:off x="1481324" y="1498314"/>
             <a:ext cx="532112" cy="423719"/>
           </a:xfrm>
           <a:prstGeom prst="rect">
@@ -8042,7 +7948,7 @@
         </p:nvSpPr>
         <p:spPr>
           <a:xfrm>
-            <a:off x="1102222" y="1867063"/>
+            <a:off x="1102222" y="1709623"/>
             <a:ext cx="517069" cy="276999"/>
           </a:xfrm>
           <a:prstGeom prst="rect">
@@ -8122,7 +8028,7 @@
         </p:blipFill>
         <p:spPr>
           <a:xfrm>
-            <a:off x="661820" y="1611061"/>
+            <a:off x="661820" y="1453621"/>
             <a:ext cx="569862" cy="569862"/>
           </a:xfrm>
           <a:prstGeom prst="rect">
@@ -8140,7 +8046,7 @@
         </p:nvCxnSpPr>
         <p:spPr>
           <a:xfrm>
-            <a:off x="1243443" y="1862563"/>
+            <a:off x="1243443" y="1705123"/>
             <a:ext cx="237881" cy="5051"/>
           </a:xfrm>
           <a:prstGeom prst="line">
@@ -8216,8 +8122,8 @@
         </p:nvSpPr>
         <p:spPr>
           <a:xfrm>
-            <a:off x="1441771" y="3787204"/>
-            <a:ext cx="451683" cy="307777"/>
+            <a:off x="1330339" y="3787204"/>
+            <a:ext cx="551776" cy="307777"/>
           </a:xfrm>
           <a:prstGeom prst="rect">
             <a:avLst/>
@@ -8235,7 +8141,7 @@
                 <a:latin typeface="Open Sans Light"/>
                 <a:cs typeface="Open Sans Light"/>
               </a:rPr>
-              <a:t>IG</a:t>
+              <a:t>IGW</a:t>
             </a:r>
             <a:endParaRPr lang="en-US" sz="1400" b="1" dirty="0">
               <a:latin typeface="Open Sans Light"/>
@@ -8255,8 +8161,8 @@
         </p:nvCxnSpPr>
         <p:spPr>
           <a:xfrm>
-            <a:off x="941294" y="1493630"/>
-            <a:ext cx="5457" cy="117431"/>
+            <a:off x="941294" y="1241726"/>
+            <a:ext cx="5457" cy="211895"/>
           </a:xfrm>
           <a:prstGeom prst="line">
             <a:avLst/>
@@ -8428,6 +8334,348 @@
                 <a:cs typeface="Open Sans Light"/>
               </a:rPr>
               <a:t>routing:</a:t>
+            </a:r>
+            <a:endParaRPr lang="en-US" sz="1200" b="1" dirty="0">
+              <a:latin typeface="Open Sans Light"/>
+              <a:cs typeface="Open Sans Light"/>
+            </a:endParaRPr>
+          </a:p>
+        </p:txBody>
+      </p:sp>
+      <p:sp>
+        <p:nvSpPr>
+          <p:cNvPr id="110" name="TextBox 109"/>
+          <p:cNvSpPr txBox="1"/>
+          <p:nvPr/>
+        </p:nvSpPr>
+        <p:spPr>
+          <a:xfrm>
+            <a:off x="1550246" y="1074371"/>
+            <a:ext cx="979115" cy="461665"/>
+          </a:xfrm>
+          <a:prstGeom prst="rect">
+            <a:avLst/>
+          </a:prstGeom>
+          <a:noFill/>
+        </p:spPr>
+        <p:txBody>
+          <a:bodyPr wrap="square" rtlCol="0">
+            <a:spAutoFit/>
+          </a:bodyPr>
+          <a:lstStyle/>
+          <a:p>
+            <a:r>
+              <a:rPr lang="en-US" sz="1200" b="1" dirty="0" smtClean="0">
+                <a:latin typeface="Open Sans Light"/>
+                <a:cs typeface="Open Sans Light"/>
+              </a:rPr>
+              <a:t>Direct Connect</a:t>
+            </a:r>
+            <a:endParaRPr lang="en-US" sz="1200" b="1" dirty="0">
+              <a:latin typeface="Open Sans Light"/>
+              <a:cs typeface="Open Sans Light"/>
+            </a:endParaRPr>
+          </a:p>
+        </p:txBody>
+      </p:sp>
+      <p:sp>
+        <p:nvSpPr>
+          <p:cNvPr id="84" name="Rectangle 83"/>
+          <p:cNvSpPr/>
+          <p:nvPr/>
+        </p:nvSpPr>
+        <p:spPr>
+          <a:xfrm>
+            <a:off x="600235" y="3523263"/>
+            <a:ext cx="667828" cy="266136"/>
+          </a:xfrm>
+          <a:prstGeom prst="rect">
+            <a:avLst/>
+          </a:prstGeom>
+          <a:solidFill>
+            <a:schemeClr val="accent3"/>
+          </a:solidFill>
+          <a:ln>
+            <a:solidFill>
+              <a:schemeClr val="bg1"/>
+            </a:solidFill>
+          </a:ln>
+        </p:spPr>
+        <p:style>
+          <a:lnRef idx="2">
+            <a:schemeClr val="accent1">
+              <a:shade val="50000"/>
+            </a:schemeClr>
+          </a:lnRef>
+          <a:fillRef idx="1">
+            <a:schemeClr val="accent1"/>
+          </a:fillRef>
+          <a:effectRef idx="0">
+            <a:schemeClr val="accent1"/>
+          </a:effectRef>
+          <a:fontRef idx="minor">
+            <a:schemeClr val="lt1"/>
+          </a:fontRef>
+        </p:style>
+        <p:txBody>
+          <a:bodyPr lIns="68681" tIns="34340" rIns="68681" bIns="34340" anchor="t"/>
+          <a:lstStyle/>
+          <a:p>
+            <a:pPr algn="ctr" defTabSz="343403" eaLnBrk="1" fontAlgn="auto" hangingPunct="1">
+              <a:spcBef>
+                <a:spcPts val="0"/>
+              </a:spcBef>
+              <a:spcAft>
+                <a:spcPts val="0"/>
+              </a:spcAft>
+              <a:defRPr/>
+            </a:pPr>
+            <a:r>
+              <a:rPr lang="en-US" sz="1400" dirty="0" smtClean="0">
+                <a:latin typeface="Open Sans Light" charset="0"/>
+                <a:ea typeface="Open Sans Light" charset="0"/>
+                <a:cs typeface="Open Sans Light" charset="0"/>
+              </a:rPr>
+              <a:t>DNS</a:t>
+            </a:r>
+          </a:p>
+        </p:txBody>
+      </p:sp>
+      <p:cxnSp>
+        <p:nvCxnSpPr>
+          <p:cNvPr id="111" name="Straight Connector 110"/>
+          <p:cNvCxnSpPr>
+            <a:stCxn id="107" idx="3"/>
+          </p:cNvCxnSpPr>
+          <p:nvPr/>
+        </p:nvCxnSpPr>
+        <p:spPr>
+          <a:xfrm flipV="1">
+            <a:off x="2013436" y="1087334"/>
+            <a:ext cx="1489646" cy="622840"/>
+          </a:xfrm>
+          <a:prstGeom prst="line">
+            <a:avLst/>
+          </a:prstGeom>
+          <a:ln>
+            <a:solidFill>
+              <a:srgbClr val="414042"/>
+            </a:solidFill>
+            <a:tailEnd type="triangle" w="lg" len="lg"/>
+          </a:ln>
+          <a:effectLst/>
+        </p:spPr>
+        <p:style>
+          <a:lnRef idx="2">
+            <a:schemeClr val="accent1"/>
+          </a:lnRef>
+          <a:fillRef idx="0">
+            <a:schemeClr val="accent1"/>
+          </a:fillRef>
+          <a:effectRef idx="1">
+            <a:schemeClr val="accent1"/>
+          </a:effectRef>
+          <a:fontRef idx="minor">
+            <a:schemeClr val="tx1"/>
+          </a:fontRef>
+        </p:style>
+      </p:cxnSp>
+      <p:sp>
+        <p:nvSpPr>
+          <p:cNvPr id="113" name="Rounded Rectangle 112"/>
+          <p:cNvSpPr/>
+          <p:nvPr/>
+        </p:nvSpPr>
+        <p:spPr>
+          <a:xfrm>
+            <a:off x="7653635" y="3141107"/>
+            <a:ext cx="1313964" cy="457868"/>
+          </a:xfrm>
+          <a:prstGeom prst="roundRect">
+            <a:avLst/>
+          </a:prstGeom>
+          <a:noFill/>
+          <a:ln>
+            <a:noFill/>
+          </a:ln>
+          <a:effectLst/>
+        </p:spPr>
+        <p:style>
+          <a:lnRef idx="1">
+            <a:schemeClr val="accent1"/>
+          </a:lnRef>
+          <a:fillRef idx="3">
+            <a:schemeClr val="accent1"/>
+          </a:fillRef>
+          <a:effectRef idx="2">
+            <a:schemeClr val="accent1"/>
+          </a:effectRef>
+          <a:fontRef idx="minor">
+            <a:schemeClr val="lt1"/>
+          </a:fontRef>
+        </p:style>
+        <p:txBody>
+          <a:bodyPr anchor="b"/>
+          <a:lstStyle/>
+          <a:p>
+            <a:pPr algn="r"/>
+            <a:endParaRPr lang="en-US" sz="600" dirty="0" smtClean="0">
+              <a:solidFill>
+                <a:schemeClr val="bg1">
+                  <a:lumMod val="75000"/>
+                </a:schemeClr>
+              </a:solidFill>
+              <a:latin typeface="Open Sans Light"/>
+              <a:cs typeface="Open Sans Light"/>
+            </a:endParaRPr>
+          </a:p>
+          <a:p>
+            <a:pPr algn="r"/>
+            <a:r>
+              <a:rPr lang="en-US" sz="600" dirty="0">
+                <a:solidFill>
+                  <a:schemeClr val="bg1">
+                    <a:lumMod val="75000"/>
+                  </a:schemeClr>
+                </a:solidFill>
+                <a:latin typeface="Open Sans Light"/>
+                <a:cs typeface="Open Sans Light"/>
+              </a:rPr>
+              <a:t/>
+            </a:r>
+            <a:br>
+              <a:rPr lang="en-US" sz="600" dirty="0">
+                <a:solidFill>
+                  <a:schemeClr val="bg1">
+                    <a:lumMod val="75000"/>
+                  </a:schemeClr>
+                </a:solidFill>
+                <a:latin typeface="Open Sans Light"/>
+                <a:cs typeface="Open Sans Light"/>
+              </a:rPr>
+            </a:br>
+            <a:r>
+              <a:rPr lang="en-US" sz="600" dirty="0" smtClean="0">
+                <a:solidFill>
+                  <a:schemeClr val="bg1">
+                    <a:lumMod val="75000"/>
+                  </a:schemeClr>
+                </a:solidFill>
+                <a:latin typeface="Open Sans Light"/>
+                <a:cs typeface="Open Sans Light"/>
+              </a:rPr>
+              <a:t>/fig/aws-enterprise-v01.pptx</a:t>
+            </a:r>
+            <a:br>
+              <a:rPr lang="en-US" sz="600" dirty="0" smtClean="0">
+                <a:solidFill>
+                  <a:schemeClr val="bg1">
+                    <a:lumMod val="75000"/>
+                  </a:schemeClr>
+                </a:solidFill>
+                <a:latin typeface="Open Sans Light"/>
+                <a:cs typeface="Open Sans Light"/>
+              </a:rPr>
+            </a:br>
+            <a:r>
+              <a:rPr lang="en-US" sz="600" dirty="0" smtClean="0">
+                <a:solidFill>
+                  <a:schemeClr val="bg1">
+                    <a:lumMod val="75000"/>
+                  </a:schemeClr>
+                </a:solidFill>
+                <a:latin typeface="Open Sans Light"/>
+                <a:cs typeface="Open Sans Light"/>
+              </a:rPr>
+              <a:t>Copyright 2016 Wilson Mar. </a:t>
+            </a:r>
+            <a:br>
+              <a:rPr lang="en-US" sz="600" dirty="0" smtClean="0">
+                <a:solidFill>
+                  <a:schemeClr val="bg1">
+                    <a:lumMod val="75000"/>
+                  </a:schemeClr>
+                </a:solidFill>
+                <a:latin typeface="Open Sans Light"/>
+                <a:cs typeface="Open Sans Light"/>
+              </a:rPr>
+            </a:br>
+            <a:r>
+              <a:rPr lang="en-US" sz="600" dirty="0" smtClean="0">
+                <a:solidFill>
+                  <a:schemeClr val="bg1">
+                    <a:lumMod val="75000"/>
+                  </a:schemeClr>
+                </a:solidFill>
+                <a:latin typeface="Open Sans Light"/>
+                <a:cs typeface="Open Sans Light"/>
+              </a:rPr>
+              <a:t>All rights reserved.</a:t>
+            </a:r>
+            <a:endParaRPr lang="en-US" sz="600" dirty="0">
+              <a:solidFill>
+                <a:schemeClr val="bg1">
+                  <a:lumMod val="75000"/>
+                </a:schemeClr>
+              </a:solidFill>
+              <a:latin typeface="Open Sans Light"/>
+              <a:cs typeface="Open Sans Light"/>
+            </a:endParaRPr>
+          </a:p>
+        </p:txBody>
+      </p:sp>
+      <p:pic>
+        <p:nvPicPr>
+          <p:cNvPr id="260" name="Picture 259"/>
+          <p:cNvPicPr>
+            <a:picLocks noChangeAspect="1"/>
+          </p:cNvPicPr>
+          <p:nvPr/>
+        </p:nvPicPr>
+        <p:blipFill>
+          <a:blip r:embed="rId11"/>
+          <a:stretch>
+            <a:fillRect/>
+          </a:stretch>
+        </p:blipFill>
+        <p:spPr>
+          <a:xfrm>
+            <a:off x="5324392" y="404171"/>
+            <a:ext cx="215900" cy="241300"/>
+          </a:xfrm>
+          <a:prstGeom prst="rect">
+            <a:avLst/>
+          </a:prstGeom>
+        </p:spPr>
+      </p:pic>
+      <p:sp>
+        <p:nvSpPr>
+          <p:cNvPr id="116" name="TextBox 115"/>
+          <p:cNvSpPr txBox="1"/>
+          <p:nvPr/>
+        </p:nvSpPr>
+        <p:spPr>
+          <a:xfrm>
+            <a:off x="1207417" y="5969311"/>
+            <a:ext cx="468574" cy="276999"/>
+          </a:xfrm>
+          <a:prstGeom prst="rect">
+            <a:avLst/>
+          </a:prstGeom>
+          <a:noFill/>
+        </p:spPr>
+        <p:txBody>
+          <a:bodyPr wrap="square" rtlCol="0">
+            <a:spAutoFit/>
+          </a:bodyPr>
+          <a:lstStyle/>
+          <a:p>
+            <a:r>
+              <a:rPr lang="en-US" sz="1200" b="1" dirty="0" smtClean="0">
+                <a:latin typeface="Open Sans Light"/>
+                <a:cs typeface="Open Sans Light"/>
+              </a:rPr>
+              <a:t>SSH</a:t>
             </a:r>
             <a:endParaRPr lang="en-US" sz="1200" b="1" dirty="0">
               <a:latin typeface="Open Sans Light"/>
@@ -8622,15 +8870,60 @@
                                   </p:childTnLst>
                                 </p:cTn>
                               </p:par>
+                            </p:childTnLst>
+                          </p:cTn>
+                        </p:par>
+                      </p:childTnLst>
+                    </p:cTn>
+                  </p:par>
+                  <p:par>
+                    <p:cTn id="17" fill="hold">
+                      <p:stCondLst>
+                        <p:cond delay="indefinite"/>
+                      </p:stCondLst>
+                      <p:childTnLst>
+                        <p:par>
+                          <p:cTn id="18" fill="hold">
+                            <p:stCondLst>
+                              <p:cond delay="0"/>
+                            </p:stCondLst>
+                            <p:childTnLst>
                               <p:par>
-                                <p:cTn id="17" presetID="1" presetClass="entr" presetSubtype="0" fill="hold" nodeType="withEffect">
+                                <p:cTn id="19" presetID="1" presetClass="entr" presetSubtype="0" fill="hold" grpId="1" nodeType="clickEffect">
                                   <p:stCondLst>
                                     <p:cond delay="0"/>
                                   </p:stCondLst>
                                   <p:childTnLst>
                                     <p:set>
                                       <p:cBhvr>
-                                        <p:cTn id="18" dur="1" fill="hold">
+                                        <p:cTn id="20" dur="1" fill="hold">
+                                          <p:stCondLst>
+                                            <p:cond delay="0"/>
+                                          </p:stCondLst>
+                                        </p:cTn>
+                                        <p:tgtEl>
+                                          <p:spTgt spid="116"/>
+                                        </p:tgtEl>
+                                        <p:attrNameLst>
+                                          <p:attrName>style.visibility</p:attrName>
+                                        </p:attrNameLst>
+                                      </p:cBhvr>
+                                      <p:to>
+                                        <p:strVal val="visible"/>
+                                      </p:to>
+                                    </p:set>
+                                  </p:childTnLst>
+                                </p:cTn>
+                              </p:par>
+                              <p:par>
+                                <p:cTn id="21" presetID="1" presetClass="entr" presetSubtype="0" fill="hold" nodeType="withEffect">
+                                  <p:stCondLst>
+                                    <p:cond delay="0"/>
+                                  </p:stCondLst>
+                                  <p:childTnLst>
+                                    <p:set>
+                                      <p:cBhvr>
+                                        <p:cTn id="22" dur="1" fill="hold">
                                           <p:stCondLst>
                                             <p:cond delay="0"/>
                                           </p:stCondLst>
@@ -8649,33 +8942,15 @@
                                   </p:childTnLst>
                                 </p:cTn>
                               </p:par>
-                            </p:childTnLst>
-                          </p:cTn>
-                        </p:par>
-                      </p:childTnLst>
-                    </p:cTn>
-                  </p:par>
-                  <p:par>
-                    <p:cTn id="19" fill="hold">
-                      <p:stCondLst>
-                        <p:cond delay="indefinite"/>
-                      </p:stCondLst>
-                      <p:childTnLst>
-                        <p:par>
-                          <p:cTn id="20" fill="hold">
-                            <p:stCondLst>
-                              <p:cond delay="0"/>
-                            </p:stCondLst>
-                            <p:childTnLst>
                               <p:par>
-                                <p:cTn id="21" presetID="1" presetClass="entr" presetSubtype="0" fill="hold" nodeType="clickEffect">
+                                <p:cTn id="23" presetID="1" presetClass="entr" presetSubtype="0" fill="hold" nodeType="withEffect">
                                   <p:stCondLst>
                                     <p:cond delay="0"/>
                                   </p:stCondLst>
                                   <p:childTnLst>
                                     <p:set>
                                       <p:cBhvr>
-                                        <p:cTn id="22" dur="1" fill="hold">
+                                        <p:cTn id="24" dur="1" fill="hold">
                                           <p:stCondLst>
                                             <p:cond delay="0"/>
                                           </p:stCondLst>
@@ -8701,26 +8976,26 @@
                     </p:cTn>
                   </p:par>
                   <p:par>
-                    <p:cTn id="23" fill="hold">
+                    <p:cTn id="25" fill="hold">
                       <p:stCondLst>
                         <p:cond delay="indefinite"/>
                       </p:stCondLst>
                       <p:childTnLst>
                         <p:par>
-                          <p:cTn id="24" fill="hold">
+                          <p:cTn id="26" fill="hold">
                             <p:stCondLst>
                               <p:cond delay="0"/>
                             </p:stCondLst>
                             <p:childTnLst>
                               <p:par>
-                                <p:cTn id="25" presetID="1" presetClass="entr" presetSubtype="0" fill="hold" grpId="0" nodeType="clickEffect">
+                                <p:cTn id="27" presetID="1" presetClass="entr" presetSubtype="0" fill="hold" grpId="0" nodeType="clickEffect">
                                   <p:stCondLst>
                                     <p:cond delay="0"/>
                                   </p:stCondLst>
                                   <p:childTnLst>
                                     <p:set>
                                       <p:cBhvr>
-                                        <p:cTn id="26" dur="1" fill="hold">
+                                        <p:cTn id="28" dur="1" fill="hold">
                                           <p:stCondLst>
                                             <p:cond delay="0"/>
                                           </p:stCondLst>
@@ -8740,14 +9015,14 @@
                                 </p:cTn>
                               </p:par>
                               <p:par>
-                                <p:cTn id="27" presetID="1" presetClass="entr" presetSubtype="0" fill="hold" nodeType="withEffect">
+                                <p:cTn id="29" presetID="1" presetClass="entr" presetSubtype="0" fill="hold" nodeType="withEffect">
                                   <p:stCondLst>
                                     <p:cond delay="0"/>
                                   </p:stCondLst>
                                   <p:childTnLst>
                                     <p:set>
                                       <p:cBhvr>
-                                        <p:cTn id="28" dur="1" fill="hold">
+                                        <p:cTn id="30" dur="1" fill="hold">
                                           <p:stCondLst>
                                             <p:cond delay="0"/>
                                           </p:stCondLst>
@@ -8773,46 +9048,19 @@
                     </p:cTn>
                   </p:par>
                   <p:par>
-                    <p:cTn id="29" fill="hold">
+                    <p:cTn id="31" fill="hold">
                       <p:stCondLst>
                         <p:cond delay="indefinite"/>
                       </p:stCondLst>
                       <p:childTnLst>
                         <p:par>
-                          <p:cTn id="30" fill="hold">
+                          <p:cTn id="32" fill="hold">
                             <p:stCondLst>
                               <p:cond delay="0"/>
                             </p:stCondLst>
                             <p:childTnLst>
                               <p:par>
-                                <p:cTn id="31" presetID="1" presetClass="entr" presetSubtype="0" fill="hold" nodeType="clickEffect">
-                                  <p:stCondLst>
-                                    <p:cond delay="0"/>
-                                  </p:stCondLst>
-                                  <p:childTnLst>
-                                    <p:set>
-                                      <p:cBhvr>
-                                        <p:cTn id="32" dur="1" fill="hold">
-                                          <p:stCondLst>
-                                            <p:cond delay="0"/>
-                                          </p:stCondLst>
-                                        </p:cTn>
-                                        <p:tgtEl>
-                                          <p:spTgt spid="32"/>
-                                        </p:tgtEl>
-                                        <p:attrNameLst>
-                                          <p:attrName>style.visibility</p:attrName>
-                                        </p:attrNameLst>
-                                      </p:cBhvr>
-                                      <p:to>
-                                        <p:strVal val="visible"/>
-                                      </p:to>
-                                    </p:set>
-                                  </p:childTnLst>
-                                </p:cTn>
-                              </p:par>
-                              <p:par>
-                                <p:cTn id="33" presetID="1" presetClass="entr" presetSubtype="0" fill="hold" grpId="0" nodeType="withEffect">
+                                <p:cTn id="33" presetID="1" presetClass="entr" presetSubtype="0" fill="hold" nodeType="clickEffect">
                                   <p:stCondLst>
                                     <p:cond delay="0"/>
                                   </p:stCondLst>
@@ -8825,7 +9073,7 @@
                                           </p:stCondLst>
                                         </p:cTn>
                                         <p:tgtEl>
-                                          <p:spTgt spid="134"/>
+                                          <p:spTgt spid="32"/>
                                         </p:tgtEl>
                                         <p:attrNameLst>
                                           <p:attrName>style.visibility</p:attrName>
@@ -8852,6 +9100,33 @@
                                           </p:stCondLst>
                                         </p:cTn>
                                         <p:tgtEl>
+                                          <p:spTgt spid="134"/>
+                                        </p:tgtEl>
+                                        <p:attrNameLst>
+                                          <p:attrName>style.visibility</p:attrName>
+                                        </p:attrNameLst>
+                                      </p:cBhvr>
+                                      <p:to>
+                                        <p:strVal val="visible"/>
+                                      </p:to>
+                                    </p:set>
+                                  </p:childTnLst>
+                                </p:cTn>
+                              </p:par>
+                              <p:par>
+                                <p:cTn id="37" presetID="1" presetClass="entr" presetSubtype="0" fill="hold" grpId="0" nodeType="withEffect">
+                                  <p:stCondLst>
+                                    <p:cond delay="0"/>
+                                  </p:stCondLst>
+                                  <p:childTnLst>
+                                    <p:set>
+                                      <p:cBhvr>
+                                        <p:cTn id="38" dur="1" fill="hold">
+                                          <p:stCondLst>
+                                            <p:cond delay="0"/>
+                                          </p:stCondLst>
+                                        </p:cTn>
+                                        <p:tgtEl>
                                           <p:spTgt spid="261"/>
                                         </p:tgtEl>
                                         <p:attrNameLst>
@@ -8866,14 +9141,14 @@
                                 </p:cTn>
                               </p:par>
                               <p:par>
-                                <p:cTn id="37" presetID="1" presetClass="entr" presetSubtype="0" fill="hold" nodeType="withEffect">
+                                <p:cTn id="39" presetID="1" presetClass="entr" presetSubtype="0" fill="hold" nodeType="withEffect">
                                   <p:stCondLst>
                                     <p:cond delay="0"/>
                                   </p:stCondLst>
                                   <p:childTnLst>
                                     <p:set>
                                       <p:cBhvr>
-                                        <p:cTn id="38" dur="1" fill="hold">
+                                        <p:cTn id="40" dur="1" fill="hold">
                                           <p:stCondLst>
                                             <p:cond delay="0"/>
                                           </p:stCondLst>
@@ -8893,14 +9168,14 @@
                                 </p:cTn>
                               </p:par>
                               <p:par>
-                                <p:cTn id="39" presetID="1" presetClass="entr" presetSubtype="0" fill="hold" grpId="0" nodeType="withEffect">
+                                <p:cTn id="41" presetID="1" presetClass="entr" presetSubtype="0" fill="hold" grpId="0" nodeType="withEffect">
                                   <p:stCondLst>
                                     <p:cond delay="0"/>
                                   </p:stCondLst>
                                   <p:childTnLst>
                                     <p:set>
                                       <p:cBhvr>
-                                        <p:cTn id="40" dur="1" fill="hold">
+                                        <p:cTn id="42" dur="1" fill="hold">
                                           <p:stCondLst>
                                             <p:cond delay="0"/>
                                           </p:stCondLst>
@@ -8926,26 +9201,26 @@
                     </p:cTn>
                   </p:par>
                   <p:par>
-                    <p:cTn id="41" fill="hold">
+                    <p:cTn id="43" fill="hold">
                       <p:stCondLst>
                         <p:cond delay="indefinite"/>
                       </p:stCondLst>
                       <p:childTnLst>
                         <p:par>
-                          <p:cTn id="42" fill="hold">
+                          <p:cTn id="44" fill="hold">
                             <p:stCondLst>
                               <p:cond delay="0"/>
                             </p:stCondLst>
                             <p:childTnLst>
                               <p:par>
-                                <p:cTn id="43" presetID="1" presetClass="entr" presetSubtype="0" fill="hold" nodeType="clickEffect">
+                                <p:cTn id="45" presetID="1" presetClass="entr" presetSubtype="0" fill="hold" nodeType="clickEffect">
                                   <p:stCondLst>
                                     <p:cond delay="0"/>
                                   </p:stCondLst>
                                   <p:childTnLst>
                                     <p:set>
                                       <p:cBhvr>
-                                        <p:cTn id="44" dur="1" fill="hold">
+                                        <p:cTn id="46" dur="1" fill="hold">
                                           <p:stCondLst>
                                             <p:cond delay="0"/>
                                           </p:stCondLst>
@@ -8971,46 +9246,19 @@
                     </p:cTn>
                   </p:par>
                   <p:par>
-                    <p:cTn id="45" fill="hold">
+                    <p:cTn id="47" fill="hold">
                       <p:stCondLst>
                         <p:cond delay="indefinite"/>
                       </p:stCondLst>
                       <p:childTnLst>
                         <p:par>
-                          <p:cTn id="46" fill="hold">
+                          <p:cTn id="48" fill="hold">
                             <p:stCondLst>
                               <p:cond delay="0"/>
                             </p:stCondLst>
                             <p:childTnLst>
                               <p:par>
-                                <p:cTn id="47" presetID="1" presetClass="entr" presetSubtype="0" fill="hold" grpId="0" nodeType="clickEffect">
-                                  <p:stCondLst>
-                                    <p:cond delay="0"/>
-                                  </p:stCondLst>
-                                  <p:childTnLst>
-                                    <p:set>
-                                      <p:cBhvr>
-                                        <p:cTn id="48" dur="1" fill="hold">
-                                          <p:stCondLst>
-                                            <p:cond delay="0"/>
-                                          </p:stCondLst>
-                                        </p:cTn>
-                                        <p:tgtEl>
-                                          <p:spTgt spid="149"/>
-                                        </p:tgtEl>
-                                        <p:attrNameLst>
-                                          <p:attrName>style.visibility</p:attrName>
-                                        </p:attrNameLst>
-                                      </p:cBhvr>
-                                      <p:to>
-                                        <p:strVal val="visible"/>
-                                      </p:to>
-                                    </p:set>
-                                  </p:childTnLst>
-                                </p:cTn>
-                              </p:par>
-                              <p:par>
-                                <p:cTn id="49" presetID="1" presetClass="entr" presetSubtype="0" fill="hold" nodeType="withEffect">
+                                <p:cTn id="49" presetID="1" presetClass="entr" presetSubtype="0" fill="hold" grpId="0" nodeType="clickEffect">
                                   <p:stCondLst>
                                     <p:cond delay="0"/>
                                   </p:stCondLst>
@@ -9023,7 +9271,7 @@
                                           </p:stCondLst>
                                         </p:cTn>
                                         <p:tgtEl>
-                                          <p:spTgt spid="143"/>
+                                          <p:spTgt spid="149"/>
                                         </p:tgtEl>
                                         <p:attrNameLst>
                                           <p:attrName>style.visibility</p:attrName>
@@ -9050,6 +9298,33 @@
                                           </p:stCondLst>
                                         </p:cTn>
                                         <p:tgtEl>
+                                          <p:spTgt spid="143"/>
+                                        </p:tgtEl>
+                                        <p:attrNameLst>
+                                          <p:attrName>style.visibility</p:attrName>
+                                        </p:attrNameLst>
+                                      </p:cBhvr>
+                                      <p:to>
+                                        <p:strVal val="visible"/>
+                                      </p:to>
+                                    </p:set>
+                                  </p:childTnLst>
+                                </p:cTn>
+                              </p:par>
+                              <p:par>
+                                <p:cTn id="53" presetID="1" presetClass="entr" presetSubtype="0" fill="hold" nodeType="withEffect">
+                                  <p:stCondLst>
+                                    <p:cond delay="0"/>
+                                  </p:stCondLst>
+                                  <p:childTnLst>
+                                    <p:set>
+                                      <p:cBhvr>
+                                        <p:cTn id="54" dur="1" fill="hold">
+                                          <p:stCondLst>
+                                            <p:cond delay="0"/>
+                                          </p:stCondLst>
+                                        </p:cTn>
+                                        <p:tgtEl>
                                           <p:spTgt spid="29"/>
                                         </p:tgtEl>
                                         <p:attrNameLst>
@@ -9070,46 +9345,19 @@
                     </p:cTn>
                   </p:par>
                   <p:par>
-                    <p:cTn id="53" fill="hold">
+                    <p:cTn id="55" fill="hold">
                       <p:stCondLst>
                         <p:cond delay="indefinite"/>
                       </p:stCondLst>
                       <p:childTnLst>
                         <p:par>
-                          <p:cTn id="54" fill="hold">
+                          <p:cTn id="56" fill="hold">
                             <p:stCondLst>
                               <p:cond delay="0"/>
                             </p:stCondLst>
                             <p:childTnLst>
                               <p:par>
-                                <p:cTn id="55" presetID="1" presetClass="entr" presetSubtype="0" fill="hold" nodeType="clickEffect">
-                                  <p:stCondLst>
-                                    <p:cond delay="0"/>
-                                  </p:stCondLst>
-                                  <p:childTnLst>
-                                    <p:set>
-                                      <p:cBhvr>
-                                        <p:cTn id="56" dur="1" fill="hold">
-                                          <p:stCondLst>
-                                            <p:cond delay="0"/>
-                                          </p:stCondLst>
-                                        </p:cTn>
-                                        <p:tgtEl>
-                                          <p:spTgt spid="187"/>
-                                        </p:tgtEl>
-                                        <p:attrNameLst>
-                                          <p:attrName>style.visibility</p:attrName>
-                                        </p:attrNameLst>
-                                      </p:cBhvr>
-                                      <p:to>
-                                        <p:strVal val="visible"/>
-                                      </p:to>
-                                    </p:set>
-                                  </p:childTnLst>
-                                </p:cTn>
-                              </p:par>
-                              <p:par>
-                                <p:cTn id="57" presetID="1" presetClass="entr" presetSubtype="0" fill="hold" nodeType="withEffect">
+                                <p:cTn id="57" presetID="1" presetClass="entr" presetSubtype="0" fill="hold" nodeType="clickEffect">
                                   <p:stCondLst>
                                     <p:cond delay="0"/>
                                   </p:stCondLst>
@@ -9122,7 +9370,7 @@
                                           </p:stCondLst>
                                         </p:cTn>
                                         <p:tgtEl>
-                                          <p:spTgt spid="191"/>
+                                          <p:spTgt spid="187"/>
                                         </p:tgtEl>
                                         <p:attrNameLst>
                                           <p:attrName>style.visibility</p:attrName>
@@ -9149,7 +9397,7 @@
                                           </p:stCondLst>
                                         </p:cTn>
                                         <p:tgtEl>
-                                          <p:spTgt spid="192"/>
+                                          <p:spTgt spid="191"/>
                                         </p:tgtEl>
                                         <p:attrNameLst>
                                           <p:attrName>style.visibility</p:attrName>
@@ -9163,7 +9411,7 @@
                                 </p:cTn>
                               </p:par>
                               <p:par>
-                                <p:cTn id="61" presetID="1" presetClass="entr" presetSubtype="0" fill="hold" grpId="0" nodeType="withEffect">
+                                <p:cTn id="61" presetID="1" presetClass="entr" presetSubtype="0" fill="hold" nodeType="withEffect">
                                   <p:stCondLst>
                                     <p:cond delay="0"/>
                                   </p:stCondLst>
@@ -9176,7 +9424,7 @@
                                           </p:stCondLst>
                                         </p:cTn>
                                         <p:tgtEl>
-                                          <p:spTgt spid="197"/>
+                                          <p:spTgt spid="192"/>
                                         </p:tgtEl>
                                         <p:attrNameLst>
                                           <p:attrName>style.visibility</p:attrName>
@@ -9203,7 +9451,7 @@
                                           </p:stCondLst>
                                         </p:cTn>
                                         <p:tgtEl>
-                                          <p:spTgt spid="101"/>
+                                          <p:spTgt spid="197"/>
                                         </p:tgtEl>
                                         <p:attrNameLst>
                                           <p:attrName>style.visibility</p:attrName>
@@ -9230,6 +9478,33 @@
                                           </p:stCondLst>
                                         </p:cTn>
                                         <p:tgtEl>
+                                          <p:spTgt spid="101"/>
+                                        </p:tgtEl>
+                                        <p:attrNameLst>
+                                          <p:attrName>style.visibility</p:attrName>
+                                        </p:attrNameLst>
+                                      </p:cBhvr>
+                                      <p:to>
+                                        <p:strVal val="visible"/>
+                                      </p:to>
+                                    </p:set>
+                                  </p:childTnLst>
+                                </p:cTn>
+                              </p:par>
+                              <p:par>
+                                <p:cTn id="67" presetID="1" presetClass="entr" presetSubtype="0" fill="hold" grpId="0" nodeType="withEffect">
+                                  <p:stCondLst>
+                                    <p:cond delay="0"/>
+                                  </p:stCondLst>
+                                  <p:childTnLst>
+                                    <p:set>
+                                      <p:cBhvr>
+                                        <p:cTn id="68" dur="1" fill="hold">
+                                          <p:stCondLst>
+                                            <p:cond delay="0"/>
+                                          </p:stCondLst>
+                                        </p:cTn>
+                                        <p:tgtEl>
                                           <p:spTgt spid="100"/>
                                         </p:tgtEl>
                                         <p:attrNameLst>
@@ -9244,14 +9519,14 @@
                                 </p:cTn>
                               </p:par>
                               <p:par>
-                                <p:cTn id="67" presetID="1" presetClass="entr" presetSubtype="0" fill="hold" nodeType="withEffect">
+                                <p:cTn id="69" presetID="1" presetClass="entr" presetSubtype="0" fill="hold" nodeType="withEffect">
                                   <p:stCondLst>
                                     <p:cond delay="0"/>
                                   </p:stCondLst>
                                   <p:childTnLst>
                                     <p:set>
                                       <p:cBhvr>
-                                        <p:cTn id="68" dur="1" fill="hold">
+                                        <p:cTn id="70" dur="1" fill="hold">
                                           <p:stCondLst>
                                             <p:cond delay="0"/>
                                           </p:stCondLst>
@@ -9277,26 +9552,26 @@
                     </p:cTn>
                   </p:par>
                   <p:par>
-                    <p:cTn id="69" fill="hold">
+                    <p:cTn id="71" fill="hold">
                       <p:stCondLst>
                         <p:cond delay="indefinite"/>
                       </p:stCondLst>
                       <p:childTnLst>
                         <p:par>
-                          <p:cTn id="70" fill="hold">
+                          <p:cTn id="72" fill="hold">
                             <p:stCondLst>
                               <p:cond delay="0"/>
                             </p:stCondLst>
                             <p:childTnLst>
                               <p:par>
-                                <p:cTn id="71" presetID="1" presetClass="entr" presetSubtype="0" fill="hold" nodeType="clickEffect">
+                                <p:cTn id="73" presetID="1" presetClass="entr" presetSubtype="0" fill="hold" nodeType="clickEffect">
                                   <p:stCondLst>
                                     <p:cond delay="0"/>
                                   </p:stCondLst>
                                   <p:childTnLst>
                                     <p:set>
                                       <p:cBhvr>
-                                        <p:cTn id="72" dur="1" fill="hold">
+                                        <p:cTn id="74" dur="1" fill="hold">
                                           <p:stCondLst>
                                             <p:cond delay="0"/>
                                           </p:stCondLst>
@@ -9316,14 +9591,14 @@
                                 </p:cTn>
                               </p:par>
                               <p:par>
-                                <p:cTn id="73" presetID="1" presetClass="entr" presetSubtype="0" fill="hold" nodeType="withEffect">
+                                <p:cTn id="75" presetID="1" presetClass="entr" presetSubtype="0" fill="hold" nodeType="withEffect">
                                   <p:stCondLst>
                                     <p:cond delay="0"/>
                                   </p:stCondLst>
                                   <p:childTnLst>
                                     <p:set>
                                       <p:cBhvr>
-                                        <p:cTn id="74" dur="1" fill="hold">
+                                        <p:cTn id="76" dur="1" fill="hold">
                                           <p:stCondLst>
                                             <p:cond delay="0"/>
                                           </p:stCondLst>
@@ -9343,34 +9618,7 @@
                                 </p:cTn>
                               </p:par>
                               <p:par>
-                                <p:cTn id="75" presetID="1" presetClass="entr" presetSubtype="0" fill="hold" grpId="0" nodeType="withEffect">
-                                  <p:stCondLst>
-                                    <p:cond delay="0"/>
-                                  </p:stCondLst>
-                                  <p:childTnLst>
-                                    <p:set>
-                                      <p:cBhvr>
-                                        <p:cTn id="76" dur="1" fill="hold">
-                                          <p:stCondLst>
-                                            <p:cond delay="0"/>
-                                          </p:stCondLst>
-                                        </p:cTn>
-                                        <p:tgtEl>
-                                          <p:spTgt spid="295"/>
-                                        </p:tgtEl>
-                                        <p:attrNameLst>
-                                          <p:attrName>style.visibility</p:attrName>
-                                        </p:attrNameLst>
-                                      </p:cBhvr>
-                                      <p:to>
-                                        <p:strVal val="visible"/>
-                                      </p:to>
-                                    </p:set>
-                                  </p:childTnLst>
-                                </p:cTn>
-                              </p:par>
-                              <p:par>
-                                <p:cTn id="77" presetID="1" presetClass="entr" presetSubtype="0" fill="hold" nodeType="withEffect">
+                                <p:cTn id="77" presetID="1" presetClass="entr" presetSubtype="0" fill="hold" grpId="0" nodeType="withEffect">
                                   <p:stCondLst>
                                     <p:cond delay="0"/>
                                   </p:stCondLst>
@@ -9383,7 +9631,7 @@
                                           </p:stCondLst>
                                         </p:cTn>
                                         <p:tgtEl>
-                                          <p:spTgt spid="296"/>
+                                          <p:spTgt spid="295"/>
                                         </p:tgtEl>
                                         <p:attrNameLst>
                                           <p:attrName>style.visibility</p:attrName>
@@ -9410,6 +9658,33 @@
                                           </p:stCondLst>
                                         </p:cTn>
                                         <p:tgtEl>
+                                          <p:spTgt spid="296"/>
+                                        </p:tgtEl>
+                                        <p:attrNameLst>
+                                          <p:attrName>style.visibility</p:attrName>
+                                        </p:attrNameLst>
+                                      </p:cBhvr>
+                                      <p:to>
+                                        <p:strVal val="visible"/>
+                                      </p:to>
+                                    </p:set>
+                                  </p:childTnLst>
+                                </p:cTn>
+                              </p:par>
+                              <p:par>
+                                <p:cTn id="81" presetID="1" presetClass="entr" presetSubtype="0" fill="hold" nodeType="withEffect">
+                                  <p:stCondLst>
+                                    <p:cond delay="0"/>
+                                  </p:stCondLst>
+                                  <p:childTnLst>
+                                    <p:set>
+                                      <p:cBhvr>
+                                        <p:cTn id="82" dur="1" fill="hold">
+                                          <p:stCondLst>
+                                            <p:cond delay="0"/>
+                                          </p:stCondLst>
+                                        </p:cTn>
+                                        <p:tgtEl>
                                           <p:spTgt spid="297"/>
                                         </p:tgtEl>
                                         <p:attrNameLst>
@@ -9424,14 +9699,14 @@
                                 </p:cTn>
                               </p:par>
                               <p:par>
-                                <p:cTn id="81" presetID="1" presetClass="entr" presetSubtype="0" fill="hold" grpId="0" nodeType="withEffect">
+                                <p:cTn id="83" presetID="1" presetClass="entr" presetSubtype="0" fill="hold" grpId="0" nodeType="withEffect">
                                   <p:stCondLst>
                                     <p:cond delay="0"/>
                                   </p:stCondLst>
                                   <p:childTnLst>
                                     <p:set>
                                       <p:cBhvr>
-                                        <p:cTn id="82" dur="1" fill="hold">
+                                        <p:cTn id="84" dur="1" fill="hold">
                                           <p:stCondLst>
                                             <p:cond delay="0"/>
                                           </p:stCondLst>
@@ -9457,46 +9732,19 @@
                     </p:cTn>
                   </p:par>
                   <p:par>
-                    <p:cTn id="83" fill="hold">
+                    <p:cTn id="85" fill="hold">
                       <p:stCondLst>
                         <p:cond delay="indefinite"/>
                       </p:stCondLst>
                       <p:childTnLst>
                         <p:par>
-                          <p:cTn id="84" fill="hold">
+                          <p:cTn id="86" fill="hold">
                             <p:stCondLst>
                               <p:cond delay="0"/>
                             </p:stCondLst>
                             <p:childTnLst>
                               <p:par>
-                                <p:cTn id="85" presetID="1" presetClass="entr" presetSubtype="0" fill="hold" grpId="0" nodeType="clickEffect">
-                                  <p:stCondLst>
-                                    <p:cond delay="0"/>
-                                  </p:stCondLst>
-                                  <p:childTnLst>
-                                    <p:set>
-                                      <p:cBhvr>
-                                        <p:cTn id="86" dur="1" fill="hold">
-                                          <p:stCondLst>
-                                            <p:cond delay="0"/>
-                                          </p:stCondLst>
-                                        </p:cTn>
-                                        <p:tgtEl>
-                                          <p:spTgt spid="53"/>
-                                        </p:tgtEl>
-                                        <p:attrNameLst>
-                                          <p:attrName>style.visibility</p:attrName>
-                                        </p:attrNameLst>
-                                      </p:cBhvr>
-                                      <p:to>
-                                        <p:strVal val="visible"/>
-                                      </p:to>
-                                    </p:set>
-                                  </p:childTnLst>
-                                </p:cTn>
-                              </p:par>
-                              <p:par>
-                                <p:cTn id="87" presetID="1" presetClass="entr" presetSubtype="0" fill="hold" nodeType="withEffect">
+                                <p:cTn id="87" presetID="1" presetClass="entr" presetSubtype="0" fill="hold" grpId="0" nodeType="clickEffect">
                                   <p:stCondLst>
                                     <p:cond delay="0"/>
                                   </p:stCondLst>
@@ -9509,7 +9757,7 @@
                                           </p:stCondLst>
                                         </p:cTn>
                                         <p:tgtEl>
-                                          <p:spTgt spid="130"/>
+                                          <p:spTgt spid="53"/>
                                         </p:tgtEl>
                                         <p:attrNameLst>
                                           <p:attrName>style.visibility</p:attrName>
@@ -9536,7 +9784,7 @@
                                           </p:stCondLst>
                                         </p:cTn>
                                         <p:tgtEl>
-                                          <p:spTgt spid="132"/>
+                                          <p:spTgt spid="130"/>
                                         </p:tgtEl>
                                         <p:attrNameLst>
                                           <p:attrName>style.visibility</p:attrName>
@@ -9563,6 +9811,33 @@
                                           </p:stCondLst>
                                         </p:cTn>
                                         <p:tgtEl>
+                                          <p:spTgt spid="132"/>
+                                        </p:tgtEl>
+                                        <p:attrNameLst>
+                                          <p:attrName>style.visibility</p:attrName>
+                                        </p:attrNameLst>
+                                      </p:cBhvr>
+                                      <p:to>
+                                        <p:strVal val="visible"/>
+                                      </p:to>
+                                    </p:set>
+                                  </p:childTnLst>
+                                </p:cTn>
+                              </p:par>
+                              <p:par>
+                                <p:cTn id="93" presetID="1" presetClass="entr" presetSubtype="0" fill="hold" nodeType="withEffect">
+                                  <p:stCondLst>
+                                    <p:cond delay="0"/>
+                                  </p:stCondLst>
+                                  <p:childTnLst>
+                                    <p:set>
+                                      <p:cBhvr>
+                                        <p:cTn id="94" dur="1" fill="hold">
+                                          <p:stCondLst>
+                                            <p:cond delay="0"/>
+                                          </p:stCondLst>
+                                        </p:cTn>
+                                        <p:tgtEl>
                                           <p:spTgt spid="67"/>
                                         </p:tgtEl>
                                         <p:attrNameLst>
@@ -9583,26 +9858,26 @@
                     </p:cTn>
                   </p:par>
                   <p:par>
-                    <p:cTn id="93" fill="hold">
+                    <p:cTn id="95" fill="hold">
                       <p:stCondLst>
                         <p:cond delay="indefinite"/>
                       </p:stCondLst>
                       <p:childTnLst>
                         <p:par>
-                          <p:cTn id="94" fill="hold">
+                          <p:cTn id="96" fill="hold">
                             <p:stCondLst>
                               <p:cond delay="0"/>
                             </p:stCondLst>
                             <p:childTnLst>
                               <p:par>
-                                <p:cTn id="95" presetID="1" presetClass="entr" presetSubtype="0" fill="hold" nodeType="clickEffect">
+                                <p:cTn id="97" presetID="1" presetClass="entr" presetSubtype="0" fill="hold" nodeType="clickEffect">
                                   <p:stCondLst>
                                     <p:cond delay="0"/>
                                   </p:stCondLst>
                                   <p:childTnLst>
                                     <p:set>
                                       <p:cBhvr>
-                                        <p:cTn id="96" dur="1" fill="hold">
+                                        <p:cTn id="98" dur="1" fill="hold">
                                           <p:stCondLst>
                                             <p:cond delay="0"/>
                                           </p:stCondLst>
@@ -9622,14 +9897,14 @@
                                 </p:cTn>
                               </p:par>
                               <p:par>
-                                <p:cTn id="97" presetID="1" presetClass="entr" presetSubtype="0" fill="hold" nodeType="withEffect">
+                                <p:cTn id="99" presetID="1" presetClass="entr" presetSubtype="0" fill="hold" nodeType="withEffect">
                                   <p:stCondLst>
                                     <p:cond delay="0"/>
                                   </p:stCondLst>
                                   <p:childTnLst>
                                     <p:set>
                                       <p:cBhvr>
-                                        <p:cTn id="98" dur="1" fill="hold">
+                                        <p:cTn id="100" dur="1" fill="hold">
                                           <p:stCondLst>
                                             <p:cond delay="0"/>
                                           </p:stCondLst>
@@ -9649,34 +9924,7 @@
                                 </p:cTn>
                               </p:par>
                               <p:par>
-                                <p:cTn id="99" presetID="1" presetClass="entr" presetSubtype="0" fill="hold" grpId="0" nodeType="withEffect">
-                                  <p:stCondLst>
-                                    <p:cond delay="0"/>
-                                  </p:stCondLst>
-                                  <p:childTnLst>
-                                    <p:set>
-                                      <p:cBhvr>
-                                        <p:cTn id="100" dur="1" fill="hold">
-                                          <p:stCondLst>
-                                            <p:cond delay="0"/>
-                                          </p:stCondLst>
-                                        </p:cTn>
-                                        <p:tgtEl>
-                                          <p:spTgt spid="178"/>
-                                        </p:tgtEl>
-                                        <p:attrNameLst>
-                                          <p:attrName>style.visibility</p:attrName>
-                                        </p:attrNameLst>
-                                      </p:cBhvr>
-                                      <p:to>
-                                        <p:strVal val="visible"/>
-                                      </p:to>
-                                    </p:set>
-                                  </p:childTnLst>
-                                </p:cTn>
-                              </p:par>
-                              <p:par>
-                                <p:cTn id="101" presetID="1" presetClass="entr" presetSubtype="0" fill="hold" nodeType="withEffect">
+                                <p:cTn id="101" presetID="1" presetClass="entr" presetSubtype="0" fill="hold" grpId="0" nodeType="withEffect">
                                   <p:stCondLst>
                                     <p:cond delay="0"/>
                                   </p:stCondLst>
@@ -9689,7 +9937,7 @@
                                           </p:stCondLst>
                                         </p:cTn>
                                         <p:tgtEl>
-                                          <p:spTgt spid="129"/>
+                                          <p:spTgt spid="178"/>
                                         </p:tgtEl>
                                         <p:attrNameLst>
                                           <p:attrName>style.visibility</p:attrName>
@@ -9716,6 +9964,33 @@
                                           </p:stCondLst>
                                         </p:cTn>
                                         <p:tgtEl>
+                                          <p:spTgt spid="129"/>
+                                        </p:tgtEl>
+                                        <p:attrNameLst>
+                                          <p:attrName>style.visibility</p:attrName>
+                                        </p:attrNameLst>
+                                      </p:cBhvr>
+                                      <p:to>
+                                        <p:strVal val="visible"/>
+                                      </p:to>
+                                    </p:set>
+                                  </p:childTnLst>
+                                </p:cTn>
+                              </p:par>
+                              <p:par>
+                                <p:cTn id="105" presetID="1" presetClass="entr" presetSubtype="0" fill="hold" nodeType="withEffect">
+                                  <p:stCondLst>
+                                    <p:cond delay="0"/>
+                                  </p:stCondLst>
+                                  <p:childTnLst>
+                                    <p:set>
+                                      <p:cBhvr>
+                                        <p:cTn id="106" dur="1" fill="hold">
+                                          <p:stCondLst>
+                                            <p:cond delay="0"/>
+                                          </p:stCondLst>
+                                        </p:cTn>
+                                        <p:tgtEl>
                                           <p:spTgt spid="179"/>
                                         </p:tgtEl>
                                         <p:attrNameLst>
@@ -9736,26 +10011,26 @@
                     </p:cTn>
                   </p:par>
                   <p:par>
-                    <p:cTn id="105" fill="hold">
+                    <p:cTn id="107" fill="hold">
                       <p:stCondLst>
                         <p:cond delay="indefinite"/>
                       </p:stCondLst>
                       <p:childTnLst>
                         <p:par>
-                          <p:cTn id="106" fill="hold">
+                          <p:cTn id="108" fill="hold">
                             <p:stCondLst>
                               <p:cond delay="0"/>
                             </p:stCondLst>
                             <p:childTnLst>
                               <p:par>
-                                <p:cTn id="107" presetID="1" presetClass="entr" presetSubtype="0" fill="hold" grpId="0" nodeType="clickEffect">
+                                <p:cTn id="109" presetID="1" presetClass="entr" presetSubtype="0" fill="hold" grpId="0" nodeType="clickEffect">
                                   <p:stCondLst>
                                     <p:cond delay="0"/>
                                   </p:stCondLst>
                                   <p:childTnLst>
                                     <p:set>
                                       <p:cBhvr>
-                                        <p:cTn id="108" dur="1" fill="hold">
+                                        <p:cTn id="110" dur="1" fill="hold">
                                           <p:stCondLst>
                                             <p:cond delay="0"/>
                                           </p:stCondLst>
@@ -9781,32 +10056,32 @@
                     </p:cTn>
                   </p:par>
                   <p:par>
-                    <p:cTn id="109" fill="hold">
+                    <p:cTn id="111" fill="hold">
                       <p:stCondLst>
                         <p:cond delay="indefinite"/>
                       </p:stCondLst>
                       <p:childTnLst>
                         <p:par>
-                          <p:cTn id="110" fill="hold">
+                          <p:cTn id="112" fill="hold">
                             <p:stCondLst>
                               <p:cond delay="0"/>
                             </p:stCondLst>
                             <p:childTnLst>
                               <p:par>
-                                <p:cTn id="111" presetID="1" presetClass="entr" presetSubtype="0" fill="hold" grpId="0" nodeType="clickEffect">
+                                <p:cTn id="113" presetID="1" presetClass="entr" presetSubtype="0" fill="hold" grpId="0" nodeType="clickEffect">
                                   <p:stCondLst>
                                     <p:cond delay="0"/>
                                   </p:stCondLst>
                                   <p:childTnLst>
                                     <p:set>
                                       <p:cBhvr>
-                                        <p:cTn id="112" dur="1" fill="hold">
+                                        <p:cTn id="114" dur="1" fill="hold">
                                           <p:stCondLst>
                                             <p:cond delay="0"/>
                                           </p:stCondLst>
                                         </p:cTn>
                                         <p:tgtEl>
-                                          <p:spTgt spid="37"/>
+                                          <p:spTgt spid="115"/>
                                         </p:tgtEl>
                                         <p:attrNameLst>
                                           <p:attrName>style.visibility</p:attrName>
@@ -9819,26 +10094,8 @@
                                   </p:childTnLst>
                                 </p:cTn>
                               </p:par>
-                            </p:childTnLst>
-                          </p:cTn>
-                        </p:par>
-                      </p:childTnLst>
-                    </p:cTn>
-                  </p:par>
-                  <p:par>
-                    <p:cTn id="113" fill="hold">
-                      <p:stCondLst>
-                        <p:cond delay="indefinite"/>
-                      </p:stCondLst>
-                      <p:childTnLst>
-                        <p:par>
-                          <p:cTn id="114" fill="hold">
-                            <p:stCondLst>
-                              <p:cond delay="0"/>
-                            </p:stCondLst>
-                            <p:childTnLst>
                               <p:par>
-                                <p:cTn id="115" presetID="1" presetClass="entr" presetSubtype="0" fill="hold" nodeType="clickEffect">
+                                <p:cTn id="115" presetID="1" presetClass="entr" presetSubtype="0" fill="hold" grpId="0" nodeType="withEffect">
                                   <p:stCondLst>
                                     <p:cond delay="0"/>
                                   </p:stCondLst>
@@ -9851,7 +10108,7 @@
                                           </p:stCondLst>
                                         </p:cTn>
                                         <p:tgtEl>
-                                          <p:spTgt spid="125"/>
+                                          <p:spTgt spid="110"/>
                                         </p:tgtEl>
                                         <p:attrNameLst>
                                           <p:attrName>style.visibility</p:attrName>
@@ -9878,6 +10135,231 @@
                                           </p:stCondLst>
                                         </p:cTn>
                                         <p:tgtEl>
+                                          <p:spTgt spid="108"/>
+                                        </p:tgtEl>
+                                        <p:attrNameLst>
+                                          <p:attrName>style.visibility</p:attrName>
+                                        </p:attrNameLst>
+                                      </p:cBhvr>
+                                      <p:to>
+                                        <p:strVal val="visible"/>
+                                      </p:to>
+                                    </p:set>
+                                  </p:childTnLst>
+                                </p:cTn>
+                              </p:par>
+                              <p:par>
+                                <p:cTn id="119" presetID="1" presetClass="entr" presetSubtype="0" fill="hold" nodeType="withEffect">
+                                  <p:stCondLst>
+                                    <p:cond delay="0"/>
+                                  </p:stCondLst>
+                                  <p:childTnLst>
+                                    <p:set>
+                                      <p:cBhvr>
+                                        <p:cTn id="120" dur="1" fill="hold">
+                                          <p:stCondLst>
+                                            <p:cond delay="0"/>
+                                          </p:stCondLst>
+                                        </p:cTn>
+                                        <p:tgtEl>
+                                          <p:spTgt spid="111"/>
+                                        </p:tgtEl>
+                                        <p:attrNameLst>
+                                          <p:attrName>style.visibility</p:attrName>
+                                        </p:attrNameLst>
+                                      </p:cBhvr>
+                                      <p:to>
+                                        <p:strVal val="visible"/>
+                                      </p:to>
+                                    </p:set>
+                                  </p:childTnLst>
+                                </p:cTn>
+                              </p:par>
+                              <p:par>
+                                <p:cTn id="121" presetID="1" presetClass="entr" presetSubtype="0" fill="hold" nodeType="withEffect">
+                                  <p:stCondLst>
+                                    <p:cond delay="0"/>
+                                  </p:stCondLst>
+                                  <p:childTnLst>
+                                    <p:set>
+                                      <p:cBhvr>
+                                        <p:cTn id="122" dur="1" fill="hold">
+                                          <p:stCondLst>
+                                            <p:cond delay="0"/>
+                                          </p:stCondLst>
+                                        </p:cTn>
+                                        <p:tgtEl>
+                                          <p:spTgt spid="106"/>
+                                        </p:tgtEl>
+                                        <p:attrNameLst>
+                                          <p:attrName>style.visibility</p:attrName>
+                                        </p:attrNameLst>
+                                      </p:cBhvr>
+                                      <p:to>
+                                        <p:strVal val="visible"/>
+                                      </p:to>
+                                    </p:set>
+                                  </p:childTnLst>
+                                </p:cTn>
+                              </p:par>
+                              <p:par>
+                                <p:cTn id="123" presetID="1" presetClass="entr" presetSubtype="0" fill="hold" nodeType="withEffect">
+                                  <p:stCondLst>
+                                    <p:cond delay="0"/>
+                                  </p:stCondLst>
+                                  <p:childTnLst>
+                                    <p:set>
+                                      <p:cBhvr>
+                                        <p:cTn id="124" dur="1" fill="hold">
+                                          <p:stCondLst>
+                                            <p:cond delay="0"/>
+                                          </p:stCondLst>
+                                        </p:cTn>
+                                        <p:tgtEl>
+                                          <p:spTgt spid="120"/>
+                                        </p:tgtEl>
+                                        <p:attrNameLst>
+                                          <p:attrName>style.visibility</p:attrName>
+                                        </p:attrNameLst>
+                                      </p:cBhvr>
+                                      <p:to>
+                                        <p:strVal val="visible"/>
+                                      </p:to>
+                                    </p:set>
+                                  </p:childTnLst>
+                                </p:cTn>
+                              </p:par>
+                              <p:par>
+                                <p:cTn id="125" presetID="1" presetClass="entr" presetSubtype="0" fill="hold" nodeType="withEffect">
+                                  <p:stCondLst>
+                                    <p:cond delay="0"/>
+                                  </p:stCondLst>
+                                  <p:childTnLst>
+                                    <p:set>
+                                      <p:cBhvr>
+                                        <p:cTn id="126" dur="1" fill="hold">
+                                          <p:stCondLst>
+                                            <p:cond delay="0"/>
+                                          </p:stCondLst>
+                                        </p:cTn>
+                                        <p:tgtEl>
+                                          <p:spTgt spid="107"/>
+                                        </p:tgtEl>
+                                        <p:attrNameLst>
+                                          <p:attrName>style.visibility</p:attrName>
+                                        </p:attrNameLst>
+                                      </p:cBhvr>
+                                      <p:to>
+                                        <p:strVal val="visible"/>
+                                      </p:to>
+                                    </p:set>
+                                  </p:childTnLst>
+                                </p:cTn>
+                              </p:par>
+                            </p:childTnLst>
+                          </p:cTn>
+                        </p:par>
+                      </p:childTnLst>
+                    </p:cTn>
+                  </p:par>
+                  <p:par>
+                    <p:cTn id="127" fill="hold">
+                      <p:stCondLst>
+                        <p:cond delay="indefinite"/>
+                      </p:stCondLst>
+                      <p:childTnLst>
+                        <p:par>
+                          <p:cTn id="128" fill="hold">
+                            <p:stCondLst>
+                              <p:cond delay="0"/>
+                            </p:stCondLst>
+                            <p:childTnLst>
+                              <p:par>
+                                <p:cTn id="129" presetID="1" presetClass="entr" presetSubtype="0" fill="hold" grpId="0" nodeType="clickEffect">
+                                  <p:stCondLst>
+                                    <p:cond delay="0"/>
+                                  </p:stCondLst>
+                                  <p:childTnLst>
+                                    <p:set>
+                                      <p:cBhvr>
+                                        <p:cTn id="130" dur="1" fill="hold">
+                                          <p:stCondLst>
+                                            <p:cond delay="0"/>
+                                          </p:stCondLst>
+                                        </p:cTn>
+                                        <p:tgtEl>
+                                          <p:spTgt spid="37"/>
+                                        </p:tgtEl>
+                                        <p:attrNameLst>
+                                          <p:attrName>style.visibility</p:attrName>
+                                        </p:attrNameLst>
+                                      </p:cBhvr>
+                                      <p:to>
+                                        <p:strVal val="visible"/>
+                                      </p:to>
+                                    </p:set>
+                                  </p:childTnLst>
+                                </p:cTn>
+                              </p:par>
+                            </p:childTnLst>
+                          </p:cTn>
+                        </p:par>
+                      </p:childTnLst>
+                    </p:cTn>
+                  </p:par>
+                  <p:par>
+                    <p:cTn id="131" fill="hold">
+                      <p:stCondLst>
+                        <p:cond delay="indefinite"/>
+                      </p:stCondLst>
+                      <p:childTnLst>
+                        <p:par>
+                          <p:cTn id="132" fill="hold">
+                            <p:stCondLst>
+                              <p:cond delay="0"/>
+                            </p:stCondLst>
+                            <p:childTnLst>
+                              <p:par>
+                                <p:cTn id="133" presetID="1" presetClass="entr" presetSubtype="0" fill="hold" nodeType="clickEffect">
+                                  <p:stCondLst>
+                                    <p:cond delay="0"/>
+                                  </p:stCondLst>
+                                  <p:childTnLst>
+                                    <p:set>
+                                      <p:cBhvr>
+                                        <p:cTn id="134" dur="1" fill="hold">
+                                          <p:stCondLst>
+                                            <p:cond delay="0"/>
+                                          </p:stCondLst>
+                                        </p:cTn>
+                                        <p:tgtEl>
+                                          <p:spTgt spid="125"/>
+                                        </p:tgtEl>
+                                        <p:attrNameLst>
+                                          <p:attrName>style.visibility</p:attrName>
+                                        </p:attrNameLst>
+                                      </p:cBhvr>
+                                      <p:to>
+                                        <p:strVal val="visible"/>
+                                      </p:to>
+                                    </p:set>
+                                  </p:childTnLst>
+                                </p:cTn>
+                              </p:par>
+                              <p:par>
+                                <p:cTn id="135" presetID="1" presetClass="entr" presetSubtype="0" fill="hold" nodeType="withEffect">
+                                  <p:stCondLst>
+                                    <p:cond delay="0"/>
+                                  </p:stCondLst>
+                                  <p:childTnLst>
+                                    <p:set>
+                                      <p:cBhvr>
+                                        <p:cTn id="136" dur="1" fill="hold">
+                                          <p:stCondLst>
+                                            <p:cond delay="0"/>
+                                          </p:stCondLst>
+                                        </p:cTn>
+                                        <p:tgtEl>
                                           <p:spTgt spid="63"/>
                                         </p:tgtEl>
                                         <p:attrNameLst>
@@ -9892,14 +10374,14 @@
                                 </p:cTn>
                               </p:par>
                               <p:par>
-                                <p:cTn id="119" presetID="1" presetClass="entr" presetSubtype="0" fill="hold" grpId="0" nodeType="withEffect">
+                                <p:cTn id="137" presetID="1" presetClass="entr" presetSubtype="0" fill="hold" grpId="0" nodeType="withEffect">
                                   <p:stCondLst>
                                     <p:cond delay="0"/>
                                   </p:stCondLst>
                                   <p:childTnLst>
                                     <p:set>
                                       <p:cBhvr>
-                                        <p:cTn id="120" dur="1" fill="hold">
+                                        <p:cTn id="138" dur="1" fill="hold">
                                           <p:stCondLst>
                                             <p:cond delay="0"/>
                                           </p:stCondLst>
@@ -9919,14 +10401,14 @@
                                 </p:cTn>
                               </p:par>
                               <p:par>
-                                <p:cTn id="121" presetID="1" presetClass="entr" presetSubtype="0" fill="hold" grpId="0" nodeType="withEffect">
+                                <p:cTn id="139" presetID="1" presetClass="entr" presetSubtype="0" fill="hold" grpId="0" nodeType="withEffect">
                                   <p:stCondLst>
                                     <p:cond delay="0"/>
                                   </p:stCondLst>
                                   <p:childTnLst>
                                     <p:set>
                                       <p:cBhvr>
-                                        <p:cTn id="122" dur="1" fill="hold">
+                                        <p:cTn id="140" dur="1" fill="hold">
                                           <p:stCondLst>
                                             <p:cond delay="0"/>
                                           </p:stCondLst>
@@ -9952,244 +10434,19 @@
                     </p:cTn>
                   </p:par>
                   <p:par>
-                    <p:cTn id="123" fill="hold">
+                    <p:cTn id="141" fill="hold">
                       <p:stCondLst>
                         <p:cond delay="indefinite"/>
                       </p:stCondLst>
                       <p:childTnLst>
                         <p:par>
-                          <p:cTn id="124" fill="hold">
+                          <p:cTn id="142" fill="hold">
                             <p:stCondLst>
                               <p:cond delay="0"/>
                             </p:stCondLst>
                             <p:childTnLst>
                               <p:par>
-                                <p:cTn id="125" presetID="1" presetClass="entr" presetSubtype="0" fill="hold" nodeType="clickEffect">
-                                  <p:stCondLst>
-                                    <p:cond delay="0"/>
-                                  </p:stCondLst>
-                                  <p:childTnLst>
-                                    <p:set>
-                                      <p:cBhvr>
-                                        <p:cTn id="126" dur="1" fill="hold">
-                                          <p:stCondLst>
-                                            <p:cond delay="0"/>
-                                          </p:stCondLst>
-                                        </p:cTn>
-                                        <p:tgtEl>
-                                          <p:spTgt spid="124"/>
-                                        </p:tgtEl>
-                                        <p:attrNameLst>
-                                          <p:attrName>style.visibility</p:attrName>
-                                        </p:attrNameLst>
-                                      </p:cBhvr>
-                                      <p:to>
-                                        <p:strVal val="visible"/>
-                                      </p:to>
-                                    </p:set>
-                                  </p:childTnLst>
-                                </p:cTn>
-                              </p:par>
-                              <p:par>
-                                <p:cTn id="127" presetID="1" presetClass="entr" presetSubtype="0" fill="hold" nodeType="withEffect">
-                                  <p:stCondLst>
-                                    <p:cond delay="0"/>
-                                  </p:stCondLst>
-                                  <p:childTnLst>
-                                    <p:set>
-                                      <p:cBhvr>
-                                        <p:cTn id="128" dur="1" fill="hold">
-                                          <p:stCondLst>
-                                            <p:cond delay="0"/>
-                                          </p:stCondLst>
-                                        </p:cTn>
-                                        <p:tgtEl>
-                                          <p:spTgt spid="104"/>
-                                        </p:tgtEl>
-                                        <p:attrNameLst>
-                                          <p:attrName>style.visibility</p:attrName>
-                                        </p:attrNameLst>
-                                      </p:cBhvr>
-                                      <p:to>
-                                        <p:strVal val="visible"/>
-                                      </p:to>
-                                    </p:set>
-                                  </p:childTnLst>
-                                </p:cTn>
-                              </p:par>
-                            </p:childTnLst>
-                          </p:cTn>
-                        </p:par>
-                      </p:childTnLst>
-                    </p:cTn>
-                  </p:par>
-                  <p:par>
-                    <p:cTn id="129" fill="hold">
-                      <p:stCondLst>
-                        <p:cond delay="indefinite"/>
-                      </p:stCondLst>
-                      <p:childTnLst>
-                        <p:par>
-                          <p:cTn id="130" fill="hold">
-                            <p:stCondLst>
-                              <p:cond delay="0"/>
-                            </p:stCondLst>
-                            <p:childTnLst>
-                              <p:par>
-                                <p:cTn id="131" presetID="1" presetClass="entr" presetSubtype="0" fill="hold" grpId="0" nodeType="clickEffect">
-                                  <p:stCondLst>
-                                    <p:cond delay="0"/>
-                                  </p:stCondLst>
-                                  <p:childTnLst>
-                                    <p:set>
-                                      <p:cBhvr>
-                                        <p:cTn id="132" dur="1" fill="hold">
-                                          <p:stCondLst>
-                                            <p:cond delay="0"/>
-                                          </p:stCondLst>
-                                        </p:cTn>
-                                        <p:tgtEl>
-                                          <p:spTgt spid="114"/>
-                                        </p:tgtEl>
-                                        <p:attrNameLst>
-                                          <p:attrName>style.visibility</p:attrName>
-                                        </p:attrNameLst>
-                                      </p:cBhvr>
-                                      <p:to>
-                                        <p:strVal val="visible"/>
-                                      </p:to>
-                                    </p:set>
-                                  </p:childTnLst>
-                                </p:cTn>
-                              </p:par>
-                              <p:par>
-                                <p:cTn id="133" presetID="1" presetClass="entr" presetSubtype="0" fill="hold" nodeType="withEffect">
-                                  <p:stCondLst>
-                                    <p:cond delay="0"/>
-                                  </p:stCondLst>
-                                  <p:childTnLst>
-                                    <p:set>
-                                      <p:cBhvr>
-                                        <p:cTn id="134" dur="1" fill="hold">
-                                          <p:stCondLst>
-                                            <p:cond delay="0"/>
-                                          </p:stCondLst>
-                                        </p:cTn>
-                                        <p:tgtEl>
-                                          <p:spTgt spid="105"/>
-                                        </p:tgtEl>
-                                        <p:attrNameLst>
-                                          <p:attrName>style.visibility</p:attrName>
-                                        </p:attrNameLst>
-                                      </p:cBhvr>
-                                      <p:to>
-                                        <p:strVal val="visible"/>
-                                      </p:to>
-                                    </p:set>
-                                  </p:childTnLst>
-                                </p:cTn>
-                              </p:par>
-                            </p:childTnLst>
-                          </p:cTn>
-                        </p:par>
-                      </p:childTnLst>
-                    </p:cTn>
-                  </p:par>
-                  <p:par>
-                    <p:cTn id="135" fill="hold">
-                      <p:stCondLst>
-                        <p:cond delay="indefinite"/>
-                      </p:stCondLst>
-                      <p:childTnLst>
-                        <p:par>
-                          <p:cTn id="136" fill="hold">
-                            <p:stCondLst>
-                              <p:cond delay="0"/>
-                            </p:stCondLst>
-                            <p:childTnLst>
-                              <p:par>
-                                <p:cTn id="137" presetID="1" presetClass="entr" presetSubtype="0" fill="hold" nodeType="clickEffect">
-                                  <p:stCondLst>
-                                    <p:cond delay="0"/>
-                                  </p:stCondLst>
-                                  <p:childTnLst>
-                                    <p:set>
-                                      <p:cBhvr>
-                                        <p:cTn id="138" dur="1" fill="hold">
-                                          <p:stCondLst>
-                                            <p:cond delay="0"/>
-                                          </p:stCondLst>
-                                        </p:cTn>
-                                        <p:tgtEl>
-                                          <p:spTgt spid="69"/>
-                                        </p:tgtEl>
-                                        <p:attrNameLst>
-                                          <p:attrName>style.visibility</p:attrName>
-                                        </p:attrNameLst>
-                                      </p:cBhvr>
-                                      <p:to>
-                                        <p:strVal val="visible"/>
-                                      </p:to>
-                                    </p:set>
-                                  </p:childTnLst>
-                                </p:cTn>
-                              </p:par>
-                              <p:par>
-                                <p:cTn id="139" presetID="1" presetClass="exit" presetSubtype="0" fill="hold" nodeType="withEffect">
-                                  <p:stCondLst>
-                                    <p:cond delay="0"/>
-                                  </p:stCondLst>
-                                  <p:childTnLst>
-                                    <p:set>
-                                      <p:cBhvr>
-                                        <p:cTn id="140" dur="1" fill="hold">
-                                          <p:stCondLst>
-                                            <p:cond delay="0"/>
-                                          </p:stCondLst>
-                                        </p:cTn>
-                                        <p:tgtEl>
-                                          <p:spTgt spid="104"/>
-                                        </p:tgtEl>
-                                        <p:attrNameLst>
-                                          <p:attrName>style.visibility</p:attrName>
-                                        </p:attrNameLst>
-                                      </p:cBhvr>
-                                      <p:to>
-                                        <p:strVal val="hidden"/>
-                                      </p:to>
-                                    </p:set>
-                                  </p:childTnLst>
-                                </p:cTn>
-                              </p:par>
-                              <p:par>
-                                <p:cTn id="141" presetID="1" presetClass="entr" presetSubtype="0" fill="hold" grpId="0" nodeType="withEffect">
-                                  <p:stCondLst>
-                                    <p:cond delay="0"/>
-                                  </p:stCondLst>
-                                  <p:childTnLst>
-                                    <p:set>
-                                      <p:cBhvr>
-                                        <p:cTn id="142" dur="1" fill="hold">
-                                          <p:stCondLst>
-                                            <p:cond delay="0"/>
-                                          </p:stCondLst>
-                                        </p:cTn>
-                                        <p:tgtEl>
-                                          <p:spTgt spid="74"/>
-                                        </p:tgtEl>
-                                        <p:attrNameLst>
-                                          <p:attrName>style.visibility</p:attrName>
-                                        </p:attrNameLst>
-                                      </p:cBhvr>
-                                      <p:to>
-                                        <p:strVal val="visible"/>
-                                      </p:to>
-                                    </p:set>
-                                  </p:childTnLst>
-                                </p:cTn>
-                              </p:par>
-                              <p:par>
-                                <p:cTn id="143" presetID="1" presetClass="entr" presetSubtype="0" fill="hold" nodeType="withEffect">
+                                <p:cTn id="143" presetID="1" presetClass="entr" presetSubtype="0" fill="hold" grpId="0" nodeType="clickEffect">
                                   <p:stCondLst>
                                     <p:cond delay="0"/>
                                   </p:stCondLst>
@@ -10202,7 +10459,7 @@
                                           </p:stCondLst>
                                         </p:cTn>
                                         <p:tgtEl>
-                                          <p:spTgt spid="87"/>
+                                          <p:spTgt spid="114"/>
                                         </p:tgtEl>
                                         <p:attrNameLst>
                                           <p:attrName>style.visibility</p:attrName>
@@ -10229,7 +10486,7 @@
                                           </p:stCondLst>
                                         </p:cTn>
                                         <p:tgtEl>
-                                          <p:spTgt spid="103"/>
+                                          <p:spTgt spid="105"/>
                                         </p:tgtEl>
                                         <p:attrNameLst>
                                           <p:attrName>style.visibility</p:attrName>
@@ -10261,7 +10518,7 @@
                             </p:stCondLst>
                             <p:childTnLst>
                               <p:par>
-                                <p:cTn id="149" presetID="1" presetClass="entr" presetSubtype="0" fill="hold" grpId="0" nodeType="clickEffect">
+                                <p:cTn id="149" presetID="1" presetClass="entr" presetSubtype="0" fill="hold" nodeType="clickEffect">
                                   <p:stCondLst>
                                     <p:cond delay="0"/>
                                   </p:stCondLst>
@@ -10274,7 +10531,7 @@
                                           </p:stCondLst>
                                         </p:cTn>
                                         <p:tgtEl>
-                                          <p:spTgt spid="84"/>
+                                          <p:spTgt spid="124"/>
                                         </p:tgtEl>
                                         <p:attrNameLst>
                                           <p:attrName>style.visibility</p:attrName>
@@ -10301,61 +10558,7 @@
                                           </p:stCondLst>
                                         </p:cTn>
                                         <p:tgtEl>
-                                          <p:spTgt spid="131"/>
-                                        </p:tgtEl>
-                                        <p:attrNameLst>
-                                          <p:attrName>style.visibility</p:attrName>
-                                        </p:attrNameLst>
-                                      </p:cBhvr>
-                                      <p:to>
-                                        <p:strVal val="visible"/>
-                                      </p:to>
-                                    </p:set>
-                                  </p:childTnLst>
-                                </p:cTn>
-                              </p:par>
-                              <p:par>
-                                <p:cTn id="153" presetID="1" presetClass="entr" presetSubtype="0" fill="hold" grpId="0" nodeType="withEffect">
-                                  <p:stCondLst>
-                                    <p:cond delay="0"/>
-                                  </p:stCondLst>
-                                  <p:childTnLst>
-                                    <p:set>
-                                      <p:cBhvr>
-                                        <p:cTn id="154" dur="1" fill="hold">
-                                          <p:stCondLst>
-                                            <p:cond delay="0"/>
-                                          </p:stCondLst>
-                                        </p:cTn>
-                                        <p:tgtEl>
-                                          <p:spTgt spid="83"/>
-                                        </p:tgtEl>
-                                        <p:attrNameLst>
-                                          <p:attrName>style.visibility</p:attrName>
-                                        </p:attrNameLst>
-                                      </p:cBhvr>
-                                      <p:to>
-                                        <p:strVal val="visible"/>
-                                      </p:to>
-                                    </p:set>
-                                  </p:childTnLst>
-                                </p:cTn>
-                              </p:par>
-                              <p:par>
-                                <p:cTn id="155" presetID="1" presetClass="entr" presetSubtype="0" fill="hold" nodeType="withEffect">
-                                  <p:stCondLst>
-                                    <p:cond delay="0"/>
-                                  </p:stCondLst>
-                                  <p:childTnLst>
-                                    <p:set>
-                                      <p:cBhvr>
-                                        <p:cTn id="156" dur="1" fill="hold">
-                                          <p:stCondLst>
-                                            <p:cond delay="0"/>
-                                          </p:stCondLst>
-                                        </p:cTn>
-                                        <p:tgtEl>
-                                          <p:spTgt spid="96"/>
+                                          <p:spTgt spid="104"/>
                                         </p:tgtEl>
                                         <p:attrNameLst>
                                           <p:attrName>style.visibility</p:attrName>
@@ -10375,19 +10578,73 @@
                     </p:cTn>
                   </p:par>
                   <p:par>
-                    <p:cTn id="157" fill="hold">
+                    <p:cTn id="153" fill="hold">
                       <p:stCondLst>
                         <p:cond delay="indefinite"/>
                       </p:stCondLst>
                       <p:childTnLst>
                         <p:par>
-                          <p:cTn id="158" fill="hold">
+                          <p:cTn id="154" fill="hold">
                             <p:stCondLst>
                               <p:cond delay="0"/>
                             </p:stCondLst>
                             <p:childTnLst>
                               <p:par>
-                                <p:cTn id="159" presetID="1" presetClass="entr" presetSubtype="0" fill="hold" grpId="0" nodeType="clickEffect">
+                                <p:cTn id="155" presetID="1" presetClass="entr" presetSubtype="0" fill="hold" nodeType="clickEffect">
+                                  <p:stCondLst>
+                                    <p:cond delay="0"/>
+                                  </p:stCondLst>
+                                  <p:childTnLst>
+                                    <p:set>
+                                      <p:cBhvr>
+                                        <p:cTn id="156" dur="1" fill="hold">
+                                          <p:stCondLst>
+                                            <p:cond delay="0"/>
+                                          </p:stCondLst>
+                                        </p:cTn>
+                                        <p:tgtEl>
+                                          <p:spTgt spid="69"/>
+                                        </p:tgtEl>
+                                        <p:attrNameLst>
+                                          <p:attrName>style.visibility</p:attrName>
+                                        </p:attrNameLst>
+                                      </p:cBhvr>
+                                      <p:to>
+                                        <p:strVal val="visible"/>
+                                      </p:to>
+                                    </p:set>
+                                  </p:childTnLst>
+                                </p:cTn>
+                              </p:par>
+                              <p:par>
+                                <p:cTn id="157" presetID="1" presetClass="exit" presetSubtype="0" fill="hold" nodeType="withEffect">
+                                  <p:stCondLst>
+                                    <p:cond delay="0"/>
+                                  </p:stCondLst>
+                                  <p:childTnLst>
+                                    <p:set>
+                                      <p:cBhvr>
+                                        <p:cTn id="158" dur="1" fill="hold">
+                                          <p:stCondLst>
+                                            <p:cond delay="0"/>
+                                          </p:stCondLst>
+                                        </p:cTn>
+                                        <p:tgtEl>
+                                          <p:spTgt spid="104"/>
+                                        </p:tgtEl>
+                                        <p:attrNameLst>
+                                          <p:attrName>style.visibility</p:attrName>
+                                        </p:attrNameLst>
+                                      </p:cBhvr>
+                                      <p:to>
+                                        <p:strVal val="hidden"/>
+                                      </p:to>
+                                    </p:set>
+                                  </p:childTnLst>
+                                </p:cTn>
+                              </p:par>
+                              <p:par>
+                                <p:cTn id="159" presetID="1" presetClass="entr" presetSubtype="0" fill="hold" grpId="0" nodeType="withEffect">
                                   <p:stCondLst>
                                     <p:cond delay="0"/>
                                   </p:stCondLst>
@@ -10400,7 +10657,7 @@
                                           </p:stCondLst>
                                         </p:cTn>
                                         <p:tgtEl>
-                                          <p:spTgt spid="95"/>
+                                          <p:spTgt spid="74"/>
                                         </p:tgtEl>
                                         <p:attrNameLst>
                                           <p:attrName>style.visibility</p:attrName>
@@ -10427,7 +10684,7 @@
                                           </p:stCondLst>
                                         </p:cTn>
                                         <p:tgtEl>
-                                          <p:spTgt spid="94"/>
+                                          <p:spTgt spid="87"/>
                                         </p:tgtEl>
                                         <p:attrNameLst>
                                           <p:attrName>style.visibility</p:attrName>
@@ -10454,34 +10711,7 @@
                                           </p:stCondLst>
                                         </p:cTn>
                                         <p:tgtEl>
-                                          <p:spTgt spid="98"/>
-                                        </p:tgtEl>
-                                        <p:attrNameLst>
-                                          <p:attrName>style.visibility</p:attrName>
-                                        </p:attrNameLst>
-                                      </p:cBhvr>
-                                      <p:to>
-                                        <p:strVal val="visible"/>
-                                      </p:to>
-                                    </p:set>
-                                  </p:childTnLst>
-                                </p:cTn>
-                              </p:par>
-                              <p:par>
-                                <p:cTn id="165" presetID="1" presetClass="entr" presetSubtype="0" fill="hold" nodeType="withEffect">
-                                  <p:stCondLst>
-                                    <p:cond delay="0"/>
-                                  </p:stCondLst>
-                                  <p:childTnLst>
-                                    <p:set>
-                                      <p:cBhvr>
-                                        <p:cTn id="166" dur="1" fill="hold">
-                                          <p:stCondLst>
-                                            <p:cond delay="0"/>
-                                          </p:stCondLst>
-                                        </p:cTn>
-                                        <p:tgtEl>
-                                          <p:spTgt spid="133"/>
+                                          <p:spTgt spid="103"/>
                                         </p:tgtEl>
                                         <p:attrNameLst>
                                           <p:attrName>style.visibility</p:attrName>
@@ -10501,32 +10731,32 @@
                     </p:cTn>
                   </p:par>
                   <p:par>
-                    <p:cTn id="167" fill="hold">
+                    <p:cTn id="165" fill="hold">
                       <p:stCondLst>
                         <p:cond delay="indefinite"/>
                       </p:stCondLst>
                       <p:childTnLst>
                         <p:par>
-                          <p:cTn id="168" fill="hold">
+                          <p:cTn id="166" fill="hold">
                             <p:stCondLst>
                               <p:cond delay="0"/>
                             </p:stCondLst>
                             <p:childTnLst>
                               <p:par>
-                                <p:cTn id="169" presetID="1" presetClass="entr" presetSubtype="0" fill="hold" grpId="0" nodeType="clickEffect">
+                                <p:cTn id="167" presetID="1" presetClass="entr" presetSubtype="0" fill="hold" grpId="0" nodeType="clickEffect">
                                   <p:stCondLst>
                                     <p:cond delay="0"/>
                                   </p:stCondLst>
                                   <p:childTnLst>
                                     <p:set>
                                       <p:cBhvr>
-                                        <p:cTn id="170" dur="1" fill="hold">
+                                        <p:cTn id="168" dur="1" fill="hold">
                                           <p:stCondLst>
                                             <p:cond delay="0"/>
                                           </p:stCondLst>
                                         </p:cTn>
                                         <p:tgtEl>
-                                          <p:spTgt spid="91"/>
+                                          <p:spTgt spid="84"/>
                                         </p:tgtEl>
                                         <p:attrNameLst>
                                           <p:attrName>style.visibility</p:attrName>
@@ -10540,7 +10770,34 @@
                                 </p:cTn>
                               </p:par>
                               <p:par>
-                                <p:cTn id="171" presetID="1" presetClass="entr" presetSubtype="0" fill="hold" nodeType="withEffect">
+                                <p:cTn id="169" presetID="1" presetClass="entr" presetSubtype="0" fill="hold" nodeType="withEffect">
+                                  <p:stCondLst>
+                                    <p:cond delay="0"/>
+                                  </p:stCondLst>
+                                  <p:childTnLst>
+                                    <p:set>
+                                      <p:cBhvr>
+                                        <p:cTn id="170" dur="1" fill="hold">
+                                          <p:stCondLst>
+                                            <p:cond delay="0"/>
+                                          </p:stCondLst>
+                                        </p:cTn>
+                                        <p:tgtEl>
+                                          <p:spTgt spid="131"/>
+                                        </p:tgtEl>
+                                        <p:attrNameLst>
+                                          <p:attrName>style.visibility</p:attrName>
+                                        </p:attrNameLst>
+                                      </p:cBhvr>
+                                      <p:to>
+                                        <p:strVal val="visible"/>
+                                      </p:to>
+                                    </p:set>
+                                  </p:childTnLst>
+                                </p:cTn>
+                              </p:par>
+                              <p:par>
+                                <p:cTn id="171" presetID="1" presetClass="entr" presetSubtype="0" fill="hold" grpId="0" nodeType="withEffect">
                                   <p:stCondLst>
                                     <p:cond delay="0"/>
                                   </p:stCondLst>
@@ -10553,7 +10810,7 @@
                                           </p:stCondLst>
                                         </p:cTn>
                                         <p:tgtEl>
-                                          <p:spTgt spid="126"/>
+                                          <p:spTgt spid="83"/>
                                         </p:tgtEl>
                                         <p:attrNameLst>
                                           <p:attrName>style.visibility</p:attrName>
@@ -10580,61 +10837,7 @@
                                           </p:stCondLst>
                                         </p:cTn>
                                         <p:tgtEl>
-                                          <p:spTgt spid="93"/>
-                                        </p:tgtEl>
-                                        <p:attrNameLst>
-                                          <p:attrName>style.visibility</p:attrName>
-                                        </p:attrNameLst>
-                                      </p:cBhvr>
-                                      <p:to>
-                                        <p:strVal val="visible"/>
-                                      </p:to>
-                                    </p:set>
-                                  </p:childTnLst>
-                                </p:cTn>
-                              </p:par>
-                              <p:par>
-                                <p:cTn id="175" presetID="1" presetClass="entr" presetSubtype="0" fill="hold" nodeType="withEffect">
-                                  <p:stCondLst>
-                                    <p:cond delay="0"/>
-                                  </p:stCondLst>
-                                  <p:childTnLst>
-                                    <p:set>
-                                      <p:cBhvr>
-                                        <p:cTn id="176" dur="1" fill="hold">
-                                          <p:stCondLst>
-                                            <p:cond delay="0"/>
-                                          </p:stCondLst>
-                                        </p:cTn>
-                                        <p:tgtEl>
-                                          <p:spTgt spid="97"/>
-                                        </p:tgtEl>
-                                        <p:attrNameLst>
-                                          <p:attrName>style.visibility</p:attrName>
-                                        </p:attrNameLst>
-                                      </p:cBhvr>
-                                      <p:to>
-                                        <p:strVal val="visible"/>
-                                      </p:to>
-                                    </p:set>
-                                  </p:childTnLst>
-                                </p:cTn>
-                              </p:par>
-                              <p:par>
-                                <p:cTn id="177" presetID="1" presetClass="entr" presetSubtype="0" fill="hold" nodeType="withEffect">
-                                  <p:stCondLst>
-                                    <p:cond delay="0"/>
-                                  </p:stCondLst>
-                                  <p:childTnLst>
-                                    <p:set>
-                                      <p:cBhvr>
-                                        <p:cTn id="178" dur="1" fill="hold">
-                                          <p:stCondLst>
-                                            <p:cond delay="0"/>
-                                          </p:stCondLst>
-                                        </p:cTn>
-                                        <p:tgtEl>
-                                          <p:spTgt spid="89"/>
+                                          <p:spTgt spid="96"/>
                                         </p:tgtEl>
                                         <p:attrNameLst>
                                           <p:attrName>style.visibility</p:attrName>
@@ -10654,19 +10857,73 @@
                     </p:cTn>
                   </p:par>
                   <p:par>
-                    <p:cTn id="179" fill="hold">
+                    <p:cTn id="175" fill="hold">
                       <p:stCondLst>
                         <p:cond delay="indefinite"/>
                       </p:stCondLst>
                       <p:childTnLst>
                         <p:par>
-                          <p:cTn id="180" fill="hold">
+                          <p:cTn id="176" fill="hold">
                             <p:stCondLst>
                               <p:cond delay="0"/>
                             </p:stCondLst>
                             <p:childTnLst>
                               <p:par>
-                                <p:cTn id="181" presetID="1" presetClass="entr" presetSubtype="0" fill="hold" grpId="0" nodeType="clickEffect">
+                                <p:cTn id="177" presetID="1" presetClass="entr" presetSubtype="0" fill="hold" grpId="0" nodeType="clickEffect">
+                                  <p:stCondLst>
+                                    <p:cond delay="0"/>
+                                  </p:stCondLst>
+                                  <p:childTnLst>
+                                    <p:set>
+                                      <p:cBhvr>
+                                        <p:cTn id="178" dur="1" fill="hold">
+                                          <p:stCondLst>
+                                            <p:cond delay="0"/>
+                                          </p:stCondLst>
+                                        </p:cTn>
+                                        <p:tgtEl>
+                                          <p:spTgt spid="95"/>
+                                        </p:tgtEl>
+                                        <p:attrNameLst>
+                                          <p:attrName>style.visibility</p:attrName>
+                                        </p:attrNameLst>
+                                      </p:cBhvr>
+                                      <p:to>
+                                        <p:strVal val="visible"/>
+                                      </p:to>
+                                    </p:set>
+                                  </p:childTnLst>
+                                </p:cTn>
+                              </p:par>
+                              <p:par>
+                                <p:cTn id="179" presetID="1" presetClass="entr" presetSubtype="0" fill="hold" nodeType="withEffect">
+                                  <p:stCondLst>
+                                    <p:cond delay="0"/>
+                                  </p:stCondLst>
+                                  <p:childTnLst>
+                                    <p:set>
+                                      <p:cBhvr>
+                                        <p:cTn id="180" dur="1" fill="hold">
+                                          <p:stCondLst>
+                                            <p:cond delay="0"/>
+                                          </p:stCondLst>
+                                        </p:cTn>
+                                        <p:tgtEl>
+                                          <p:spTgt spid="94"/>
+                                        </p:tgtEl>
+                                        <p:attrNameLst>
+                                          <p:attrName>style.visibility</p:attrName>
+                                        </p:attrNameLst>
+                                      </p:cBhvr>
+                                      <p:to>
+                                        <p:strVal val="visible"/>
+                                      </p:to>
+                                    </p:set>
+                                  </p:childTnLst>
+                                </p:cTn>
+                              </p:par>
+                              <p:par>
+                                <p:cTn id="181" presetID="1" presetClass="entr" presetSubtype="0" fill="hold" nodeType="withEffect">
                                   <p:stCondLst>
                                     <p:cond delay="0"/>
                                   </p:stCondLst>
@@ -10679,7 +10936,7 @@
                                           </p:stCondLst>
                                         </p:cTn>
                                         <p:tgtEl>
-                                          <p:spTgt spid="115"/>
+                                          <p:spTgt spid="98"/>
                                         </p:tgtEl>
                                         <p:attrNameLst>
                                           <p:attrName>style.visibility</p:attrName>
@@ -10706,7 +10963,7 @@
                                           </p:stCondLst>
                                         </p:cTn>
                                         <p:tgtEl>
-                                          <p:spTgt spid="108"/>
+                                          <p:spTgt spid="133"/>
                                         </p:tgtEl>
                                         <p:attrNameLst>
                                           <p:attrName>style.visibility</p:attrName>
@@ -10719,35 +10976,26 @@
                                   </p:childTnLst>
                                 </p:cTn>
                               </p:par>
+                            </p:childTnLst>
+                          </p:cTn>
+                        </p:par>
+                      </p:childTnLst>
+                    </p:cTn>
+                  </p:par>
+                  <p:par>
+                    <p:cTn id="185" fill="hold">
+                      <p:stCondLst>
+                        <p:cond delay="indefinite"/>
+                      </p:stCondLst>
+                      <p:childTnLst>
+                        <p:par>
+                          <p:cTn id="186" fill="hold">
+                            <p:stCondLst>
+                              <p:cond delay="0"/>
+                            </p:stCondLst>
+                            <p:childTnLst>
                               <p:par>
-                                <p:cTn id="185" presetID="1" presetClass="entr" presetSubtype="0" fill="hold" nodeType="withEffect">
-                                  <p:stCondLst>
-                                    <p:cond delay="0"/>
-                                  </p:stCondLst>
-                                  <p:childTnLst>
-                                    <p:set>
-                                      <p:cBhvr>
-                                        <p:cTn id="186" dur="1" fill="hold">
-                                          <p:stCondLst>
-                                            <p:cond delay="0"/>
-                                          </p:stCondLst>
-                                        </p:cTn>
-                                        <p:tgtEl>
-                                          <p:spTgt spid="106"/>
-                                        </p:tgtEl>
-                                        <p:attrNameLst>
-                                          <p:attrName>style.visibility</p:attrName>
-                                        </p:attrNameLst>
-                                      </p:cBhvr>
-                                      <p:to>
-                                        <p:strVal val="visible"/>
-                                      </p:to>
-                                    </p:set>
-                                  </p:childTnLst>
-                                </p:cTn>
-                              </p:par>
-                              <p:par>
-                                <p:cTn id="187" presetID="1" presetClass="entr" presetSubtype="0" fill="hold" nodeType="withEffect">
+                                <p:cTn id="187" presetID="1" presetClass="entr" presetSubtype="0" fill="hold" grpId="0" nodeType="clickEffect">
                                   <p:stCondLst>
                                     <p:cond delay="0"/>
                                   </p:stCondLst>
@@ -10760,7 +11008,7 @@
                                           </p:stCondLst>
                                         </p:cTn>
                                         <p:tgtEl>
-                                          <p:spTgt spid="120"/>
+                                          <p:spTgt spid="91"/>
                                         </p:tgtEl>
                                         <p:attrNameLst>
                                           <p:attrName>style.visibility</p:attrName>
@@ -10787,7 +11035,88 @@
                                           </p:stCondLst>
                                         </p:cTn>
                                         <p:tgtEl>
-                                          <p:spTgt spid="107"/>
+                                          <p:spTgt spid="126"/>
+                                        </p:tgtEl>
+                                        <p:attrNameLst>
+                                          <p:attrName>style.visibility</p:attrName>
+                                        </p:attrNameLst>
+                                      </p:cBhvr>
+                                      <p:to>
+                                        <p:strVal val="visible"/>
+                                      </p:to>
+                                    </p:set>
+                                  </p:childTnLst>
+                                </p:cTn>
+                              </p:par>
+                              <p:par>
+                                <p:cTn id="191" presetID="1" presetClass="entr" presetSubtype="0" fill="hold" nodeType="withEffect">
+                                  <p:stCondLst>
+                                    <p:cond delay="0"/>
+                                  </p:stCondLst>
+                                  <p:childTnLst>
+                                    <p:set>
+                                      <p:cBhvr>
+                                        <p:cTn id="192" dur="1" fill="hold">
+                                          <p:stCondLst>
+                                            <p:cond delay="0"/>
+                                          </p:stCondLst>
+                                        </p:cTn>
+                                        <p:tgtEl>
+                                          <p:spTgt spid="93"/>
+                                        </p:tgtEl>
+                                        <p:attrNameLst>
+                                          <p:attrName>style.visibility</p:attrName>
+                                        </p:attrNameLst>
+                                      </p:cBhvr>
+                                      <p:to>
+                                        <p:strVal val="visible"/>
+                                      </p:to>
+                                    </p:set>
+                                  </p:childTnLst>
+                                </p:cTn>
+                              </p:par>
+                              <p:par>
+                                <p:cTn id="193" presetID="1" presetClass="entr" presetSubtype="0" fill="hold" nodeType="withEffect">
+                                  <p:stCondLst>
+                                    <p:cond delay="0"/>
+                                  </p:stCondLst>
+                                  <p:childTnLst>
+                                    <p:set>
+                                      <p:cBhvr>
+                                        <p:cTn id="194" dur="1" fill="hold">
+                                          <p:stCondLst>
+                                            <p:cond delay="0"/>
+                                          </p:stCondLst>
+                                        </p:cTn>
+                                        <p:tgtEl>
+                                          <p:spTgt spid="97"/>
+                                        </p:tgtEl>
+                                        <p:attrNameLst>
+                                          <p:attrName>style.visibility</p:attrName>
+                                        </p:attrNameLst>
+                                      </p:cBhvr>
+                                      <p:to>
+                                        <p:strVal val="visible"/>
+                                      </p:to>
+                                    </p:set>
+                                  </p:childTnLst>
+                                </p:cTn>
+                              </p:par>
+                              <p:par>
+                                <p:cTn id="195" presetID="1" presetClass="entr" presetSubtype="0" fill="hold" nodeType="withEffect">
+                                  <p:stCondLst>
+                                    <p:cond delay="0"/>
+                                  </p:stCondLst>
+                                  <p:childTnLst>
+                                    <p:set>
+                                      <p:cBhvr>
+                                        <p:cTn id="196" dur="1" fill="hold">
+                                          <p:stCondLst>
+                                            <p:cond delay="0"/>
+                                          </p:stCondLst>
+                                        </p:cTn>
+                                        <p:tgtEl>
+                                          <p:spTgt spid="89"/>
                                         </p:tgtEl>
                                         <p:attrNameLst>
                                           <p:attrName>style.visibility</p:attrName>
@@ -10807,26 +11136,26 @@
                     </p:cTn>
                   </p:par>
                   <p:par>
-                    <p:cTn id="191" fill="hold">
+                    <p:cTn id="197" fill="hold">
                       <p:stCondLst>
                         <p:cond delay="indefinite"/>
                       </p:stCondLst>
                       <p:childTnLst>
                         <p:par>
-                          <p:cTn id="192" fill="hold">
+                          <p:cTn id="198" fill="hold">
                             <p:stCondLst>
                               <p:cond delay="0"/>
                             </p:stCondLst>
                             <p:childTnLst>
                               <p:par>
-                                <p:cTn id="193" presetID="1" presetClass="entr" presetSubtype="0" fill="hold" nodeType="clickEffect">
+                                <p:cTn id="199" presetID="1" presetClass="entr" presetSubtype="0" fill="hold" nodeType="clickEffect">
                                   <p:stCondLst>
                                     <p:cond delay="0"/>
                                   </p:stCondLst>
                                   <p:childTnLst>
                                     <p:set>
                                       <p:cBhvr>
-                                        <p:cTn id="194" dur="1" fill="hold">
+                                        <p:cTn id="200" dur="1" fill="hold">
                                           <p:stCondLst>
                                             <p:cond delay="0"/>
                                           </p:stCondLst>
@@ -10889,7 +11218,6 @@
       <p:bldP spid="295" grpId="0"/>
       <p:bldP spid="302" grpId="0"/>
       <p:bldP spid="83" grpId="0" animBg="1"/>
-      <p:bldP spid="84" grpId="0" animBg="1"/>
       <p:bldP spid="91" grpId="0"/>
       <p:bldP spid="99" grpId="0"/>
       <p:bldP spid="100" grpId="0" animBg="1"/>
@@ -10898,6 +11226,9 @@
       <p:bldP spid="114" grpId="0"/>
       <p:bldP spid="123" grpId="0"/>
       <p:bldP spid="134" grpId="0"/>
+      <p:bldP spid="110" grpId="0"/>
+      <p:bldP spid="84" grpId="0" animBg="1"/>
+      <p:bldP spid="116" grpId="1"/>
     </p:bldLst>
   </p:timing>
 </p:sld>

--- a/fig/aws-enterprise-v01.pptx
+++ b/fig/aws-enterprise-v01.pptx
@@ -193,7 +193,7 @@
           <a:p>
             <a:fld id="{B2B5ABE0-9405-7B4D-B9EA-CE78F3455015}" type="datetimeFigureOut">
               <a:rPr lang="en-US" smtClean="0"/>
-              <a:t>6/20/16</a:t>
+              <a:t>6/21/16</a:t>
             </a:fld>
             <a:endParaRPr lang="en-US"/>
           </a:p>
@@ -1174,7 +1174,7 @@
           <a:p>
             <a:fld id="{61EC71F1-B3E0-DD4C-B030-8B42C148BEB6}" type="datetimeFigureOut">
               <a:rPr lang="en-US" smtClean="0"/>
-              <a:t>6/20/16</a:t>
+              <a:t>6/21/16</a:t>
             </a:fld>
             <a:endParaRPr lang="en-US"/>
           </a:p>
@@ -1344,7 +1344,7 @@
           <a:p>
             <a:fld id="{61EC71F1-B3E0-DD4C-B030-8B42C148BEB6}" type="datetimeFigureOut">
               <a:rPr lang="en-US" smtClean="0"/>
-              <a:t>6/20/16</a:t>
+              <a:t>6/21/16</a:t>
             </a:fld>
             <a:endParaRPr lang="en-US"/>
           </a:p>
@@ -1524,7 +1524,7 @@
           <a:p>
             <a:fld id="{61EC71F1-B3E0-DD4C-B030-8B42C148BEB6}" type="datetimeFigureOut">
               <a:rPr lang="en-US" smtClean="0"/>
-              <a:t>6/20/16</a:t>
+              <a:t>6/21/16</a:t>
             </a:fld>
             <a:endParaRPr lang="en-US"/>
           </a:p>
@@ -1694,7 +1694,7 @@
           <a:p>
             <a:fld id="{61EC71F1-B3E0-DD4C-B030-8B42C148BEB6}" type="datetimeFigureOut">
               <a:rPr lang="en-US" smtClean="0"/>
-              <a:t>6/20/16</a:t>
+              <a:t>6/21/16</a:t>
             </a:fld>
             <a:endParaRPr lang="en-US"/>
           </a:p>
@@ -1940,7 +1940,7 @@
           <a:p>
             <a:fld id="{61EC71F1-B3E0-DD4C-B030-8B42C148BEB6}" type="datetimeFigureOut">
               <a:rPr lang="en-US" smtClean="0"/>
-              <a:t>6/20/16</a:t>
+              <a:t>6/21/16</a:t>
             </a:fld>
             <a:endParaRPr lang="en-US"/>
           </a:p>
@@ -2228,7 +2228,7 @@
           <a:p>
             <a:fld id="{61EC71F1-B3E0-DD4C-B030-8B42C148BEB6}" type="datetimeFigureOut">
               <a:rPr lang="en-US" smtClean="0"/>
-              <a:t>6/20/16</a:t>
+              <a:t>6/21/16</a:t>
             </a:fld>
             <a:endParaRPr lang="en-US"/>
           </a:p>
@@ -2650,7 +2650,7 @@
           <a:p>
             <a:fld id="{61EC71F1-B3E0-DD4C-B030-8B42C148BEB6}" type="datetimeFigureOut">
               <a:rPr lang="en-US" smtClean="0"/>
-              <a:t>6/20/16</a:t>
+              <a:t>6/21/16</a:t>
             </a:fld>
             <a:endParaRPr lang="en-US"/>
           </a:p>
@@ -2768,7 +2768,7 @@
           <a:p>
             <a:fld id="{61EC71F1-B3E0-DD4C-B030-8B42C148BEB6}" type="datetimeFigureOut">
               <a:rPr lang="en-US" smtClean="0"/>
-              <a:t>6/20/16</a:t>
+              <a:t>6/21/16</a:t>
             </a:fld>
             <a:endParaRPr lang="en-US"/>
           </a:p>
@@ -2863,7 +2863,7 @@
           <a:p>
             <a:fld id="{61EC71F1-B3E0-DD4C-B030-8B42C148BEB6}" type="datetimeFigureOut">
               <a:rPr lang="en-US" smtClean="0"/>
-              <a:t>6/20/16</a:t>
+              <a:t>6/21/16</a:t>
             </a:fld>
             <a:endParaRPr lang="en-US"/>
           </a:p>
@@ -3140,7 +3140,7 @@
           <a:p>
             <a:fld id="{61EC71F1-B3E0-DD4C-B030-8B42C148BEB6}" type="datetimeFigureOut">
               <a:rPr lang="en-US" smtClean="0"/>
-              <a:t>6/20/16</a:t>
+              <a:t>6/21/16</a:t>
             </a:fld>
             <a:endParaRPr lang="en-US"/>
           </a:p>
@@ -3393,7 +3393,7 @@
           <a:p>
             <a:fld id="{61EC71F1-B3E0-DD4C-B030-8B42C148BEB6}" type="datetimeFigureOut">
               <a:rPr lang="en-US" smtClean="0"/>
-              <a:t>6/20/16</a:t>
+              <a:t>6/21/16</a:t>
             </a:fld>
             <a:endParaRPr lang="en-US"/>
           </a:p>
@@ -3606,7 +3606,7 @@
           <a:p>
             <a:fld id="{61EC71F1-B3E0-DD4C-B030-8B42C148BEB6}" type="datetimeFigureOut">
               <a:rPr lang="en-US" smtClean="0"/>
-              <a:t>6/20/16</a:t>
+              <a:t>6/21/16</a:t>
             </a:fld>
             <a:endParaRPr lang="en-US"/>
           </a:p>
@@ -3992,8 +3992,8 @@
         </p:nvCxnSpPr>
         <p:spPr>
           <a:xfrm>
-            <a:off x="934149" y="2996216"/>
-            <a:ext cx="0" cy="527047"/>
+            <a:off x="934149" y="2905496"/>
+            <a:ext cx="0" cy="504367"/>
           </a:xfrm>
           <a:prstGeom prst="line">
             <a:avLst/>
@@ -4043,7 +4043,7 @@
         </p:blipFill>
         <p:spPr>
           <a:xfrm>
-            <a:off x="1900278" y="5659042"/>
+            <a:off x="1968318" y="5613682"/>
             <a:ext cx="1166068" cy="346343"/>
           </a:xfrm>
           <a:prstGeom prst="rect">
@@ -4129,7 +4129,7 @@
         </p:nvGrpSpPr>
         <p:grpSpPr>
           <a:xfrm>
-            <a:off x="3646746" y="551323"/>
+            <a:off x="3646746" y="687403"/>
             <a:ext cx="1645197" cy="2032263"/>
             <a:chOff x="463550" y="760414"/>
             <a:chExt cx="1709738" cy="1642217"/>
@@ -4259,7 +4259,7 @@
         </p:nvGrpSpPr>
         <p:grpSpPr>
           <a:xfrm>
-            <a:off x="3357600" y="345094"/>
+            <a:off x="3357600" y="481174"/>
             <a:ext cx="6443895" cy="2626011"/>
             <a:chOff x="2549525" y="760413"/>
             <a:chExt cx="1689100" cy="1652298"/>
@@ -4441,11 +4441,11 @@
         <p:spPr>
           <a:xfrm rot="10800000" flipH="1" flipV="1">
             <a:off x="540908" y="1087334"/>
-            <a:ext cx="41469" cy="1637479"/>
+            <a:ext cx="41469" cy="1546759"/>
           </a:xfrm>
           <a:prstGeom prst="bentConnector3">
             <a:avLst>
-              <a:gd name="adj1" fmla="val -356932"/>
+              <a:gd name="adj1" fmla="val -277805"/>
             </a:avLst>
           </a:prstGeom>
           <a:ln>
@@ -4493,7 +4493,7 @@
         </p:blipFill>
         <p:spPr>
           <a:xfrm>
-            <a:off x="2030402" y="2090742"/>
+            <a:off x="2030402" y="2351562"/>
             <a:ext cx="433410" cy="520092"/>
           </a:xfrm>
           <a:prstGeom prst="rect">
@@ -4509,7 +4509,7 @@
         </p:nvSpPr>
         <p:spPr>
           <a:xfrm>
-            <a:off x="1698577" y="3835766"/>
+            <a:off x="1698577" y="3722366"/>
             <a:ext cx="999021" cy="461665"/>
           </a:xfrm>
           <a:prstGeom prst="rect">
@@ -4563,7 +4563,7 @@
         </p:nvSpPr>
         <p:spPr>
           <a:xfrm>
-            <a:off x="582378" y="2453412"/>
+            <a:off x="582378" y="2362692"/>
             <a:ext cx="703541" cy="542804"/>
           </a:xfrm>
           <a:prstGeom prst="rect">
@@ -4627,7 +4627,7 @@
         <p:spPr>
           <a:xfrm>
             <a:off x="1589628" y="241249"/>
-            <a:ext cx="8673718" cy="6219093"/>
+            <a:ext cx="8673718" cy="6415462"/>
           </a:xfrm>
           <a:prstGeom prst="roundRect">
             <a:avLst>
@@ -4748,7 +4748,7 @@
         </p:nvSpPr>
         <p:spPr>
           <a:xfrm>
-            <a:off x="1747597" y="2589176"/>
+            <a:off x="1774385" y="1954466"/>
             <a:ext cx="999021" cy="461665"/>
           </a:xfrm>
           <a:prstGeom prst="rect">
@@ -4815,7 +4815,7 @@
         </p:nvSpPr>
         <p:spPr>
           <a:xfrm>
-            <a:off x="1696420" y="4983200"/>
+            <a:off x="2316982" y="4344358"/>
             <a:ext cx="999021" cy="461665"/>
           </a:xfrm>
           <a:prstGeom prst="rect">
@@ -4855,8 +4855,8 @@
         </p:nvCxnSpPr>
         <p:spPr>
           <a:xfrm flipH="1">
-            <a:off x="2195930" y="4297431"/>
-            <a:ext cx="2158" cy="175863"/>
+            <a:off x="2195930" y="4184031"/>
+            <a:ext cx="2158" cy="289263"/>
           </a:xfrm>
           <a:prstGeom prst="line">
             <a:avLst/>
@@ -4925,8 +4925,8 @@
         </p:nvCxnSpPr>
         <p:spPr>
           <a:xfrm flipV="1">
-            <a:off x="2463812" y="974514"/>
-            <a:ext cx="1479374" cy="1376274"/>
+            <a:off x="2463812" y="1110594"/>
+            <a:ext cx="1479374" cy="1501014"/>
           </a:xfrm>
           <a:prstGeom prst="line">
             <a:avLst/>
@@ -5015,7 +5015,7 @@
         </p:blipFill>
         <p:spPr>
           <a:xfrm>
-            <a:off x="3943186" y="791782"/>
+            <a:off x="3943186" y="927862"/>
             <a:ext cx="1052372" cy="365463"/>
           </a:xfrm>
           <a:prstGeom prst="rect">
@@ -5031,7 +5031,7 @@
         </p:nvGrpSpPr>
         <p:grpSpPr>
           <a:xfrm>
-            <a:off x="3788098" y="704616"/>
+            <a:off x="3788098" y="840696"/>
             <a:ext cx="1314682" cy="725928"/>
             <a:chOff x="6743700" y="760413"/>
             <a:chExt cx="1752600" cy="1733550"/>
@@ -5240,7 +5240,7 @@
         </p:nvSpPr>
         <p:spPr>
           <a:xfrm>
-            <a:off x="4010908" y="822280"/>
+            <a:off x="4010908" y="958360"/>
             <a:ext cx="789937" cy="276999"/>
           </a:xfrm>
           <a:prstGeom prst="rect">
@@ -5291,7 +5291,7 @@
         </p:blipFill>
         <p:spPr>
           <a:xfrm>
-            <a:off x="5898209" y="1813903"/>
+            <a:off x="5898209" y="1949983"/>
             <a:ext cx="433410" cy="520092"/>
           </a:xfrm>
           <a:prstGeom prst="rect">
@@ -5307,7 +5307,7 @@
         </p:nvSpPr>
         <p:spPr>
           <a:xfrm>
-            <a:off x="5599817" y="2283511"/>
+            <a:off x="5599817" y="2419591"/>
             <a:ext cx="999021" cy="461665"/>
           </a:xfrm>
           <a:prstGeom prst="rect">
@@ -5346,7 +5346,7 @@
         </p:nvCxnSpPr>
         <p:spPr>
           <a:xfrm>
-            <a:off x="5291943" y="2067747"/>
+            <a:off x="5291943" y="2203827"/>
             <a:ext cx="606266" cy="6202"/>
           </a:xfrm>
           <a:prstGeom prst="line">
@@ -5383,7 +5383,7 @@
         </p:nvGrpSpPr>
         <p:grpSpPr>
           <a:xfrm>
-            <a:off x="6911868" y="564222"/>
+            <a:off x="6911868" y="700302"/>
             <a:ext cx="1645197" cy="2032263"/>
             <a:chOff x="463550" y="760414"/>
             <a:chExt cx="1709738" cy="1642217"/>
@@ -5516,7 +5516,7 @@
         </p:nvCxnSpPr>
         <p:spPr>
           <a:xfrm flipV="1">
-            <a:off x="6331619" y="1787305"/>
+            <a:off x="6331619" y="1923385"/>
             <a:ext cx="862019" cy="286644"/>
           </a:xfrm>
           <a:prstGeom prst="line">
@@ -5567,7 +5567,7 @@
         </p:blipFill>
         <p:spPr>
           <a:xfrm>
-            <a:off x="7194796" y="804681"/>
+            <a:off x="7194796" y="940761"/>
             <a:ext cx="1052372" cy="352564"/>
           </a:xfrm>
           <a:prstGeom prst="rect">
@@ -5583,7 +5583,7 @@
         </p:nvGrpSpPr>
         <p:grpSpPr>
           <a:xfrm>
-            <a:off x="7053220" y="717515"/>
+            <a:off x="7053220" y="853595"/>
             <a:ext cx="1314682" cy="713029"/>
             <a:chOff x="6743700" y="760413"/>
             <a:chExt cx="1752600" cy="1733550"/>
@@ -5792,7 +5792,7 @@
         </p:nvSpPr>
         <p:spPr>
           <a:xfrm>
-            <a:off x="7270268" y="821669"/>
+            <a:off x="7270268" y="957749"/>
             <a:ext cx="789937" cy="276999"/>
           </a:xfrm>
           <a:prstGeom prst="rect">
@@ -5892,7 +5892,7 @@
         </p:nvSpPr>
         <p:spPr>
           <a:xfrm>
-            <a:off x="5420212" y="634394"/>
+            <a:off x="5420212" y="770474"/>
             <a:ext cx="797902" cy="646331"/>
           </a:xfrm>
           <a:prstGeom prst="rect">
@@ -5924,7 +5924,7 @@
                 <a:latin typeface="Open Sans Light"/>
                 <a:cs typeface="Open Sans Light"/>
               </a:rPr>
-              <a:t>subnet</a:t>
+              <a:t>DMZ</a:t>
             </a:r>
           </a:p>
           <a:p>
@@ -5933,9 +5933,9 @@
                 <a:latin typeface="Open Sans Light"/>
                 <a:cs typeface="Open Sans Light"/>
               </a:rPr>
-              <a:t>1</a:t>
+              <a:t>subnet</a:t>
             </a:r>
-            <a:endParaRPr lang="en-US" sz="1200" b="1" dirty="0">
+            <a:endParaRPr lang="en-US" sz="1200" b="1" dirty="0" smtClean="0">
               <a:latin typeface="Open Sans Light"/>
               <a:cs typeface="Open Sans Light"/>
             </a:endParaRPr>
@@ -5950,7 +5950,7 @@
         </p:nvGrpSpPr>
         <p:grpSpPr>
           <a:xfrm>
-            <a:off x="1818350" y="5582074"/>
+            <a:off x="1886390" y="5536714"/>
             <a:ext cx="1314682" cy="681848"/>
             <a:chOff x="6743700" y="760413"/>
             <a:chExt cx="1752600" cy="1733550"/>
@@ -6159,7 +6159,7 @@
         </p:nvSpPr>
         <p:spPr>
           <a:xfrm>
-            <a:off x="1900278" y="5707031"/>
+            <a:off x="1968318" y="5661671"/>
             <a:ext cx="1166068" cy="276999"/>
           </a:xfrm>
           <a:prstGeom prst="rect">
@@ -6265,9 +6265,9 @@
           <p:nvPr/>
         </p:nvCxnSpPr>
         <p:spPr>
-          <a:xfrm flipV="1">
-            <a:off x="1379025" y="5845531"/>
-            <a:ext cx="521253" cy="10312"/>
+          <a:xfrm>
+            <a:off x="1379025" y="5799143"/>
+            <a:ext cx="589293" cy="1028"/>
           </a:xfrm>
           <a:prstGeom prst="straightConnector1">
             <a:avLst/>
@@ -6317,7 +6317,7 @@
         </p:blipFill>
         <p:spPr>
           <a:xfrm>
-            <a:off x="897769" y="5615215"/>
+            <a:off x="897769" y="5558515"/>
             <a:ext cx="481256" cy="481256"/>
           </a:xfrm>
           <a:prstGeom prst="rect">
@@ -6370,7 +6370,7 @@
         </p:nvSpPr>
         <p:spPr>
           <a:xfrm>
-            <a:off x="3503082" y="444190"/>
+            <a:off x="3503082" y="580270"/>
             <a:ext cx="1917130" cy="2298335"/>
           </a:xfrm>
           <a:prstGeom prst="roundRect">
@@ -6537,7 +6537,7 @@
         </p:blipFill>
         <p:spPr>
           <a:xfrm>
-            <a:off x="3942028" y="1598124"/>
+            <a:off x="3942028" y="1734204"/>
             <a:ext cx="1052372" cy="365463"/>
           </a:xfrm>
           <a:prstGeom prst="rect">
@@ -6553,7 +6553,7 @@
         </p:nvGrpSpPr>
         <p:grpSpPr>
           <a:xfrm>
-            <a:off x="3786940" y="1510957"/>
+            <a:off x="3786940" y="1647037"/>
             <a:ext cx="1314682" cy="737797"/>
             <a:chOff x="6743700" y="760413"/>
             <a:chExt cx="1752600" cy="1733550"/>
@@ -6762,7 +6762,7 @@
         </p:nvSpPr>
         <p:spPr>
           <a:xfrm>
-            <a:off x="4009750" y="1628622"/>
+            <a:off x="4009750" y="1764702"/>
             <a:ext cx="789937" cy="276999"/>
           </a:xfrm>
           <a:prstGeom prst="rect">
@@ -6813,7 +6813,7 @@
         </p:blipFill>
         <p:spPr>
           <a:xfrm>
-            <a:off x="7193638" y="1611023"/>
+            <a:off x="7193638" y="1747103"/>
             <a:ext cx="1052372" cy="352564"/>
           </a:xfrm>
           <a:prstGeom prst="rect">
@@ -6829,7 +6829,7 @@
         </p:nvGrpSpPr>
         <p:grpSpPr>
           <a:xfrm>
-            <a:off x="7052062" y="1523857"/>
+            <a:off x="7052062" y="1659937"/>
             <a:ext cx="1314682" cy="724897"/>
             <a:chOff x="6743700" y="760413"/>
             <a:chExt cx="1752600" cy="1733550"/>
@@ -7038,7 +7038,7 @@
         </p:nvSpPr>
         <p:spPr>
           <a:xfrm>
-            <a:off x="7269110" y="1628011"/>
+            <a:off x="7269110" y="1764091"/>
             <a:ext cx="789937" cy="276999"/>
           </a:xfrm>
           <a:prstGeom prst="rect">
@@ -7075,7 +7075,7 @@
         </p:nvSpPr>
         <p:spPr>
           <a:xfrm>
-            <a:off x="574934" y="3987550"/>
+            <a:off x="574934" y="3851470"/>
             <a:ext cx="712889" cy="523220"/>
           </a:xfrm>
           <a:prstGeom prst="rect">
@@ -7129,8 +7129,8 @@
         </p:nvCxnSpPr>
         <p:spPr>
           <a:xfrm rot="16200000" flipH="1">
-            <a:off x="1156563" y="2773801"/>
-            <a:ext cx="634459" cy="1079287"/>
+            <a:off x="1167903" y="2671741"/>
+            <a:ext cx="611779" cy="1079287"/>
           </a:xfrm>
           <a:prstGeom prst="bentConnector2">
             <a:avLst/>
@@ -7169,8 +7169,8 @@
         </p:nvCxnSpPr>
         <p:spPr>
           <a:xfrm flipH="1">
-            <a:off x="931379" y="3789399"/>
-            <a:ext cx="2770" cy="198151"/>
+            <a:off x="931379" y="3675999"/>
+            <a:ext cx="2770" cy="175471"/>
           </a:xfrm>
           <a:prstGeom prst="line">
             <a:avLst/>
@@ -7198,36 +7198,6 @@
           </a:fontRef>
         </p:style>
       </p:cxnSp>
-      <p:pic>
-        <p:nvPicPr>
-          <p:cNvPr id="69" name="Picture 68"/>
-          <p:cNvPicPr>
-            <a:picLocks noChangeAspect="1"/>
-          </p:cNvPicPr>
-          <p:nvPr/>
-        </p:nvPicPr>
-        <p:blipFill>
-          <a:blip r:embed="rId9">
-            <a:extLst>
-              <a:ext uri="{28A0092B-C50C-407E-A947-70E740481C1C}">
-                <a14:useLocalDpi xmlns:a14="http://schemas.microsoft.com/office/drawing/2010/main" val="0"/>
-              </a:ext>
-            </a:extLst>
-          </a:blip>
-          <a:stretch>
-            <a:fillRect/>
-          </a:stretch>
-        </p:blipFill>
-        <p:spPr>
-          <a:xfrm>
-            <a:off x="2013436" y="3360449"/>
-            <a:ext cx="450376" cy="540452"/>
-          </a:xfrm>
-          <a:prstGeom prst="rect">
-            <a:avLst/>
-          </a:prstGeom>
-        </p:spPr>
-      </p:pic>
       <p:grpSp>
         <p:nvGrpSpPr>
           <p:cNvPr id="126" name="Group 125"/>
@@ -7236,8 +7206,8 @@
         </p:nvGrpSpPr>
         <p:grpSpPr>
           <a:xfrm>
-            <a:off x="3360414" y="3719839"/>
-            <a:ext cx="6441081" cy="2569733"/>
+            <a:off x="3360414" y="3719840"/>
+            <a:ext cx="6441081" cy="2489544"/>
             <a:chOff x="2549525" y="760413"/>
             <a:chExt cx="1689100" cy="1652298"/>
           </a:xfrm>
@@ -7378,7 +7348,7 @@
           <p:nvPr/>
         </p:nvPicPr>
         <p:blipFill>
-          <a:blip r:embed="rId10">
+          <a:blip r:embed="rId9">
             <a:extLst>
               <a:ext uri="{28A0092B-C50C-407E-A947-70E740481C1C}">
                 <a14:useLocalDpi xmlns:a14="http://schemas.microsoft.com/office/drawing/2010/main" val="0"/>
@@ -7558,7 +7528,7 @@
         </p:nvSpPr>
         <p:spPr>
           <a:xfrm>
-            <a:off x="6772970" y="453798"/>
+            <a:off x="6772970" y="589878"/>
             <a:ext cx="1917130" cy="2298335"/>
           </a:xfrm>
           <a:prstGeom prst="roundRect">
@@ -7711,7 +7681,7 @@
         </p:nvSpPr>
         <p:spPr>
           <a:xfrm>
-            <a:off x="6091328" y="634394"/>
+            <a:off x="6091328" y="770474"/>
             <a:ext cx="705299" cy="646331"/>
           </a:xfrm>
           <a:prstGeom prst="rect">
@@ -7783,14 +7753,14 @@
           <p:nvPr/>
         </p:nvPicPr>
         <p:blipFill>
-          <a:blip r:embed="rId11"/>
+          <a:blip r:embed="rId10"/>
           <a:stretch>
             <a:fillRect/>
           </a:stretch>
         </p:blipFill>
         <p:spPr>
           <a:xfrm>
-            <a:off x="6665020" y="404171"/>
+            <a:off x="6665020" y="540251"/>
             <a:ext cx="215900" cy="241300"/>
           </a:xfrm>
           <a:prstGeom prst="rect">
@@ -7803,14 +7773,14 @@
           <p:cNvPr id="103" name="Straight Connector 102"/>
           <p:cNvCxnSpPr>
             <a:stCxn id="69" idx="0"/>
-            <a:endCxn id="53" idx="2"/>
+            <a:endCxn id="67" idx="2"/>
           </p:cNvCxnSpPr>
           <p:nvPr/>
         </p:nvCxnSpPr>
         <p:spPr>
           <a:xfrm flipV="1">
-            <a:off x="2238624" y="3050841"/>
-            <a:ext cx="8484" cy="309608"/>
+            <a:off x="2238624" y="2871654"/>
+            <a:ext cx="8483" cy="375395"/>
           </a:xfrm>
           <a:prstGeom prst="line">
             <a:avLst/>
@@ -7843,18 +7813,18 @@
           <p:cNvPr id="104" name="Straight Connector 103"/>
           <p:cNvCxnSpPr>
             <a:stCxn id="80" idx="2"/>
-            <a:endCxn id="53" idx="2"/>
+            <a:endCxn id="67" idx="2"/>
           </p:cNvCxnSpPr>
           <p:nvPr/>
         </p:nvCxnSpPr>
         <p:spPr>
-          <a:xfrm rot="16200000" flipH="1">
-            <a:off x="1563316" y="2367048"/>
-            <a:ext cx="54625" cy="1312959"/>
+          <a:xfrm rot="5400000" flipH="1" flipV="1">
+            <a:off x="1573707" y="2232096"/>
+            <a:ext cx="33842" cy="1312958"/>
           </a:xfrm>
           <a:prstGeom prst="bentConnector3">
             <a:avLst>
-              <a:gd name="adj1" fmla="val 1152589"/>
+              <a:gd name="adj1" fmla="val -1814810"/>
             </a:avLst>
           </a:prstGeom>
           <a:ln>
@@ -7902,7 +7872,7 @@
         </p:blipFill>
         <p:spPr>
           <a:xfrm>
-            <a:off x="732907" y="2996215"/>
+            <a:off x="732907" y="2905495"/>
             <a:ext cx="423870" cy="423870"/>
           </a:xfrm>
           <a:prstGeom prst="rect">
@@ -7919,7 +7889,7 @@
           <p:nvPr/>
         </p:nvPicPr>
         <p:blipFill>
-          <a:blip r:embed="rId12">
+          <a:blip r:embed="rId11">
             <a:extLst>
               <a:ext uri="{28A0092B-C50C-407E-A947-70E740481C1C}">
                 <a14:useLocalDpi xmlns:a14="http://schemas.microsoft.com/office/drawing/2010/main" val="0"/>
@@ -7985,7 +7955,7 @@
           <p:nvPr/>
         </p:nvPicPr>
         <p:blipFill>
-          <a:blip r:embed="rId13">
+          <a:blip r:embed="rId12">
             <a:extLst>
               <a:ext uri="{28A0092B-C50C-407E-A947-70E740481C1C}">
                 <a14:useLocalDpi xmlns:a14="http://schemas.microsoft.com/office/drawing/2010/main" val="0"/>
@@ -7998,7 +7968,7 @@
         </p:blipFill>
         <p:spPr>
           <a:xfrm>
-            <a:off x="1368805" y="3394344"/>
+            <a:off x="1368805" y="3405684"/>
             <a:ext cx="430108" cy="450920"/>
           </a:xfrm>
           <a:prstGeom prst="rect">
@@ -8015,7 +7985,7 @@
           <p:nvPr/>
         </p:nvPicPr>
         <p:blipFill>
-          <a:blip r:embed="rId14">
+          <a:blip r:embed="rId13">
             <a:extLst>
               <a:ext uri="{28A0092B-C50C-407E-A947-70E740481C1C}">
                 <a14:useLocalDpi xmlns:a14="http://schemas.microsoft.com/office/drawing/2010/main" val="0"/>
@@ -8085,7 +8055,7 @@
         </p:nvCxnSpPr>
         <p:spPr>
           <a:xfrm flipV="1">
-            <a:off x="8557065" y="1567455"/>
+            <a:off x="8557065" y="1703535"/>
             <a:ext cx="410534" cy="12899"/>
           </a:xfrm>
           <a:prstGeom prst="line">
@@ -8122,7 +8092,7 @@
         </p:nvSpPr>
         <p:spPr>
           <a:xfrm>
-            <a:off x="1330339" y="3787204"/>
+            <a:off x="1373564" y="3142365"/>
             <a:ext cx="551776" cy="307777"/>
           </a:xfrm>
           <a:prstGeom prst="rect">
@@ -8198,7 +8168,7 @@
         </p:nvSpPr>
         <p:spPr>
           <a:xfrm>
-            <a:off x="669193" y="2176413"/>
+            <a:off x="669193" y="2085693"/>
             <a:ext cx="920435" cy="276999"/>
           </a:xfrm>
           <a:prstGeom prst="rect">
@@ -8237,7 +8207,7 @@
         </p:nvCxnSpPr>
         <p:spPr>
           <a:xfrm flipV="1">
-            <a:off x="6331619" y="980963"/>
+            <a:off x="6331619" y="1117043"/>
             <a:ext cx="863177" cy="1092986"/>
           </a:xfrm>
           <a:prstGeom prst="line">
@@ -8277,8 +8247,8 @@
         </p:nvCxnSpPr>
         <p:spPr>
           <a:xfrm flipV="1">
-            <a:off x="2463812" y="1780856"/>
-            <a:ext cx="1478216" cy="569932"/>
+            <a:off x="2463812" y="1916936"/>
+            <a:ext cx="1478216" cy="694672"/>
           </a:xfrm>
           <a:prstGeom prst="line">
             <a:avLst/>
@@ -8314,7 +8284,7 @@
         </p:nvSpPr>
         <p:spPr>
           <a:xfrm>
-            <a:off x="5667067" y="404207"/>
+            <a:off x="5667067" y="540287"/>
             <a:ext cx="797902" cy="276999"/>
           </a:xfrm>
           <a:prstGeom prst="rect">
@@ -8386,7 +8356,7 @@
         </p:nvSpPr>
         <p:spPr>
           <a:xfrm>
-            <a:off x="600235" y="3523263"/>
+            <a:off x="600235" y="3409863"/>
             <a:ext cx="667828" cy="266136"/>
           </a:xfrm>
           <a:prstGeom prst="rect">
@@ -8633,14 +8603,14 @@
           <p:nvPr/>
         </p:nvPicPr>
         <p:blipFill>
-          <a:blip r:embed="rId11"/>
+          <a:blip r:embed="rId10"/>
           <a:stretch>
             <a:fillRect/>
           </a:stretch>
         </p:blipFill>
         <p:spPr>
           <a:xfrm>
-            <a:off x="5324392" y="404171"/>
+            <a:off x="5324392" y="540251"/>
             <a:ext cx="215900" cy="241300"/>
           </a:xfrm>
           <a:prstGeom prst="rect">
@@ -8656,8 +8626,8 @@
         </p:nvSpPr>
         <p:spPr>
           <a:xfrm>
-            <a:off x="1207417" y="5969311"/>
-            <a:ext cx="468574" cy="276999"/>
+            <a:off x="1011502" y="5901271"/>
+            <a:ext cx="630469" cy="461665"/>
           </a:xfrm>
           <a:prstGeom prst="rect">
             <a:avLst/>
@@ -8670,6 +8640,7 @@
           </a:bodyPr>
           <a:lstStyle/>
           <a:p>
+            <a:pPr algn="r"/>
             <a:r>
               <a:rPr lang="en-US" sz="1200" b="1" dirty="0" smtClean="0">
                 <a:latin typeface="Open Sans Light"/>
@@ -8677,6 +8648,19 @@
               </a:rPr>
               <a:t>SSH</a:t>
             </a:r>
+            <a:br>
+              <a:rPr lang="en-US" sz="1200" b="1" dirty="0" smtClean="0">
+                <a:latin typeface="Open Sans Light"/>
+                <a:cs typeface="Open Sans Light"/>
+              </a:rPr>
+            </a:br>
+            <a:r>
+              <a:rPr lang="en-US" sz="1200" b="1" dirty="0" smtClean="0">
+                <a:latin typeface="Open Sans Light"/>
+                <a:cs typeface="Open Sans Light"/>
+              </a:rPr>
+              <a:t>&amp; RDP</a:t>
+            </a:r>
             <a:endParaRPr lang="en-US" sz="1200" b="1" dirty="0">
               <a:latin typeface="Open Sans Light"/>
               <a:cs typeface="Open Sans Light"/>
@@ -8684,6 +8668,334 @@
           </a:p>
         </p:txBody>
       </p:sp>
+      <p:sp>
+        <p:nvSpPr>
+          <p:cNvPr id="112" name="Rounded Rectangle 111"/>
+          <p:cNvSpPr/>
+          <p:nvPr/>
+        </p:nvSpPr>
+        <p:spPr>
+          <a:xfrm>
+            <a:off x="1619290" y="362614"/>
+            <a:ext cx="8518346" cy="6199787"/>
+          </a:xfrm>
+          <a:prstGeom prst="roundRect">
+            <a:avLst>
+              <a:gd name="adj" fmla="val 9818"/>
+            </a:avLst>
+          </a:prstGeom>
+          <a:noFill/>
+          <a:ln w="19050">
+            <a:solidFill>
+              <a:schemeClr val="tx1"/>
+            </a:solidFill>
+            <a:prstDash val="sysDot"/>
+          </a:ln>
+          <a:effectLst/>
+        </p:spPr>
+        <p:style>
+          <a:lnRef idx="1">
+            <a:schemeClr val="accent1"/>
+          </a:lnRef>
+          <a:fillRef idx="3">
+            <a:schemeClr val="accent1"/>
+          </a:fillRef>
+          <a:effectRef idx="2">
+            <a:schemeClr val="accent1"/>
+          </a:effectRef>
+          <a:fontRef idx="minor">
+            <a:schemeClr val="lt1"/>
+          </a:fontRef>
+        </p:style>
+        <p:txBody>
+          <a:bodyPr anchor="ctr"/>
+          <a:lstStyle/>
+          <a:p>
+            <a:pPr algn="ctr" fontAlgn="auto">
+              <a:spcBef>
+                <a:spcPts val="0"/>
+              </a:spcBef>
+              <a:spcAft>
+                <a:spcPts val="0"/>
+              </a:spcAft>
+              <a:defRPr/>
+            </a:pPr>
+            <a:endParaRPr lang="en-US" dirty="0">
+              <a:solidFill>
+                <a:schemeClr val="tx1"/>
+              </a:solidFill>
+              <a:latin typeface="Helvetica Neue"/>
+              <a:cs typeface="Helvetica Neue"/>
+            </a:endParaRPr>
+          </a:p>
+        </p:txBody>
+      </p:sp>
+      <p:sp>
+        <p:nvSpPr>
+          <p:cNvPr id="117" name="TextBox 116"/>
+          <p:cNvSpPr txBox="1"/>
+          <p:nvPr/>
+        </p:nvSpPr>
+        <p:spPr>
+          <a:xfrm>
+            <a:off x="1034182" y="1202598"/>
+            <a:ext cx="657686" cy="461665"/>
+          </a:xfrm>
+          <a:prstGeom prst="rect">
+            <a:avLst/>
+          </a:prstGeom>
+          <a:noFill/>
+        </p:spPr>
+        <p:txBody>
+          <a:bodyPr wrap="square" rtlCol="0">
+            <a:spAutoFit/>
+          </a:bodyPr>
+          <a:lstStyle/>
+          <a:p>
+            <a:r>
+              <a:rPr lang="en-US" sz="1200" b="1" dirty="0" smtClean="0">
+                <a:latin typeface="Open Sans Light"/>
+                <a:cs typeface="Open Sans Light"/>
+              </a:rPr>
+              <a:t>Cloud</a:t>
+            </a:r>
+            <a:br>
+              <a:rPr lang="en-US" sz="1200" b="1" dirty="0" smtClean="0">
+                <a:latin typeface="Open Sans Light"/>
+                <a:cs typeface="Open Sans Light"/>
+              </a:rPr>
+            </a:br>
+            <a:r>
+              <a:rPr lang="en-US" sz="1200" b="1" dirty="0" smtClean="0">
+                <a:latin typeface="Open Sans Light"/>
+                <a:cs typeface="Open Sans Light"/>
+              </a:rPr>
+              <a:t>Hub</a:t>
+            </a:r>
+            <a:endParaRPr lang="en-US" sz="1200" b="1" dirty="0">
+              <a:latin typeface="Open Sans Light"/>
+              <a:cs typeface="Open Sans Light"/>
+            </a:endParaRPr>
+          </a:p>
+        </p:txBody>
+      </p:sp>
+      <p:sp>
+        <p:nvSpPr>
+          <p:cNvPr id="119" name="Rounded Rectangle 118"/>
+          <p:cNvSpPr/>
+          <p:nvPr/>
+        </p:nvSpPr>
+        <p:spPr>
+          <a:xfrm>
+            <a:off x="1807781" y="5244894"/>
+            <a:ext cx="1480607" cy="1011260"/>
+          </a:xfrm>
+          <a:prstGeom prst="roundRect">
+            <a:avLst>
+              <a:gd name="adj" fmla="val 9818"/>
+            </a:avLst>
+          </a:prstGeom>
+          <a:noFill/>
+          <a:ln w="6350">
+            <a:solidFill>
+              <a:schemeClr val="tx1"/>
+            </a:solidFill>
+            <a:prstDash val="solid"/>
+          </a:ln>
+          <a:effectLst/>
+        </p:spPr>
+        <p:style>
+          <a:lnRef idx="1">
+            <a:schemeClr val="accent1"/>
+          </a:lnRef>
+          <a:fillRef idx="3">
+            <a:schemeClr val="accent1"/>
+          </a:fillRef>
+          <a:effectRef idx="2">
+            <a:schemeClr val="accent1"/>
+          </a:effectRef>
+          <a:fontRef idx="minor">
+            <a:schemeClr val="lt1"/>
+          </a:fontRef>
+        </p:style>
+        <p:txBody>
+          <a:bodyPr anchor="t"/>
+          <a:lstStyle>
+            <a:lvl1pPr>
+              <a:defRPr>
+                <a:solidFill>
+                  <a:schemeClr val="lt1"/>
+                </a:solidFill>
+                <a:latin typeface="+mn-lt"/>
+                <a:ea typeface="+mn-ea"/>
+                <a:cs typeface="+mn-cs"/>
+              </a:defRPr>
+            </a:lvl1pPr>
+            <a:lvl2pPr>
+              <a:defRPr>
+                <a:solidFill>
+                  <a:schemeClr val="lt1"/>
+                </a:solidFill>
+                <a:latin typeface="+mn-lt"/>
+                <a:ea typeface="+mn-ea"/>
+                <a:cs typeface="+mn-cs"/>
+              </a:defRPr>
+            </a:lvl2pPr>
+            <a:lvl3pPr>
+              <a:defRPr>
+                <a:solidFill>
+                  <a:schemeClr val="lt1"/>
+                </a:solidFill>
+                <a:latin typeface="+mn-lt"/>
+                <a:ea typeface="+mn-ea"/>
+                <a:cs typeface="+mn-cs"/>
+              </a:defRPr>
+            </a:lvl3pPr>
+            <a:lvl4pPr>
+              <a:defRPr>
+                <a:solidFill>
+                  <a:schemeClr val="lt1"/>
+                </a:solidFill>
+                <a:latin typeface="+mn-lt"/>
+                <a:ea typeface="+mn-ea"/>
+                <a:cs typeface="+mn-cs"/>
+              </a:defRPr>
+            </a:lvl4pPr>
+            <a:lvl5pPr>
+              <a:defRPr>
+                <a:solidFill>
+                  <a:schemeClr val="lt1"/>
+                </a:solidFill>
+                <a:latin typeface="+mn-lt"/>
+                <a:ea typeface="+mn-ea"/>
+                <a:cs typeface="+mn-cs"/>
+              </a:defRPr>
+            </a:lvl5pPr>
+            <a:lvl6pPr>
+              <a:defRPr>
+                <a:solidFill>
+                  <a:schemeClr val="lt1"/>
+                </a:solidFill>
+                <a:latin typeface="+mn-lt"/>
+                <a:ea typeface="+mn-ea"/>
+                <a:cs typeface="+mn-cs"/>
+              </a:defRPr>
+            </a:lvl6pPr>
+            <a:lvl7pPr>
+              <a:defRPr>
+                <a:solidFill>
+                  <a:schemeClr val="lt1"/>
+                </a:solidFill>
+                <a:latin typeface="+mn-lt"/>
+                <a:ea typeface="+mn-ea"/>
+                <a:cs typeface="+mn-cs"/>
+              </a:defRPr>
+            </a:lvl7pPr>
+            <a:lvl8pPr>
+              <a:defRPr>
+                <a:solidFill>
+                  <a:schemeClr val="lt1"/>
+                </a:solidFill>
+                <a:latin typeface="+mn-lt"/>
+                <a:ea typeface="+mn-ea"/>
+                <a:cs typeface="+mn-cs"/>
+              </a:defRPr>
+            </a:lvl8pPr>
+            <a:lvl9pPr>
+              <a:defRPr>
+                <a:solidFill>
+                  <a:schemeClr val="lt1"/>
+                </a:solidFill>
+                <a:latin typeface="+mn-lt"/>
+                <a:ea typeface="+mn-ea"/>
+                <a:cs typeface="+mn-cs"/>
+              </a:defRPr>
+            </a:lvl9pPr>
+          </a:lstStyle>
+          <a:p>
+            <a:pPr fontAlgn="auto">
+              <a:spcBef>
+                <a:spcPts val="0"/>
+              </a:spcBef>
+              <a:spcAft>
+                <a:spcPts val="0"/>
+              </a:spcAft>
+              <a:defRPr/>
+            </a:pPr>
+            <a:r>
+              <a:rPr lang="en-US" sz="1200" kern="1200" dirty="0" smtClean="0">
+                <a:solidFill>
+                  <a:schemeClr val="tx1"/>
+                </a:solidFill>
+                <a:latin typeface="Open Sans Light"/>
+                <a:cs typeface="Open Sans Light"/>
+              </a:rPr>
+              <a:t>DMZ subnet</a:t>
+            </a:r>
+            <a:endParaRPr lang="en-US" sz="1200" kern="1200" dirty="0">
+              <a:solidFill>
+                <a:schemeClr val="tx1"/>
+              </a:solidFill>
+              <a:latin typeface="Open Sans Light"/>
+              <a:cs typeface="Open Sans Light"/>
+            </a:endParaRPr>
+          </a:p>
+        </p:txBody>
+      </p:sp>
+      <p:pic>
+        <p:nvPicPr>
+          <p:cNvPr id="121" name="Picture 120"/>
+          <p:cNvPicPr>
+            <a:picLocks noChangeAspect="1"/>
+          </p:cNvPicPr>
+          <p:nvPr/>
+        </p:nvPicPr>
+        <p:blipFill>
+          <a:blip r:embed="rId10"/>
+          <a:stretch>
+            <a:fillRect/>
+          </a:stretch>
+        </p:blipFill>
+        <p:spPr>
+          <a:xfrm>
+            <a:off x="2985172" y="5179737"/>
+            <a:ext cx="215900" cy="241300"/>
+          </a:xfrm>
+          <a:prstGeom prst="rect">
+            <a:avLst/>
+          </a:prstGeom>
+        </p:spPr>
+      </p:pic>
+      <p:pic>
+        <p:nvPicPr>
+          <p:cNvPr id="69" name="Picture 68"/>
+          <p:cNvPicPr>
+            <a:picLocks noChangeAspect="1"/>
+          </p:cNvPicPr>
+          <p:nvPr/>
+        </p:nvPicPr>
+        <p:blipFill>
+          <a:blip r:embed="rId14">
+            <a:extLst>
+              <a:ext uri="{28A0092B-C50C-407E-A947-70E740481C1C}">
+                <a14:useLocalDpi xmlns:a14="http://schemas.microsoft.com/office/drawing/2010/main" val="0"/>
+              </a:ext>
+            </a:extLst>
+          </a:blip>
+          <a:stretch>
+            <a:fillRect/>
+          </a:stretch>
+        </p:blipFill>
+        <p:spPr>
+          <a:xfrm>
+            <a:off x="2013436" y="3247049"/>
+            <a:ext cx="450376" cy="540452"/>
+          </a:xfrm>
+          <a:prstGeom prst="rect">
+            <a:avLst/>
+          </a:prstGeom>
+        </p:spPr>
+      </p:pic>
     </p:spTree>
     <p:extLst>
       <p:ext uri="{BB962C8B-B14F-4D97-AF65-F5344CB8AC3E}">
@@ -11174,6 +11486,87 @@
                                   </p:childTnLst>
                                 </p:cTn>
                               </p:par>
+                              <p:par>
+                                <p:cTn id="201" presetID="1" presetClass="entr" presetSubtype="0" fill="hold" grpId="0" nodeType="withEffect">
+                                  <p:stCondLst>
+                                    <p:cond delay="0"/>
+                                  </p:stCondLst>
+                                  <p:childTnLst>
+                                    <p:set>
+                                      <p:cBhvr>
+                                        <p:cTn id="202" dur="1" fill="hold">
+                                          <p:stCondLst>
+                                            <p:cond delay="0"/>
+                                          </p:stCondLst>
+                                        </p:cTn>
+                                        <p:tgtEl>
+                                          <p:spTgt spid="117"/>
+                                        </p:tgtEl>
+                                        <p:attrNameLst>
+                                          <p:attrName>style.visibility</p:attrName>
+                                        </p:attrNameLst>
+                                      </p:cBhvr>
+                                      <p:to>
+                                        <p:strVal val="visible"/>
+                                      </p:to>
+                                    </p:set>
+                                  </p:childTnLst>
+                                </p:cTn>
+                              </p:par>
+                              <p:par>
+                                <p:cTn id="203" presetID="1" presetClass="entr" presetSubtype="0" fill="hold" nodeType="withEffect">
+                                  <p:stCondLst>
+                                    <p:cond delay="0"/>
+                                  </p:stCondLst>
+                                  <p:childTnLst>
+                                    <p:set>
+                                      <p:cBhvr>
+                                        <p:cTn id="204" dur="1" fill="hold">
+                                          <p:stCondLst>
+                                            <p:cond delay="0"/>
+                                          </p:stCondLst>
+                                        </p:cTn>
+                                        <p:tgtEl>
+                                          <p:spTgt spid="121"/>
+                                        </p:tgtEl>
+                                        <p:attrNameLst>
+                                          <p:attrName>style.visibility</p:attrName>
+                                        </p:attrNameLst>
+                                      </p:cBhvr>
+                                      <p:to>
+                                        <p:strVal val="visible"/>
+                                      </p:to>
+                                    </p:set>
+                                  </p:childTnLst>
+                                </p:cTn>
+                              </p:par>
+                              <p:par>
+                                <p:cTn id="205" presetID="1" presetClass="entr" presetSubtype="0" fill="hold" grpId="0" nodeType="withEffect">
+                                  <p:stCondLst>
+                                    <p:cond delay="0"/>
+                                  </p:stCondLst>
+                                  <p:childTnLst>
+                                    <p:set>
+                                      <p:cBhvr>
+                                        <p:cTn id="206" dur="1" fill="hold">
+                                          <p:stCondLst>
+                                            <p:cond delay="0"/>
+                                          </p:stCondLst>
+                                        </p:cTn>
+                                        <p:tgtEl>
+                                          <p:spTgt spid="119"/>
+                                        </p:tgtEl>
+                                        <p:attrNameLst>
+                                          <p:attrName>style.visibility</p:attrName>
+                                        </p:attrNameLst>
+                                      </p:cBhvr>
+                                      <p:to>
+                                        <p:strVal val="visible"/>
+                                      </p:to>
+                                    </p:set>
+                                  </p:childTnLst>
+                                </p:cTn>
+                              </p:par>
                             </p:childTnLst>
                           </p:cTn>
                         </p:par>
@@ -11229,6 +11622,8 @@
       <p:bldP spid="110" grpId="0"/>
       <p:bldP spid="84" grpId="0" animBg="1"/>
       <p:bldP spid="116" grpId="1"/>
+      <p:bldP spid="117" grpId="0"/>
+      <p:bldP spid="119" grpId="0" animBg="1"/>
     </p:bldLst>
   </p:timing>
 </p:sld>
@@ -11251,136 +11646,6 @@
           <a:chExt cx="0" cy="0"/>
         </a:xfrm>
       </p:grpSpPr>
-      <p:grpSp>
-        <p:nvGrpSpPr>
-          <p:cNvPr id="29" name="Group 28"/>
-          <p:cNvGrpSpPr/>
-          <p:nvPr/>
-        </p:nvGrpSpPr>
-        <p:grpSpPr>
-          <a:xfrm>
-            <a:off x="811496" y="519338"/>
-            <a:ext cx="1645197" cy="2032263"/>
-            <a:chOff x="463550" y="760414"/>
-            <a:chExt cx="1709738" cy="1642217"/>
-          </a:xfrm>
-        </p:grpSpPr>
-        <p:sp>
-          <p:nvSpPr>
-            <p:cNvPr id="30" name="Rounded Rectangle 29"/>
-            <p:cNvSpPr/>
-            <p:nvPr/>
-          </p:nvSpPr>
-          <p:spPr>
-            <a:xfrm>
-              <a:off x="463550" y="760414"/>
-              <a:ext cx="1709738" cy="1642217"/>
-            </a:xfrm>
-            <a:prstGeom prst="roundRect">
-              <a:avLst>
-                <a:gd name="adj" fmla="val 9818"/>
-              </a:avLst>
-            </a:prstGeom>
-            <a:noFill/>
-            <a:ln w="19050">
-              <a:solidFill>
-                <a:schemeClr val="tx1"/>
-              </a:solidFill>
-              <a:prstDash val="lgDashDot"/>
-            </a:ln>
-            <a:effectLst/>
-          </p:spPr>
-          <p:style>
-            <a:lnRef idx="1">
-              <a:schemeClr val="accent1"/>
-            </a:lnRef>
-            <a:fillRef idx="3">
-              <a:schemeClr val="accent1"/>
-            </a:fillRef>
-            <a:effectRef idx="2">
-              <a:schemeClr val="accent1"/>
-            </a:effectRef>
-            <a:fontRef idx="minor">
-              <a:schemeClr val="lt1"/>
-            </a:fontRef>
-          </p:style>
-          <p:txBody>
-            <a:bodyPr anchor="ctr"/>
-            <a:lstStyle/>
-            <a:p>
-              <a:pPr algn="ctr" fontAlgn="auto">
-                <a:spcBef>
-                  <a:spcPts val="0"/>
-                </a:spcBef>
-                <a:spcAft>
-                  <a:spcPts val="0"/>
-                </a:spcAft>
-                <a:defRPr/>
-              </a:pPr>
-              <a:endParaRPr lang="en-US" sz="1200" dirty="0">
-                <a:solidFill>
-                  <a:schemeClr val="tx1"/>
-                </a:solidFill>
-                <a:latin typeface="Open Sans Light"/>
-                <a:cs typeface="Open Sans Light"/>
-              </a:endParaRPr>
-            </a:p>
-          </p:txBody>
-        </p:sp>
-        <p:sp>
-          <p:nvSpPr>
-            <p:cNvPr id="31" name="TextBox 31"/>
-            <p:cNvSpPr txBox="1">
-              <a:spLocks noChangeArrowheads="1"/>
-            </p:cNvSpPr>
-            <p:nvPr/>
-          </p:nvSpPr>
-          <p:spPr bwMode="auto">
-            <a:xfrm>
-              <a:off x="546099" y="2193392"/>
-              <a:ext cx="1627188" cy="172970"/>
-            </a:xfrm>
-            <a:prstGeom prst="rect">
-              <a:avLst/>
-            </a:prstGeom>
-            <a:noFill/>
-            <a:ln w="9525">
-              <a:noFill/>
-              <a:miter lim="800000"/>
-              <a:headEnd/>
-              <a:tailEnd/>
-            </a:ln>
-          </p:spPr>
-          <p:txBody>
-            <a:bodyPr wrap="square">
-              <a:spAutoFit/>
-            </a:bodyPr>
-            <a:lstStyle/>
-            <a:p>
-              <a:pPr algn="ctr"/>
-              <a:r>
-                <a:rPr lang="en-US" sz="1200" b="1" dirty="0" smtClean="0">
-                  <a:solidFill>
-                    <a:srgbClr val="414042"/>
-                  </a:solidFill>
-                  <a:latin typeface="Open Sans Light"/>
-                  <a:ea typeface="Verdana" pitchFamily="34" charset="0"/>
-                  <a:cs typeface="Open Sans Light"/>
-                </a:rPr>
-                <a:t>Auto Scaling group</a:t>
-              </a:r>
-              <a:endParaRPr lang="en-US" sz="1200" b="1" dirty="0">
-                <a:solidFill>
-                  <a:srgbClr val="414042"/>
-                </a:solidFill>
-                <a:latin typeface="Open Sans Light"/>
-                <a:ea typeface="Verdana" pitchFamily="34" charset="0"/>
-                <a:cs typeface="Open Sans Light"/>
-              </a:endParaRPr>
-            </a:p>
-          </p:txBody>
-        </p:sp>
-      </p:grpSp>
       <p:grpSp>
         <p:nvGrpSpPr>
           <p:cNvPr id="32" name="Group 31"/>
@@ -11522,1622 +11787,6 @@
           </p:txBody>
         </p:sp>
       </p:grpSp>
-      <p:pic>
-        <p:nvPicPr>
-          <p:cNvPr id="143" name="Picture 142"/>
-          <p:cNvPicPr>
-            <a:picLocks noChangeAspect="1"/>
-          </p:cNvPicPr>
-          <p:nvPr/>
-        </p:nvPicPr>
-        <p:blipFill>
-          <a:blip r:embed="rId3">
-            <a:extLst>
-              <a:ext uri="{28A0092B-C50C-407E-A947-70E740481C1C}">
-                <a14:useLocalDpi xmlns:a14="http://schemas.microsoft.com/office/drawing/2010/main" val="0"/>
-              </a:ext>
-            </a:extLst>
-          </a:blip>
-          <a:stretch>
-            <a:fillRect/>
-          </a:stretch>
-        </p:blipFill>
-        <p:spPr>
-          <a:xfrm>
-            <a:off x="1107936" y="759797"/>
-            <a:ext cx="1052372" cy="365463"/>
-          </a:xfrm>
-          <a:prstGeom prst="rect">
-            <a:avLst/>
-          </a:prstGeom>
-        </p:spPr>
-      </p:pic>
-      <p:grpSp>
-        <p:nvGrpSpPr>
-          <p:cNvPr id="144" name="Group 143"/>
-          <p:cNvGrpSpPr/>
-          <p:nvPr/>
-        </p:nvGrpSpPr>
-        <p:grpSpPr>
-          <a:xfrm>
-            <a:off x="952848" y="672631"/>
-            <a:ext cx="1314682" cy="725928"/>
-            <a:chOff x="6743700" y="760413"/>
-            <a:chExt cx="1752600" cy="1733550"/>
-          </a:xfrm>
-        </p:grpSpPr>
-        <p:grpSp>
-          <p:nvGrpSpPr>
-            <p:cNvPr id="145" name="Group 144"/>
-            <p:cNvGrpSpPr>
-              <a:grpSpLocks/>
-            </p:cNvGrpSpPr>
-            <p:nvPr/>
-          </p:nvGrpSpPr>
-          <p:grpSpPr bwMode="auto">
-            <a:xfrm>
-              <a:off x="6743700" y="760413"/>
-              <a:ext cx="1752600" cy="1733550"/>
-              <a:chOff x="545458" y="4783771"/>
-              <a:chExt cx="2293787" cy="1733798"/>
-            </a:xfrm>
-          </p:grpSpPr>
-          <p:sp>
-            <p:nvSpPr>
-              <p:cNvPr id="147" name="Rounded Rectangle 146"/>
-              <p:cNvSpPr/>
-              <p:nvPr/>
-            </p:nvSpPr>
-            <p:spPr>
-              <a:xfrm>
-                <a:off x="545458" y="4783771"/>
-                <a:ext cx="2293787" cy="1733798"/>
-              </a:xfrm>
-              <a:prstGeom prst="roundRect">
-                <a:avLst>
-                  <a:gd name="adj" fmla="val 9818"/>
-                </a:avLst>
-              </a:prstGeom>
-              <a:noFill/>
-              <a:ln w="19050">
-                <a:solidFill>
-                  <a:schemeClr val="tx1"/>
-                </a:solidFill>
-                <a:prstDash val="solid"/>
-              </a:ln>
-              <a:effectLst/>
-            </p:spPr>
-            <p:style>
-              <a:lnRef idx="1">
-                <a:schemeClr val="accent1"/>
-              </a:lnRef>
-              <a:fillRef idx="3">
-                <a:schemeClr val="accent1"/>
-              </a:fillRef>
-              <a:effectRef idx="2">
-                <a:schemeClr val="accent1"/>
-              </a:effectRef>
-              <a:fontRef idx="minor">
-                <a:schemeClr val="lt1"/>
-              </a:fontRef>
-            </p:style>
-            <p:txBody>
-              <a:bodyPr anchor="ctr"/>
-              <a:lstStyle/>
-              <a:p>
-                <a:pPr algn="ctr" fontAlgn="auto">
-                  <a:spcBef>
-                    <a:spcPts val="0"/>
-                  </a:spcBef>
-                  <a:spcAft>
-                    <a:spcPts val="0"/>
-                  </a:spcAft>
-                  <a:defRPr/>
-                </a:pPr>
-                <a:endParaRPr lang="en-US" sz="1200" dirty="0">
-                  <a:solidFill>
-                    <a:schemeClr val="tx1"/>
-                  </a:solidFill>
-                  <a:latin typeface="Open Sans Light"/>
-                  <a:cs typeface="Open Sans Light"/>
-                </a:endParaRPr>
-              </a:p>
-            </p:txBody>
-          </p:sp>
-          <p:sp>
-            <p:nvSpPr>
-              <p:cNvPr id="148" name="Rounded Rectangle 147"/>
-              <p:cNvSpPr/>
-              <p:nvPr/>
-            </p:nvSpPr>
-            <p:spPr>
-              <a:xfrm>
-                <a:off x="545458" y="4783771"/>
-                <a:ext cx="2293787" cy="1733798"/>
-              </a:xfrm>
-              <a:prstGeom prst="roundRect">
-                <a:avLst>
-                  <a:gd name="adj" fmla="val 9818"/>
-                </a:avLst>
-              </a:prstGeom>
-              <a:noFill/>
-              <a:ln w="19050">
-                <a:solidFill>
-                  <a:srgbClr val="FF0000"/>
-                </a:solidFill>
-                <a:prstDash val="lgDash"/>
-              </a:ln>
-              <a:effectLst/>
-            </p:spPr>
-            <p:style>
-              <a:lnRef idx="1">
-                <a:schemeClr val="accent1"/>
-              </a:lnRef>
-              <a:fillRef idx="3">
-                <a:schemeClr val="accent1"/>
-              </a:fillRef>
-              <a:effectRef idx="2">
-                <a:schemeClr val="accent1"/>
-              </a:effectRef>
-              <a:fontRef idx="minor">
-                <a:schemeClr val="lt1"/>
-              </a:fontRef>
-            </p:style>
-            <p:txBody>
-              <a:bodyPr anchor="ctr"/>
-              <a:lstStyle/>
-              <a:p>
-                <a:pPr algn="ctr" fontAlgn="auto">
-                  <a:spcBef>
-                    <a:spcPts val="0"/>
-                  </a:spcBef>
-                  <a:spcAft>
-                    <a:spcPts val="0"/>
-                  </a:spcAft>
-                  <a:defRPr/>
-                </a:pPr>
-                <a:endParaRPr lang="en-US" sz="1200" dirty="0">
-                  <a:solidFill>
-                    <a:schemeClr val="tx1"/>
-                  </a:solidFill>
-                  <a:latin typeface="Open Sans Light"/>
-                  <a:cs typeface="Open Sans Light"/>
-                </a:endParaRPr>
-              </a:p>
-            </p:txBody>
-          </p:sp>
-        </p:grpSp>
-        <p:sp>
-          <p:nvSpPr>
-            <p:cNvPr id="146" name="TextBox 34"/>
-            <p:cNvSpPr txBox="1">
-              <a:spLocks noChangeArrowheads="1"/>
-            </p:cNvSpPr>
-            <p:nvPr/>
-          </p:nvSpPr>
-          <p:spPr bwMode="auto">
-            <a:xfrm>
-              <a:off x="6851652" y="1879021"/>
-              <a:ext cx="1555749" cy="476280"/>
-            </a:xfrm>
-            <a:prstGeom prst="rect">
-              <a:avLst/>
-            </a:prstGeom>
-            <a:noFill/>
-            <a:ln w="9525">
-              <a:noFill/>
-              <a:miter lim="800000"/>
-              <a:headEnd/>
-              <a:tailEnd/>
-            </a:ln>
-          </p:spPr>
-          <p:txBody>
-            <a:bodyPr anchor="ctr" anchorCtr="0">
-              <a:spAutoFit/>
-            </a:bodyPr>
-            <a:lstStyle/>
-            <a:p>
-              <a:pPr algn="ctr"/>
-              <a:r>
-                <a:rPr lang="en-US" sz="1200" dirty="0" smtClean="0">
-                  <a:solidFill>
-                    <a:srgbClr val="414042"/>
-                  </a:solidFill>
-                  <a:latin typeface="Open Sans Light"/>
-                  <a:ea typeface="Verdana" pitchFamily="34" charset="0"/>
-                  <a:cs typeface="Open Sans Light"/>
-                </a:rPr>
-                <a:t>security group</a:t>
-              </a:r>
-              <a:endParaRPr lang="en-US" sz="1200" dirty="0">
-                <a:solidFill>
-                  <a:srgbClr val="414042"/>
-                </a:solidFill>
-                <a:latin typeface="Open Sans Light"/>
-                <a:ea typeface="Verdana" pitchFamily="34" charset="0"/>
-                <a:cs typeface="Open Sans Light"/>
-              </a:endParaRPr>
-            </a:p>
-          </p:txBody>
-        </p:sp>
-      </p:grpSp>
-      <p:sp>
-        <p:nvSpPr>
-          <p:cNvPr id="149" name="TextBox 148"/>
-          <p:cNvSpPr txBox="1"/>
-          <p:nvPr/>
-        </p:nvSpPr>
-        <p:spPr>
-          <a:xfrm>
-            <a:off x="1175658" y="790295"/>
-            <a:ext cx="789937" cy="276999"/>
-          </a:xfrm>
-          <a:prstGeom prst="rect">
-            <a:avLst/>
-          </a:prstGeom>
-          <a:noFill/>
-        </p:spPr>
-        <p:txBody>
-          <a:bodyPr wrap="square" rtlCol="0">
-            <a:spAutoFit/>
-          </a:bodyPr>
-          <a:lstStyle/>
-          <a:p>
-            <a:pPr algn="ctr"/>
-            <a:r>
-              <a:rPr lang="en-US" sz="1200" b="1" dirty="0" smtClean="0">
-                <a:latin typeface="Open Sans Light"/>
-                <a:cs typeface="Open Sans Light"/>
-              </a:rPr>
-              <a:t>Web app</a:t>
-            </a:r>
-            <a:endParaRPr lang="en-US" sz="1200" b="1" dirty="0">
-              <a:latin typeface="Open Sans Light"/>
-              <a:cs typeface="Open Sans Light"/>
-            </a:endParaRPr>
-          </a:p>
-        </p:txBody>
-      </p:sp>
-      <p:pic>
-        <p:nvPicPr>
-          <p:cNvPr id="177" name="Picture 176"/>
-          <p:cNvPicPr>
-            <a:picLocks noChangeAspect="1"/>
-          </p:cNvPicPr>
-          <p:nvPr/>
-        </p:nvPicPr>
-        <p:blipFill>
-          <a:blip r:embed="rId4">
-            <a:extLst>
-              <a:ext uri="{28A0092B-C50C-407E-A947-70E740481C1C}">
-                <a14:useLocalDpi xmlns:a14="http://schemas.microsoft.com/office/drawing/2010/main" val="0"/>
-              </a:ext>
-            </a:extLst>
-          </a:blip>
-          <a:stretch>
-            <a:fillRect/>
-          </a:stretch>
-        </p:blipFill>
-        <p:spPr>
-          <a:xfrm>
-            <a:off x="2973156" y="1281626"/>
-            <a:ext cx="433410" cy="520092"/>
-          </a:xfrm>
-          <a:prstGeom prst="rect">
-            <a:avLst/>
-          </a:prstGeom>
-        </p:spPr>
-      </p:pic>
-      <p:sp>
-        <p:nvSpPr>
-          <p:cNvPr id="178" name="TextBox 177"/>
-          <p:cNvSpPr txBox="1"/>
-          <p:nvPr/>
-        </p:nvSpPr>
-        <p:spPr>
-          <a:xfrm>
-            <a:off x="2674764" y="1751234"/>
-            <a:ext cx="999021" cy="461665"/>
-          </a:xfrm>
-          <a:prstGeom prst="rect">
-            <a:avLst/>
-          </a:prstGeom>
-          <a:noFill/>
-        </p:spPr>
-        <p:txBody>
-          <a:bodyPr wrap="square" rtlCol="0">
-            <a:spAutoFit/>
-          </a:bodyPr>
-          <a:lstStyle/>
-          <a:p>
-            <a:pPr algn="ctr"/>
-            <a:r>
-              <a:rPr lang="en-US" sz="1200" b="1" dirty="0" smtClean="0">
-                <a:latin typeface="Open Sans Light"/>
-                <a:cs typeface="Open Sans Light"/>
-              </a:rPr>
-              <a:t>Elastic Load Balancer</a:t>
-            </a:r>
-            <a:endParaRPr lang="en-US" sz="1200" b="1" dirty="0">
-              <a:latin typeface="Open Sans Light"/>
-              <a:cs typeface="Open Sans Light"/>
-            </a:endParaRPr>
-          </a:p>
-        </p:txBody>
-      </p:sp>
-      <p:cxnSp>
-        <p:nvCxnSpPr>
-          <p:cNvPr id="179" name="Straight Connector 178"/>
-          <p:cNvCxnSpPr>
-            <a:stCxn id="30" idx="3"/>
-            <a:endCxn id="177" idx="1"/>
-          </p:cNvCxnSpPr>
-          <p:nvPr/>
-        </p:nvCxnSpPr>
-        <p:spPr>
-          <a:xfrm>
-            <a:off x="2456693" y="1535470"/>
-            <a:ext cx="516463" cy="6202"/>
-          </a:xfrm>
-          <a:prstGeom prst="line">
-            <a:avLst/>
-          </a:prstGeom>
-          <a:ln>
-            <a:solidFill>
-              <a:srgbClr val="414042"/>
-            </a:solidFill>
-            <a:tailEnd type="triangle" w="lg" len="lg"/>
-          </a:ln>
-          <a:effectLst/>
-        </p:spPr>
-        <p:style>
-          <a:lnRef idx="2">
-            <a:schemeClr val="accent1"/>
-          </a:lnRef>
-          <a:fillRef idx="0">
-            <a:schemeClr val="accent1"/>
-          </a:fillRef>
-          <a:effectRef idx="1">
-            <a:schemeClr val="accent1"/>
-          </a:effectRef>
-          <a:fontRef idx="minor">
-            <a:schemeClr val="tx1"/>
-          </a:fontRef>
-        </p:style>
-      </p:cxnSp>
-      <p:grpSp>
-        <p:nvGrpSpPr>
-          <p:cNvPr id="187" name="Group 186"/>
-          <p:cNvGrpSpPr/>
-          <p:nvPr/>
-        </p:nvGrpSpPr>
-        <p:grpSpPr>
-          <a:xfrm>
-            <a:off x="3935499" y="532237"/>
-            <a:ext cx="1645197" cy="2032263"/>
-            <a:chOff x="463550" y="760414"/>
-            <a:chExt cx="1709738" cy="1642217"/>
-          </a:xfrm>
-        </p:grpSpPr>
-        <p:sp>
-          <p:nvSpPr>
-            <p:cNvPr id="188" name="Rounded Rectangle 187"/>
-            <p:cNvSpPr/>
-            <p:nvPr/>
-          </p:nvSpPr>
-          <p:spPr>
-            <a:xfrm>
-              <a:off x="463550" y="760414"/>
-              <a:ext cx="1709738" cy="1642217"/>
-            </a:xfrm>
-            <a:prstGeom prst="roundRect">
-              <a:avLst>
-                <a:gd name="adj" fmla="val 9818"/>
-              </a:avLst>
-            </a:prstGeom>
-            <a:noFill/>
-            <a:ln w="19050">
-              <a:solidFill>
-                <a:schemeClr val="tx1"/>
-              </a:solidFill>
-              <a:prstDash val="lgDashDot"/>
-            </a:ln>
-            <a:effectLst/>
-          </p:spPr>
-          <p:style>
-            <a:lnRef idx="1">
-              <a:schemeClr val="accent1"/>
-            </a:lnRef>
-            <a:fillRef idx="3">
-              <a:schemeClr val="accent1"/>
-            </a:fillRef>
-            <a:effectRef idx="2">
-              <a:schemeClr val="accent1"/>
-            </a:effectRef>
-            <a:fontRef idx="minor">
-              <a:schemeClr val="lt1"/>
-            </a:fontRef>
-          </p:style>
-          <p:txBody>
-            <a:bodyPr anchor="ctr"/>
-            <a:lstStyle/>
-            <a:p>
-              <a:pPr algn="ctr" fontAlgn="auto">
-                <a:spcBef>
-                  <a:spcPts val="0"/>
-                </a:spcBef>
-                <a:spcAft>
-                  <a:spcPts val="0"/>
-                </a:spcAft>
-                <a:defRPr/>
-              </a:pPr>
-              <a:endParaRPr lang="en-US" sz="1200" dirty="0">
-                <a:solidFill>
-                  <a:schemeClr val="tx1"/>
-                </a:solidFill>
-                <a:latin typeface="Open Sans Light"/>
-                <a:cs typeface="Open Sans Light"/>
-              </a:endParaRPr>
-            </a:p>
-          </p:txBody>
-        </p:sp>
-        <p:sp>
-          <p:nvSpPr>
-            <p:cNvPr id="189" name="TextBox 31"/>
-            <p:cNvSpPr txBox="1">
-              <a:spLocks noChangeArrowheads="1"/>
-            </p:cNvSpPr>
-            <p:nvPr/>
-          </p:nvSpPr>
-          <p:spPr bwMode="auto">
-            <a:xfrm>
-              <a:off x="546099" y="2193392"/>
-              <a:ext cx="1627188" cy="172970"/>
-            </a:xfrm>
-            <a:prstGeom prst="rect">
-              <a:avLst/>
-            </a:prstGeom>
-            <a:noFill/>
-            <a:ln w="9525">
-              <a:noFill/>
-              <a:miter lim="800000"/>
-              <a:headEnd/>
-              <a:tailEnd/>
-            </a:ln>
-          </p:spPr>
-          <p:txBody>
-            <a:bodyPr wrap="square">
-              <a:spAutoFit/>
-            </a:bodyPr>
-            <a:lstStyle/>
-            <a:p>
-              <a:pPr algn="ctr"/>
-              <a:r>
-                <a:rPr lang="en-US" sz="1200" b="1" dirty="0" smtClean="0">
-                  <a:solidFill>
-                    <a:srgbClr val="414042"/>
-                  </a:solidFill>
-                  <a:latin typeface="Open Sans Light"/>
-                  <a:ea typeface="Verdana" pitchFamily="34" charset="0"/>
-                  <a:cs typeface="Open Sans Light"/>
-                </a:rPr>
-                <a:t>Auto Scaling group</a:t>
-              </a:r>
-              <a:endParaRPr lang="en-US" sz="1200" b="1" dirty="0">
-                <a:solidFill>
-                  <a:srgbClr val="414042"/>
-                </a:solidFill>
-                <a:latin typeface="Open Sans Light"/>
-                <a:ea typeface="Verdana" pitchFamily="34" charset="0"/>
-                <a:cs typeface="Open Sans Light"/>
-              </a:endParaRPr>
-            </a:p>
-          </p:txBody>
-        </p:sp>
-      </p:grpSp>
-      <p:cxnSp>
-        <p:nvCxnSpPr>
-          <p:cNvPr id="190" name="Straight Connector 189"/>
-          <p:cNvCxnSpPr>
-            <a:stCxn id="177" idx="3"/>
-            <a:endCxn id="188" idx="1"/>
-          </p:cNvCxnSpPr>
-          <p:nvPr/>
-        </p:nvCxnSpPr>
-        <p:spPr>
-          <a:xfrm>
-            <a:off x="3406566" y="1541672"/>
-            <a:ext cx="528933" cy="6697"/>
-          </a:xfrm>
-          <a:prstGeom prst="line">
-            <a:avLst/>
-          </a:prstGeom>
-          <a:ln>
-            <a:solidFill>
-              <a:srgbClr val="414042"/>
-            </a:solidFill>
-            <a:tailEnd type="triangle" w="lg" len="lg"/>
-          </a:ln>
-          <a:effectLst/>
-        </p:spPr>
-        <p:style>
-          <a:lnRef idx="2">
-            <a:schemeClr val="accent1"/>
-          </a:lnRef>
-          <a:fillRef idx="0">
-            <a:schemeClr val="accent1"/>
-          </a:fillRef>
-          <a:effectRef idx="1">
-            <a:schemeClr val="accent1"/>
-          </a:effectRef>
-          <a:fontRef idx="minor">
-            <a:schemeClr val="tx1"/>
-          </a:fontRef>
-        </p:style>
-      </p:cxnSp>
-      <p:pic>
-        <p:nvPicPr>
-          <p:cNvPr id="191" name="Picture 190"/>
-          <p:cNvPicPr>
-            <a:picLocks noChangeAspect="1"/>
-          </p:cNvPicPr>
-          <p:nvPr/>
-        </p:nvPicPr>
-        <p:blipFill>
-          <a:blip r:embed="rId3">
-            <a:extLst>
-              <a:ext uri="{28A0092B-C50C-407E-A947-70E740481C1C}">
-                <a14:useLocalDpi xmlns:a14="http://schemas.microsoft.com/office/drawing/2010/main" val="0"/>
-              </a:ext>
-            </a:extLst>
-          </a:blip>
-          <a:stretch>
-            <a:fillRect/>
-          </a:stretch>
-        </p:blipFill>
-        <p:spPr>
-          <a:xfrm>
-            <a:off x="4218427" y="772696"/>
-            <a:ext cx="1052372" cy="352564"/>
-          </a:xfrm>
-          <a:prstGeom prst="rect">
-            <a:avLst/>
-          </a:prstGeom>
-        </p:spPr>
-      </p:pic>
-      <p:grpSp>
-        <p:nvGrpSpPr>
-          <p:cNvPr id="192" name="Group 191"/>
-          <p:cNvGrpSpPr/>
-          <p:nvPr/>
-        </p:nvGrpSpPr>
-        <p:grpSpPr>
-          <a:xfrm>
-            <a:off x="4076851" y="685530"/>
-            <a:ext cx="1314682" cy="713029"/>
-            <a:chOff x="6743700" y="760413"/>
-            <a:chExt cx="1752600" cy="1733550"/>
-          </a:xfrm>
-        </p:grpSpPr>
-        <p:grpSp>
-          <p:nvGrpSpPr>
-            <p:cNvPr id="193" name="Group 192"/>
-            <p:cNvGrpSpPr>
-              <a:grpSpLocks/>
-            </p:cNvGrpSpPr>
-            <p:nvPr/>
-          </p:nvGrpSpPr>
-          <p:grpSpPr bwMode="auto">
-            <a:xfrm>
-              <a:off x="6743700" y="760413"/>
-              <a:ext cx="1752600" cy="1733550"/>
-              <a:chOff x="545458" y="4783771"/>
-              <a:chExt cx="2293787" cy="1733798"/>
-            </a:xfrm>
-          </p:grpSpPr>
-          <p:sp>
-            <p:nvSpPr>
-              <p:cNvPr id="195" name="Rounded Rectangle 194"/>
-              <p:cNvSpPr/>
-              <p:nvPr/>
-            </p:nvSpPr>
-            <p:spPr>
-              <a:xfrm>
-                <a:off x="545458" y="4783771"/>
-                <a:ext cx="2293787" cy="1733798"/>
-              </a:xfrm>
-              <a:prstGeom prst="roundRect">
-                <a:avLst>
-                  <a:gd name="adj" fmla="val 9818"/>
-                </a:avLst>
-              </a:prstGeom>
-              <a:noFill/>
-              <a:ln w="19050">
-                <a:solidFill>
-                  <a:schemeClr val="tx1"/>
-                </a:solidFill>
-                <a:prstDash val="solid"/>
-              </a:ln>
-              <a:effectLst/>
-            </p:spPr>
-            <p:style>
-              <a:lnRef idx="1">
-                <a:schemeClr val="accent1"/>
-              </a:lnRef>
-              <a:fillRef idx="3">
-                <a:schemeClr val="accent1"/>
-              </a:fillRef>
-              <a:effectRef idx="2">
-                <a:schemeClr val="accent1"/>
-              </a:effectRef>
-              <a:fontRef idx="minor">
-                <a:schemeClr val="lt1"/>
-              </a:fontRef>
-            </p:style>
-            <p:txBody>
-              <a:bodyPr anchor="ctr"/>
-              <a:lstStyle/>
-              <a:p>
-                <a:pPr algn="ctr" fontAlgn="auto">
-                  <a:spcBef>
-                    <a:spcPts val="0"/>
-                  </a:spcBef>
-                  <a:spcAft>
-                    <a:spcPts val="0"/>
-                  </a:spcAft>
-                  <a:defRPr/>
-                </a:pPr>
-                <a:endParaRPr lang="en-US" sz="1200" dirty="0">
-                  <a:solidFill>
-                    <a:schemeClr val="tx1"/>
-                  </a:solidFill>
-                  <a:latin typeface="Open Sans Light"/>
-                  <a:cs typeface="Open Sans Light"/>
-                </a:endParaRPr>
-              </a:p>
-            </p:txBody>
-          </p:sp>
-          <p:sp>
-            <p:nvSpPr>
-              <p:cNvPr id="196" name="Rounded Rectangle 195"/>
-              <p:cNvSpPr/>
-              <p:nvPr/>
-            </p:nvSpPr>
-            <p:spPr>
-              <a:xfrm>
-                <a:off x="545458" y="4783771"/>
-                <a:ext cx="2293787" cy="1733798"/>
-              </a:xfrm>
-              <a:prstGeom prst="roundRect">
-                <a:avLst>
-                  <a:gd name="adj" fmla="val 9818"/>
-                </a:avLst>
-              </a:prstGeom>
-              <a:noFill/>
-              <a:ln w="19050">
-                <a:solidFill>
-                  <a:srgbClr val="FF0000"/>
-                </a:solidFill>
-                <a:prstDash val="lgDash"/>
-              </a:ln>
-              <a:effectLst/>
-            </p:spPr>
-            <p:style>
-              <a:lnRef idx="1">
-                <a:schemeClr val="accent1"/>
-              </a:lnRef>
-              <a:fillRef idx="3">
-                <a:schemeClr val="accent1"/>
-              </a:fillRef>
-              <a:effectRef idx="2">
-                <a:schemeClr val="accent1"/>
-              </a:effectRef>
-              <a:fontRef idx="minor">
-                <a:schemeClr val="lt1"/>
-              </a:fontRef>
-            </p:style>
-            <p:txBody>
-              <a:bodyPr anchor="ctr"/>
-              <a:lstStyle/>
-              <a:p>
-                <a:pPr algn="ctr" fontAlgn="auto">
-                  <a:spcBef>
-                    <a:spcPts val="0"/>
-                  </a:spcBef>
-                  <a:spcAft>
-                    <a:spcPts val="0"/>
-                  </a:spcAft>
-                  <a:defRPr/>
-                </a:pPr>
-                <a:endParaRPr lang="en-US" sz="1200" dirty="0">
-                  <a:solidFill>
-                    <a:schemeClr val="tx1"/>
-                  </a:solidFill>
-                  <a:latin typeface="Open Sans Light"/>
-                  <a:cs typeface="Open Sans Light"/>
-                </a:endParaRPr>
-              </a:p>
-            </p:txBody>
-          </p:sp>
-        </p:grpSp>
-        <p:sp>
-          <p:nvSpPr>
-            <p:cNvPr id="194" name="TextBox 34"/>
-            <p:cNvSpPr txBox="1">
-              <a:spLocks noChangeArrowheads="1"/>
-            </p:cNvSpPr>
-            <p:nvPr/>
-          </p:nvSpPr>
-          <p:spPr bwMode="auto">
-            <a:xfrm>
-              <a:off x="6851652" y="1879021"/>
-              <a:ext cx="1555749" cy="476280"/>
-            </a:xfrm>
-            <a:prstGeom prst="rect">
-              <a:avLst/>
-            </a:prstGeom>
-            <a:noFill/>
-            <a:ln w="9525">
-              <a:noFill/>
-              <a:miter lim="800000"/>
-              <a:headEnd/>
-              <a:tailEnd/>
-            </a:ln>
-          </p:spPr>
-          <p:txBody>
-            <a:bodyPr anchor="ctr" anchorCtr="0">
-              <a:spAutoFit/>
-            </a:bodyPr>
-            <a:lstStyle/>
-            <a:p>
-              <a:pPr algn="ctr"/>
-              <a:r>
-                <a:rPr lang="en-US" sz="1200" dirty="0" smtClean="0">
-                  <a:solidFill>
-                    <a:srgbClr val="414042"/>
-                  </a:solidFill>
-                  <a:latin typeface="Open Sans Light"/>
-                  <a:ea typeface="Verdana" pitchFamily="34" charset="0"/>
-                  <a:cs typeface="Open Sans Light"/>
-                </a:rPr>
-                <a:t>security group</a:t>
-              </a:r>
-              <a:endParaRPr lang="en-US" sz="1200" dirty="0">
-                <a:solidFill>
-                  <a:srgbClr val="414042"/>
-                </a:solidFill>
-                <a:latin typeface="Open Sans Light"/>
-                <a:ea typeface="Verdana" pitchFamily="34" charset="0"/>
-                <a:cs typeface="Open Sans Light"/>
-              </a:endParaRPr>
-            </a:p>
-          </p:txBody>
-        </p:sp>
-      </p:grpSp>
-      <p:sp>
-        <p:nvSpPr>
-          <p:cNvPr id="197" name="TextBox 196"/>
-          <p:cNvSpPr txBox="1"/>
-          <p:nvPr/>
-        </p:nvSpPr>
-        <p:spPr>
-          <a:xfrm>
-            <a:off x="4293899" y="789684"/>
-            <a:ext cx="789937" cy="276999"/>
-          </a:xfrm>
-          <a:prstGeom prst="rect">
-            <a:avLst/>
-          </a:prstGeom>
-          <a:noFill/>
-        </p:spPr>
-        <p:txBody>
-          <a:bodyPr wrap="square" rtlCol="0">
-            <a:spAutoFit/>
-          </a:bodyPr>
-          <a:lstStyle/>
-          <a:p>
-            <a:pPr algn="ctr"/>
-            <a:r>
-              <a:rPr lang="en-US" sz="1200" b="1" dirty="0" smtClean="0">
-                <a:latin typeface="Open Sans Light"/>
-                <a:cs typeface="Open Sans Light"/>
-              </a:rPr>
-              <a:t>svc</a:t>
-            </a:r>
-            <a:endParaRPr lang="en-US" sz="1200" b="1" dirty="0">
-              <a:latin typeface="Open Sans Light"/>
-              <a:cs typeface="Open Sans Light"/>
-            </a:endParaRPr>
-          </a:p>
-        </p:txBody>
-      </p:sp>
-      <p:pic>
-        <p:nvPicPr>
-          <p:cNvPr id="260" name="Picture 259"/>
-          <p:cNvPicPr>
-            <a:picLocks noChangeAspect="1"/>
-          </p:cNvPicPr>
-          <p:nvPr/>
-        </p:nvPicPr>
-        <p:blipFill>
-          <a:blip r:embed="rId5"/>
-          <a:stretch>
-            <a:fillRect/>
-          </a:stretch>
-        </p:blipFill>
-        <p:spPr>
-          <a:xfrm>
-            <a:off x="2489142" y="372186"/>
-            <a:ext cx="215900" cy="241300"/>
-          </a:xfrm>
-          <a:prstGeom prst="rect">
-            <a:avLst/>
-          </a:prstGeom>
-        </p:spPr>
-      </p:pic>
-      <p:sp>
-        <p:nvSpPr>
-          <p:cNvPr id="261" name="TextBox 260"/>
-          <p:cNvSpPr txBox="1"/>
-          <p:nvPr/>
-        </p:nvSpPr>
-        <p:spPr>
-          <a:xfrm>
-            <a:off x="2584962" y="644448"/>
-            <a:ext cx="797902" cy="646331"/>
-          </a:xfrm>
-          <a:prstGeom prst="rect">
-            <a:avLst/>
-          </a:prstGeom>
-          <a:noFill/>
-        </p:spPr>
-        <p:txBody>
-          <a:bodyPr wrap="square" rtlCol="0">
-            <a:spAutoFit/>
-          </a:bodyPr>
-          <a:lstStyle/>
-          <a:p>
-            <a:r>
-              <a:rPr lang="en-US" sz="1200" b="1" dirty="0">
-                <a:latin typeface="Open Sans Light"/>
-                <a:cs typeface="Open Sans Light"/>
-              </a:rPr>
-              <a:t>public</a:t>
-            </a:r>
-            <a:br>
-              <a:rPr lang="en-US" sz="1200" b="1" dirty="0">
-                <a:latin typeface="Open Sans Light"/>
-                <a:cs typeface="Open Sans Light"/>
-              </a:rPr>
-            </a:br>
-            <a:r>
-              <a:rPr lang="en-US" sz="1200" b="1" dirty="0">
-                <a:latin typeface="Open Sans Light"/>
-                <a:cs typeface="Open Sans Light"/>
-              </a:rPr>
-              <a:t>VPC</a:t>
-            </a:r>
-          </a:p>
-          <a:p>
-            <a:r>
-              <a:rPr lang="en-US" sz="1200" b="1" dirty="0" smtClean="0">
-                <a:latin typeface="Open Sans Light"/>
-                <a:cs typeface="Open Sans Light"/>
-              </a:rPr>
-              <a:t>subnet</a:t>
-            </a:r>
-            <a:endParaRPr lang="en-US" sz="1200" b="1" dirty="0">
-              <a:latin typeface="Open Sans Light"/>
-              <a:cs typeface="Open Sans Light"/>
-            </a:endParaRPr>
-          </a:p>
-        </p:txBody>
-      </p:sp>
-      <p:sp>
-        <p:nvSpPr>
-          <p:cNvPr id="288" name="Rounded Rectangle 287"/>
-          <p:cNvSpPr/>
-          <p:nvPr/>
-        </p:nvSpPr>
-        <p:spPr>
-          <a:xfrm>
-            <a:off x="667832" y="412205"/>
-            <a:ext cx="1917130" cy="2298335"/>
-          </a:xfrm>
-          <a:prstGeom prst="roundRect">
-            <a:avLst>
-              <a:gd name="adj" fmla="val 9818"/>
-            </a:avLst>
-          </a:prstGeom>
-          <a:noFill/>
-          <a:ln w="6350">
-            <a:solidFill>
-              <a:schemeClr val="tx1"/>
-            </a:solidFill>
-            <a:prstDash val="solid"/>
-          </a:ln>
-          <a:effectLst/>
-        </p:spPr>
-        <p:style>
-          <a:lnRef idx="1">
-            <a:schemeClr val="accent1"/>
-          </a:lnRef>
-          <a:fillRef idx="3">
-            <a:schemeClr val="accent1"/>
-          </a:fillRef>
-          <a:effectRef idx="2">
-            <a:schemeClr val="accent1"/>
-          </a:effectRef>
-          <a:fontRef idx="minor">
-            <a:schemeClr val="lt1"/>
-          </a:fontRef>
-        </p:style>
-        <p:txBody>
-          <a:bodyPr anchor="ctr"/>
-          <a:lstStyle>
-            <a:lvl1pPr>
-              <a:defRPr>
-                <a:solidFill>
-                  <a:schemeClr val="lt1"/>
-                </a:solidFill>
-                <a:latin typeface="+mn-lt"/>
-                <a:ea typeface="+mn-ea"/>
-                <a:cs typeface="+mn-cs"/>
-              </a:defRPr>
-            </a:lvl1pPr>
-            <a:lvl2pPr>
-              <a:defRPr>
-                <a:solidFill>
-                  <a:schemeClr val="lt1"/>
-                </a:solidFill>
-                <a:latin typeface="+mn-lt"/>
-                <a:ea typeface="+mn-ea"/>
-                <a:cs typeface="+mn-cs"/>
-              </a:defRPr>
-            </a:lvl2pPr>
-            <a:lvl3pPr>
-              <a:defRPr>
-                <a:solidFill>
-                  <a:schemeClr val="lt1"/>
-                </a:solidFill>
-                <a:latin typeface="+mn-lt"/>
-                <a:ea typeface="+mn-ea"/>
-                <a:cs typeface="+mn-cs"/>
-              </a:defRPr>
-            </a:lvl3pPr>
-            <a:lvl4pPr>
-              <a:defRPr>
-                <a:solidFill>
-                  <a:schemeClr val="lt1"/>
-                </a:solidFill>
-                <a:latin typeface="+mn-lt"/>
-                <a:ea typeface="+mn-ea"/>
-                <a:cs typeface="+mn-cs"/>
-              </a:defRPr>
-            </a:lvl4pPr>
-            <a:lvl5pPr>
-              <a:defRPr>
-                <a:solidFill>
-                  <a:schemeClr val="lt1"/>
-                </a:solidFill>
-                <a:latin typeface="+mn-lt"/>
-                <a:ea typeface="+mn-ea"/>
-                <a:cs typeface="+mn-cs"/>
-              </a:defRPr>
-            </a:lvl5pPr>
-            <a:lvl6pPr>
-              <a:defRPr>
-                <a:solidFill>
-                  <a:schemeClr val="lt1"/>
-                </a:solidFill>
-                <a:latin typeface="+mn-lt"/>
-                <a:ea typeface="+mn-ea"/>
-                <a:cs typeface="+mn-cs"/>
-              </a:defRPr>
-            </a:lvl6pPr>
-            <a:lvl7pPr>
-              <a:defRPr>
-                <a:solidFill>
-                  <a:schemeClr val="lt1"/>
-                </a:solidFill>
-                <a:latin typeface="+mn-lt"/>
-                <a:ea typeface="+mn-ea"/>
-                <a:cs typeface="+mn-cs"/>
-              </a:defRPr>
-            </a:lvl7pPr>
-            <a:lvl8pPr>
-              <a:defRPr>
-                <a:solidFill>
-                  <a:schemeClr val="lt1"/>
-                </a:solidFill>
-                <a:latin typeface="+mn-lt"/>
-                <a:ea typeface="+mn-ea"/>
-                <a:cs typeface="+mn-cs"/>
-              </a:defRPr>
-            </a:lvl8pPr>
-            <a:lvl9pPr>
-              <a:defRPr>
-                <a:solidFill>
-                  <a:schemeClr val="lt1"/>
-                </a:solidFill>
-                <a:latin typeface="+mn-lt"/>
-                <a:ea typeface="+mn-ea"/>
-                <a:cs typeface="+mn-cs"/>
-              </a:defRPr>
-            </a:lvl9pPr>
-          </a:lstStyle>
-          <a:p>
-            <a:pPr algn="ctr" fontAlgn="auto">
-              <a:spcBef>
-                <a:spcPts val="0"/>
-              </a:spcBef>
-              <a:spcAft>
-                <a:spcPts val="0"/>
-              </a:spcAft>
-              <a:defRPr/>
-            </a:pPr>
-            <a:endParaRPr lang="en-US" kern="1200" dirty="0">
-              <a:solidFill>
-                <a:schemeClr val="tx1"/>
-              </a:solidFill>
-              <a:latin typeface="Helvetica Neue"/>
-              <a:cs typeface="Helvetica Neue"/>
-            </a:endParaRPr>
-          </a:p>
-        </p:txBody>
-      </p:sp>
-      <p:pic>
-        <p:nvPicPr>
-          <p:cNvPr id="289" name="Picture 288"/>
-          <p:cNvPicPr>
-            <a:picLocks noChangeAspect="1"/>
-          </p:cNvPicPr>
-          <p:nvPr/>
-        </p:nvPicPr>
-        <p:blipFill>
-          <a:blip r:embed="rId3">
-            <a:extLst>
-              <a:ext uri="{28A0092B-C50C-407E-A947-70E740481C1C}">
-                <a14:useLocalDpi xmlns:a14="http://schemas.microsoft.com/office/drawing/2010/main" val="0"/>
-              </a:ext>
-            </a:extLst>
-          </a:blip>
-          <a:stretch>
-            <a:fillRect/>
-          </a:stretch>
-        </p:blipFill>
-        <p:spPr>
-          <a:xfrm>
-            <a:off x="1106778" y="1566139"/>
-            <a:ext cx="1052372" cy="365463"/>
-          </a:xfrm>
-          <a:prstGeom prst="rect">
-            <a:avLst/>
-          </a:prstGeom>
-        </p:spPr>
-      </p:pic>
-      <p:grpSp>
-        <p:nvGrpSpPr>
-          <p:cNvPr id="290" name="Group 289"/>
-          <p:cNvGrpSpPr/>
-          <p:nvPr/>
-        </p:nvGrpSpPr>
-        <p:grpSpPr>
-          <a:xfrm>
-            <a:off x="951690" y="1478972"/>
-            <a:ext cx="1314682" cy="737797"/>
-            <a:chOff x="6743700" y="760413"/>
-            <a:chExt cx="1752600" cy="1733550"/>
-          </a:xfrm>
-        </p:grpSpPr>
-        <p:grpSp>
-          <p:nvGrpSpPr>
-            <p:cNvPr id="291" name="Group 290"/>
-            <p:cNvGrpSpPr>
-              <a:grpSpLocks/>
-            </p:cNvGrpSpPr>
-            <p:nvPr/>
-          </p:nvGrpSpPr>
-          <p:grpSpPr bwMode="auto">
-            <a:xfrm>
-              <a:off x="6743700" y="760413"/>
-              <a:ext cx="1752600" cy="1733550"/>
-              <a:chOff x="545458" y="4783771"/>
-              <a:chExt cx="2293787" cy="1733798"/>
-            </a:xfrm>
-          </p:grpSpPr>
-          <p:sp>
-            <p:nvSpPr>
-              <p:cNvPr id="293" name="Rounded Rectangle 292"/>
-              <p:cNvSpPr/>
-              <p:nvPr/>
-            </p:nvSpPr>
-            <p:spPr>
-              <a:xfrm>
-                <a:off x="545458" y="4783771"/>
-                <a:ext cx="2293787" cy="1733798"/>
-              </a:xfrm>
-              <a:prstGeom prst="roundRect">
-                <a:avLst>
-                  <a:gd name="adj" fmla="val 9818"/>
-                </a:avLst>
-              </a:prstGeom>
-              <a:noFill/>
-              <a:ln w="19050">
-                <a:solidFill>
-                  <a:schemeClr val="tx1"/>
-                </a:solidFill>
-                <a:prstDash val="solid"/>
-              </a:ln>
-              <a:effectLst/>
-            </p:spPr>
-            <p:style>
-              <a:lnRef idx="1">
-                <a:schemeClr val="accent1"/>
-              </a:lnRef>
-              <a:fillRef idx="3">
-                <a:schemeClr val="accent1"/>
-              </a:fillRef>
-              <a:effectRef idx="2">
-                <a:schemeClr val="accent1"/>
-              </a:effectRef>
-              <a:fontRef idx="minor">
-                <a:schemeClr val="lt1"/>
-              </a:fontRef>
-            </p:style>
-            <p:txBody>
-              <a:bodyPr anchor="ctr"/>
-              <a:lstStyle/>
-              <a:p>
-                <a:pPr algn="ctr" fontAlgn="auto">
-                  <a:spcBef>
-                    <a:spcPts val="0"/>
-                  </a:spcBef>
-                  <a:spcAft>
-                    <a:spcPts val="0"/>
-                  </a:spcAft>
-                  <a:defRPr/>
-                </a:pPr>
-                <a:endParaRPr lang="en-US" sz="1200" dirty="0">
-                  <a:solidFill>
-                    <a:schemeClr val="tx1"/>
-                  </a:solidFill>
-                  <a:latin typeface="Open Sans Light"/>
-                  <a:cs typeface="Open Sans Light"/>
-                </a:endParaRPr>
-              </a:p>
-            </p:txBody>
-          </p:sp>
-          <p:sp>
-            <p:nvSpPr>
-              <p:cNvPr id="294" name="Rounded Rectangle 293"/>
-              <p:cNvSpPr/>
-              <p:nvPr/>
-            </p:nvSpPr>
-            <p:spPr>
-              <a:xfrm>
-                <a:off x="545458" y="4783771"/>
-                <a:ext cx="2293787" cy="1733798"/>
-              </a:xfrm>
-              <a:prstGeom prst="roundRect">
-                <a:avLst>
-                  <a:gd name="adj" fmla="val 9818"/>
-                </a:avLst>
-              </a:prstGeom>
-              <a:noFill/>
-              <a:ln w="19050">
-                <a:solidFill>
-                  <a:srgbClr val="FF0000"/>
-                </a:solidFill>
-                <a:prstDash val="lgDash"/>
-              </a:ln>
-              <a:effectLst/>
-            </p:spPr>
-            <p:style>
-              <a:lnRef idx="1">
-                <a:schemeClr val="accent1"/>
-              </a:lnRef>
-              <a:fillRef idx="3">
-                <a:schemeClr val="accent1"/>
-              </a:fillRef>
-              <a:effectRef idx="2">
-                <a:schemeClr val="accent1"/>
-              </a:effectRef>
-              <a:fontRef idx="minor">
-                <a:schemeClr val="lt1"/>
-              </a:fontRef>
-            </p:style>
-            <p:txBody>
-              <a:bodyPr anchor="ctr"/>
-              <a:lstStyle/>
-              <a:p>
-                <a:pPr algn="ctr" fontAlgn="auto">
-                  <a:spcBef>
-                    <a:spcPts val="0"/>
-                  </a:spcBef>
-                  <a:spcAft>
-                    <a:spcPts val="0"/>
-                  </a:spcAft>
-                  <a:defRPr/>
-                </a:pPr>
-                <a:endParaRPr lang="en-US" sz="1200" dirty="0">
-                  <a:solidFill>
-                    <a:schemeClr val="tx1"/>
-                  </a:solidFill>
-                  <a:latin typeface="Open Sans Light"/>
-                  <a:cs typeface="Open Sans Light"/>
-                </a:endParaRPr>
-              </a:p>
-            </p:txBody>
-          </p:sp>
-        </p:grpSp>
-        <p:sp>
-          <p:nvSpPr>
-            <p:cNvPr id="292" name="TextBox 34"/>
-            <p:cNvSpPr txBox="1">
-              <a:spLocks noChangeArrowheads="1"/>
-            </p:cNvSpPr>
-            <p:nvPr/>
-          </p:nvSpPr>
-          <p:spPr bwMode="auto">
-            <a:xfrm>
-              <a:off x="6851652" y="1879021"/>
-              <a:ext cx="1555749" cy="476280"/>
-            </a:xfrm>
-            <a:prstGeom prst="rect">
-              <a:avLst/>
-            </a:prstGeom>
-            <a:noFill/>
-            <a:ln w="9525">
-              <a:noFill/>
-              <a:miter lim="800000"/>
-              <a:headEnd/>
-              <a:tailEnd/>
-            </a:ln>
-          </p:spPr>
-          <p:txBody>
-            <a:bodyPr anchor="ctr" anchorCtr="0">
-              <a:spAutoFit/>
-            </a:bodyPr>
-            <a:lstStyle/>
-            <a:p>
-              <a:pPr algn="ctr"/>
-              <a:r>
-                <a:rPr lang="en-US" sz="1200" dirty="0" smtClean="0">
-                  <a:solidFill>
-                    <a:srgbClr val="414042"/>
-                  </a:solidFill>
-                  <a:latin typeface="Open Sans Light"/>
-                  <a:ea typeface="Verdana" pitchFamily="34" charset="0"/>
-                  <a:cs typeface="Open Sans Light"/>
-                </a:rPr>
-                <a:t>security group</a:t>
-              </a:r>
-              <a:endParaRPr lang="en-US" sz="1200" dirty="0">
-                <a:solidFill>
-                  <a:srgbClr val="414042"/>
-                </a:solidFill>
-                <a:latin typeface="Open Sans Light"/>
-                <a:ea typeface="Verdana" pitchFamily="34" charset="0"/>
-                <a:cs typeface="Open Sans Light"/>
-              </a:endParaRPr>
-            </a:p>
-          </p:txBody>
-        </p:sp>
-      </p:grpSp>
-      <p:sp>
-        <p:nvSpPr>
-          <p:cNvPr id="295" name="TextBox 294"/>
-          <p:cNvSpPr txBox="1"/>
-          <p:nvPr/>
-        </p:nvSpPr>
-        <p:spPr>
-          <a:xfrm>
-            <a:off x="1174500" y="1596637"/>
-            <a:ext cx="789937" cy="276999"/>
-          </a:xfrm>
-          <a:prstGeom prst="rect">
-            <a:avLst/>
-          </a:prstGeom>
-          <a:noFill/>
-        </p:spPr>
-        <p:txBody>
-          <a:bodyPr wrap="square" rtlCol="0">
-            <a:spAutoFit/>
-          </a:bodyPr>
-          <a:lstStyle/>
-          <a:p>
-            <a:pPr algn="ctr"/>
-            <a:r>
-              <a:rPr lang="en-US" sz="1200" b="1" dirty="0" smtClean="0">
-                <a:latin typeface="Open Sans Light"/>
-                <a:cs typeface="Open Sans Light"/>
-              </a:rPr>
-              <a:t>Web app</a:t>
-            </a:r>
-            <a:endParaRPr lang="en-US" sz="1200" b="1" dirty="0">
-              <a:latin typeface="Open Sans Light"/>
-              <a:cs typeface="Open Sans Light"/>
-            </a:endParaRPr>
-          </a:p>
-        </p:txBody>
-      </p:sp>
-      <p:pic>
-        <p:nvPicPr>
-          <p:cNvPr id="296" name="Picture 295"/>
-          <p:cNvPicPr>
-            <a:picLocks noChangeAspect="1"/>
-          </p:cNvPicPr>
-          <p:nvPr/>
-        </p:nvPicPr>
-        <p:blipFill>
-          <a:blip r:embed="rId3">
-            <a:extLst>
-              <a:ext uri="{28A0092B-C50C-407E-A947-70E740481C1C}">
-                <a14:useLocalDpi xmlns:a14="http://schemas.microsoft.com/office/drawing/2010/main" val="0"/>
-              </a:ext>
-            </a:extLst>
-          </a:blip>
-          <a:stretch>
-            <a:fillRect/>
-          </a:stretch>
-        </p:blipFill>
-        <p:spPr>
-          <a:xfrm>
-            <a:off x="4217269" y="1579038"/>
-            <a:ext cx="1052372" cy="352564"/>
-          </a:xfrm>
-          <a:prstGeom prst="rect">
-            <a:avLst/>
-          </a:prstGeom>
-        </p:spPr>
-      </p:pic>
-      <p:grpSp>
-        <p:nvGrpSpPr>
-          <p:cNvPr id="297" name="Group 296"/>
-          <p:cNvGrpSpPr/>
-          <p:nvPr/>
-        </p:nvGrpSpPr>
-        <p:grpSpPr>
-          <a:xfrm>
-            <a:off x="4075693" y="1491872"/>
-            <a:ext cx="1314682" cy="724897"/>
-            <a:chOff x="6743700" y="760413"/>
-            <a:chExt cx="1752600" cy="1733550"/>
-          </a:xfrm>
-        </p:grpSpPr>
-        <p:grpSp>
-          <p:nvGrpSpPr>
-            <p:cNvPr id="298" name="Group 297"/>
-            <p:cNvGrpSpPr>
-              <a:grpSpLocks/>
-            </p:cNvGrpSpPr>
-            <p:nvPr/>
-          </p:nvGrpSpPr>
-          <p:grpSpPr bwMode="auto">
-            <a:xfrm>
-              <a:off x="6743700" y="760413"/>
-              <a:ext cx="1752600" cy="1733550"/>
-              <a:chOff x="545458" y="4783771"/>
-              <a:chExt cx="2293787" cy="1733798"/>
-            </a:xfrm>
-          </p:grpSpPr>
-          <p:sp>
-            <p:nvSpPr>
-              <p:cNvPr id="300" name="Rounded Rectangle 299"/>
-              <p:cNvSpPr/>
-              <p:nvPr/>
-            </p:nvSpPr>
-            <p:spPr>
-              <a:xfrm>
-                <a:off x="545458" y="4783771"/>
-                <a:ext cx="2293787" cy="1733798"/>
-              </a:xfrm>
-              <a:prstGeom prst="roundRect">
-                <a:avLst>
-                  <a:gd name="adj" fmla="val 9818"/>
-                </a:avLst>
-              </a:prstGeom>
-              <a:noFill/>
-              <a:ln w="19050">
-                <a:solidFill>
-                  <a:schemeClr val="tx1"/>
-                </a:solidFill>
-                <a:prstDash val="solid"/>
-              </a:ln>
-              <a:effectLst/>
-            </p:spPr>
-            <p:style>
-              <a:lnRef idx="1">
-                <a:schemeClr val="accent1"/>
-              </a:lnRef>
-              <a:fillRef idx="3">
-                <a:schemeClr val="accent1"/>
-              </a:fillRef>
-              <a:effectRef idx="2">
-                <a:schemeClr val="accent1"/>
-              </a:effectRef>
-              <a:fontRef idx="minor">
-                <a:schemeClr val="lt1"/>
-              </a:fontRef>
-            </p:style>
-            <p:txBody>
-              <a:bodyPr anchor="ctr"/>
-              <a:lstStyle/>
-              <a:p>
-                <a:pPr algn="ctr" fontAlgn="auto">
-                  <a:spcBef>
-                    <a:spcPts val="0"/>
-                  </a:spcBef>
-                  <a:spcAft>
-                    <a:spcPts val="0"/>
-                  </a:spcAft>
-                  <a:defRPr/>
-                </a:pPr>
-                <a:endParaRPr lang="en-US" sz="1200" dirty="0">
-                  <a:solidFill>
-                    <a:schemeClr val="tx1"/>
-                  </a:solidFill>
-                  <a:latin typeface="Open Sans Light"/>
-                  <a:cs typeface="Open Sans Light"/>
-                </a:endParaRPr>
-              </a:p>
-            </p:txBody>
-          </p:sp>
-          <p:sp>
-            <p:nvSpPr>
-              <p:cNvPr id="301" name="Rounded Rectangle 300"/>
-              <p:cNvSpPr/>
-              <p:nvPr/>
-            </p:nvSpPr>
-            <p:spPr>
-              <a:xfrm>
-                <a:off x="545458" y="4783771"/>
-                <a:ext cx="2293787" cy="1733798"/>
-              </a:xfrm>
-              <a:prstGeom prst="roundRect">
-                <a:avLst>
-                  <a:gd name="adj" fmla="val 9818"/>
-                </a:avLst>
-              </a:prstGeom>
-              <a:noFill/>
-              <a:ln w="19050">
-                <a:solidFill>
-                  <a:srgbClr val="FF0000"/>
-                </a:solidFill>
-                <a:prstDash val="lgDash"/>
-              </a:ln>
-              <a:effectLst/>
-            </p:spPr>
-            <p:style>
-              <a:lnRef idx="1">
-                <a:schemeClr val="accent1"/>
-              </a:lnRef>
-              <a:fillRef idx="3">
-                <a:schemeClr val="accent1"/>
-              </a:fillRef>
-              <a:effectRef idx="2">
-                <a:schemeClr val="accent1"/>
-              </a:effectRef>
-              <a:fontRef idx="minor">
-                <a:schemeClr val="lt1"/>
-              </a:fontRef>
-            </p:style>
-            <p:txBody>
-              <a:bodyPr anchor="ctr"/>
-              <a:lstStyle/>
-              <a:p>
-                <a:pPr algn="ctr" fontAlgn="auto">
-                  <a:spcBef>
-                    <a:spcPts val="0"/>
-                  </a:spcBef>
-                  <a:spcAft>
-                    <a:spcPts val="0"/>
-                  </a:spcAft>
-                  <a:defRPr/>
-                </a:pPr>
-                <a:endParaRPr lang="en-US" sz="1200" dirty="0">
-                  <a:solidFill>
-                    <a:schemeClr val="tx1"/>
-                  </a:solidFill>
-                  <a:latin typeface="Open Sans Light"/>
-                  <a:cs typeface="Open Sans Light"/>
-                </a:endParaRPr>
-              </a:p>
-            </p:txBody>
-          </p:sp>
-        </p:grpSp>
-        <p:sp>
-          <p:nvSpPr>
-            <p:cNvPr id="299" name="TextBox 34"/>
-            <p:cNvSpPr txBox="1">
-              <a:spLocks noChangeArrowheads="1"/>
-            </p:cNvSpPr>
-            <p:nvPr/>
-          </p:nvSpPr>
-          <p:spPr bwMode="auto">
-            <a:xfrm>
-              <a:off x="6851652" y="1879021"/>
-              <a:ext cx="1555749" cy="476280"/>
-            </a:xfrm>
-            <a:prstGeom prst="rect">
-              <a:avLst/>
-            </a:prstGeom>
-            <a:noFill/>
-            <a:ln w="9525">
-              <a:noFill/>
-              <a:miter lim="800000"/>
-              <a:headEnd/>
-              <a:tailEnd/>
-            </a:ln>
-          </p:spPr>
-          <p:txBody>
-            <a:bodyPr anchor="ctr" anchorCtr="0">
-              <a:spAutoFit/>
-            </a:bodyPr>
-            <a:lstStyle/>
-            <a:p>
-              <a:pPr algn="ctr"/>
-              <a:r>
-                <a:rPr lang="en-US" sz="1200" dirty="0" smtClean="0">
-                  <a:solidFill>
-                    <a:srgbClr val="414042"/>
-                  </a:solidFill>
-                  <a:latin typeface="Open Sans Light"/>
-                  <a:ea typeface="Verdana" pitchFamily="34" charset="0"/>
-                  <a:cs typeface="Open Sans Light"/>
-                </a:rPr>
-                <a:t>security group</a:t>
-              </a:r>
-              <a:endParaRPr lang="en-US" sz="1200" dirty="0">
-                <a:solidFill>
-                  <a:srgbClr val="414042"/>
-                </a:solidFill>
-                <a:latin typeface="Open Sans Light"/>
-                <a:ea typeface="Verdana" pitchFamily="34" charset="0"/>
-                <a:cs typeface="Open Sans Light"/>
-              </a:endParaRPr>
-            </a:p>
-          </p:txBody>
-        </p:sp>
-      </p:grpSp>
-      <p:sp>
-        <p:nvSpPr>
-          <p:cNvPr id="302" name="TextBox 301"/>
-          <p:cNvSpPr txBox="1"/>
-          <p:nvPr/>
-        </p:nvSpPr>
-        <p:spPr>
-          <a:xfrm>
-            <a:off x="4292741" y="1596026"/>
-            <a:ext cx="789937" cy="276999"/>
-          </a:xfrm>
-          <a:prstGeom prst="rect">
-            <a:avLst/>
-          </a:prstGeom>
-          <a:noFill/>
-        </p:spPr>
-        <p:txBody>
-          <a:bodyPr wrap="square" rtlCol="0">
-            <a:spAutoFit/>
-          </a:bodyPr>
-          <a:lstStyle/>
-          <a:p>
-            <a:pPr algn="ctr"/>
-            <a:r>
-              <a:rPr lang="en-US" sz="1200" b="1" dirty="0" smtClean="0">
-                <a:latin typeface="Open Sans Light"/>
-                <a:cs typeface="Open Sans Light"/>
-              </a:rPr>
-              <a:t>svc</a:t>
-            </a:r>
-            <a:endParaRPr lang="en-US" sz="1200" b="1" dirty="0">
-              <a:latin typeface="Open Sans Light"/>
-              <a:cs typeface="Open Sans Light"/>
-            </a:endParaRPr>
-          </a:p>
-        </p:txBody>
-      </p:sp>
       <p:sp>
         <p:nvSpPr>
           <p:cNvPr id="100" name="Rounded Rectangle 99"/>
@@ -13291,95 +11940,6 @@
           </a:p>
         </p:txBody>
       </p:sp>
-      <p:sp>
-        <p:nvSpPr>
-          <p:cNvPr id="101" name="TextBox 100"/>
-          <p:cNvSpPr txBox="1"/>
-          <p:nvPr/>
-        </p:nvSpPr>
-        <p:spPr>
-          <a:xfrm>
-            <a:off x="3187629" y="640893"/>
-            <a:ext cx="797902" cy="646331"/>
-          </a:xfrm>
-          <a:prstGeom prst="rect">
-            <a:avLst/>
-          </a:prstGeom>
-          <a:noFill/>
-        </p:spPr>
-        <p:txBody>
-          <a:bodyPr wrap="square" rtlCol="0">
-            <a:spAutoFit/>
-          </a:bodyPr>
-          <a:lstStyle/>
-          <a:p>
-            <a:r>
-              <a:rPr lang="en-US" sz="1200" b="1" dirty="0" smtClean="0">
-                <a:latin typeface="Open Sans Light"/>
-                <a:cs typeface="Open Sans Light"/>
-              </a:rPr>
-              <a:t>private</a:t>
-            </a:r>
-            <a:r>
-              <a:rPr lang="en-US" sz="1200" b="1" dirty="0">
-                <a:latin typeface="Open Sans Light"/>
-                <a:cs typeface="Open Sans Light"/>
-              </a:rPr>
-              <a:t/>
-            </a:r>
-            <a:br>
-              <a:rPr lang="en-US" sz="1200" b="1" dirty="0">
-                <a:latin typeface="Open Sans Light"/>
-                <a:cs typeface="Open Sans Light"/>
-              </a:rPr>
-            </a:br>
-            <a:r>
-              <a:rPr lang="en-US" sz="1200" b="1" dirty="0">
-                <a:latin typeface="Open Sans Light"/>
-                <a:cs typeface="Open Sans Light"/>
-              </a:rPr>
-              <a:t>VPC</a:t>
-            </a:r>
-          </a:p>
-          <a:p>
-            <a:r>
-              <a:rPr lang="en-US" sz="1200" b="1" dirty="0" smtClean="0">
-                <a:latin typeface="Open Sans Light"/>
-                <a:cs typeface="Open Sans Light"/>
-              </a:rPr>
-              <a:t>subnet</a:t>
-            </a:r>
-            <a:endParaRPr lang="en-US" sz="1200" b="1" dirty="0">
-              <a:latin typeface="Open Sans Light"/>
-              <a:cs typeface="Open Sans Light"/>
-            </a:endParaRPr>
-          </a:p>
-        </p:txBody>
-      </p:sp>
-      <p:pic>
-        <p:nvPicPr>
-          <p:cNvPr id="102" name="Picture 101"/>
-          <p:cNvPicPr>
-            <a:picLocks noChangeAspect="1"/>
-          </p:cNvPicPr>
-          <p:nvPr/>
-        </p:nvPicPr>
-        <p:blipFill>
-          <a:blip r:embed="rId5"/>
-          <a:stretch>
-            <a:fillRect/>
-          </a:stretch>
-        </p:blipFill>
-        <p:spPr>
-          <a:xfrm>
-            <a:off x="3688651" y="385014"/>
-            <a:ext cx="215900" cy="241300"/>
-          </a:xfrm>
-          <a:prstGeom prst="rect">
-            <a:avLst/>
-          </a:prstGeom>
-        </p:spPr>
-      </p:pic>
       <p:sp>
         <p:nvSpPr>
           <p:cNvPr id="105" name="TextBox 104"/>
@@ -14134,6 +12694,81 @@
           </a:p>
         </p:txBody>
       </p:sp>
+      <p:cxnSp>
+        <p:nvCxnSpPr>
+          <p:cNvPr id="3" name="Curved Connector 2"/>
+          <p:cNvCxnSpPr>
+            <a:stCxn id="61" idx="3"/>
+            <a:endCxn id="54" idx="3"/>
+          </p:cNvCxnSpPr>
+          <p:nvPr/>
+        </p:nvCxnSpPr>
+        <p:spPr>
+          <a:xfrm flipV="1">
+            <a:off x="7577342" y="939113"/>
+            <a:ext cx="1158" cy="806342"/>
+          </a:xfrm>
+          <a:prstGeom prst="curvedConnector3">
+            <a:avLst>
+              <a:gd name="adj1" fmla="val 39425820"/>
+            </a:avLst>
+          </a:prstGeom>
+          <a:ln>
+            <a:headEnd type="arrow"/>
+            <a:tailEnd type="arrow"/>
+          </a:ln>
+        </p:spPr>
+        <p:style>
+          <a:lnRef idx="2">
+            <a:schemeClr val="accent1"/>
+          </a:lnRef>
+          <a:fillRef idx="0">
+            <a:schemeClr val="accent1"/>
+          </a:fillRef>
+          <a:effectRef idx="1">
+            <a:schemeClr val="accent1"/>
+          </a:effectRef>
+          <a:fontRef idx="minor">
+            <a:schemeClr val="tx1"/>
+          </a:fontRef>
+        </p:style>
+      </p:cxnSp>
+      <p:sp>
+        <p:nvSpPr>
+          <p:cNvPr id="72" name="TextBox 71"/>
+          <p:cNvSpPr txBox="1"/>
+          <p:nvPr/>
+        </p:nvSpPr>
+        <p:spPr>
+          <a:xfrm>
+            <a:off x="8068339" y="1109661"/>
+            <a:ext cx="999021" cy="276999"/>
+          </a:xfrm>
+          <a:prstGeom prst="rect">
+            <a:avLst/>
+          </a:prstGeom>
+          <a:noFill/>
+        </p:spPr>
+        <p:txBody>
+          <a:bodyPr wrap="square" rtlCol="0">
+            <a:spAutoFit/>
+          </a:bodyPr>
+          <a:lstStyle/>
+          <a:p>
+            <a:r>
+              <a:rPr lang="en-US" sz="1200" b="1" dirty="0" smtClean="0">
+                <a:latin typeface="Open Sans Light"/>
+                <a:cs typeface="Open Sans Light"/>
+              </a:rPr>
+              <a:t>Replicate</a:t>
+            </a:r>
+            <a:endParaRPr lang="en-US" sz="1200" b="1" dirty="0">
+              <a:latin typeface="Open Sans Light"/>
+              <a:cs typeface="Open Sans Light"/>
+            </a:endParaRPr>
+          </a:p>
+        </p:txBody>
+      </p:sp>
     </p:spTree>
     <p:extLst>
       <p:ext uri="{BB962C8B-B14F-4D97-AF65-F5344CB8AC3E}">
@@ -14208,7 +12843,7 @@
                                           </p:stCondLst>
                                         </p:cTn>
                                         <p:tgtEl>
-                                          <p:spTgt spid="261"/>
+                                          <p:spTgt spid="100"/>
                                         </p:tgtEl>
                                         <p:attrNameLst>
                                           <p:attrName>style.visibility</p:attrName>
@@ -14222,7 +12857,7 @@
                                 </p:cTn>
                               </p:par>
                               <p:par>
-                                <p:cTn id="9" presetID="1" presetClass="entr" presetSubtype="0" fill="hold" nodeType="withEffect">
+                                <p:cTn id="9" presetID="1" presetClass="entr" presetSubtype="0" fill="hold" grpId="0" nodeType="withEffect">
                                   <p:stCondLst>
                                     <p:cond delay="0"/>
                                   </p:stCondLst>
@@ -14235,7 +12870,7 @@
                                           </p:stCondLst>
                                         </p:cTn>
                                         <p:tgtEl>
-                                          <p:spTgt spid="260"/>
+                                          <p:spTgt spid="105"/>
                                         </p:tgtEl>
                                         <p:attrNameLst>
                                           <p:attrName>style.visibility</p:attrName>
@@ -14262,7 +12897,7 @@
                                           </p:stCondLst>
                                         </p:cTn>
                                         <p:tgtEl>
-                                          <p:spTgt spid="288"/>
+                                          <p:spTgt spid="106"/>
                                         </p:tgtEl>
                                         <p:attrNameLst>
                                           <p:attrName>style.visibility</p:attrName>
@@ -14307,52 +12942,7 @@
                                           </p:stCondLst>
                                         </p:cTn>
                                         <p:tgtEl>
-                                          <p:spTgt spid="144"/>
-                                        </p:tgtEl>
-                                        <p:attrNameLst>
-                                          <p:attrName>style.visibility</p:attrName>
-                                        </p:attrNameLst>
-                                      </p:cBhvr>
-                                      <p:to>
-                                        <p:strVal val="visible"/>
-                                      </p:to>
-                                    </p:set>
-                                  </p:childTnLst>
-                                </p:cTn>
-                              </p:par>
-                            </p:childTnLst>
-                          </p:cTn>
-                        </p:par>
-                      </p:childTnLst>
-                    </p:cTn>
-                  </p:par>
-                  <p:par>
-                    <p:cTn id="17" fill="hold">
-                      <p:stCondLst>
-                        <p:cond delay="indefinite"/>
-                      </p:stCondLst>
-                      <p:childTnLst>
-                        <p:par>
-                          <p:cTn id="18" fill="hold">
-                            <p:stCondLst>
-                              <p:cond delay="0"/>
-                            </p:stCondLst>
-                            <p:childTnLst>
-                              <p:par>
-                                <p:cTn id="19" presetID="1" presetClass="entr" presetSubtype="0" fill="hold" grpId="0" nodeType="clickEffect">
-                                  <p:stCondLst>
-                                    <p:cond delay="0"/>
-                                  </p:stCondLst>
-                                  <p:childTnLst>
-                                    <p:set>
-                                      <p:cBhvr>
-                                        <p:cTn id="20" dur="1" fill="hold">
-                                          <p:stCondLst>
-                                            <p:cond delay="0"/>
-                                          </p:stCondLst>
-                                        </p:cTn>
-                                        <p:tgtEl>
-                                          <p:spTgt spid="149"/>
+                                          <p:spTgt spid="51"/>
                                         </p:tgtEl>
                                         <p:attrNameLst>
                                           <p:attrName>style.visibility</p:attrName>
@@ -14366,7 +12956,61 @@
                                 </p:cTn>
                               </p:par>
                               <p:par>
-                                <p:cTn id="21" presetID="1" presetClass="entr" presetSubtype="0" fill="hold" nodeType="withEffect">
+                                <p:cTn id="17" presetID="1" presetClass="entr" presetSubtype="0" fill="hold" nodeType="withEffect">
+                                  <p:stCondLst>
+                                    <p:cond delay="0"/>
+                                  </p:stCondLst>
+                                  <p:childTnLst>
+                                    <p:set>
+                                      <p:cBhvr>
+                                        <p:cTn id="18" dur="1" fill="hold">
+                                          <p:stCondLst>
+                                            <p:cond delay="0"/>
+                                          </p:stCondLst>
+                                        </p:cTn>
+                                        <p:tgtEl>
+                                          <p:spTgt spid="54"/>
+                                        </p:tgtEl>
+                                        <p:attrNameLst>
+                                          <p:attrName>style.visibility</p:attrName>
+                                        </p:attrNameLst>
+                                      </p:cBhvr>
+                                      <p:to>
+                                        <p:strVal val="visible"/>
+                                      </p:to>
+                                    </p:set>
+                                  </p:childTnLst>
+                                </p:cTn>
+                              </p:par>
+                              <p:par>
+                                <p:cTn id="19" presetID="1" presetClass="entr" presetSubtype="0" fill="hold" nodeType="withEffect">
+                                  <p:stCondLst>
+                                    <p:cond delay="0"/>
+                                  </p:stCondLst>
+                                  <p:childTnLst>
+                                    <p:set>
+                                      <p:cBhvr>
+                                        <p:cTn id="20" dur="1" fill="hold">
+                                          <p:stCondLst>
+                                            <p:cond delay="0"/>
+                                          </p:stCondLst>
+                                        </p:cTn>
+                                        <p:tgtEl>
+                                          <p:spTgt spid="55"/>
+                                        </p:tgtEl>
+                                        <p:attrNameLst>
+                                          <p:attrName>style.visibility</p:attrName>
+                                        </p:attrNameLst>
+                                      </p:cBhvr>
+                                      <p:to>
+                                        <p:strVal val="visible"/>
+                                      </p:to>
+                                    </p:set>
+                                  </p:childTnLst>
+                                </p:cTn>
+                              </p:par>
+                              <p:par>
+                                <p:cTn id="21" presetID="1" presetClass="entr" presetSubtype="0" fill="hold" grpId="0" nodeType="withEffect">
                                   <p:stCondLst>
                                     <p:cond delay="0"/>
                                   </p:stCondLst>
@@ -14379,7 +13023,7 @@
                                           </p:stCondLst>
                                         </p:cTn>
                                         <p:tgtEl>
-                                          <p:spTgt spid="143"/>
+                                          <p:spTgt spid="60"/>
                                         </p:tgtEl>
                                         <p:attrNameLst>
                                           <p:attrName>style.visibility</p:attrName>
@@ -14406,726 +13050,6 @@
                                           </p:stCondLst>
                                         </p:cTn>
                                         <p:tgtEl>
-                                          <p:spTgt spid="29"/>
-                                        </p:tgtEl>
-                                        <p:attrNameLst>
-                                          <p:attrName>style.visibility</p:attrName>
-                                        </p:attrNameLst>
-                                      </p:cBhvr>
-                                      <p:to>
-                                        <p:strVal val="visible"/>
-                                      </p:to>
-                                    </p:set>
-                                  </p:childTnLst>
-                                </p:cTn>
-                              </p:par>
-                            </p:childTnLst>
-                          </p:cTn>
-                        </p:par>
-                      </p:childTnLst>
-                    </p:cTn>
-                  </p:par>
-                  <p:par>
-                    <p:cTn id="25" fill="hold">
-                      <p:stCondLst>
-                        <p:cond delay="indefinite"/>
-                      </p:stCondLst>
-                      <p:childTnLst>
-                        <p:par>
-                          <p:cTn id="26" fill="hold">
-                            <p:stCondLst>
-                              <p:cond delay="0"/>
-                            </p:stCondLst>
-                            <p:childTnLst>
-                              <p:par>
-                                <p:cTn id="27" presetID="1" presetClass="entr" presetSubtype="0" fill="hold" nodeType="clickEffect">
-                                  <p:stCondLst>
-                                    <p:cond delay="0"/>
-                                  </p:stCondLst>
-                                  <p:childTnLst>
-                                    <p:set>
-                                      <p:cBhvr>
-                                        <p:cTn id="28" dur="1" fill="hold">
-                                          <p:stCondLst>
-                                            <p:cond delay="0"/>
-                                          </p:stCondLst>
-                                        </p:cTn>
-                                        <p:tgtEl>
-                                          <p:spTgt spid="187"/>
-                                        </p:tgtEl>
-                                        <p:attrNameLst>
-                                          <p:attrName>style.visibility</p:attrName>
-                                        </p:attrNameLst>
-                                      </p:cBhvr>
-                                      <p:to>
-                                        <p:strVal val="visible"/>
-                                      </p:to>
-                                    </p:set>
-                                  </p:childTnLst>
-                                </p:cTn>
-                              </p:par>
-                              <p:par>
-                                <p:cTn id="29" presetID="1" presetClass="entr" presetSubtype="0" fill="hold" nodeType="withEffect">
-                                  <p:stCondLst>
-                                    <p:cond delay="0"/>
-                                  </p:stCondLst>
-                                  <p:childTnLst>
-                                    <p:set>
-                                      <p:cBhvr>
-                                        <p:cTn id="30" dur="1" fill="hold">
-                                          <p:stCondLst>
-                                            <p:cond delay="0"/>
-                                          </p:stCondLst>
-                                        </p:cTn>
-                                        <p:tgtEl>
-                                          <p:spTgt spid="191"/>
-                                        </p:tgtEl>
-                                        <p:attrNameLst>
-                                          <p:attrName>style.visibility</p:attrName>
-                                        </p:attrNameLst>
-                                      </p:cBhvr>
-                                      <p:to>
-                                        <p:strVal val="visible"/>
-                                      </p:to>
-                                    </p:set>
-                                  </p:childTnLst>
-                                </p:cTn>
-                              </p:par>
-                              <p:par>
-                                <p:cTn id="31" presetID="1" presetClass="entr" presetSubtype="0" fill="hold" nodeType="withEffect">
-                                  <p:stCondLst>
-                                    <p:cond delay="0"/>
-                                  </p:stCondLst>
-                                  <p:childTnLst>
-                                    <p:set>
-                                      <p:cBhvr>
-                                        <p:cTn id="32" dur="1" fill="hold">
-                                          <p:stCondLst>
-                                            <p:cond delay="0"/>
-                                          </p:stCondLst>
-                                        </p:cTn>
-                                        <p:tgtEl>
-                                          <p:spTgt spid="192"/>
-                                        </p:tgtEl>
-                                        <p:attrNameLst>
-                                          <p:attrName>style.visibility</p:attrName>
-                                        </p:attrNameLst>
-                                      </p:cBhvr>
-                                      <p:to>
-                                        <p:strVal val="visible"/>
-                                      </p:to>
-                                    </p:set>
-                                  </p:childTnLst>
-                                </p:cTn>
-                              </p:par>
-                              <p:par>
-                                <p:cTn id="33" presetID="1" presetClass="entr" presetSubtype="0" fill="hold" grpId="0" nodeType="withEffect">
-                                  <p:stCondLst>
-                                    <p:cond delay="0"/>
-                                  </p:stCondLst>
-                                  <p:childTnLst>
-                                    <p:set>
-                                      <p:cBhvr>
-                                        <p:cTn id="34" dur="1" fill="hold">
-                                          <p:stCondLst>
-                                            <p:cond delay="0"/>
-                                          </p:stCondLst>
-                                        </p:cTn>
-                                        <p:tgtEl>
-                                          <p:spTgt spid="197"/>
-                                        </p:tgtEl>
-                                        <p:attrNameLst>
-                                          <p:attrName>style.visibility</p:attrName>
-                                        </p:attrNameLst>
-                                      </p:cBhvr>
-                                      <p:to>
-                                        <p:strVal val="visible"/>
-                                      </p:to>
-                                    </p:set>
-                                  </p:childTnLst>
-                                </p:cTn>
-                              </p:par>
-                              <p:par>
-                                <p:cTn id="35" presetID="1" presetClass="entr" presetSubtype="0" fill="hold" grpId="0" nodeType="withEffect">
-                                  <p:stCondLst>
-                                    <p:cond delay="0"/>
-                                  </p:stCondLst>
-                                  <p:childTnLst>
-                                    <p:set>
-                                      <p:cBhvr>
-                                        <p:cTn id="36" dur="1" fill="hold">
-                                          <p:stCondLst>
-                                            <p:cond delay="0"/>
-                                          </p:stCondLst>
-                                        </p:cTn>
-                                        <p:tgtEl>
-                                          <p:spTgt spid="101"/>
-                                        </p:tgtEl>
-                                        <p:attrNameLst>
-                                          <p:attrName>style.visibility</p:attrName>
-                                        </p:attrNameLst>
-                                      </p:cBhvr>
-                                      <p:to>
-                                        <p:strVal val="visible"/>
-                                      </p:to>
-                                    </p:set>
-                                  </p:childTnLst>
-                                </p:cTn>
-                              </p:par>
-                              <p:par>
-                                <p:cTn id="37" presetID="1" presetClass="entr" presetSubtype="0" fill="hold" grpId="0" nodeType="withEffect">
-                                  <p:stCondLst>
-                                    <p:cond delay="0"/>
-                                  </p:stCondLst>
-                                  <p:childTnLst>
-                                    <p:set>
-                                      <p:cBhvr>
-                                        <p:cTn id="38" dur="1" fill="hold">
-                                          <p:stCondLst>
-                                            <p:cond delay="0"/>
-                                          </p:stCondLst>
-                                        </p:cTn>
-                                        <p:tgtEl>
-                                          <p:spTgt spid="100"/>
-                                        </p:tgtEl>
-                                        <p:attrNameLst>
-                                          <p:attrName>style.visibility</p:attrName>
-                                        </p:attrNameLst>
-                                      </p:cBhvr>
-                                      <p:to>
-                                        <p:strVal val="visible"/>
-                                      </p:to>
-                                    </p:set>
-                                  </p:childTnLst>
-                                </p:cTn>
-                              </p:par>
-                              <p:par>
-                                <p:cTn id="39" presetID="1" presetClass="entr" presetSubtype="0" fill="hold" nodeType="withEffect">
-                                  <p:stCondLst>
-                                    <p:cond delay="0"/>
-                                  </p:stCondLst>
-                                  <p:childTnLst>
-                                    <p:set>
-                                      <p:cBhvr>
-                                        <p:cTn id="40" dur="1" fill="hold">
-                                          <p:stCondLst>
-                                            <p:cond delay="0"/>
-                                          </p:stCondLst>
-                                        </p:cTn>
-                                        <p:tgtEl>
-                                          <p:spTgt spid="102"/>
-                                        </p:tgtEl>
-                                        <p:attrNameLst>
-                                          <p:attrName>style.visibility</p:attrName>
-                                        </p:attrNameLst>
-                                      </p:cBhvr>
-                                      <p:to>
-                                        <p:strVal val="visible"/>
-                                      </p:to>
-                                    </p:set>
-                                  </p:childTnLst>
-                                </p:cTn>
-                              </p:par>
-                            </p:childTnLst>
-                          </p:cTn>
-                        </p:par>
-                      </p:childTnLst>
-                    </p:cTn>
-                  </p:par>
-                  <p:par>
-                    <p:cTn id="41" fill="hold">
-                      <p:stCondLst>
-                        <p:cond delay="indefinite"/>
-                      </p:stCondLst>
-                      <p:childTnLst>
-                        <p:par>
-                          <p:cTn id="42" fill="hold">
-                            <p:stCondLst>
-                              <p:cond delay="0"/>
-                            </p:stCondLst>
-                            <p:childTnLst>
-                              <p:par>
-                                <p:cTn id="43" presetID="1" presetClass="entr" presetSubtype="0" fill="hold" nodeType="clickEffect">
-                                  <p:stCondLst>
-                                    <p:cond delay="0"/>
-                                  </p:stCondLst>
-                                  <p:childTnLst>
-                                    <p:set>
-                                      <p:cBhvr>
-                                        <p:cTn id="44" dur="1" fill="hold">
-                                          <p:stCondLst>
-                                            <p:cond delay="0"/>
-                                          </p:stCondLst>
-                                        </p:cTn>
-                                        <p:tgtEl>
-                                          <p:spTgt spid="289"/>
-                                        </p:tgtEl>
-                                        <p:attrNameLst>
-                                          <p:attrName>style.visibility</p:attrName>
-                                        </p:attrNameLst>
-                                      </p:cBhvr>
-                                      <p:to>
-                                        <p:strVal val="visible"/>
-                                      </p:to>
-                                    </p:set>
-                                  </p:childTnLst>
-                                </p:cTn>
-                              </p:par>
-                              <p:par>
-                                <p:cTn id="45" presetID="1" presetClass="entr" presetSubtype="0" fill="hold" nodeType="withEffect">
-                                  <p:stCondLst>
-                                    <p:cond delay="0"/>
-                                  </p:stCondLst>
-                                  <p:childTnLst>
-                                    <p:set>
-                                      <p:cBhvr>
-                                        <p:cTn id="46" dur="1" fill="hold">
-                                          <p:stCondLst>
-                                            <p:cond delay="0"/>
-                                          </p:stCondLst>
-                                        </p:cTn>
-                                        <p:tgtEl>
-                                          <p:spTgt spid="290"/>
-                                        </p:tgtEl>
-                                        <p:attrNameLst>
-                                          <p:attrName>style.visibility</p:attrName>
-                                        </p:attrNameLst>
-                                      </p:cBhvr>
-                                      <p:to>
-                                        <p:strVal val="visible"/>
-                                      </p:to>
-                                    </p:set>
-                                  </p:childTnLst>
-                                </p:cTn>
-                              </p:par>
-                              <p:par>
-                                <p:cTn id="47" presetID="1" presetClass="entr" presetSubtype="0" fill="hold" grpId="0" nodeType="withEffect">
-                                  <p:stCondLst>
-                                    <p:cond delay="0"/>
-                                  </p:stCondLst>
-                                  <p:childTnLst>
-                                    <p:set>
-                                      <p:cBhvr>
-                                        <p:cTn id="48" dur="1" fill="hold">
-                                          <p:stCondLst>
-                                            <p:cond delay="0"/>
-                                          </p:stCondLst>
-                                        </p:cTn>
-                                        <p:tgtEl>
-                                          <p:spTgt spid="295"/>
-                                        </p:tgtEl>
-                                        <p:attrNameLst>
-                                          <p:attrName>style.visibility</p:attrName>
-                                        </p:attrNameLst>
-                                      </p:cBhvr>
-                                      <p:to>
-                                        <p:strVal val="visible"/>
-                                      </p:to>
-                                    </p:set>
-                                  </p:childTnLst>
-                                </p:cTn>
-                              </p:par>
-                              <p:par>
-                                <p:cTn id="49" presetID="1" presetClass="entr" presetSubtype="0" fill="hold" nodeType="withEffect">
-                                  <p:stCondLst>
-                                    <p:cond delay="0"/>
-                                  </p:stCondLst>
-                                  <p:childTnLst>
-                                    <p:set>
-                                      <p:cBhvr>
-                                        <p:cTn id="50" dur="1" fill="hold">
-                                          <p:stCondLst>
-                                            <p:cond delay="0"/>
-                                          </p:stCondLst>
-                                        </p:cTn>
-                                        <p:tgtEl>
-                                          <p:spTgt spid="296"/>
-                                        </p:tgtEl>
-                                        <p:attrNameLst>
-                                          <p:attrName>style.visibility</p:attrName>
-                                        </p:attrNameLst>
-                                      </p:cBhvr>
-                                      <p:to>
-                                        <p:strVal val="visible"/>
-                                      </p:to>
-                                    </p:set>
-                                  </p:childTnLst>
-                                </p:cTn>
-                              </p:par>
-                              <p:par>
-                                <p:cTn id="51" presetID="1" presetClass="entr" presetSubtype="0" fill="hold" nodeType="withEffect">
-                                  <p:stCondLst>
-                                    <p:cond delay="0"/>
-                                  </p:stCondLst>
-                                  <p:childTnLst>
-                                    <p:set>
-                                      <p:cBhvr>
-                                        <p:cTn id="52" dur="1" fill="hold">
-                                          <p:stCondLst>
-                                            <p:cond delay="0"/>
-                                          </p:stCondLst>
-                                        </p:cTn>
-                                        <p:tgtEl>
-                                          <p:spTgt spid="297"/>
-                                        </p:tgtEl>
-                                        <p:attrNameLst>
-                                          <p:attrName>style.visibility</p:attrName>
-                                        </p:attrNameLst>
-                                      </p:cBhvr>
-                                      <p:to>
-                                        <p:strVal val="visible"/>
-                                      </p:to>
-                                    </p:set>
-                                  </p:childTnLst>
-                                </p:cTn>
-                              </p:par>
-                              <p:par>
-                                <p:cTn id="53" presetID="1" presetClass="entr" presetSubtype="0" fill="hold" grpId="0" nodeType="withEffect">
-                                  <p:stCondLst>
-                                    <p:cond delay="0"/>
-                                  </p:stCondLst>
-                                  <p:childTnLst>
-                                    <p:set>
-                                      <p:cBhvr>
-                                        <p:cTn id="54" dur="1" fill="hold">
-                                          <p:stCondLst>
-                                            <p:cond delay="0"/>
-                                          </p:stCondLst>
-                                        </p:cTn>
-                                        <p:tgtEl>
-                                          <p:spTgt spid="302"/>
-                                        </p:tgtEl>
-                                        <p:attrNameLst>
-                                          <p:attrName>style.visibility</p:attrName>
-                                        </p:attrNameLst>
-                                      </p:cBhvr>
-                                      <p:to>
-                                        <p:strVal val="visible"/>
-                                      </p:to>
-                                    </p:set>
-                                  </p:childTnLst>
-                                </p:cTn>
-                              </p:par>
-                            </p:childTnLst>
-                          </p:cTn>
-                        </p:par>
-                      </p:childTnLst>
-                    </p:cTn>
-                  </p:par>
-                  <p:par>
-                    <p:cTn id="55" fill="hold">
-                      <p:stCondLst>
-                        <p:cond delay="indefinite"/>
-                      </p:stCondLst>
-                      <p:childTnLst>
-                        <p:par>
-                          <p:cTn id="56" fill="hold">
-                            <p:stCondLst>
-                              <p:cond delay="0"/>
-                            </p:stCondLst>
-                            <p:childTnLst>
-                              <p:par>
-                                <p:cTn id="57" presetID="1" presetClass="entr" presetSubtype="0" fill="hold" nodeType="clickEffect">
-                                  <p:stCondLst>
-                                    <p:cond delay="0"/>
-                                  </p:stCondLst>
-                                  <p:childTnLst>
-                                    <p:set>
-                                      <p:cBhvr>
-                                        <p:cTn id="58" dur="1" fill="hold">
-                                          <p:stCondLst>
-                                            <p:cond delay="0"/>
-                                          </p:stCondLst>
-                                        </p:cTn>
-                                        <p:tgtEl>
-                                          <p:spTgt spid="177"/>
-                                        </p:tgtEl>
-                                        <p:attrNameLst>
-                                          <p:attrName>style.visibility</p:attrName>
-                                        </p:attrNameLst>
-                                      </p:cBhvr>
-                                      <p:to>
-                                        <p:strVal val="visible"/>
-                                      </p:to>
-                                    </p:set>
-                                  </p:childTnLst>
-                                </p:cTn>
-                              </p:par>
-                              <p:par>
-                                <p:cTn id="59" presetID="1" presetClass="entr" presetSubtype="0" fill="hold" nodeType="withEffect">
-                                  <p:stCondLst>
-                                    <p:cond delay="0"/>
-                                  </p:stCondLst>
-                                  <p:childTnLst>
-                                    <p:set>
-                                      <p:cBhvr>
-                                        <p:cTn id="60" dur="1" fill="hold">
-                                          <p:stCondLst>
-                                            <p:cond delay="0"/>
-                                          </p:stCondLst>
-                                        </p:cTn>
-                                        <p:tgtEl>
-                                          <p:spTgt spid="190"/>
-                                        </p:tgtEl>
-                                        <p:attrNameLst>
-                                          <p:attrName>style.visibility</p:attrName>
-                                        </p:attrNameLst>
-                                      </p:cBhvr>
-                                      <p:to>
-                                        <p:strVal val="visible"/>
-                                      </p:to>
-                                    </p:set>
-                                  </p:childTnLst>
-                                </p:cTn>
-                              </p:par>
-                              <p:par>
-                                <p:cTn id="61" presetID="1" presetClass="entr" presetSubtype="0" fill="hold" grpId="0" nodeType="withEffect">
-                                  <p:stCondLst>
-                                    <p:cond delay="0"/>
-                                  </p:stCondLst>
-                                  <p:childTnLst>
-                                    <p:set>
-                                      <p:cBhvr>
-                                        <p:cTn id="62" dur="1" fill="hold">
-                                          <p:stCondLst>
-                                            <p:cond delay="0"/>
-                                          </p:stCondLst>
-                                        </p:cTn>
-                                        <p:tgtEl>
-                                          <p:spTgt spid="178"/>
-                                        </p:tgtEl>
-                                        <p:attrNameLst>
-                                          <p:attrName>style.visibility</p:attrName>
-                                        </p:attrNameLst>
-                                      </p:cBhvr>
-                                      <p:to>
-                                        <p:strVal val="visible"/>
-                                      </p:to>
-                                    </p:set>
-                                  </p:childTnLst>
-                                </p:cTn>
-                              </p:par>
-                              <p:par>
-                                <p:cTn id="63" presetID="1" presetClass="entr" presetSubtype="0" fill="hold" nodeType="withEffect">
-                                  <p:stCondLst>
-                                    <p:cond delay="0"/>
-                                  </p:stCondLst>
-                                  <p:childTnLst>
-                                    <p:set>
-                                      <p:cBhvr>
-                                        <p:cTn id="64" dur="1" fill="hold">
-                                          <p:stCondLst>
-                                            <p:cond delay="0"/>
-                                          </p:stCondLst>
-                                        </p:cTn>
-                                        <p:tgtEl>
-                                          <p:spTgt spid="179"/>
-                                        </p:tgtEl>
-                                        <p:attrNameLst>
-                                          <p:attrName>style.visibility</p:attrName>
-                                        </p:attrNameLst>
-                                      </p:cBhvr>
-                                      <p:to>
-                                        <p:strVal val="visible"/>
-                                      </p:to>
-                                    </p:set>
-                                  </p:childTnLst>
-                                </p:cTn>
-                              </p:par>
-                              <p:par>
-                                <p:cTn id="65" presetID="1" presetClass="entr" presetSubtype="0" fill="hold" grpId="0" nodeType="withEffect">
-                                  <p:stCondLst>
-                                    <p:cond delay="0"/>
-                                  </p:stCondLst>
-                                  <p:childTnLst>
-                                    <p:set>
-                                      <p:cBhvr>
-                                        <p:cTn id="66" dur="1" fill="hold">
-                                          <p:stCondLst>
-                                            <p:cond delay="0"/>
-                                          </p:stCondLst>
-                                        </p:cTn>
-                                        <p:tgtEl>
-                                          <p:spTgt spid="105"/>
-                                        </p:tgtEl>
-                                        <p:attrNameLst>
-                                          <p:attrName>style.visibility</p:attrName>
-                                        </p:attrNameLst>
-                                      </p:cBhvr>
-                                      <p:to>
-                                        <p:strVal val="visible"/>
-                                      </p:to>
-                                    </p:set>
-                                  </p:childTnLst>
-                                </p:cTn>
-                              </p:par>
-                              <p:par>
-                                <p:cTn id="67" presetID="1" presetClass="entr" presetSubtype="0" fill="hold" grpId="0" nodeType="withEffect">
-                                  <p:stCondLst>
-                                    <p:cond delay="0"/>
-                                  </p:stCondLst>
-                                  <p:childTnLst>
-                                    <p:set>
-                                      <p:cBhvr>
-                                        <p:cTn id="68" dur="1" fill="hold">
-                                          <p:stCondLst>
-                                            <p:cond delay="0"/>
-                                          </p:stCondLst>
-                                        </p:cTn>
-                                        <p:tgtEl>
-                                          <p:spTgt spid="106"/>
-                                        </p:tgtEl>
-                                        <p:attrNameLst>
-                                          <p:attrName>style.visibility</p:attrName>
-                                        </p:attrNameLst>
-                                      </p:cBhvr>
-                                      <p:to>
-                                        <p:strVal val="visible"/>
-                                      </p:to>
-                                    </p:set>
-                                  </p:childTnLst>
-                                </p:cTn>
-                              </p:par>
-                            </p:childTnLst>
-                          </p:cTn>
-                        </p:par>
-                      </p:childTnLst>
-                    </p:cTn>
-                  </p:par>
-                  <p:par>
-                    <p:cTn id="69" fill="hold">
-                      <p:stCondLst>
-                        <p:cond delay="indefinite"/>
-                      </p:stCondLst>
-                      <p:childTnLst>
-                        <p:par>
-                          <p:cTn id="70" fill="hold">
-                            <p:stCondLst>
-                              <p:cond delay="0"/>
-                            </p:stCondLst>
-                            <p:childTnLst>
-                              <p:par>
-                                <p:cTn id="71" presetID="1" presetClass="entr" presetSubtype="0" fill="hold" nodeType="clickEffect">
-                                  <p:stCondLst>
-                                    <p:cond delay="0"/>
-                                  </p:stCondLst>
-                                  <p:childTnLst>
-                                    <p:set>
-                                      <p:cBhvr>
-                                        <p:cTn id="72" dur="1" fill="hold">
-                                          <p:stCondLst>
-                                            <p:cond delay="0"/>
-                                          </p:stCondLst>
-                                        </p:cTn>
-                                        <p:tgtEl>
-                                          <p:spTgt spid="51"/>
-                                        </p:tgtEl>
-                                        <p:attrNameLst>
-                                          <p:attrName>style.visibility</p:attrName>
-                                        </p:attrNameLst>
-                                      </p:cBhvr>
-                                      <p:to>
-                                        <p:strVal val="visible"/>
-                                      </p:to>
-                                    </p:set>
-                                  </p:childTnLst>
-                                </p:cTn>
-                              </p:par>
-                              <p:par>
-                                <p:cTn id="73" presetID="1" presetClass="entr" presetSubtype="0" fill="hold" nodeType="withEffect">
-                                  <p:stCondLst>
-                                    <p:cond delay="0"/>
-                                  </p:stCondLst>
-                                  <p:childTnLst>
-                                    <p:set>
-                                      <p:cBhvr>
-                                        <p:cTn id="74" dur="1" fill="hold">
-                                          <p:stCondLst>
-                                            <p:cond delay="0"/>
-                                          </p:stCondLst>
-                                        </p:cTn>
-                                        <p:tgtEl>
-                                          <p:spTgt spid="54"/>
-                                        </p:tgtEl>
-                                        <p:attrNameLst>
-                                          <p:attrName>style.visibility</p:attrName>
-                                        </p:attrNameLst>
-                                      </p:cBhvr>
-                                      <p:to>
-                                        <p:strVal val="visible"/>
-                                      </p:to>
-                                    </p:set>
-                                  </p:childTnLst>
-                                </p:cTn>
-                              </p:par>
-                              <p:par>
-                                <p:cTn id="75" presetID="1" presetClass="entr" presetSubtype="0" fill="hold" nodeType="withEffect">
-                                  <p:stCondLst>
-                                    <p:cond delay="0"/>
-                                  </p:stCondLst>
-                                  <p:childTnLst>
-                                    <p:set>
-                                      <p:cBhvr>
-                                        <p:cTn id="76" dur="1" fill="hold">
-                                          <p:stCondLst>
-                                            <p:cond delay="0"/>
-                                          </p:stCondLst>
-                                        </p:cTn>
-                                        <p:tgtEl>
-                                          <p:spTgt spid="55"/>
-                                        </p:tgtEl>
-                                        <p:attrNameLst>
-                                          <p:attrName>style.visibility</p:attrName>
-                                        </p:attrNameLst>
-                                      </p:cBhvr>
-                                      <p:to>
-                                        <p:strVal val="visible"/>
-                                      </p:to>
-                                    </p:set>
-                                  </p:childTnLst>
-                                </p:cTn>
-                              </p:par>
-                              <p:par>
-                                <p:cTn id="77" presetID="1" presetClass="entr" presetSubtype="0" fill="hold" grpId="0" nodeType="withEffect">
-                                  <p:stCondLst>
-                                    <p:cond delay="0"/>
-                                  </p:stCondLst>
-                                  <p:childTnLst>
-                                    <p:set>
-                                      <p:cBhvr>
-                                        <p:cTn id="78" dur="1" fill="hold">
-                                          <p:stCondLst>
-                                            <p:cond delay="0"/>
-                                          </p:stCondLst>
-                                        </p:cTn>
-                                        <p:tgtEl>
-                                          <p:spTgt spid="60"/>
-                                        </p:tgtEl>
-                                        <p:attrNameLst>
-                                          <p:attrName>style.visibility</p:attrName>
-                                        </p:attrNameLst>
-                                      </p:cBhvr>
-                                      <p:to>
-                                        <p:strVal val="visible"/>
-                                      </p:to>
-                                    </p:set>
-                                  </p:childTnLst>
-                                </p:cTn>
-                              </p:par>
-                              <p:par>
-                                <p:cTn id="79" presetID="1" presetClass="entr" presetSubtype="0" fill="hold" nodeType="withEffect">
-                                  <p:stCondLst>
-                                    <p:cond delay="0"/>
-                                  </p:stCondLst>
-                                  <p:childTnLst>
-                                    <p:set>
-                                      <p:cBhvr>
-                                        <p:cTn id="80" dur="1" fill="hold">
-                                          <p:stCondLst>
-                                            <p:cond delay="0"/>
-                                          </p:stCondLst>
-                                        </p:cTn>
-                                        <p:tgtEl>
                                           <p:spTgt spid="61"/>
                                         </p:tgtEl>
                                         <p:attrNameLst>
@@ -15140,14 +13064,14 @@
                                 </p:cTn>
                               </p:par>
                               <p:par>
-                                <p:cTn id="81" presetID="1" presetClass="entr" presetSubtype="0" fill="hold" nodeType="withEffect">
+                                <p:cTn id="25" presetID="1" presetClass="entr" presetSubtype="0" fill="hold" nodeType="withEffect">
                                   <p:stCondLst>
                                     <p:cond delay="0"/>
                                   </p:stCondLst>
                                   <p:childTnLst>
                                     <p:set>
                                       <p:cBhvr>
-                                        <p:cTn id="82" dur="1" fill="hold">
+                                        <p:cTn id="26" dur="1" fill="hold">
                                           <p:stCondLst>
                                             <p:cond delay="0"/>
                                           </p:stCondLst>
@@ -15167,20 +13091,47 @@
                                 </p:cTn>
                               </p:par>
                               <p:par>
-                                <p:cTn id="83" presetID="1" presetClass="entr" presetSubtype="0" fill="hold" grpId="0" nodeType="withEffect">
+                                <p:cTn id="27" presetID="1" presetClass="entr" presetSubtype="0" fill="hold" grpId="0" nodeType="withEffect">
                                   <p:stCondLst>
                                     <p:cond delay="0"/>
                                   </p:stCondLst>
                                   <p:childTnLst>
                                     <p:set>
                                       <p:cBhvr>
-                                        <p:cTn id="84" dur="1" fill="hold">
+                                        <p:cTn id="28" dur="1" fill="hold">
                                           <p:stCondLst>
                                             <p:cond delay="0"/>
                                           </p:stCondLst>
                                         </p:cTn>
                                         <p:tgtEl>
                                           <p:spTgt spid="67"/>
+                                        </p:tgtEl>
+                                        <p:attrNameLst>
+                                          <p:attrName>style.visibility</p:attrName>
+                                        </p:attrNameLst>
+                                      </p:cBhvr>
+                                      <p:to>
+                                        <p:strVal val="visible"/>
+                                      </p:to>
+                                    </p:set>
+                                  </p:childTnLst>
+                                </p:cTn>
+                              </p:par>
+                              <p:par>
+                                <p:cTn id="29" presetID="1" presetClass="entr" presetSubtype="0" fill="hold" grpId="0" nodeType="withEffect">
+                                  <p:stCondLst>
+                                    <p:cond delay="0"/>
+                                  </p:stCondLst>
+                                  <p:childTnLst>
+                                    <p:set>
+                                      <p:cBhvr>
+                                        <p:cTn id="30" dur="1" fill="hold">
+                                          <p:stCondLst>
+                                            <p:cond delay="0"/>
+                                          </p:stCondLst>
+                                        </p:cTn>
+                                        <p:tgtEl>
+                                          <p:spTgt spid="72"/>
                                         </p:tgtEl>
                                         <p:attrNameLst>
                                           <p:attrName>style.visibility</p:attrName>
@@ -15221,19 +13172,12 @@
       </p:par>
     </p:tnLst>
     <p:bldLst>
-      <p:bldP spid="149" grpId="0"/>
-      <p:bldP spid="178" grpId="0"/>
-      <p:bldP spid="197" grpId="0"/>
-      <p:bldP spid="261" grpId="0"/>
-      <p:bldP spid="288" grpId="0" animBg="1"/>
-      <p:bldP spid="295" grpId="0"/>
-      <p:bldP spid="302" grpId="0"/>
       <p:bldP spid="100" grpId="0" animBg="1"/>
-      <p:bldP spid="101" grpId="0"/>
       <p:bldP spid="105" grpId="0"/>
       <p:bldP spid="106" grpId="0"/>
       <p:bldP spid="60" grpId="0"/>
       <p:bldP spid="67" grpId="0"/>
+      <p:bldP spid="72" grpId="0"/>
     </p:bldLst>
   </p:timing>
 </p:sld>

--- a/fig/aws-enterprise-v01.pptx
+++ b/fig/aws-enterprise-v01.pptx
@@ -12389,8 +12389,8 @@
         </p:nvSpPr>
         <p:spPr>
           <a:xfrm>
-            <a:off x="6601600" y="779819"/>
-            <a:ext cx="789937" cy="276999"/>
+            <a:off x="6556240" y="779819"/>
+            <a:ext cx="975742" cy="276999"/>
           </a:xfrm>
           <a:prstGeom prst="rect">
             <a:avLst/>
@@ -12405,11 +12405,11 @@
           <a:p>
             <a:pPr algn="ctr"/>
             <a:r>
-              <a:rPr lang="en-US" sz="1200" b="1" dirty="0" smtClean="0">
+              <a:rPr lang="en-US" sz="1200" b="1" dirty="0" err="1" smtClean="0">
                 <a:latin typeface="Open Sans Light"/>
                 <a:cs typeface="Open Sans Light"/>
               </a:rPr>
-              <a:t>DB</a:t>
+              <a:t>ElastiCache</a:t>
             </a:r>
             <a:endParaRPr lang="en-US" sz="1200" b="1" dirty="0">
               <a:latin typeface="Open Sans Light"/>
@@ -12694,18 +12694,2844 @@
           </a:p>
         </p:txBody>
       </p:sp>
+      <p:sp>
+        <p:nvSpPr>
+          <p:cNvPr id="72" name="TextBox 71"/>
+          <p:cNvSpPr txBox="1"/>
+          <p:nvPr/>
+        </p:nvSpPr>
+        <p:spPr>
+          <a:xfrm>
+            <a:off x="7834328" y="3349168"/>
+            <a:ext cx="999021" cy="276999"/>
+          </a:xfrm>
+          <a:prstGeom prst="rect">
+            <a:avLst/>
+          </a:prstGeom>
+          <a:noFill/>
+        </p:spPr>
+        <p:txBody>
+          <a:bodyPr wrap="square" rtlCol="0">
+            <a:spAutoFit/>
+          </a:bodyPr>
+          <a:lstStyle/>
+          <a:p>
+            <a:r>
+              <a:rPr lang="en-US" sz="1200" b="1" dirty="0" smtClean="0">
+                <a:latin typeface="Open Sans Light"/>
+                <a:cs typeface="Open Sans Light"/>
+              </a:rPr>
+              <a:t>Replicate</a:t>
+            </a:r>
+            <a:endParaRPr lang="en-US" sz="1200" b="1" dirty="0">
+              <a:latin typeface="Open Sans Light"/>
+              <a:cs typeface="Open Sans Light"/>
+            </a:endParaRPr>
+          </a:p>
+        </p:txBody>
+      </p:sp>
+      <p:grpSp>
+        <p:nvGrpSpPr>
+          <p:cNvPr id="73" name="Group 72"/>
+          <p:cNvGrpSpPr/>
+          <p:nvPr/>
+        </p:nvGrpSpPr>
+        <p:grpSpPr>
+          <a:xfrm>
+            <a:off x="738716" y="503954"/>
+            <a:ext cx="1645197" cy="2032263"/>
+            <a:chOff x="463550" y="760414"/>
+            <a:chExt cx="1709738" cy="1642217"/>
+          </a:xfrm>
+        </p:grpSpPr>
+        <p:sp>
+          <p:nvSpPr>
+            <p:cNvPr id="74" name="Rounded Rectangle 73"/>
+            <p:cNvSpPr/>
+            <p:nvPr/>
+          </p:nvSpPr>
+          <p:spPr>
+            <a:xfrm>
+              <a:off x="463550" y="760414"/>
+              <a:ext cx="1709738" cy="1642217"/>
+            </a:xfrm>
+            <a:prstGeom prst="roundRect">
+              <a:avLst>
+                <a:gd name="adj" fmla="val 9818"/>
+              </a:avLst>
+            </a:prstGeom>
+            <a:noFill/>
+            <a:ln w="19050">
+              <a:solidFill>
+                <a:schemeClr val="tx1"/>
+              </a:solidFill>
+              <a:prstDash val="lgDashDot"/>
+            </a:ln>
+            <a:effectLst/>
+          </p:spPr>
+          <p:style>
+            <a:lnRef idx="1">
+              <a:schemeClr val="accent1"/>
+            </a:lnRef>
+            <a:fillRef idx="3">
+              <a:schemeClr val="accent1"/>
+            </a:fillRef>
+            <a:effectRef idx="2">
+              <a:schemeClr val="accent1"/>
+            </a:effectRef>
+            <a:fontRef idx="minor">
+              <a:schemeClr val="lt1"/>
+            </a:fontRef>
+          </p:style>
+          <p:txBody>
+            <a:bodyPr anchor="ctr"/>
+            <a:lstStyle/>
+            <a:p>
+              <a:pPr algn="ctr" fontAlgn="auto">
+                <a:spcBef>
+                  <a:spcPts val="0"/>
+                </a:spcBef>
+                <a:spcAft>
+                  <a:spcPts val="0"/>
+                </a:spcAft>
+                <a:defRPr/>
+              </a:pPr>
+              <a:endParaRPr lang="en-US" sz="1200" dirty="0">
+                <a:solidFill>
+                  <a:schemeClr val="tx1"/>
+                </a:solidFill>
+                <a:latin typeface="Open Sans Light"/>
+                <a:cs typeface="Open Sans Light"/>
+              </a:endParaRPr>
+            </a:p>
+          </p:txBody>
+        </p:sp>
+        <p:sp>
+          <p:nvSpPr>
+            <p:cNvPr id="75" name="TextBox 31"/>
+            <p:cNvSpPr txBox="1">
+              <a:spLocks noChangeArrowheads="1"/>
+            </p:cNvSpPr>
+            <p:nvPr/>
+          </p:nvSpPr>
+          <p:spPr bwMode="auto">
+            <a:xfrm>
+              <a:off x="546099" y="2193392"/>
+              <a:ext cx="1627188" cy="172970"/>
+            </a:xfrm>
+            <a:prstGeom prst="rect">
+              <a:avLst/>
+            </a:prstGeom>
+            <a:noFill/>
+            <a:ln w="9525">
+              <a:noFill/>
+              <a:miter lim="800000"/>
+              <a:headEnd/>
+              <a:tailEnd/>
+            </a:ln>
+          </p:spPr>
+          <p:txBody>
+            <a:bodyPr wrap="square">
+              <a:spAutoFit/>
+            </a:bodyPr>
+            <a:lstStyle/>
+            <a:p>
+              <a:pPr algn="ctr"/>
+              <a:r>
+                <a:rPr lang="en-US" sz="1200" b="1" dirty="0" smtClean="0">
+                  <a:solidFill>
+                    <a:srgbClr val="414042"/>
+                  </a:solidFill>
+                  <a:latin typeface="Open Sans Light"/>
+                  <a:ea typeface="Verdana" pitchFamily="34" charset="0"/>
+                  <a:cs typeface="Open Sans Light"/>
+                </a:rPr>
+                <a:t>Auto Scaling group</a:t>
+              </a:r>
+              <a:endParaRPr lang="en-US" sz="1200" b="1" dirty="0">
+                <a:solidFill>
+                  <a:srgbClr val="414042"/>
+                </a:solidFill>
+                <a:latin typeface="Open Sans Light"/>
+                <a:ea typeface="Verdana" pitchFamily="34" charset="0"/>
+                <a:cs typeface="Open Sans Light"/>
+              </a:endParaRPr>
+            </a:p>
+          </p:txBody>
+        </p:sp>
+      </p:grpSp>
+      <p:pic>
+        <p:nvPicPr>
+          <p:cNvPr id="76" name="Picture 75"/>
+          <p:cNvPicPr>
+            <a:picLocks noChangeAspect="1"/>
+          </p:cNvPicPr>
+          <p:nvPr/>
+        </p:nvPicPr>
+        <p:blipFill>
+          <a:blip r:embed="rId3">
+            <a:extLst>
+              <a:ext uri="{28A0092B-C50C-407E-A947-70E740481C1C}">
+                <a14:useLocalDpi xmlns:a14="http://schemas.microsoft.com/office/drawing/2010/main" val="0"/>
+              </a:ext>
+            </a:extLst>
+          </a:blip>
+          <a:stretch>
+            <a:fillRect/>
+          </a:stretch>
+        </p:blipFill>
+        <p:spPr>
+          <a:xfrm>
+            <a:off x="1035156" y="744413"/>
+            <a:ext cx="1052372" cy="365463"/>
+          </a:xfrm>
+          <a:prstGeom prst="rect">
+            <a:avLst/>
+          </a:prstGeom>
+        </p:spPr>
+      </p:pic>
+      <p:grpSp>
+        <p:nvGrpSpPr>
+          <p:cNvPr id="77" name="Group 76"/>
+          <p:cNvGrpSpPr/>
+          <p:nvPr/>
+        </p:nvGrpSpPr>
+        <p:grpSpPr>
+          <a:xfrm>
+            <a:off x="880068" y="657247"/>
+            <a:ext cx="1314682" cy="725928"/>
+            <a:chOff x="6743700" y="760413"/>
+            <a:chExt cx="1752600" cy="1733550"/>
+          </a:xfrm>
+        </p:grpSpPr>
+        <p:grpSp>
+          <p:nvGrpSpPr>
+            <p:cNvPr id="78" name="Group 77"/>
+            <p:cNvGrpSpPr>
+              <a:grpSpLocks/>
+            </p:cNvGrpSpPr>
+            <p:nvPr/>
+          </p:nvGrpSpPr>
+          <p:grpSpPr bwMode="auto">
+            <a:xfrm>
+              <a:off x="6743700" y="760413"/>
+              <a:ext cx="1752600" cy="1733550"/>
+              <a:chOff x="545458" y="4783771"/>
+              <a:chExt cx="2293787" cy="1733798"/>
+            </a:xfrm>
+          </p:grpSpPr>
+          <p:sp>
+            <p:nvSpPr>
+              <p:cNvPr id="80" name="Rounded Rectangle 79"/>
+              <p:cNvSpPr/>
+              <p:nvPr/>
+            </p:nvSpPr>
+            <p:spPr>
+              <a:xfrm>
+                <a:off x="545458" y="4783771"/>
+                <a:ext cx="2293787" cy="1733798"/>
+              </a:xfrm>
+              <a:prstGeom prst="roundRect">
+                <a:avLst>
+                  <a:gd name="adj" fmla="val 9818"/>
+                </a:avLst>
+              </a:prstGeom>
+              <a:noFill/>
+              <a:ln w="19050">
+                <a:solidFill>
+                  <a:schemeClr val="tx1"/>
+                </a:solidFill>
+                <a:prstDash val="solid"/>
+              </a:ln>
+              <a:effectLst/>
+            </p:spPr>
+            <p:style>
+              <a:lnRef idx="1">
+                <a:schemeClr val="accent1"/>
+              </a:lnRef>
+              <a:fillRef idx="3">
+                <a:schemeClr val="accent1"/>
+              </a:fillRef>
+              <a:effectRef idx="2">
+                <a:schemeClr val="accent1"/>
+              </a:effectRef>
+              <a:fontRef idx="minor">
+                <a:schemeClr val="lt1"/>
+              </a:fontRef>
+            </p:style>
+            <p:txBody>
+              <a:bodyPr anchor="ctr"/>
+              <a:lstStyle/>
+              <a:p>
+                <a:pPr algn="ctr" fontAlgn="auto">
+                  <a:spcBef>
+                    <a:spcPts val="0"/>
+                  </a:spcBef>
+                  <a:spcAft>
+                    <a:spcPts val="0"/>
+                  </a:spcAft>
+                  <a:defRPr/>
+                </a:pPr>
+                <a:endParaRPr lang="en-US" sz="1200" dirty="0">
+                  <a:solidFill>
+                    <a:schemeClr val="tx1"/>
+                  </a:solidFill>
+                  <a:latin typeface="Open Sans Light"/>
+                  <a:cs typeface="Open Sans Light"/>
+                </a:endParaRPr>
+              </a:p>
+            </p:txBody>
+          </p:sp>
+          <p:sp>
+            <p:nvSpPr>
+              <p:cNvPr id="81" name="Rounded Rectangle 80"/>
+              <p:cNvSpPr/>
+              <p:nvPr/>
+            </p:nvSpPr>
+            <p:spPr>
+              <a:xfrm>
+                <a:off x="545458" y="4783771"/>
+                <a:ext cx="2293787" cy="1733798"/>
+              </a:xfrm>
+              <a:prstGeom prst="roundRect">
+                <a:avLst>
+                  <a:gd name="adj" fmla="val 9818"/>
+                </a:avLst>
+              </a:prstGeom>
+              <a:noFill/>
+              <a:ln w="19050">
+                <a:solidFill>
+                  <a:srgbClr val="FF0000"/>
+                </a:solidFill>
+                <a:prstDash val="lgDash"/>
+              </a:ln>
+              <a:effectLst/>
+            </p:spPr>
+            <p:style>
+              <a:lnRef idx="1">
+                <a:schemeClr val="accent1"/>
+              </a:lnRef>
+              <a:fillRef idx="3">
+                <a:schemeClr val="accent1"/>
+              </a:fillRef>
+              <a:effectRef idx="2">
+                <a:schemeClr val="accent1"/>
+              </a:effectRef>
+              <a:fontRef idx="minor">
+                <a:schemeClr val="lt1"/>
+              </a:fontRef>
+            </p:style>
+            <p:txBody>
+              <a:bodyPr anchor="ctr"/>
+              <a:lstStyle/>
+              <a:p>
+                <a:pPr algn="ctr" fontAlgn="auto">
+                  <a:spcBef>
+                    <a:spcPts val="0"/>
+                  </a:spcBef>
+                  <a:spcAft>
+                    <a:spcPts val="0"/>
+                  </a:spcAft>
+                  <a:defRPr/>
+                </a:pPr>
+                <a:endParaRPr lang="en-US" sz="1200" dirty="0">
+                  <a:solidFill>
+                    <a:schemeClr val="tx1"/>
+                  </a:solidFill>
+                  <a:latin typeface="Open Sans Light"/>
+                  <a:cs typeface="Open Sans Light"/>
+                </a:endParaRPr>
+              </a:p>
+            </p:txBody>
+          </p:sp>
+        </p:grpSp>
+        <p:sp>
+          <p:nvSpPr>
+            <p:cNvPr id="79" name="TextBox 34"/>
+            <p:cNvSpPr txBox="1">
+              <a:spLocks noChangeArrowheads="1"/>
+            </p:cNvSpPr>
+            <p:nvPr/>
+          </p:nvSpPr>
+          <p:spPr bwMode="auto">
+            <a:xfrm>
+              <a:off x="6851652" y="1879021"/>
+              <a:ext cx="1555749" cy="476280"/>
+            </a:xfrm>
+            <a:prstGeom prst="rect">
+              <a:avLst/>
+            </a:prstGeom>
+            <a:noFill/>
+            <a:ln w="9525">
+              <a:noFill/>
+              <a:miter lim="800000"/>
+              <a:headEnd/>
+              <a:tailEnd/>
+            </a:ln>
+          </p:spPr>
+          <p:txBody>
+            <a:bodyPr anchor="ctr" anchorCtr="0">
+              <a:spAutoFit/>
+            </a:bodyPr>
+            <a:lstStyle/>
+            <a:p>
+              <a:pPr algn="ctr"/>
+              <a:r>
+                <a:rPr lang="en-US" sz="1200" dirty="0" smtClean="0">
+                  <a:solidFill>
+                    <a:srgbClr val="414042"/>
+                  </a:solidFill>
+                  <a:latin typeface="Open Sans Light"/>
+                  <a:ea typeface="Verdana" pitchFamily="34" charset="0"/>
+                  <a:cs typeface="Open Sans Light"/>
+                </a:rPr>
+                <a:t>security group</a:t>
+              </a:r>
+              <a:endParaRPr lang="en-US" sz="1200" dirty="0">
+                <a:solidFill>
+                  <a:srgbClr val="414042"/>
+                </a:solidFill>
+                <a:latin typeface="Open Sans Light"/>
+                <a:ea typeface="Verdana" pitchFamily="34" charset="0"/>
+                <a:cs typeface="Open Sans Light"/>
+              </a:endParaRPr>
+            </a:p>
+          </p:txBody>
+        </p:sp>
+      </p:grpSp>
+      <p:sp>
+        <p:nvSpPr>
+          <p:cNvPr id="82" name="TextBox 81"/>
+          <p:cNvSpPr txBox="1"/>
+          <p:nvPr/>
+        </p:nvSpPr>
+        <p:spPr>
+          <a:xfrm>
+            <a:off x="1102878" y="774911"/>
+            <a:ext cx="789937" cy="276999"/>
+          </a:xfrm>
+          <a:prstGeom prst="rect">
+            <a:avLst/>
+          </a:prstGeom>
+          <a:noFill/>
+        </p:spPr>
+        <p:txBody>
+          <a:bodyPr wrap="square" rtlCol="0">
+            <a:spAutoFit/>
+          </a:bodyPr>
+          <a:lstStyle/>
+          <a:p>
+            <a:pPr algn="ctr"/>
+            <a:r>
+              <a:rPr lang="en-US" sz="1200" b="1" dirty="0" smtClean="0">
+                <a:latin typeface="Open Sans Light"/>
+                <a:cs typeface="Open Sans Light"/>
+              </a:rPr>
+              <a:t>Web app</a:t>
+            </a:r>
+            <a:endParaRPr lang="en-US" sz="1200" b="1" dirty="0">
+              <a:latin typeface="Open Sans Light"/>
+              <a:cs typeface="Open Sans Light"/>
+            </a:endParaRPr>
+          </a:p>
+        </p:txBody>
+      </p:sp>
+      <p:pic>
+        <p:nvPicPr>
+          <p:cNvPr id="83" name="Picture 82"/>
+          <p:cNvPicPr>
+            <a:picLocks noChangeAspect="1"/>
+          </p:cNvPicPr>
+          <p:nvPr/>
+        </p:nvPicPr>
+        <p:blipFill>
+          <a:blip r:embed="rId4">
+            <a:extLst>
+              <a:ext uri="{28A0092B-C50C-407E-A947-70E740481C1C}">
+                <a14:useLocalDpi xmlns:a14="http://schemas.microsoft.com/office/drawing/2010/main" val="0"/>
+              </a:ext>
+            </a:extLst>
+          </a:blip>
+          <a:stretch>
+            <a:fillRect/>
+          </a:stretch>
+        </p:blipFill>
+        <p:spPr>
+          <a:xfrm>
+            <a:off x="2990179" y="1766534"/>
+            <a:ext cx="433410" cy="520092"/>
+          </a:xfrm>
+          <a:prstGeom prst="rect">
+            <a:avLst/>
+          </a:prstGeom>
+        </p:spPr>
+      </p:pic>
+      <p:sp>
+        <p:nvSpPr>
+          <p:cNvPr id="84" name="TextBox 83"/>
+          <p:cNvSpPr txBox="1"/>
+          <p:nvPr/>
+        </p:nvSpPr>
+        <p:spPr>
+          <a:xfrm>
+            <a:off x="2691787" y="2236142"/>
+            <a:ext cx="999021" cy="461665"/>
+          </a:xfrm>
+          <a:prstGeom prst="rect">
+            <a:avLst/>
+          </a:prstGeom>
+          <a:noFill/>
+        </p:spPr>
+        <p:txBody>
+          <a:bodyPr wrap="square" rtlCol="0">
+            <a:spAutoFit/>
+          </a:bodyPr>
+          <a:lstStyle/>
+          <a:p>
+            <a:pPr algn="ctr"/>
+            <a:r>
+              <a:rPr lang="en-US" sz="1200" b="1" dirty="0" smtClean="0">
+                <a:latin typeface="Open Sans Light"/>
+                <a:cs typeface="Open Sans Light"/>
+              </a:rPr>
+              <a:t>Elastic Load Balancer</a:t>
+            </a:r>
+            <a:endParaRPr lang="en-US" sz="1200" b="1" dirty="0">
+              <a:latin typeface="Open Sans Light"/>
+              <a:cs typeface="Open Sans Light"/>
+            </a:endParaRPr>
+          </a:p>
+        </p:txBody>
+      </p:sp>
       <p:cxnSp>
         <p:nvCxnSpPr>
-          <p:cNvPr id="3" name="Curved Connector 2"/>
+          <p:cNvPr id="85" name="Straight Connector 84"/>
           <p:cNvCxnSpPr>
-            <a:stCxn id="61" idx="3"/>
-            <a:endCxn id="54" idx="3"/>
+            <a:endCxn id="83" idx="1"/>
+          </p:cNvCxnSpPr>
+          <p:nvPr/>
+        </p:nvCxnSpPr>
+        <p:spPr>
+          <a:xfrm>
+            <a:off x="2383913" y="2020378"/>
+            <a:ext cx="606266" cy="6202"/>
+          </a:xfrm>
+          <a:prstGeom prst="line">
+            <a:avLst/>
+          </a:prstGeom>
+          <a:ln>
+            <a:solidFill>
+              <a:srgbClr val="414042"/>
+            </a:solidFill>
+            <a:tailEnd type="triangle" w="lg" len="lg"/>
+          </a:ln>
+          <a:effectLst/>
+        </p:spPr>
+        <p:style>
+          <a:lnRef idx="2">
+            <a:schemeClr val="accent1"/>
+          </a:lnRef>
+          <a:fillRef idx="0">
+            <a:schemeClr val="accent1"/>
+          </a:fillRef>
+          <a:effectRef idx="1">
+            <a:schemeClr val="accent1"/>
+          </a:effectRef>
+          <a:fontRef idx="minor">
+            <a:schemeClr val="tx1"/>
+          </a:fontRef>
+        </p:style>
+      </p:cxnSp>
+      <p:grpSp>
+        <p:nvGrpSpPr>
+          <p:cNvPr id="86" name="Group 85"/>
+          <p:cNvGrpSpPr/>
+          <p:nvPr/>
+        </p:nvGrpSpPr>
+        <p:grpSpPr>
+          <a:xfrm>
+            <a:off x="4003838" y="516853"/>
+            <a:ext cx="1645197" cy="2032263"/>
+            <a:chOff x="463550" y="760414"/>
+            <a:chExt cx="1709738" cy="1642217"/>
+          </a:xfrm>
+        </p:grpSpPr>
+        <p:sp>
+          <p:nvSpPr>
+            <p:cNvPr id="87" name="Rounded Rectangle 86"/>
+            <p:cNvSpPr/>
+            <p:nvPr/>
+          </p:nvSpPr>
+          <p:spPr>
+            <a:xfrm>
+              <a:off x="463550" y="760414"/>
+              <a:ext cx="1709738" cy="1642217"/>
+            </a:xfrm>
+            <a:prstGeom prst="roundRect">
+              <a:avLst>
+                <a:gd name="adj" fmla="val 9818"/>
+              </a:avLst>
+            </a:prstGeom>
+            <a:noFill/>
+            <a:ln w="19050">
+              <a:solidFill>
+                <a:schemeClr val="tx1"/>
+              </a:solidFill>
+              <a:prstDash val="lgDashDot"/>
+            </a:ln>
+            <a:effectLst/>
+          </p:spPr>
+          <p:style>
+            <a:lnRef idx="1">
+              <a:schemeClr val="accent1"/>
+            </a:lnRef>
+            <a:fillRef idx="3">
+              <a:schemeClr val="accent1"/>
+            </a:fillRef>
+            <a:effectRef idx="2">
+              <a:schemeClr val="accent1"/>
+            </a:effectRef>
+            <a:fontRef idx="minor">
+              <a:schemeClr val="lt1"/>
+            </a:fontRef>
+          </p:style>
+          <p:txBody>
+            <a:bodyPr anchor="ctr"/>
+            <a:lstStyle/>
+            <a:p>
+              <a:pPr algn="ctr" fontAlgn="auto">
+                <a:spcBef>
+                  <a:spcPts val="0"/>
+                </a:spcBef>
+                <a:spcAft>
+                  <a:spcPts val="0"/>
+                </a:spcAft>
+                <a:defRPr/>
+              </a:pPr>
+              <a:endParaRPr lang="en-US" sz="1200" dirty="0">
+                <a:solidFill>
+                  <a:schemeClr val="tx1"/>
+                </a:solidFill>
+                <a:latin typeface="Open Sans Light"/>
+                <a:cs typeface="Open Sans Light"/>
+              </a:endParaRPr>
+            </a:p>
+          </p:txBody>
+        </p:sp>
+        <p:sp>
+          <p:nvSpPr>
+            <p:cNvPr id="88" name="TextBox 31"/>
+            <p:cNvSpPr txBox="1">
+              <a:spLocks noChangeArrowheads="1"/>
+            </p:cNvSpPr>
+            <p:nvPr/>
+          </p:nvSpPr>
+          <p:spPr bwMode="auto">
+            <a:xfrm>
+              <a:off x="546099" y="2193392"/>
+              <a:ext cx="1627188" cy="172970"/>
+            </a:xfrm>
+            <a:prstGeom prst="rect">
+              <a:avLst/>
+            </a:prstGeom>
+            <a:noFill/>
+            <a:ln w="9525">
+              <a:noFill/>
+              <a:miter lim="800000"/>
+              <a:headEnd/>
+              <a:tailEnd/>
+            </a:ln>
+          </p:spPr>
+          <p:txBody>
+            <a:bodyPr wrap="square">
+              <a:spAutoFit/>
+            </a:bodyPr>
+            <a:lstStyle/>
+            <a:p>
+              <a:pPr algn="ctr"/>
+              <a:r>
+                <a:rPr lang="en-US" sz="1200" b="1" dirty="0" smtClean="0">
+                  <a:solidFill>
+                    <a:srgbClr val="414042"/>
+                  </a:solidFill>
+                  <a:latin typeface="Open Sans Light"/>
+                  <a:ea typeface="Verdana" pitchFamily="34" charset="0"/>
+                  <a:cs typeface="Open Sans Light"/>
+                </a:rPr>
+                <a:t>Auto Scaling group</a:t>
+              </a:r>
+              <a:endParaRPr lang="en-US" sz="1200" b="1" dirty="0">
+                <a:solidFill>
+                  <a:srgbClr val="414042"/>
+                </a:solidFill>
+                <a:latin typeface="Open Sans Light"/>
+                <a:ea typeface="Verdana" pitchFamily="34" charset="0"/>
+                <a:cs typeface="Open Sans Light"/>
+              </a:endParaRPr>
+            </a:p>
+          </p:txBody>
+        </p:sp>
+      </p:grpSp>
+      <p:cxnSp>
+        <p:nvCxnSpPr>
+          <p:cNvPr id="89" name="Straight Connector 88"/>
+          <p:cNvCxnSpPr>
+            <a:stCxn id="83" idx="3"/>
+            <a:endCxn id="111" idx="1"/>
           </p:cNvCxnSpPr>
           <p:nvPr/>
         </p:nvCxnSpPr>
         <p:spPr>
           <a:xfrm flipV="1">
-            <a:off x="7577342" y="939113"/>
+            <a:off x="3423589" y="1739936"/>
+            <a:ext cx="862019" cy="286644"/>
+          </a:xfrm>
+          <a:prstGeom prst="line">
+            <a:avLst/>
+          </a:prstGeom>
+          <a:ln>
+            <a:solidFill>
+              <a:srgbClr val="414042"/>
+            </a:solidFill>
+            <a:tailEnd type="triangle" w="lg" len="lg"/>
+          </a:ln>
+          <a:effectLst/>
+        </p:spPr>
+        <p:style>
+          <a:lnRef idx="2">
+            <a:schemeClr val="accent1"/>
+          </a:lnRef>
+          <a:fillRef idx="0">
+            <a:schemeClr val="accent1"/>
+          </a:fillRef>
+          <a:effectRef idx="1">
+            <a:schemeClr val="accent1"/>
+          </a:effectRef>
+          <a:fontRef idx="minor">
+            <a:schemeClr val="tx1"/>
+          </a:fontRef>
+        </p:style>
+      </p:cxnSp>
+      <p:pic>
+        <p:nvPicPr>
+          <p:cNvPr id="90" name="Picture 89"/>
+          <p:cNvPicPr>
+            <a:picLocks noChangeAspect="1"/>
+          </p:cNvPicPr>
+          <p:nvPr/>
+        </p:nvPicPr>
+        <p:blipFill>
+          <a:blip r:embed="rId3">
+            <a:extLst>
+              <a:ext uri="{28A0092B-C50C-407E-A947-70E740481C1C}">
+                <a14:useLocalDpi xmlns:a14="http://schemas.microsoft.com/office/drawing/2010/main" val="0"/>
+              </a:ext>
+            </a:extLst>
+          </a:blip>
+          <a:stretch>
+            <a:fillRect/>
+          </a:stretch>
+        </p:blipFill>
+        <p:spPr>
+          <a:xfrm>
+            <a:off x="4286766" y="757312"/>
+            <a:ext cx="1052372" cy="352564"/>
+          </a:xfrm>
+          <a:prstGeom prst="rect">
+            <a:avLst/>
+          </a:prstGeom>
+        </p:spPr>
+      </p:pic>
+      <p:grpSp>
+        <p:nvGrpSpPr>
+          <p:cNvPr id="91" name="Group 90"/>
+          <p:cNvGrpSpPr/>
+          <p:nvPr/>
+        </p:nvGrpSpPr>
+        <p:grpSpPr>
+          <a:xfrm>
+            <a:off x="4145190" y="670146"/>
+            <a:ext cx="1314682" cy="713029"/>
+            <a:chOff x="6743700" y="760413"/>
+            <a:chExt cx="1752600" cy="1733550"/>
+          </a:xfrm>
+        </p:grpSpPr>
+        <p:grpSp>
+          <p:nvGrpSpPr>
+            <p:cNvPr id="92" name="Group 91"/>
+            <p:cNvGrpSpPr>
+              <a:grpSpLocks/>
+            </p:cNvGrpSpPr>
+            <p:nvPr/>
+          </p:nvGrpSpPr>
+          <p:grpSpPr bwMode="auto">
+            <a:xfrm>
+              <a:off x="6743700" y="760413"/>
+              <a:ext cx="1752600" cy="1733550"/>
+              <a:chOff x="545458" y="4783771"/>
+              <a:chExt cx="2293787" cy="1733798"/>
+            </a:xfrm>
+          </p:grpSpPr>
+          <p:sp>
+            <p:nvSpPr>
+              <p:cNvPr id="94" name="Rounded Rectangle 93"/>
+              <p:cNvSpPr/>
+              <p:nvPr/>
+            </p:nvSpPr>
+            <p:spPr>
+              <a:xfrm>
+                <a:off x="545458" y="4783771"/>
+                <a:ext cx="2293787" cy="1733798"/>
+              </a:xfrm>
+              <a:prstGeom prst="roundRect">
+                <a:avLst>
+                  <a:gd name="adj" fmla="val 9818"/>
+                </a:avLst>
+              </a:prstGeom>
+              <a:noFill/>
+              <a:ln w="19050">
+                <a:solidFill>
+                  <a:schemeClr val="tx1"/>
+                </a:solidFill>
+                <a:prstDash val="solid"/>
+              </a:ln>
+              <a:effectLst/>
+            </p:spPr>
+            <p:style>
+              <a:lnRef idx="1">
+                <a:schemeClr val="accent1"/>
+              </a:lnRef>
+              <a:fillRef idx="3">
+                <a:schemeClr val="accent1"/>
+              </a:fillRef>
+              <a:effectRef idx="2">
+                <a:schemeClr val="accent1"/>
+              </a:effectRef>
+              <a:fontRef idx="minor">
+                <a:schemeClr val="lt1"/>
+              </a:fontRef>
+            </p:style>
+            <p:txBody>
+              <a:bodyPr anchor="ctr"/>
+              <a:lstStyle/>
+              <a:p>
+                <a:pPr algn="ctr" fontAlgn="auto">
+                  <a:spcBef>
+                    <a:spcPts val="0"/>
+                  </a:spcBef>
+                  <a:spcAft>
+                    <a:spcPts val="0"/>
+                  </a:spcAft>
+                  <a:defRPr/>
+                </a:pPr>
+                <a:endParaRPr lang="en-US" sz="1200" dirty="0">
+                  <a:solidFill>
+                    <a:schemeClr val="tx1"/>
+                  </a:solidFill>
+                  <a:latin typeface="Open Sans Light"/>
+                  <a:cs typeface="Open Sans Light"/>
+                </a:endParaRPr>
+              </a:p>
+            </p:txBody>
+          </p:sp>
+          <p:sp>
+            <p:nvSpPr>
+              <p:cNvPr id="95" name="Rounded Rectangle 94"/>
+              <p:cNvSpPr/>
+              <p:nvPr/>
+            </p:nvSpPr>
+            <p:spPr>
+              <a:xfrm>
+                <a:off x="545458" y="4783771"/>
+                <a:ext cx="2293787" cy="1733798"/>
+              </a:xfrm>
+              <a:prstGeom prst="roundRect">
+                <a:avLst>
+                  <a:gd name="adj" fmla="val 9818"/>
+                </a:avLst>
+              </a:prstGeom>
+              <a:noFill/>
+              <a:ln w="19050">
+                <a:solidFill>
+                  <a:srgbClr val="FF0000"/>
+                </a:solidFill>
+                <a:prstDash val="lgDash"/>
+              </a:ln>
+              <a:effectLst/>
+            </p:spPr>
+            <p:style>
+              <a:lnRef idx="1">
+                <a:schemeClr val="accent1"/>
+              </a:lnRef>
+              <a:fillRef idx="3">
+                <a:schemeClr val="accent1"/>
+              </a:fillRef>
+              <a:effectRef idx="2">
+                <a:schemeClr val="accent1"/>
+              </a:effectRef>
+              <a:fontRef idx="minor">
+                <a:schemeClr val="lt1"/>
+              </a:fontRef>
+            </p:style>
+            <p:txBody>
+              <a:bodyPr anchor="ctr"/>
+              <a:lstStyle/>
+              <a:p>
+                <a:pPr algn="ctr" fontAlgn="auto">
+                  <a:spcBef>
+                    <a:spcPts val="0"/>
+                  </a:spcBef>
+                  <a:spcAft>
+                    <a:spcPts val="0"/>
+                  </a:spcAft>
+                  <a:defRPr/>
+                </a:pPr>
+                <a:endParaRPr lang="en-US" sz="1200" dirty="0">
+                  <a:solidFill>
+                    <a:schemeClr val="tx1"/>
+                  </a:solidFill>
+                  <a:latin typeface="Open Sans Light"/>
+                  <a:cs typeface="Open Sans Light"/>
+                </a:endParaRPr>
+              </a:p>
+            </p:txBody>
+          </p:sp>
+        </p:grpSp>
+        <p:sp>
+          <p:nvSpPr>
+            <p:cNvPr id="93" name="TextBox 34"/>
+            <p:cNvSpPr txBox="1">
+              <a:spLocks noChangeArrowheads="1"/>
+            </p:cNvSpPr>
+            <p:nvPr/>
+          </p:nvSpPr>
+          <p:spPr bwMode="auto">
+            <a:xfrm>
+              <a:off x="6851652" y="1879021"/>
+              <a:ext cx="1555749" cy="476280"/>
+            </a:xfrm>
+            <a:prstGeom prst="rect">
+              <a:avLst/>
+            </a:prstGeom>
+            <a:noFill/>
+            <a:ln w="9525">
+              <a:noFill/>
+              <a:miter lim="800000"/>
+              <a:headEnd/>
+              <a:tailEnd/>
+            </a:ln>
+          </p:spPr>
+          <p:txBody>
+            <a:bodyPr anchor="ctr" anchorCtr="0">
+              <a:spAutoFit/>
+            </a:bodyPr>
+            <a:lstStyle/>
+            <a:p>
+              <a:pPr algn="ctr"/>
+              <a:r>
+                <a:rPr lang="en-US" sz="1200" dirty="0" smtClean="0">
+                  <a:solidFill>
+                    <a:srgbClr val="414042"/>
+                  </a:solidFill>
+                  <a:latin typeface="Open Sans Light"/>
+                  <a:ea typeface="Verdana" pitchFamily="34" charset="0"/>
+                  <a:cs typeface="Open Sans Light"/>
+                </a:rPr>
+                <a:t>security group</a:t>
+              </a:r>
+              <a:endParaRPr lang="en-US" sz="1200" dirty="0">
+                <a:solidFill>
+                  <a:srgbClr val="414042"/>
+                </a:solidFill>
+                <a:latin typeface="Open Sans Light"/>
+                <a:ea typeface="Verdana" pitchFamily="34" charset="0"/>
+                <a:cs typeface="Open Sans Light"/>
+              </a:endParaRPr>
+            </a:p>
+          </p:txBody>
+        </p:sp>
+      </p:grpSp>
+      <p:sp>
+        <p:nvSpPr>
+          <p:cNvPr id="96" name="TextBox 95"/>
+          <p:cNvSpPr txBox="1"/>
+          <p:nvPr/>
+        </p:nvSpPr>
+        <p:spPr>
+          <a:xfrm>
+            <a:off x="4362238" y="774300"/>
+            <a:ext cx="789937" cy="276999"/>
+          </a:xfrm>
+          <a:prstGeom prst="rect">
+            <a:avLst/>
+          </a:prstGeom>
+          <a:noFill/>
+        </p:spPr>
+        <p:txBody>
+          <a:bodyPr wrap="square" rtlCol="0">
+            <a:spAutoFit/>
+          </a:bodyPr>
+          <a:lstStyle/>
+          <a:p>
+            <a:pPr algn="ctr"/>
+            <a:r>
+              <a:rPr lang="en-US" sz="1200" b="1" dirty="0" smtClean="0">
+                <a:latin typeface="Open Sans Light"/>
+                <a:cs typeface="Open Sans Light"/>
+              </a:rPr>
+              <a:t>svc</a:t>
+            </a:r>
+            <a:endParaRPr lang="en-US" sz="1200" b="1" dirty="0">
+              <a:latin typeface="Open Sans Light"/>
+              <a:cs typeface="Open Sans Light"/>
+            </a:endParaRPr>
+          </a:p>
+        </p:txBody>
+      </p:sp>
+      <p:sp>
+        <p:nvSpPr>
+          <p:cNvPr id="97" name="TextBox 96"/>
+          <p:cNvSpPr txBox="1"/>
+          <p:nvPr/>
+        </p:nvSpPr>
+        <p:spPr>
+          <a:xfrm>
+            <a:off x="2512182" y="587025"/>
+            <a:ext cx="797902" cy="646331"/>
+          </a:xfrm>
+          <a:prstGeom prst="rect">
+            <a:avLst/>
+          </a:prstGeom>
+          <a:noFill/>
+        </p:spPr>
+        <p:txBody>
+          <a:bodyPr wrap="square" rtlCol="0">
+            <a:spAutoFit/>
+          </a:bodyPr>
+          <a:lstStyle/>
+          <a:p>
+            <a:r>
+              <a:rPr lang="en-US" sz="1200" b="1" dirty="0" smtClean="0">
+                <a:latin typeface="Open Sans Light"/>
+                <a:cs typeface="Open Sans Light"/>
+              </a:rPr>
+              <a:t>public</a:t>
+            </a:r>
+            <a:endParaRPr lang="en-US" sz="1200" b="1" dirty="0">
+              <a:latin typeface="Open Sans Light"/>
+              <a:cs typeface="Open Sans Light"/>
+            </a:endParaRPr>
+          </a:p>
+          <a:p>
+            <a:r>
+              <a:rPr lang="en-US" sz="1200" b="1" dirty="0" smtClean="0">
+                <a:latin typeface="Open Sans Light"/>
+                <a:cs typeface="Open Sans Light"/>
+              </a:rPr>
+              <a:t>DMZ</a:t>
+            </a:r>
+          </a:p>
+          <a:p>
+            <a:r>
+              <a:rPr lang="en-US" sz="1200" b="1" dirty="0" smtClean="0">
+                <a:latin typeface="Open Sans Light"/>
+                <a:cs typeface="Open Sans Light"/>
+              </a:rPr>
+              <a:t>subnet</a:t>
+            </a:r>
+            <a:endParaRPr lang="en-US" sz="1200" b="1" dirty="0" smtClean="0">
+              <a:latin typeface="Open Sans Light"/>
+              <a:cs typeface="Open Sans Light"/>
+            </a:endParaRPr>
+          </a:p>
+        </p:txBody>
+      </p:sp>
+      <p:sp>
+        <p:nvSpPr>
+          <p:cNvPr id="98" name="Rounded Rectangle 97"/>
+          <p:cNvSpPr/>
+          <p:nvPr/>
+        </p:nvSpPr>
+        <p:spPr>
+          <a:xfrm>
+            <a:off x="595052" y="396821"/>
+            <a:ext cx="1917130" cy="2298335"/>
+          </a:xfrm>
+          <a:prstGeom prst="roundRect">
+            <a:avLst>
+              <a:gd name="adj" fmla="val 9818"/>
+            </a:avLst>
+          </a:prstGeom>
+          <a:noFill/>
+          <a:ln w="6350">
+            <a:solidFill>
+              <a:schemeClr val="tx1"/>
+            </a:solidFill>
+            <a:prstDash val="solid"/>
+          </a:ln>
+          <a:effectLst/>
+        </p:spPr>
+        <p:style>
+          <a:lnRef idx="1">
+            <a:schemeClr val="accent1"/>
+          </a:lnRef>
+          <a:fillRef idx="3">
+            <a:schemeClr val="accent1"/>
+          </a:fillRef>
+          <a:effectRef idx="2">
+            <a:schemeClr val="accent1"/>
+          </a:effectRef>
+          <a:fontRef idx="minor">
+            <a:schemeClr val="lt1"/>
+          </a:fontRef>
+        </p:style>
+        <p:txBody>
+          <a:bodyPr anchor="ctr"/>
+          <a:lstStyle>
+            <a:lvl1pPr>
+              <a:defRPr>
+                <a:solidFill>
+                  <a:schemeClr val="lt1"/>
+                </a:solidFill>
+                <a:latin typeface="+mn-lt"/>
+                <a:ea typeface="+mn-ea"/>
+                <a:cs typeface="+mn-cs"/>
+              </a:defRPr>
+            </a:lvl1pPr>
+            <a:lvl2pPr>
+              <a:defRPr>
+                <a:solidFill>
+                  <a:schemeClr val="lt1"/>
+                </a:solidFill>
+                <a:latin typeface="+mn-lt"/>
+                <a:ea typeface="+mn-ea"/>
+                <a:cs typeface="+mn-cs"/>
+              </a:defRPr>
+            </a:lvl2pPr>
+            <a:lvl3pPr>
+              <a:defRPr>
+                <a:solidFill>
+                  <a:schemeClr val="lt1"/>
+                </a:solidFill>
+                <a:latin typeface="+mn-lt"/>
+                <a:ea typeface="+mn-ea"/>
+                <a:cs typeface="+mn-cs"/>
+              </a:defRPr>
+            </a:lvl3pPr>
+            <a:lvl4pPr>
+              <a:defRPr>
+                <a:solidFill>
+                  <a:schemeClr val="lt1"/>
+                </a:solidFill>
+                <a:latin typeface="+mn-lt"/>
+                <a:ea typeface="+mn-ea"/>
+                <a:cs typeface="+mn-cs"/>
+              </a:defRPr>
+            </a:lvl4pPr>
+            <a:lvl5pPr>
+              <a:defRPr>
+                <a:solidFill>
+                  <a:schemeClr val="lt1"/>
+                </a:solidFill>
+                <a:latin typeface="+mn-lt"/>
+                <a:ea typeface="+mn-ea"/>
+                <a:cs typeface="+mn-cs"/>
+              </a:defRPr>
+            </a:lvl5pPr>
+            <a:lvl6pPr>
+              <a:defRPr>
+                <a:solidFill>
+                  <a:schemeClr val="lt1"/>
+                </a:solidFill>
+                <a:latin typeface="+mn-lt"/>
+                <a:ea typeface="+mn-ea"/>
+                <a:cs typeface="+mn-cs"/>
+              </a:defRPr>
+            </a:lvl6pPr>
+            <a:lvl7pPr>
+              <a:defRPr>
+                <a:solidFill>
+                  <a:schemeClr val="lt1"/>
+                </a:solidFill>
+                <a:latin typeface="+mn-lt"/>
+                <a:ea typeface="+mn-ea"/>
+                <a:cs typeface="+mn-cs"/>
+              </a:defRPr>
+            </a:lvl7pPr>
+            <a:lvl8pPr>
+              <a:defRPr>
+                <a:solidFill>
+                  <a:schemeClr val="lt1"/>
+                </a:solidFill>
+                <a:latin typeface="+mn-lt"/>
+                <a:ea typeface="+mn-ea"/>
+                <a:cs typeface="+mn-cs"/>
+              </a:defRPr>
+            </a:lvl8pPr>
+            <a:lvl9pPr>
+              <a:defRPr>
+                <a:solidFill>
+                  <a:schemeClr val="lt1"/>
+                </a:solidFill>
+                <a:latin typeface="+mn-lt"/>
+                <a:ea typeface="+mn-ea"/>
+                <a:cs typeface="+mn-cs"/>
+              </a:defRPr>
+            </a:lvl9pPr>
+          </a:lstStyle>
+          <a:p>
+            <a:pPr algn="ctr" fontAlgn="auto">
+              <a:spcBef>
+                <a:spcPts val="0"/>
+              </a:spcBef>
+              <a:spcAft>
+                <a:spcPts val="0"/>
+              </a:spcAft>
+              <a:defRPr/>
+            </a:pPr>
+            <a:endParaRPr lang="en-US" kern="1200" dirty="0">
+              <a:solidFill>
+                <a:schemeClr val="tx1"/>
+              </a:solidFill>
+              <a:latin typeface="Helvetica Neue"/>
+              <a:cs typeface="Helvetica Neue"/>
+            </a:endParaRPr>
+          </a:p>
+        </p:txBody>
+      </p:sp>
+      <p:pic>
+        <p:nvPicPr>
+          <p:cNvPr id="99" name="Picture 98"/>
+          <p:cNvPicPr>
+            <a:picLocks noChangeAspect="1"/>
+          </p:cNvPicPr>
+          <p:nvPr/>
+        </p:nvPicPr>
+        <p:blipFill>
+          <a:blip r:embed="rId3">
+            <a:extLst>
+              <a:ext uri="{28A0092B-C50C-407E-A947-70E740481C1C}">
+                <a14:useLocalDpi xmlns:a14="http://schemas.microsoft.com/office/drawing/2010/main" val="0"/>
+              </a:ext>
+            </a:extLst>
+          </a:blip>
+          <a:stretch>
+            <a:fillRect/>
+          </a:stretch>
+        </p:blipFill>
+        <p:spPr>
+          <a:xfrm>
+            <a:off x="1033998" y="1550755"/>
+            <a:ext cx="1052372" cy="365463"/>
+          </a:xfrm>
+          <a:prstGeom prst="rect">
+            <a:avLst/>
+          </a:prstGeom>
+        </p:spPr>
+      </p:pic>
+      <p:grpSp>
+        <p:nvGrpSpPr>
+          <p:cNvPr id="103" name="Group 102"/>
+          <p:cNvGrpSpPr/>
+          <p:nvPr/>
+        </p:nvGrpSpPr>
+        <p:grpSpPr>
+          <a:xfrm>
+            <a:off x="878910" y="1463588"/>
+            <a:ext cx="1314682" cy="737797"/>
+            <a:chOff x="6743700" y="760413"/>
+            <a:chExt cx="1752600" cy="1733550"/>
+          </a:xfrm>
+        </p:grpSpPr>
+        <p:grpSp>
+          <p:nvGrpSpPr>
+            <p:cNvPr id="104" name="Group 103"/>
+            <p:cNvGrpSpPr>
+              <a:grpSpLocks/>
+            </p:cNvGrpSpPr>
+            <p:nvPr/>
+          </p:nvGrpSpPr>
+          <p:grpSpPr bwMode="auto">
+            <a:xfrm>
+              <a:off x="6743700" y="760413"/>
+              <a:ext cx="1752600" cy="1733550"/>
+              <a:chOff x="545458" y="4783771"/>
+              <a:chExt cx="2293787" cy="1733798"/>
+            </a:xfrm>
+          </p:grpSpPr>
+          <p:sp>
+            <p:nvSpPr>
+              <p:cNvPr id="108" name="Rounded Rectangle 107"/>
+              <p:cNvSpPr/>
+              <p:nvPr/>
+            </p:nvSpPr>
+            <p:spPr>
+              <a:xfrm>
+                <a:off x="545458" y="4783771"/>
+                <a:ext cx="2293787" cy="1733798"/>
+              </a:xfrm>
+              <a:prstGeom prst="roundRect">
+                <a:avLst>
+                  <a:gd name="adj" fmla="val 9818"/>
+                </a:avLst>
+              </a:prstGeom>
+              <a:noFill/>
+              <a:ln w="19050">
+                <a:solidFill>
+                  <a:schemeClr val="tx1"/>
+                </a:solidFill>
+                <a:prstDash val="solid"/>
+              </a:ln>
+              <a:effectLst/>
+            </p:spPr>
+            <p:style>
+              <a:lnRef idx="1">
+                <a:schemeClr val="accent1"/>
+              </a:lnRef>
+              <a:fillRef idx="3">
+                <a:schemeClr val="accent1"/>
+              </a:fillRef>
+              <a:effectRef idx="2">
+                <a:schemeClr val="accent1"/>
+              </a:effectRef>
+              <a:fontRef idx="minor">
+                <a:schemeClr val="lt1"/>
+              </a:fontRef>
+            </p:style>
+            <p:txBody>
+              <a:bodyPr anchor="ctr"/>
+              <a:lstStyle/>
+              <a:p>
+                <a:pPr algn="ctr" fontAlgn="auto">
+                  <a:spcBef>
+                    <a:spcPts val="0"/>
+                  </a:spcBef>
+                  <a:spcAft>
+                    <a:spcPts val="0"/>
+                  </a:spcAft>
+                  <a:defRPr/>
+                </a:pPr>
+                <a:endParaRPr lang="en-US" sz="1200" dirty="0">
+                  <a:solidFill>
+                    <a:schemeClr val="tx1"/>
+                  </a:solidFill>
+                  <a:latin typeface="Open Sans Light"/>
+                  <a:cs typeface="Open Sans Light"/>
+                </a:endParaRPr>
+              </a:p>
+            </p:txBody>
+          </p:sp>
+          <p:sp>
+            <p:nvSpPr>
+              <p:cNvPr id="109" name="Rounded Rectangle 108"/>
+              <p:cNvSpPr/>
+              <p:nvPr/>
+            </p:nvSpPr>
+            <p:spPr>
+              <a:xfrm>
+                <a:off x="545458" y="4783771"/>
+                <a:ext cx="2293787" cy="1733798"/>
+              </a:xfrm>
+              <a:prstGeom prst="roundRect">
+                <a:avLst>
+                  <a:gd name="adj" fmla="val 9818"/>
+                </a:avLst>
+              </a:prstGeom>
+              <a:noFill/>
+              <a:ln w="19050">
+                <a:solidFill>
+                  <a:srgbClr val="FF0000"/>
+                </a:solidFill>
+                <a:prstDash val="lgDash"/>
+              </a:ln>
+              <a:effectLst/>
+            </p:spPr>
+            <p:style>
+              <a:lnRef idx="1">
+                <a:schemeClr val="accent1"/>
+              </a:lnRef>
+              <a:fillRef idx="3">
+                <a:schemeClr val="accent1"/>
+              </a:fillRef>
+              <a:effectRef idx="2">
+                <a:schemeClr val="accent1"/>
+              </a:effectRef>
+              <a:fontRef idx="minor">
+                <a:schemeClr val="lt1"/>
+              </a:fontRef>
+            </p:style>
+            <p:txBody>
+              <a:bodyPr anchor="ctr"/>
+              <a:lstStyle/>
+              <a:p>
+                <a:pPr algn="ctr" fontAlgn="auto">
+                  <a:spcBef>
+                    <a:spcPts val="0"/>
+                  </a:spcBef>
+                  <a:spcAft>
+                    <a:spcPts val="0"/>
+                  </a:spcAft>
+                  <a:defRPr/>
+                </a:pPr>
+                <a:endParaRPr lang="en-US" sz="1200" dirty="0">
+                  <a:solidFill>
+                    <a:schemeClr val="tx1"/>
+                  </a:solidFill>
+                  <a:latin typeface="Open Sans Light"/>
+                  <a:cs typeface="Open Sans Light"/>
+                </a:endParaRPr>
+              </a:p>
+            </p:txBody>
+          </p:sp>
+        </p:grpSp>
+        <p:sp>
+          <p:nvSpPr>
+            <p:cNvPr id="107" name="TextBox 34"/>
+            <p:cNvSpPr txBox="1">
+              <a:spLocks noChangeArrowheads="1"/>
+            </p:cNvSpPr>
+            <p:nvPr/>
+          </p:nvSpPr>
+          <p:spPr bwMode="auto">
+            <a:xfrm>
+              <a:off x="6851652" y="1879021"/>
+              <a:ext cx="1555749" cy="476280"/>
+            </a:xfrm>
+            <a:prstGeom prst="rect">
+              <a:avLst/>
+            </a:prstGeom>
+            <a:noFill/>
+            <a:ln w="9525">
+              <a:noFill/>
+              <a:miter lim="800000"/>
+              <a:headEnd/>
+              <a:tailEnd/>
+            </a:ln>
+          </p:spPr>
+          <p:txBody>
+            <a:bodyPr anchor="ctr" anchorCtr="0">
+              <a:spAutoFit/>
+            </a:bodyPr>
+            <a:lstStyle/>
+            <a:p>
+              <a:pPr algn="ctr"/>
+              <a:r>
+                <a:rPr lang="en-US" sz="1200" dirty="0" smtClean="0">
+                  <a:solidFill>
+                    <a:srgbClr val="414042"/>
+                  </a:solidFill>
+                  <a:latin typeface="Open Sans Light"/>
+                  <a:ea typeface="Verdana" pitchFamily="34" charset="0"/>
+                  <a:cs typeface="Open Sans Light"/>
+                </a:rPr>
+                <a:t>security group</a:t>
+              </a:r>
+              <a:endParaRPr lang="en-US" sz="1200" dirty="0">
+                <a:solidFill>
+                  <a:srgbClr val="414042"/>
+                </a:solidFill>
+                <a:latin typeface="Open Sans Light"/>
+                <a:ea typeface="Verdana" pitchFamily="34" charset="0"/>
+                <a:cs typeface="Open Sans Light"/>
+              </a:endParaRPr>
+            </a:p>
+          </p:txBody>
+        </p:sp>
+      </p:grpSp>
+      <p:sp>
+        <p:nvSpPr>
+          <p:cNvPr id="110" name="TextBox 109"/>
+          <p:cNvSpPr txBox="1"/>
+          <p:nvPr/>
+        </p:nvSpPr>
+        <p:spPr>
+          <a:xfrm>
+            <a:off x="1101720" y="1581253"/>
+            <a:ext cx="789937" cy="276999"/>
+          </a:xfrm>
+          <a:prstGeom prst="rect">
+            <a:avLst/>
+          </a:prstGeom>
+          <a:noFill/>
+        </p:spPr>
+        <p:txBody>
+          <a:bodyPr wrap="square" rtlCol="0">
+            <a:spAutoFit/>
+          </a:bodyPr>
+          <a:lstStyle/>
+          <a:p>
+            <a:pPr algn="ctr"/>
+            <a:r>
+              <a:rPr lang="en-US" sz="1200" b="1" dirty="0" smtClean="0">
+                <a:latin typeface="Open Sans Light"/>
+                <a:cs typeface="Open Sans Light"/>
+              </a:rPr>
+              <a:t>Web app</a:t>
+            </a:r>
+            <a:endParaRPr lang="en-US" sz="1200" b="1" dirty="0">
+              <a:latin typeface="Open Sans Light"/>
+              <a:cs typeface="Open Sans Light"/>
+            </a:endParaRPr>
+          </a:p>
+        </p:txBody>
+      </p:sp>
+      <p:pic>
+        <p:nvPicPr>
+          <p:cNvPr id="111" name="Picture 110"/>
+          <p:cNvPicPr>
+            <a:picLocks noChangeAspect="1"/>
+          </p:cNvPicPr>
+          <p:nvPr/>
+        </p:nvPicPr>
+        <p:blipFill>
+          <a:blip r:embed="rId3">
+            <a:extLst>
+              <a:ext uri="{28A0092B-C50C-407E-A947-70E740481C1C}">
+                <a14:useLocalDpi xmlns:a14="http://schemas.microsoft.com/office/drawing/2010/main" val="0"/>
+              </a:ext>
+            </a:extLst>
+          </a:blip>
+          <a:stretch>
+            <a:fillRect/>
+          </a:stretch>
+        </p:blipFill>
+        <p:spPr>
+          <a:xfrm>
+            <a:off x="4285608" y="1563654"/>
+            <a:ext cx="1052372" cy="352564"/>
+          </a:xfrm>
+          <a:prstGeom prst="rect">
+            <a:avLst/>
+          </a:prstGeom>
+        </p:spPr>
+      </p:pic>
+      <p:grpSp>
+        <p:nvGrpSpPr>
+          <p:cNvPr id="112" name="Group 111"/>
+          <p:cNvGrpSpPr/>
+          <p:nvPr/>
+        </p:nvGrpSpPr>
+        <p:grpSpPr>
+          <a:xfrm>
+            <a:off x="4144032" y="1476488"/>
+            <a:ext cx="1314682" cy="724897"/>
+            <a:chOff x="6743700" y="760413"/>
+            <a:chExt cx="1752600" cy="1733550"/>
+          </a:xfrm>
+        </p:grpSpPr>
+        <p:grpSp>
+          <p:nvGrpSpPr>
+            <p:cNvPr id="113" name="Group 112"/>
+            <p:cNvGrpSpPr>
+              <a:grpSpLocks/>
+            </p:cNvGrpSpPr>
+            <p:nvPr/>
+          </p:nvGrpSpPr>
+          <p:grpSpPr bwMode="auto">
+            <a:xfrm>
+              <a:off x="6743700" y="760413"/>
+              <a:ext cx="1752600" cy="1733550"/>
+              <a:chOff x="545458" y="4783771"/>
+              <a:chExt cx="2293787" cy="1733798"/>
+            </a:xfrm>
+          </p:grpSpPr>
+          <p:sp>
+            <p:nvSpPr>
+              <p:cNvPr id="115" name="Rounded Rectangle 114"/>
+              <p:cNvSpPr/>
+              <p:nvPr/>
+            </p:nvSpPr>
+            <p:spPr>
+              <a:xfrm>
+                <a:off x="545458" y="4783771"/>
+                <a:ext cx="2293787" cy="1733798"/>
+              </a:xfrm>
+              <a:prstGeom prst="roundRect">
+                <a:avLst>
+                  <a:gd name="adj" fmla="val 9818"/>
+                </a:avLst>
+              </a:prstGeom>
+              <a:noFill/>
+              <a:ln w="19050">
+                <a:solidFill>
+                  <a:schemeClr val="tx1"/>
+                </a:solidFill>
+                <a:prstDash val="solid"/>
+              </a:ln>
+              <a:effectLst/>
+            </p:spPr>
+            <p:style>
+              <a:lnRef idx="1">
+                <a:schemeClr val="accent1"/>
+              </a:lnRef>
+              <a:fillRef idx="3">
+                <a:schemeClr val="accent1"/>
+              </a:fillRef>
+              <a:effectRef idx="2">
+                <a:schemeClr val="accent1"/>
+              </a:effectRef>
+              <a:fontRef idx="minor">
+                <a:schemeClr val="lt1"/>
+              </a:fontRef>
+            </p:style>
+            <p:txBody>
+              <a:bodyPr anchor="ctr"/>
+              <a:lstStyle/>
+              <a:p>
+                <a:pPr algn="ctr" fontAlgn="auto">
+                  <a:spcBef>
+                    <a:spcPts val="0"/>
+                  </a:spcBef>
+                  <a:spcAft>
+                    <a:spcPts val="0"/>
+                  </a:spcAft>
+                  <a:defRPr/>
+                </a:pPr>
+                <a:endParaRPr lang="en-US" sz="1200" dirty="0">
+                  <a:solidFill>
+                    <a:schemeClr val="tx1"/>
+                  </a:solidFill>
+                  <a:latin typeface="Open Sans Light"/>
+                  <a:cs typeface="Open Sans Light"/>
+                </a:endParaRPr>
+              </a:p>
+            </p:txBody>
+          </p:sp>
+          <p:sp>
+            <p:nvSpPr>
+              <p:cNvPr id="116" name="Rounded Rectangle 115"/>
+              <p:cNvSpPr/>
+              <p:nvPr/>
+            </p:nvSpPr>
+            <p:spPr>
+              <a:xfrm>
+                <a:off x="545458" y="4783771"/>
+                <a:ext cx="2293787" cy="1733798"/>
+              </a:xfrm>
+              <a:prstGeom prst="roundRect">
+                <a:avLst>
+                  <a:gd name="adj" fmla="val 9818"/>
+                </a:avLst>
+              </a:prstGeom>
+              <a:noFill/>
+              <a:ln w="19050">
+                <a:solidFill>
+                  <a:srgbClr val="FF0000"/>
+                </a:solidFill>
+                <a:prstDash val="lgDash"/>
+              </a:ln>
+              <a:effectLst/>
+            </p:spPr>
+            <p:style>
+              <a:lnRef idx="1">
+                <a:schemeClr val="accent1"/>
+              </a:lnRef>
+              <a:fillRef idx="3">
+                <a:schemeClr val="accent1"/>
+              </a:fillRef>
+              <a:effectRef idx="2">
+                <a:schemeClr val="accent1"/>
+              </a:effectRef>
+              <a:fontRef idx="minor">
+                <a:schemeClr val="lt1"/>
+              </a:fontRef>
+            </p:style>
+            <p:txBody>
+              <a:bodyPr anchor="ctr"/>
+              <a:lstStyle/>
+              <a:p>
+                <a:pPr algn="ctr" fontAlgn="auto">
+                  <a:spcBef>
+                    <a:spcPts val="0"/>
+                  </a:spcBef>
+                  <a:spcAft>
+                    <a:spcPts val="0"/>
+                  </a:spcAft>
+                  <a:defRPr/>
+                </a:pPr>
+                <a:endParaRPr lang="en-US" sz="1200" dirty="0">
+                  <a:solidFill>
+                    <a:schemeClr val="tx1"/>
+                  </a:solidFill>
+                  <a:latin typeface="Open Sans Light"/>
+                  <a:cs typeface="Open Sans Light"/>
+                </a:endParaRPr>
+              </a:p>
+            </p:txBody>
+          </p:sp>
+        </p:grpSp>
+        <p:sp>
+          <p:nvSpPr>
+            <p:cNvPr id="114" name="TextBox 34"/>
+            <p:cNvSpPr txBox="1">
+              <a:spLocks noChangeArrowheads="1"/>
+            </p:cNvSpPr>
+            <p:nvPr/>
+          </p:nvSpPr>
+          <p:spPr bwMode="auto">
+            <a:xfrm>
+              <a:off x="6851652" y="1879021"/>
+              <a:ext cx="1555749" cy="476280"/>
+            </a:xfrm>
+            <a:prstGeom prst="rect">
+              <a:avLst/>
+            </a:prstGeom>
+            <a:noFill/>
+            <a:ln w="9525">
+              <a:noFill/>
+              <a:miter lim="800000"/>
+              <a:headEnd/>
+              <a:tailEnd/>
+            </a:ln>
+          </p:spPr>
+          <p:txBody>
+            <a:bodyPr anchor="ctr" anchorCtr="0">
+              <a:spAutoFit/>
+            </a:bodyPr>
+            <a:lstStyle/>
+            <a:p>
+              <a:pPr algn="ctr"/>
+              <a:r>
+                <a:rPr lang="en-US" sz="1200" dirty="0" smtClean="0">
+                  <a:solidFill>
+                    <a:srgbClr val="414042"/>
+                  </a:solidFill>
+                  <a:latin typeface="Open Sans Light"/>
+                  <a:ea typeface="Verdana" pitchFamily="34" charset="0"/>
+                  <a:cs typeface="Open Sans Light"/>
+                </a:rPr>
+                <a:t>security group</a:t>
+              </a:r>
+              <a:endParaRPr lang="en-US" sz="1200" dirty="0">
+                <a:solidFill>
+                  <a:srgbClr val="414042"/>
+                </a:solidFill>
+                <a:latin typeface="Open Sans Light"/>
+                <a:ea typeface="Verdana" pitchFamily="34" charset="0"/>
+                <a:cs typeface="Open Sans Light"/>
+              </a:endParaRPr>
+            </a:p>
+          </p:txBody>
+        </p:sp>
+      </p:grpSp>
+      <p:sp>
+        <p:nvSpPr>
+          <p:cNvPr id="117" name="TextBox 116"/>
+          <p:cNvSpPr txBox="1"/>
+          <p:nvPr/>
+        </p:nvSpPr>
+        <p:spPr>
+          <a:xfrm>
+            <a:off x="4361080" y="1580642"/>
+            <a:ext cx="789937" cy="276999"/>
+          </a:xfrm>
+          <a:prstGeom prst="rect">
+            <a:avLst/>
+          </a:prstGeom>
+          <a:noFill/>
+        </p:spPr>
+        <p:txBody>
+          <a:bodyPr wrap="square" rtlCol="0">
+            <a:spAutoFit/>
+          </a:bodyPr>
+          <a:lstStyle/>
+          <a:p>
+            <a:pPr algn="ctr"/>
+            <a:r>
+              <a:rPr lang="en-US" sz="1200" b="1" dirty="0" smtClean="0">
+                <a:latin typeface="Open Sans Light"/>
+                <a:cs typeface="Open Sans Light"/>
+              </a:rPr>
+              <a:t>svc</a:t>
+            </a:r>
+            <a:endParaRPr lang="en-US" sz="1200" b="1" dirty="0">
+              <a:latin typeface="Open Sans Light"/>
+              <a:cs typeface="Open Sans Light"/>
+            </a:endParaRPr>
+          </a:p>
+        </p:txBody>
+      </p:sp>
+      <p:sp>
+        <p:nvSpPr>
+          <p:cNvPr id="118" name="Rounded Rectangle 117"/>
+          <p:cNvSpPr/>
+          <p:nvPr/>
+        </p:nvSpPr>
+        <p:spPr>
+          <a:xfrm>
+            <a:off x="3864940" y="406429"/>
+            <a:ext cx="1917130" cy="2298335"/>
+          </a:xfrm>
+          <a:prstGeom prst="roundRect">
+            <a:avLst>
+              <a:gd name="adj" fmla="val 9818"/>
+            </a:avLst>
+          </a:prstGeom>
+          <a:noFill/>
+          <a:ln w="6350">
+            <a:solidFill>
+              <a:schemeClr val="tx1"/>
+            </a:solidFill>
+            <a:prstDash val="solid"/>
+          </a:ln>
+          <a:effectLst/>
+        </p:spPr>
+        <p:style>
+          <a:lnRef idx="1">
+            <a:schemeClr val="accent1"/>
+          </a:lnRef>
+          <a:fillRef idx="3">
+            <a:schemeClr val="accent1"/>
+          </a:fillRef>
+          <a:effectRef idx="2">
+            <a:schemeClr val="accent1"/>
+          </a:effectRef>
+          <a:fontRef idx="minor">
+            <a:schemeClr val="lt1"/>
+          </a:fontRef>
+        </p:style>
+        <p:txBody>
+          <a:bodyPr anchor="ctr"/>
+          <a:lstStyle>
+            <a:lvl1pPr>
+              <a:defRPr>
+                <a:solidFill>
+                  <a:schemeClr val="lt1"/>
+                </a:solidFill>
+                <a:latin typeface="+mn-lt"/>
+                <a:ea typeface="+mn-ea"/>
+                <a:cs typeface="+mn-cs"/>
+              </a:defRPr>
+            </a:lvl1pPr>
+            <a:lvl2pPr>
+              <a:defRPr>
+                <a:solidFill>
+                  <a:schemeClr val="lt1"/>
+                </a:solidFill>
+                <a:latin typeface="+mn-lt"/>
+                <a:ea typeface="+mn-ea"/>
+                <a:cs typeface="+mn-cs"/>
+              </a:defRPr>
+            </a:lvl2pPr>
+            <a:lvl3pPr>
+              <a:defRPr>
+                <a:solidFill>
+                  <a:schemeClr val="lt1"/>
+                </a:solidFill>
+                <a:latin typeface="+mn-lt"/>
+                <a:ea typeface="+mn-ea"/>
+                <a:cs typeface="+mn-cs"/>
+              </a:defRPr>
+            </a:lvl3pPr>
+            <a:lvl4pPr>
+              <a:defRPr>
+                <a:solidFill>
+                  <a:schemeClr val="lt1"/>
+                </a:solidFill>
+                <a:latin typeface="+mn-lt"/>
+                <a:ea typeface="+mn-ea"/>
+                <a:cs typeface="+mn-cs"/>
+              </a:defRPr>
+            </a:lvl4pPr>
+            <a:lvl5pPr>
+              <a:defRPr>
+                <a:solidFill>
+                  <a:schemeClr val="lt1"/>
+                </a:solidFill>
+                <a:latin typeface="+mn-lt"/>
+                <a:ea typeface="+mn-ea"/>
+                <a:cs typeface="+mn-cs"/>
+              </a:defRPr>
+            </a:lvl5pPr>
+            <a:lvl6pPr>
+              <a:defRPr>
+                <a:solidFill>
+                  <a:schemeClr val="lt1"/>
+                </a:solidFill>
+                <a:latin typeface="+mn-lt"/>
+                <a:ea typeface="+mn-ea"/>
+                <a:cs typeface="+mn-cs"/>
+              </a:defRPr>
+            </a:lvl6pPr>
+            <a:lvl7pPr>
+              <a:defRPr>
+                <a:solidFill>
+                  <a:schemeClr val="lt1"/>
+                </a:solidFill>
+                <a:latin typeface="+mn-lt"/>
+                <a:ea typeface="+mn-ea"/>
+                <a:cs typeface="+mn-cs"/>
+              </a:defRPr>
+            </a:lvl7pPr>
+            <a:lvl8pPr>
+              <a:defRPr>
+                <a:solidFill>
+                  <a:schemeClr val="lt1"/>
+                </a:solidFill>
+                <a:latin typeface="+mn-lt"/>
+                <a:ea typeface="+mn-ea"/>
+                <a:cs typeface="+mn-cs"/>
+              </a:defRPr>
+            </a:lvl8pPr>
+            <a:lvl9pPr>
+              <a:defRPr>
+                <a:solidFill>
+                  <a:schemeClr val="lt1"/>
+                </a:solidFill>
+                <a:latin typeface="+mn-lt"/>
+                <a:ea typeface="+mn-ea"/>
+                <a:cs typeface="+mn-cs"/>
+              </a:defRPr>
+            </a:lvl9pPr>
+          </a:lstStyle>
+          <a:p>
+            <a:pPr algn="ctr" fontAlgn="auto">
+              <a:spcBef>
+                <a:spcPts val="0"/>
+              </a:spcBef>
+              <a:spcAft>
+                <a:spcPts val="0"/>
+              </a:spcAft>
+              <a:defRPr/>
+            </a:pPr>
+            <a:endParaRPr lang="en-US" kern="1200" dirty="0">
+              <a:solidFill>
+                <a:schemeClr val="tx1"/>
+              </a:solidFill>
+              <a:latin typeface="Helvetica Neue"/>
+              <a:cs typeface="Helvetica Neue"/>
+            </a:endParaRPr>
+          </a:p>
+        </p:txBody>
+      </p:sp>
+      <p:sp>
+        <p:nvSpPr>
+          <p:cNvPr id="119" name="TextBox 118"/>
+          <p:cNvSpPr txBox="1"/>
+          <p:nvPr/>
+        </p:nvSpPr>
+        <p:spPr>
+          <a:xfrm>
+            <a:off x="3183298" y="587025"/>
+            <a:ext cx="705299" cy="646331"/>
+          </a:xfrm>
+          <a:prstGeom prst="rect">
+            <a:avLst/>
+          </a:prstGeom>
+          <a:noFill/>
+        </p:spPr>
+        <p:txBody>
+          <a:bodyPr wrap="square" rtlCol="0">
+            <a:spAutoFit/>
+          </a:bodyPr>
+          <a:lstStyle/>
+          <a:p>
+            <a:pPr algn="r"/>
+            <a:r>
+              <a:rPr lang="en-US" sz="1200" b="1" dirty="0" smtClean="0">
+                <a:latin typeface="Open Sans Light"/>
+                <a:cs typeface="Open Sans Light"/>
+              </a:rPr>
+              <a:t>private</a:t>
+            </a:r>
+            <a:r>
+              <a:rPr lang="en-US" sz="1200" b="1" dirty="0">
+                <a:latin typeface="Open Sans Light"/>
+                <a:cs typeface="Open Sans Light"/>
+              </a:rPr>
+              <a:t/>
+            </a:r>
+            <a:br>
+              <a:rPr lang="en-US" sz="1200" b="1" dirty="0">
+                <a:latin typeface="Open Sans Light"/>
+                <a:cs typeface="Open Sans Light"/>
+              </a:rPr>
+            </a:br>
+            <a:r>
+              <a:rPr lang="en-US" sz="1200" b="1" dirty="0" smtClean="0">
+                <a:latin typeface="Open Sans Light"/>
+                <a:cs typeface="Open Sans Light"/>
+              </a:rPr>
+              <a:t>subnet</a:t>
+            </a:r>
+            <a:endParaRPr lang="en-US" sz="1200" b="1" dirty="0">
+              <a:latin typeface="Open Sans Light"/>
+              <a:cs typeface="Open Sans Light"/>
+            </a:endParaRPr>
+          </a:p>
+          <a:p>
+            <a:pPr algn="r"/>
+            <a:r>
+              <a:rPr lang="en-US" sz="1200" b="1" dirty="0">
+                <a:latin typeface="Open Sans Light"/>
+                <a:cs typeface="Open Sans Light"/>
+              </a:rPr>
+              <a:t>2</a:t>
+            </a:r>
+            <a:endParaRPr lang="en-US" sz="1200" b="1" dirty="0" smtClean="0">
+              <a:latin typeface="Open Sans Light"/>
+              <a:cs typeface="Open Sans Light"/>
+            </a:endParaRPr>
+          </a:p>
+        </p:txBody>
+      </p:sp>
+      <p:pic>
+        <p:nvPicPr>
+          <p:cNvPr id="120" name="Picture 119"/>
+          <p:cNvPicPr>
+            <a:picLocks noChangeAspect="1"/>
+          </p:cNvPicPr>
+          <p:nvPr/>
+        </p:nvPicPr>
+        <p:blipFill>
+          <a:blip r:embed="rId5"/>
+          <a:stretch>
+            <a:fillRect/>
+          </a:stretch>
+        </p:blipFill>
+        <p:spPr>
+          <a:xfrm>
+            <a:off x="3756990" y="356802"/>
+            <a:ext cx="215900" cy="241300"/>
+          </a:xfrm>
+          <a:prstGeom prst="rect">
+            <a:avLst/>
+          </a:prstGeom>
+        </p:spPr>
+      </p:pic>
+      <p:cxnSp>
+        <p:nvCxnSpPr>
+          <p:cNvPr id="121" name="Straight Connector 120"/>
+          <p:cNvCxnSpPr>
+            <a:stCxn id="87" idx="3"/>
+          </p:cNvCxnSpPr>
+          <p:nvPr/>
+        </p:nvCxnSpPr>
+        <p:spPr>
+          <a:xfrm flipV="1">
+            <a:off x="5649035" y="1520086"/>
+            <a:ext cx="410534" cy="12899"/>
+          </a:xfrm>
+          <a:prstGeom prst="line">
+            <a:avLst/>
+          </a:prstGeom>
+          <a:ln>
+            <a:solidFill>
+              <a:srgbClr val="414042"/>
+            </a:solidFill>
+            <a:tailEnd type="triangle" w="lg" len="lg"/>
+          </a:ln>
+          <a:effectLst/>
+        </p:spPr>
+        <p:style>
+          <a:lnRef idx="2">
+            <a:schemeClr val="accent1"/>
+          </a:lnRef>
+          <a:fillRef idx="0">
+            <a:schemeClr val="accent1"/>
+          </a:fillRef>
+          <a:effectRef idx="1">
+            <a:schemeClr val="accent1"/>
+          </a:effectRef>
+          <a:fontRef idx="minor">
+            <a:schemeClr val="tx1"/>
+          </a:fontRef>
+        </p:style>
+      </p:cxnSp>
+      <p:cxnSp>
+        <p:nvCxnSpPr>
+          <p:cNvPr id="122" name="Straight Connector 121"/>
+          <p:cNvCxnSpPr>
+            <a:stCxn id="83" idx="3"/>
+            <a:endCxn id="90" idx="1"/>
+          </p:cNvCxnSpPr>
+          <p:nvPr/>
+        </p:nvCxnSpPr>
+        <p:spPr>
+          <a:xfrm flipV="1">
+            <a:off x="3423589" y="933594"/>
+            <a:ext cx="863177" cy="1092986"/>
+          </a:xfrm>
+          <a:prstGeom prst="line">
+            <a:avLst/>
+          </a:prstGeom>
+          <a:ln>
+            <a:solidFill>
+              <a:srgbClr val="414042"/>
+            </a:solidFill>
+            <a:tailEnd type="triangle" w="lg" len="lg"/>
+          </a:ln>
+          <a:effectLst/>
+        </p:spPr>
+        <p:style>
+          <a:lnRef idx="2">
+            <a:schemeClr val="accent1"/>
+          </a:lnRef>
+          <a:fillRef idx="0">
+            <a:schemeClr val="accent1"/>
+          </a:fillRef>
+          <a:effectRef idx="1">
+            <a:schemeClr val="accent1"/>
+          </a:effectRef>
+          <a:fontRef idx="minor">
+            <a:schemeClr val="tx1"/>
+          </a:fontRef>
+        </p:style>
+      </p:cxnSp>
+      <p:sp>
+        <p:nvSpPr>
+          <p:cNvPr id="123" name="TextBox 122"/>
+          <p:cNvSpPr txBox="1"/>
+          <p:nvPr/>
+        </p:nvSpPr>
+        <p:spPr>
+          <a:xfrm>
+            <a:off x="2759037" y="356838"/>
+            <a:ext cx="797902" cy="276999"/>
+          </a:xfrm>
+          <a:prstGeom prst="rect">
+            <a:avLst/>
+          </a:prstGeom>
+          <a:noFill/>
+        </p:spPr>
+        <p:txBody>
+          <a:bodyPr wrap="square" rtlCol="0">
+            <a:spAutoFit/>
+          </a:bodyPr>
+          <a:lstStyle/>
+          <a:p>
+            <a:r>
+              <a:rPr lang="en-US" sz="1200" b="1" dirty="0" smtClean="0">
+                <a:latin typeface="Open Sans Light"/>
+                <a:cs typeface="Open Sans Light"/>
+              </a:rPr>
+              <a:t>routing:</a:t>
+            </a:r>
+            <a:endParaRPr lang="en-US" sz="1200" b="1" dirty="0">
+              <a:latin typeface="Open Sans Light"/>
+              <a:cs typeface="Open Sans Light"/>
+            </a:endParaRPr>
+          </a:p>
+        </p:txBody>
+      </p:sp>
+      <p:pic>
+        <p:nvPicPr>
+          <p:cNvPr id="124" name="Picture 123"/>
+          <p:cNvPicPr>
+            <a:picLocks noChangeAspect="1"/>
+          </p:cNvPicPr>
+          <p:nvPr/>
+        </p:nvPicPr>
+        <p:blipFill>
+          <a:blip r:embed="rId5"/>
+          <a:stretch>
+            <a:fillRect/>
+          </a:stretch>
+        </p:blipFill>
+        <p:spPr>
+          <a:xfrm>
+            <a:off x="2416362" y="356802"/>
+            <a:ext cx="215900" cy="241300"/>
+          </a:xfrm>
+          <a:prstGeom prst="rect">
+            <a:avLst/>
+          </a:prstGeom>
+        </p:spPr>
+      </p:pic>
+      <p:grpSp>
+        <p:nvGrpSpPr>
+          <p:cNvPr id="125" name="Group 124"/>
+          <p:cNvGrpSpPr/>
+          <p:nvPr/>
+        </p:nvGrpSpPr>
+        <p:grpSpPr>
+          <a:xfrm>
+            <a:off x="6259520" y="2666532"/>
+            <a:ext cx="1645197" cy="2032263"/>
+            <a:chOff x="463550" y="760414"/>
+            <a:chExt cx="1709738" cy="1642217"/>
+          </a:xfrm>
+        </p:grpSpPr>
+        <p:sp>
+          <p:nvSpPr>
+            <p:cNvPr id="126" name="Rounded Rectangle 125"/>
+            <p:cNvSpPr/>
+            <p:nvPr/>
+          </p:nvSpPr>
+          <p:spPr>
+            <a:xfrm>
+              <a:off x="463550" y="760414"/>
+              <a:ext cx="1709738" cy="1642217"/>
+            </a:xfrm>
+            <a:prstGeom prst="roundRect">
+              <a:avLst>
+                <a:gd name="adj" fmla="val 9818"/>
+              </a:avLst>
+            </a:prstGeom>
+            <a:noFill/>
+            <a:ln w="19050">
+              <a:solidFill>
+                <a:schemeClr val="tx1"/>
+              </a:solidFill>
+              <a:prstDash val="lgDashDot"/>
+            </a:ln>
+            <a:effectLst/>
+          </p:spPr>
+          <p:style>
+            <a:lnRef idx="1">
+              <a:schemeClr val="accent1"/>
+            </a:lnRef>
+            <a:fillRef idx="3">
+              <a:schemeClr val="accent1"/>
+            </a:fillRef>
+            <a:effectRef idx="2">
+              <a:schemeClr val="accent1"/>
+            </a:effectRef>
+            <a:fontRef idx="minor">
+              <a:schemeClr val="lt1"/>
+            </a:fontRef>
+          </p:style>
+          <p:txBody>
+            <a:bodyPr anchor="ctr"/>
+            <a:lstStyle/>
+            <a:p>
+              <a:pPr algn="ctr" fontAlgn="auto">
+                <a:spcBef>
+                  <a:spcPts val="0"/>
+                </a:spcBef>
+                <a:spcAft>
+                  <a:spcPts val="0"/>
+                </a:spcAft>
+                <a:defRPr/>
+              </a:pPr>
+              <a:endParaRPr lang="en-US" sz="1200" dirty="0">
+                <a:solidFill>
+                  <a:schemeClr val="tx1"/>
+                </a:solidFill>
+                <a:latin typeface="Open Sans Light"/>
+                <a:cs typeface="Open Sans Light"/>
+              </a:endParaRPr>
+            </a:p>
+          </p:txBody>
+        </p:sp>
+        <p:sp>
+          <p:nvSpPr>
+            <p:cNvPr id="127" name="TextBox 31"/>
+            <p:cNvSpPr txBox="1">
+              <a:spLocks noChangeArrowheads="1"/>
+            </p:cNvSpPr>
+            <p:nvPr/>
+          </p:nvSpPr>
+          <p:spPr bwMode="auto">
+            <a:xfrm>
+              <a:off x="546099" y="2193392"/>
+              <a:ext cx="1627188" cy="172970"/>
+            </a:xfrm>
+            <a:prstGeom prst="rect">
+              <a:avLst/>
+            </a:prstGeom>
+            <a:noFill/>
+            <a:ln w="9525">
+              <a:noFill/>
+              <a:miter lim="800000"/>
+              <a:headEnd/>
+              <a:tailEnd/>
+            </a:ln>
+          </p:spPr>
+          <p:txBody>
+            <a:bodyPr wrap="square">
+              <a:spAutoFit/>
+            </a:bodyPr>
+            <a:lstStyle/>
+            <a:p>
+              <a:pPr algn="ctr"/>
+              <a:r>
+                <a:rPr lang="en-US" sz="1200" b="1" dirty="0" smtClean="0">
+                  <a:solidFill>
+                    <a:srgbClr val="414042"/>
+                  </a:solidFill>
+                  <a:latin typeface="Open Sans Light"/>
+                  <a:ea typeface="Verdana" pitchFamily="34" charset="0"/>
+                  <a:cs typeface="Open Sans Light"/>
+                </a:rPr>
+                <a:t>Auto Scaling group</a:t>
+              </a:r>
+              <a:endParaRPr lang="en-US" sz="1200" b="1" dirty="0">
+                <a:solidFill>
+                  <a:srgbClr val="414042"/>
+                </a:solidFill>
+                <a:latin typeface="Open Sans Light"/>
+                <a:ea typeface="Verdana" pitchFamily="34" charset="0"/>
+                <a:cs typeface="Open Sans Light"/>
+              </a:endParaRPr>
+            </a:p>
+          </p:txBody>
+        </p:sp>
+      </p:grpSp>
+      <p:pic>
+        <p:nvPicPr>
+          <p:cNvPr id="128" name="Picture 127"/>
+          <p:cNvPicPr>
+            <a:picLocks noChangeAspect="1"/>
+          </p:cNvPicPr>
+          <p:nvPr/>
+        </p:nvPicPr>
+        <p:blipFill>
+          <a:blip r:embed="rId3">
+            <a:extLst>
+              <a:ext uri="{28A0092B-C50C-407E-A947-70E740481C1C}">
+                <a14:useLocalDpi xmlns:a14="http://schemas.microsoft.com/office/drawing/2010/main" val="0"/>
+              </a:ext>
+            </a:extLst>
+          </a:blip>
+          <a:stretch>
+            <a:fillRect/>
+          </a:stretch>
+        </p:blipFill>
+        <p:spPr>
+          <a:xfrm>
+            <a:off x="6542448" y="2906991"/>
+            <a:ext cx="1052372" cy="352564"/>
+          </a:xfrm>
+          <a:prstGeom prst="rect">
+            <a:avLst/>
+          </a:prstGeom>
+        </p:spPr>
+      </p:pic>
+      <p:grpSp>
+        <p:nvGrpSpPr>
+          <p:cNvPr id="129" name="Group 128"/>
+          <p:cNvGrpSpPr/>
+          <p:nvPr/>
+        </p:nvGrpSpPr>
+        <p:grpSpPr>
+          <a:xfrm>
+            <a:off x="6400872" y="2819825"/>
+            <a:ext cx="1314682" cy="713029"/>
+            <a:chOff x="6743700" y="760413"/>
+            <a:chExt cx="1752600" cy="1733550"/>
+          </a:xfrm>
+        </p:grpSpPr>
+        <p:grpSp>
+          <p:nvGrpSpPr>
+            <p:cNvPr id="130" name="Group 129"/>
+            <p:cNvGrpSpPr>
+              <a:grpSpLocks/>
+            </p:cNvGrpSpPr>
+            <p:nvPr/>
+          </p:nvGrpSpPr>
+          <p:grpSpPr bwMode="auto">
+            <a:xfrm>
+              <a:off x="6743700" y="760413"/>
+              <a:ext cx="1752600" cy="1733550"/>
+              <a:chOff x="545458" y="4783771"/>
+              <a:chExt cx="2293787" cy="1733798"/>
+            </a:xfrm>
+          </p:grpSpPr>
+          <p:sp>
+            <p:nvSpPr>
+              <p:cNvPr id="132" name="Rounded Rectangle 131"/>
+              <p:cNvSpPr/>
+              <p:nvPr/>
+            </p:nvSpPr>
+            <p:spPr>
+              <a:xfrm>
+                <a:off x="545458" y="4783771"/>
+                <a:ext cx="2293787" cy="1733798"/>
+              </a:xfrm>
+              <a:prstGeom prst="roundRect">
+                <a:avLst>
+                  <a:gd name="adj" fmla="val 9818"/>
+                </a:avLst>
+              </a:prstGeom>
+              <a:noFill/>
+              <a:ln w="19050">
+                <a:solidFill>
+                  <a:schemeClr val="tx1"/>
+                </a:solidFill>
+                <a:prstDash val="solid"/>
+              </a:ln>
+              <a:effectLst/>
+            </p:spPr>
+            <p:style>
+              <a:lnRef idx="1">
+                <a:schemeClr val="accent1"/>
+              </a:lnRef>
+              <a:fillRef idx="3">
+                <a:schemeClr val="accent1"/>
+              </a:fillRef>
+              <a:effectRef idx="2">
+                <a:schemeClr val="accent1"/>
+              </a:effectRef>
+              <a:fontRef idx="minor">
+                <a:schemeClr val="lt1"/>
+              </a:fontRef>
+            </p:style>
+            <p:txBody>
+              <a:bodyPr anchor="ctr"/>
+              <a:lstStyle/>
+              <a:p>
+                <a:pPr algn="ctr" fontAlgn="auto">
+                  <a:spcBef>
+                    <a:spcPts val="0"/>
+                  </a:spcBef>
+                  <a:spcAft>
+                    <a:spcPts val="0"/>
+                  </a:spcAft>
+                  <a:defRPr/>
+                </a:pPr>
+                <a:endParaRPr lang="en-US" sz="1200" dirty="0">
+                  <a:solidFill>
+                    <a:schemeClr val="tx1"/>
+                  </a:solidFill>
+                  <a:latin typeface="Open Sans Light"/>
+                  <a:cs typeface="Open Sans Light"/>
+                </a:endParaRPr>
+              </a:p>
+            </p:txBody>
+          </p:sp>
+          <p:sp>
+            <p:nvSpPr>
+              <p:cNvPr id="133" name="Rounded Rectangle 132"/>
+              <p:cNvSpPr/>
+              <p:nvPr/>
+            </p:nvSpPr>
+            <p:spPr>
+              <a:xfrm>
+                <a:off x="545458" y="4783771"/>
+                <a:ext cx="2293787" cy="1733798"/>
+              </a:xfrm>
+              <a:prstGeom prst="roundRect">
+                <a:avLst>
+                  <a:gd name="adj" fmla="val 9818"/>
+                </a:avLst>
+              </a:prstGeom>
+              <a:noFill/>
+              <a:ln w="19050">
+                <a:solidFill>
+                  <a:srgbClr val="FF0000"/>
+                </a:solidFill>
+                <a:prstDash val="lgDash"/>
+              </a:ln>
+              <a:effectLst/>
+            </p:spPr>
+            <p:style>
+              <a:lnRef idx="1">
+                <a:schemeClr val="accent1"/>
+              </a:lnRef>
+              <a:fillRef idx="3">
+                <a:schemeClr val="accent1"/>
+              </a:fillRef>
+              <a:effectRef idx="2">
+                <a:schemeClr val="accent1"/>
+              </a:effectRef>
+              <a:fontRef idx="minor">
+                <a:schemeClr val="lt1"/>
+              </a:fontRef>
+            </p:style>
+            <p:txBody>
+              <a:bodyPr anchor="ctr"/>
+              <a:lstStyle/>
+              <a:p>
+                <a:pPr algn="ctr" fontAlgn="auto">
+                  <a:spcBef>
+                    <a:spcPts val="0"/>
+                  </a:spcBef>
+                  <a:spcAft>
+                    <a:spcPts val="0"/>
+                  </a:spcAft>
+                  <a:defRPr/>
+                </a:pPr>
+                <a:endParaRPr lang="en-US" sz="1200" dirty="0">
+                  <a:solidFill>
+                    <a:schemeClr val="tx1"/>
+                  </a:solidFill>
+                  <a:latin typeface="Open Sans Light"/>
+                  <a:cs typeface="Open Sans Light"/>
+                </a:endParaRPr>
+              </a:p>
+            </p:txBody>
+          </p:sp>
+        </p:grpSp>
+        <p:sp>
+          <p:nvSpPr>
+            <p:cNvPr id="131" name="TextBox 34"/>
+            <p:cNvSpPr txBox="1">
+              <a:spLocks noChangeArrowheads="1"/>
+            </p:cNvSpPr>
+            <p:nvPr/>
+          </p:nvSpPr>
+          <p:spPr bwMode="auto">
+            <a:xfrm>
+              <a:off x="6851652" y="1879021"/>
+              <a:ext cx="1555749" cy="476280"/>
+            </a:xfrm>
+            <a:prstGeom prst="rect">
+              <a:avLst/>
+            </a:prstGeom>
+            <a:noFill/>
+            <a:ln w="9525">
+              <a:noFill/>
+              <a:miter lim="800000"/>
+              <a:headEnd/>
+              <a:tailEnd/>
+            </a:ln>
+          </p:spPr>
+          <p:txBody>
+            <a:bodyPr anchor="ctr" anchorCtr="0">
+              <a:spAutoFit/>
+            </a:bodyPr>
+            <a:lstStyle/>
+            <a:p>
+              <a:pPr algn="ctr"/>
+              <a:r>
+                <a:rPr lang="en-US" sz="1200" dirty="0" smtClean="0">
+                  <a:solidFill>
+                    <a:srgbClr val="414042"/>
+                  </a:solidFill>
+                  <a:latin typeface="Open Sans Light"/>
+                  <a:ea typeface="Verdana" pitchFamily="34" charset="0"/>
+                  <a:cs typeface="Open Sans Light"/>
+                </a:rPr>
+                <a:t>security group</a:t>
+              </a:r>
+              <a:endParaRPr lang="en-US" sz="1200" dirty="0">
+                <a:solidFill>
+                  <a:srgbClr val="414042"/>
+                </a:solidFill>
+                <a:latin typeface="Open Sans Light"/>
+                <a:ea typeface="Verdana" pitchFamily="34" charset="0"/>
+                <a:cs typeface="Open Sans Light"/>
+              </a:endParaRPr>
+            </a:p>
+          </p:txBody>
+        </p:sp>
+      </p:grpSp>
+      <p:sp>
+        <p:nvSpPr>
+          <p:cNvPr id="134" name="TextBox 133"/>
+          <p:cNvSpPr txBox="1"/>
+          <p:nvPr/>
+        </p:nvSpPr>
+        <p:spPr>
+          <a:xfrm>
+            <a:off x="6617920" y="2923979"/>
+            <a:ext cx="789937" cy="276999"/>
+          </a:xfrm>
+          <a:prstGeom prst="rect">
+            <a:avLst/>
+          </a:prstGeom>
+          <a:noFill/>
+        </p:spPr>
+        <p:txBody>
+          <a:bodyPr wrap="square" rtlCol="0">
+            <a:spAutoFit/>
+          </a:bodyPr>
+          <a:lstStyle/>
+          <a:p>
+            <a:pPr algn="ctr"/>
+            <a:r>
+              <a:rPr lang="en-US" sz="1200" b="1" dirty="0" smtClean="0">
+                <a:latin typeface="Open Sans Light"/>
+                <a:cs typeface="Open Sans Light"/>
+              </a:rPr>
+              <a:t>DB</a:t>
+            </a:r>
+            <a:endParaRPr lang="en-US" sz="1200" b="1" dirty="0">
+              <a:latin typeface="Open Sans Light"/>
+              <a:cs typeface="Open Sans Light"/>
+            </a:endParaRPr>
+          </a:p>
+        </p:txBody>
+      </p:sp>
+      <p:pic>
+        <p:nvPicPr>
+          <p:cNvPr id="135" name="Picture 134"/>
+          <p:cNvPicPr>
+            <a:picLocks noChangeAspect="1"/>
+          </p:cNvPicPr>
+          <p:nvPr/>
+        </p:nvPicPr>
+        <p:blipFill>
+          <a:blip r:embed="rId3">
+            <a:extLst>
+              <a:ext uri="{28A0092B-C50C-407E-A947-70E740481C1C}">
+                <a14:useLocalDpi xmlns:a14="http://schemas.microsoft.com/office/drawing/2010/main" val="0"/>
+              </a:ext>
+            </a:extLst>
+          </a:blip>
+          <a:stretch>
+            <a:fillRect/>
+          </a:stretch>
+        </p:blipFill>
+        <p:spPr>
+          <a:xfrm>
+            <a:off x="6541290" y="3713333"/>
+            <a:ext cx="1052372" cy="352564"/>
+          </a:xfrm>
+          <a:prstGeom prst="rect">
+            <a:avLst/>
+          </a:prstGeom>
+        </p:spPr>
+      </p:pic>
+      <p:grpSp>
+        <p:nvGrpSpPr>
+          <p:cNvPr id="136" name="Group 135"/>
+          <p:cNvGrpSpPr/>
+          <p:nvPr/>
+        </p:nvGrpSpPr>
+        <p:grpSpPr>
+          <a:xfrm>
+            <a:off x="6399714" y="3626167"/>
+            <a:ext cx="1314682" cy="724897"/>
+            <a:chOff x="6743700" y="760413"/>
+            <a:chExt cx="1752600" cy="1733550"/>
+          </a:xfrm>
+        </p:grpSpPr>
+        <p:grpSp>
+          <p:nvGrpSpPr>
+            <p:cNvPr id="137" name="Group 136"/>
+            <p:cNvGrpSpPr>
+              <a:grpSpLocks/>
+            </p:cNvGrpSpPr>
+            <p:nvPr/>
+          </p:nvGrpSpPr>
+          <p:grpSpPr bwMode="auto">
+            <a:xfrm>
+              <a:off x="6743700" y="760413"/>
+              <a:ext cx="1752600" cy="1733550"/>
+              <a:chOff x="545458" y="4783771"/>
+              <a:chExt cx="2293787" cy="1733798"/>
+            </a:xfrm>
+          </p:grpSpPr>
+          <p:sp>
+            <p:nvSpPr>
+              <p:cNvPr id="139" name="Rounded Rectangle 138"/>
+              <p:cNvSpPr/>
+              <p:nvPr/>
+            </p:nvSpPr>
+            <p:spPr>
+              <a:xfrm>
+                <a:off x="545458" y="4783771"/>
+                <a:ext cx="2293787" cy="1733798"/>
+              </a:xfrm>
+              <a:prstGeom prst="roundRect">
+                <a:avLst>
+                  <a:gd name="adj" fmla="val 9818"/>
+                </a:avLst>
+              </a:prstGeom>
+              <a:noFill/>
+              <a:ln w="19050">
+                <a:solidFill>
+                  <a:schemeClr val="tx1"/>
+                </a:solidFill>
+                <a:prstDash val="solid"/>
+              </a:ln>
+              <a:effectLst/>
+            </p:spPr>
+            <p:style>
+              <a:lnRef idx="1">
+                <a:schemeClr val="accent1"/>
+              </a:lnRef>
+              <a:fillRef idx="3">
+                <a:schemeClr val="accent1"/>
+              </a:fillRef>
+              <a:effectRef idx="2">
+                <a:schemeClr val="accent1"/>
+              </a:effectRef>
+              <a:fontRef idx="minor">
+                <a:schemeClr val="lt1"/>
+              </a:fontRef>
+            </p:style>
+            <p:txBody>
+              <a:bodyPr anchor="ctr"/>
+              <a:lstStyle/>
+              <a:p>
+                <a:pPr algn="ctr" fontAlgn="auto">
+                  <a:spcBef>
+                    <a:spcPts val="0"/>
+                  </a:spcBef>
+                  <a:spcAft>
+                    <a:spcPts val="0"/>
+                  </a:spcAft>
+                  <a:defRPr/>
+                </a:pPr>
+                <a:endParaRPr lang="en-US" sz="1200" dirty="0">
+                  <a:solidFill>
+                    <a:schemeClr val="tx1"/>
+                  </a:solidFill>
+                  <a:latin typeface="Open Sans Light"/>
+                  <a:cs typeface="Open Sans Light"/>
+                </a:endParaRPr>
+              </a:p>
+            </p:txBody>
+          </p:sp>
+          <p:sp>
+            <p:nvSpPr>
+              <p:cNvPr id="140" name="Rounded Rectangle 139"/>
+              <p:cNvSpPr/>
+              <p:nvPr/>
+            </p:nvSpPr>
+            <p:spPr>
+              <a:xfrm>
+                <a:off x="545458" y="4783771"/>
+                <a:ext cx="2293787" cy="1733798"/>
+              </a:xfrm>
+              <a:prstGeom prst="roundRect">
+                <a:avLst>
+                  <a:gd name="adj" fmla="val 9818"/>
+                </a:avLst>
+              </a:prstGeom>
+              <a:noFill/>
+              <a:ln w="19050">
+                <a:solidFill>
+                  <a:srgbClr val="FF0000"/>
+                </a:solidFill>
+                <a:prstDash val="lgDash"/>
+              </a:ln>
+              <a:effectLst/>
+            </p:spPr>
+            <p:style>
+              <a:lnRef idx="1">
+                <a:schemeClr val="accent1"/>
+              </a:lnRef>
+              <a:fillRef idx="3">
+                <a:schemeClr val="accent1"/>
+              </a:fillRef>
+              <a:effectRef idx="2">
+                <a:schemeClr val="accent1"/>
+              </a:effectRef>
+              <a:fontRef idx="minor">
+                <a:schemeClr val="lt1"/>
+              </a:fontRef>
+            </p:style>
+            <p:txBody>
+              <a:bodyPr anchor="ctr"/>
+              <a:lstStyle/>
+              <a:p>
+                <a:pPr algn="ctr" fontAlgn="auto">
+                  <a:spcBef>
+                    <a:spcPts val="0"/>
+                  </a:spcBef>
+                  <a:spcAft>
+                    <a:spcPts val="0"/>
+                  </a:spcAft>
+                  <a:defRPr/>
+                </a:pPr>
+                <a:endParaRPr lang="en-US" sz="1200" dirty="0">
+                  <a:solidFill>
+                    <a:schemeClr val="tx1"/>
+                  </a:solidFill>
+                  <a:latin typeface="Open Sans Light"/>
+                  <a:cs typeface="Open Sans Light"/>
+                </a:endParaRPr>
+              </a:p>
+            </p:txBody>
+          </p:sp>
+        </p:grpSp>
+        <p:sp>
+          <p:nvSpPr>
+            <p:cNvPr id="138" name="TextBox 34"/>
+            <p:cNvSpPr txBox="1">
+              <a:spLocks noChangeArrowheads="1"/>
+            </p:cNvSpPr>
+            <p:nvPr/>
+          </p:nvSpPr>
+          <p:spPr bwMode="auto">
+            <a:xfrm>
+              <a:off x="6851652" y="1879021"/>
+              <a:ext cx="1555749" cy="476280"/>
+            </a:xfrm>
+            <a:prstGeom prst="rect">
+              <a:avLst/>
+            </a:prstGeom>
+            <a:noFill/>
+            <a:ln w="9525">
+              <a:noFill/>
+              <a:miter lim="800000"/>
+              <a:headEnd/>
+              <a:tailEnd/>
+            </a:ln>
+          </p:spPr>
+          <p:txBody>
+            <a:bodyPr anchor="ctr" anchorCtr="0">
+              <a:spAutoFit/>
+            </a:bodyPr>
+            <a:lstStyle/>
+            <a:p>
+              <a:pPr algn="ctr"/>
+              <a:r>
+                <a:rPr lang="en-US" sz="1200" dirty="0" smtClean="0">
+                  <a:solidFill>
+                    <a:srgbClr val="414042"/>
+                  </a:solidFill>
+                  <a:latin typeface="Open Sans Light"/>
+                  <a:ea typeface="Verdana" pitchFamily="34" charset="0"/>
+                  <a:cs typeface="Open Sans Light"/>
+                </a:rPr>
+                <a:t>security group</a:t>
+              </a:r>
+              <a:endParaRPr lang="en-US" sz="1200" dirty="0">
+                <a:solidFill>
+                  <a:srgbClr val="414042"/>
+                </a:solidFill>
+                <a:latin typeface="Open Sans Light"/>
+                <a:ea typeface="Verdana" pitchFamily="34" charset="0"/>
+                <a:cs typeface="Open Sans Light"/>
+              </a:endParaRPr>
+            </a:p>
+          </p:txBody>
+        </p:sp>
+      </p:grpSp>
+      <p:sp>
+        <p:nvSpPr>
+          <p:cNvPr id="141" name="TextBox 140"/>
+          <p:cNvSpPr txBox="1"/>
+          <p:nvPr/>
+        </p:nvSpPr>
+        <p:spPr>
+          <a:xfrm>
+            <a:off x="6616762" y="3730321"/>
+            <a:ext cx="789937" cy="276999"/>
+          </a:xfrm>
+          <a:prstGeom prst="rect">
+            <a:avLst/>
+          </a:prstGeom>
+          <a:noFill/>
+        </p:spPr>
+        <p:txBody>
+          <a:bodyPr wrap="square" rtlCol="0">
+            <a:spAutoFit/>
+          </a:bodyPr>
+          <a:lstStyle/>
+          <a:p>
+            <a:pPr algn="ctr"/>
+            <a:r>
+              <a:rPr lang="en-US" sz="1200" b="1" dirty="0" smtClean="0">
+                <a:latin typeface="Open Sans Light"/>
+                <a:cs typeface="Open Sans Light"/>
+              </a:rPr>
+              <a:t>DB</a:t>
+            </a:r>
+            <a:endParaRPr lang="en-US" sz="1200" b="1" dirty="0">
+              <a:latin typeface="Open Sans Light"/>
+              <a:cs typeface="Open Sans Light"/>
+            </a:endParaRPr>
+          </a:p>
+        </p:txBody>
+      </p:sp>
+      <p:cxnSp>
+        <p:nvCxnSpPr>
+          <p:cNvPr id="142" name="Curved Connector 141"/>
+          <p:cNvCxnSpPr>
+            <a:stCxn id="135" idx="3"/>
+            <a:endCxn id="128" idx="3"/>
+          </p:cNvCxnSpPr>
+          <p:nvPr/>
+        </p:nvCxnSpPr>
+        <p:spPr>
+          <a:xfrm flipV="1">
+            <a:off x="7593662" y="3083273"/>
             <a:ext cx="1158" cy="806342"/>
           </a:xfrm>
           <a:prstGeom prst="curvedConnector3">
@@ -12733,42 +15559,6 @@
           </a:fontRef>
         </p:style>
       </p:cxnSp>
-      <p:sp>
-        <p:nvSpPr>
-          <p:cNvPr id="72" name="TextBox 71"/>
-          <p:cNvSpPr txBox="1"/>
-          <p:nvPr/>
-        </p:nvSpPr>
-        <p:spPr>
-          <a:xfrm>
-            <a:off x="8068339" y="1109661"/>
-            <a:ext cx="999021" cy="276999"/>
-          </a:xfrm>
-          <a:prstGeom prst="rect">
-            <a:avLst/>
-          </a:prstGeom>
-          <a:noFill/>
-        </p:spPr>
-        <p:txBody>
-          <a:bodyPr wrap="square" rtlCol="0">
-            <a:spAutoFit/>
-          </a:bodyPr>
-          <a:lstStyle/>
-          <a:p>
-            <a:r>
-              <a:rPr lang="en-US" sz="1200" b="1" dirty="0" smtClean="0">
-                <a:latin typeface="Open Sans Light"/>
-                <a:cs typeface="Open Sans Light"/>
-              </a:rPr>
-              <a:t>Replicate</a:t>
-            </a:r>
-            <a:endParaRPr lang="en-US" sz="1200" b="1" dirty="0">
-              <a:latin typeface="Open Sans Light"/>
-              <a:cs typeface="Open Sans Light"/>
-            </a:endParaRPr>
-          </a:p>
-        </p:txBody>
-      </p:sp>
     </p:spTree>
     <p:extLst>
       <p:ext uri="{BB962C8B-B14F-4D97-AF65-F5344CB8AC3E}">
@@ -13144,6 +15934,1050 @@
                                   </p:childTnLst>
                                 </p:cTn>
                               </p:par>
+                              <p:par>
+                                <p:cTn id="31" presetID="1" presetClass="entr" presetSubtype="0" fill="hold" grpId="0" nodeType="withEffect">
+                                  <p:stCondLst>
+                                    <p:cond delay="0"/>
+                                  </p:stCondLst>
+                                  <p:childTnLst>
+                                    <p:set>
+                                      <p:cBhvr>
+                                        <p:cTn id="32" dur="1" fill="hold">
+                                          <p:stCondLst>
+                                            <p:cond delay="0"/>
+                                          </p:stCondLst>
+                                        </p:cTn>
+                                        <p:tgtEl>
+                                          <p:spTgt spid="123"/>
+                                        </p:tgtEl>
+                                        <p:attrNameLst>
+                                          <p:attrName>style.visibility</p:attrName>
+                                        </p:attrNameLst>
+                                      </p:cBhvr>
+                                      <p:to>
+                                        <p:strVal val="visible"/>
+                                      </p:to>
+                                    </p:set>
+                                  </p:childTnLst>
+                                </p:cTn>
+                              </p:par>
+                              <p:par>
+                                <p:cTn id="33" presetID="1" presetClass="entr" presetSubtype="0" fill="hold" grpId="0" nodeType="withEffect">
+                                  <p:stCondLst>
+                                    <p:cond delay="0"/>
+                                  </p:stCondLst>
+                                  <p:childTnLst>
+                                    <p:set>
+                                      <p:cBhvr>
+                                        <p:cTn id="34" dur="1" fill="hold">
+                                          <p:stCondLst>
+                                            <p:cond delay="0"/>
+                                          </p:stCondLst>
+                                        </p:cTn>
+                                        <p:tgtEl>
+                                          <p:spTgt spid="97"/>
+                                        </p:tgtEl>
+                                        <p:attrNameLst>
+                                          <p:attrName>style.visibility</p:attrName>
+                                        </p:attrNameLst>
+                                      </p:cBhvr>
+                                      <p:to>
+                                        <p:strVal val="visible"/>
+                                      </p:to>
+                                    </p:set>
+                                  </p:childTnLst>
+                                </p:cTn>
+                              </p:par>
+                              <p:par>
+                                <p:cTn id="35" presetID="1" presetClass="entr" presetSubtype="0" fill="hold" nodeType="withEffect">
+                                  <p:stCondLst>
+                                    <p:cond delay="0"/>
+                                  </p:stCondLst>
+                                  <p:childTnLst>
+                                    <p:set>
+                                      <p:cBhvr>
+                                        <p:cTn id="36" dur="1" fill="hold">
+                                          <p:stCondLst>
+                                            <p:cond delay="0"/>
+                                          </p:stCondLst>
+                                        </p:cTn>
+                                        <p:tgtEl>
+                                          <p:spTgt spid="124"/>
+                                        </p:tgtEl>
+                                        <p:attrNameLst>
+                                          <p:attrName>style.visibility</p:attrName>
+                                        </p:attrNameLst>
+                                      </p:cBhvr>
+                                      <p:to>
+                                        <p:strVal val="visible"/>
+                                      </p:to>
+                                    </p:set>
+                                  </p:childTnLst>
+                                </p:cTn>
+                              </p:par>
+                              <p:par>
+                                <p:cTn id="37" presetID="1" presetClass="entr" presetSubtype="0" fill="hold" grpId="0" nodeType="withEffect">
+                                  <p:stCondLst>
+                                    <p:cond delay="0"/>
+                                  </p:stCondLst>
+                                  <p:childTnLst>
+                                    <p:set>
+                                      <p:cBhvr>
+                                        <p:cTn id="38" dur="1" fill="hold">
+                                          <p:stCondLst>
+                                            <p:cond delay="0"/>
+                                          </p:stCondLst>
+                                        </p:cTn>
+                                        <p:tgtEl>
+                                          <p:spTgt spid="98"/>
+                                        </p:tgtEl>
+                                        <p:attrNameLst>
+                                          <p:attrName>style.visibility</p:attrName>
+                                        </p:attrNameLst>
+                                      </p:cBhvr>
+                                      <p:to>
+                                        <p:strVal val="visible"/>
+                                      </p:to>
+                                    </p:set>
+                                  </p:childTnLst>
+                                </p:cTn>
+                              </p:par>
+                            </p:childTnLst>
+                          </p:cTn>
+                        </p:par>
+                      </p:childTnLst>
+                    </p:cTn>
+                  </p:par>
+                  <p:par>
+                    <p:cTn id="39" fill="hold">
+                      <p:stCondLst>
+                        <p:cond delay="indefinite"/>
+                      </p:stCondLst>
+                      <p:childTnLst>
+                        <p:par>
+                          <p:cTn id="40" fill="hold">
+                            <p:stCondLst>
+                              <p:cond delay="0"/>
+                            </p:stCondLst>
+                            <p:childTnLst>
+                              <p:par>
+                                <p:cTn id="41" presetID="1" presetClass="entr" presetSubtype="0" fill="hold" nodeType="clickEffect">
+                                  <p:stCondLst>
+                                    <p:cond delay="0"/>
+                                  </p:stCondLst>
+                                  <p:childTnLst>
+                                    <p:set>
+                                      <p:cBhvr>
+                                        <p:cTn id="42" dur="1" fill="hold">
+                                          <p:stCondLst>
+                                            <p:cond delay="0"/>
+                                          </p:stCondLst>
+                                        </p:cTn>
+                                        <p:tgtEl>
+                                          <p:spTgt spid="77"/>
+                                        </p:tgtEl>
+                                        <p:attrNameLst>
+                                          <p:attrName>style.visibility</p:attrName>
+                                        </p:attrNameLst>
+                                      </p:cBhvr>
+                                      <p:to>
+                                        <p:strVal val="visible"/>
+                                      </p:to>
+                                    </p:set>
+                                  </p:childTnLst>
+                                </p:cTn>
+                              </p:par>
+                            </p:childTnLst>
+                          </p:cTn>
+                        </p:par>
+                      </p:childTnLst>
+                    </p:cTn>
+                  </p:par>
+                  <p:par>
+                    <p:cTn id="43" fill="hold">
+                      <p:stCondLst>
+                        <p:cond delay="indefinite"/>
+                      </p:stCondLst>
+                      <p:childTnLst>
+                        <p:par>
+                          <p:cTn id="44" fill="hold">
+                            <p:stCondLst>
+                              <p:cond delay="0"/>
+                            </p:stCondLst>
+                            <p:childTnLst>
+                              <p:par>
+                                <p:cTn id="45" presetID="1" presetClass="entr" presetSubtype="0" fill="hold" grpId="0" nodeType="clickEffect">
+                                  <p:stCondLst>
+                                    <p:cond delay="0"/>
+                                  </p:stCondLst>
+                                  <p:childTnLst>
+                                    <p:set>
+                                      <p:cBhvr>
+                                        <p:cTn id="46" dur="1" fill="hold">
+                                          <p:stCondLst>
+                                            <p:cond delay="0"/>
+                                          </p:stCondLst>
+                                        </p:cTn>
+                                        <p:tgtEl>
+                                          <p:spTgt spid="82"/>
+                                        </p:tgtEl>
+                                        <p:attrNameLst>
+                                          <p:attrName>style.visibility</p:attrName>
+                                        </p:attrNameLst>
+                                      </p:cBhvr>
+                                      <p:to>
+                                        <p:strVal val="visible"/>
+                                      </p:to>
+                                    </p:set>
+                                  </p:childTnLst>
+                                </p:cTn>
+                              </p:par>
+                              <p:par>
+                                <p:cTn id="47" presetID="1" presetClass="entr" presetSubtype="0" fill="hold" nodeType="withEffect">
+                                  <p:stCondLst>
+                                    <p:cond delay="0"/>
+                                  </p:stCondLst>
+                                  <p:childTnLst>
+                                    <p:set>
+                                      <p:cBhvr>
+                                        <p:cTn id="48" dur="1" fill="hold">
+                                          <p:stCondLst>
+                                            <p:cond delay="0"/>
+                                          </p:stCondLst>
+                                        </p:cTn>
+                                        <p:tgtEl>
+                                          <p:spTgt spid="76"/>
+                                        </p:tgtEl>
+                                        <p:attrNameLst>
+                                          <p:attrName>style.visibility</p:attrName>
+                                        </p:attrNameLst>
+                                      </p:cBhvr>
+                                      <p:to>
+                                        <p:strVal val="visible"/>
+                                      </p:to>
+                                    </p:set>
+                                  </p:childTnLst>
+                                </p:cTn>
+                              </p:par>
+                              <p:par>
+                                <p:cTn id="49" presetID="1" presetClass="entr" presetSubtype="0" fill="hold" nodeType="withEffect">
+                                  <p:stCondLst>
+                                    <p:cond delay="0"/>
+                                  </p:stCondLst>
+                                  <p:childTnLst>
+                                    <p:set>
+                                      <p:cBhvr>
+                                        <p:cTn id="50" dur="1" fill="hold">
+                                          <p:stCondLst>
+                                            <p:cond delay="0"/>
+                                          </p:stCondLst>
+                                        </p:cTn>
+                                        <p:tgtEl>
+                                          <p:spTgt spid="73"/>
+                                        </p:tgtEl>
+                                        <p:attrNameLst>
+                                          <p:attrName>style.visibility</p:attrName>
+                                        </p:attrNameLst>
+                                      </p:cBhvr>
+                                      <p:to>
+                                        <p:strVal val="visible"/>
+                                      </p:to>
+                                    </p:set>
+                                  </p:childTnLst>
+                                </p:cTn>
+                              </p:par>
+                            </p:childTnLst>
+                          </p:cTn>
+                        </p:par>
+                      </p:childTnLst>
+                    </p:cTn>
+                  </p:par>
+                  <p:par>
+                    <p:cTn id="51" fill="hold">
+                      <p:stCondLst>
+                        <p:cond delay="indefinite"/>
+                      </p:stCondLst>
+                      <p:childTnLst>
+                        <p:par>
+                          <p:cTn id="52" fill="hold">
+                            <p:stCondLst>
+                              <p:cond delay="0"/>
+                            </p:stCondLst>
+                            <p:childTnLst>
+                              <p:par>
+                                <p:cTn id="53" presetID="1" presetClass="entr" presetSubtype="0" fill="hold" nodeType="clickEffect">
+                                  <p:stCondLst>
+                                    <p:cond delay="0"/>
+                                  </p:stCondLst>
+                                  <p:childTnLst>
+                                    <p:set>
+                                      <p:cBhvr>
+                                        <p:cTn id="54" dur="1" fill="hold">
+                                          <p:stCondLst>
+                                            <p:cond delay="0"/>
+                                          </p:stCondLst>
+                                        </p:cTn>
+                                        <p:tgtEl>
+                                          <p:spTgt spid="86"/>
+                                        </p:tgtEl>
+                                        <p:attrNameLst>
+                                          <p:attrName>style.visibility</p:attrName>
+                                        </p:attrNameLst>
+                                      </p:cBhvr>
+                                      <p:to>
+                                        <p:strVal val="visible"/>
+                                      </p:to>
+                                    </p:set>
+                                  </p:childTnLst>
+                                </p:cTn>
+                              </p:par>
+                              <p:par>
+                                <p:cTn id="55" presetID="1" presetClass="entr" presetSubtype="0" fill="hold" nodeType="withEffect">
+                                  <p:stCondLst>
+                                    <p:cond delay="0"/>
+                                  </p:stCondLst>
+                                  <p:childTnLst>
+                                    <p:set>
+                                      <p:cBhvr>
+                                        <p:cTn id="56" dur="1" fill="hold">
+                                          <p:stCondLst>
+                                            <p:cond delay="0"/>
+                                          </p:stCondLst>
+                                        </p:cTn>
+                                        <p:tgtEl>
+                                          <p:spTgt spid="90"/>
+                                        </p:tgtEl>
+                                        <p:attrNameLst>
+                                          <p:attrName>style.visibility</p:attrName>
+                                        </p:attrNameLst>
+                                      </p:cBhvr>
+                                      <p:to>
+                                        <p:strVal val="visible"/>
+                                      </p:to>
+                                    </p:set>
+                                  </p:childTnLst>
+                                </p:cTn>
+                              </p:par>
+                              <p:par>
+                                <p:cTn id="57" presetID="1" presetClass="entr" presetSubtype="0" fill="hold" nodeType="withEffect">
+                                  <p:stCondLst>
+                                    <p:cond delay="0"/>
+                                  </p:stCondLst>
+                                  <p:childTnLst>
+                                    <p:set>
+                                      <p:cBhvr>
+                                        <p:cTn id="58" dur="1" fill="hold">
+                                          <p:stCondLst>
+                                            <p:cond delay="0"/>
+                                          </p:stCondLst>
+                                        </p:cTn>
+                                        <p:tgtEl>
+                                          <p:spTgt spid="91"/>
+                                        </p:tgtEl>
+                                        <p:attrNameLst>
+                                          <p:attrName>style.visibility</p:attrName>
+                                        </p:attrNameLst>
+                                      </p:cBhvr>
+                                      <p:to>
+                                        <p:strVal val="visible"/>
+                                      </p:to>
+                                    </p:set>
+                                  </p:childTnLst>
+                                </p:cTn>
+                              </p:par>
+                              <p:par>
+                                <p:cTn id="59" presetID="1" presetClass="entr" presetSubtype="0" fill="hold" grpId="0" nodeType="withEffect">
+                                  <p:stCondLst>
+                                    <p:cond delay="0"/>
+                                  </p:stCondLst>
+                                  <p:childTnLst>
+                                    <p:set>
+                                      <p:cBhvr>
+                                        <p:cTn id="60" dur="1" fill="hold">
+                                          <p:stCondLst>
+                                            <p:cond delay="0"/>
+                                          </p:stCondLst>
+                                        </p:cTn>
+                                        <p:tgtEl>
+                                          <p:spTgt spid="96"/>
+                                        </p:tgtEl>
+                                        <p:attrNameLst>
+                                          <p:attrName>style.visibility</p:attrName>
+                                        </p:attrNameLst>
+                                      </p:cBhvr>
+                                      <p:to>
+                                        <p:strVal val="visible"/>
+                                      </p:to>
+                                    </p:set>
+                                  </p:childTnLst>
+                                </p:cTn>
+                              </p:par>
+                              <p:par>
+                                <p:cTn id="61" presetID="1" presetClass="entr" presetSubtype="0" fill="hold" grpId="0" nodeType="withEffect">
+                                  <p:stCondLst>
+                                    <p:cond delay="0"/>
+                                  </p:stCondLst>
+                                  <p:childTnLst>
+                                    <p:set>
+                                      <p:cBhvr>
+                                        <p:cTn id="62" dur="1" fill="hold">
+                                          <p:stCondLst>
+                                            <p:cond delay="0"/>
+                                          </p:stCondLst>
+                                        </p:cTn>
+                                        <p:tgtEl>
+                                          <p:spTgt spid="119"/>
+                                        </p:tgtEl>
+                                        <p:attrNameLst>
+                                          <p:attrName>style.visibility</p:attrName>
+                                        </p:attrNameLst>
+                                      </p:cBhvr>
+                                      <p:to>
+                                        <p:strVal val="visible"/>
+                                      </p:to>
+                                    </p:set>
+                                  </p:childTnLst>
+                                </p:cTn>
+                              </p:par>
+                              <p:par>
+                                <p:cTn id="63" presetID="1" presetClass="entr" presetSubtype="0" fill="hold" grpId="0" nodeType="withEffect">
+                                  <p:stCondLst>
+                                    <p:cond delay="0"/>
+                                  </p:stCondLst>
+                                  <p:childTnLst>
+                                    <p:set>
+                                      <p:cBhvr>
+                                        <p:cTn id="64" dur="1" fill="hold">
+                                          <p:stCondLst>
+                                            <p:cond delay="0"/>
+                                          </p:stCondLst>
+                                        </p:cTn>
+                                        <p:tgtEl>
+                                          <p:spTgt spid="118"/>
+                                        </p:tgtEl>
+                                        <p:attrNameLst>
+                                          <p:attrName>style.visibility</p:attrName>
+                                        </p:attrNameLst>
+                                      </p:cBhvr>
+                                      <p:to>
+                                        <p:strVal val="visible"/>
+                                      </p:to>
+                                    </p:set>
+                                  </p:childTnLst>
+                                </p:cTn>
+                              </p:par>
+                              <p:par>
+                                <p:cTn id="65" presetID="1" presetClass="entr" presetSubtype="0" fill="hold" nodeType="withEffect">
+                                  <p:stCondLst>
+                                    <p:cond delay="0"/>
+                                  </p:stCondLst>
+                                  <p:childTnLst>
+                                    <p:set>
+                                      <p:cBhvr>
+                                        <p:cTn id="66" dur="1" fill="hold">
+                                          <p:stCondLst>
+                                            <p:cond delay="0"/>
+                                          </p:stCondLst>
+                                        </p:cTn>
+                                        <p:tgtEl>
+                                          <p:spTgt spid="120"/>
+                                        </p:tgtEl>
+                                        <p:attrNameLst>
+                                          <p:attrName>style.visibility</p:attrName>
+                                        </p:attrNameLst>
+                                      </p:cBhvr>
+                                      <p:to>
+                                        <p:strVal val="visible"/>
+                                      </p:to>
+                                    </p:set>
+                                  </p:childTnLst>
+                                </p:cTn>
+                              </p:par>
+                            </p:childTnLst>
+                          </p:cTn>
+                        </p:par>
+                      </p:childTnLst>
+                    </p:cTn>
+                  </p:par>
+                  <p:par>
+                    <p:cTn id="67" fill="hold">
+                      <p:stCondLst>
+                        <p:cond delay="indefinite"/>
+                      </p:stCondLst>
+                      <p:childTnLst>
+                        <p:par>
+                          <p:cTn id="68" fill="hold">
+                            <p:stCondLst>
+                              <p:cond delay="0"/>
+                            </p:stCondLst>
+                            <p:childTnLst>
+                              <p:par>
+                                <p:cTn id="69" presetID="1" presetClass="entr" presetSubtype="0" fill="hold" nodeType="clickEffect">
+                                  <p:stCondLst>
+                                    <p:cond delay="0"/>
+                                  </p:stCondLst>
+                                  <p:childTnLst>
+                                    <p:set>
+                                      <p:cBhvr>
+                                        <p:cTn id="70" dur="1" fill="hold">
+                                          <p:stCondLst>
+                                            <p:cond delay="0"/>
+                                          </p:stCondLst>
+                                        </p:cTn>
+                                        <p:tgtEl>
+                                          <p:spTgt spid="99"/>
+                                        </p:tgtEl>
+                                        <p:attrNameLst>
+                                          <p:attrName>style.visibility</p:attrName>
+                                        </p:attrNameLst>
+                                      </p:cBhvr>
+                                      <p:to>
+                                        <p:strVal val="visible"/>
+                                      </p:to>
+                                    </p:set>
+                                  </p:childTnLst>
+                                </p:cTn>
+                              </p:par>
+                              <p:par>
+                                <p:cTn id="71" presetID="1" presetClass="entr" presetSubtype="0" fill="hold" nodeType="withEffect">
+                                  <p:stCondLst>
+                                    <p:cond delay="0"/>
+                                  </p:stCondLst>
+                                  <p:childTnLst>
+                                    <p:set>
+                                      <p:cBhvr>
+                                        <p:cTn id="72" dur="1" fill="hold">
+                                          <p:stCondLst>
+                                            <p:cond delay="0"/>
+                                          </p:stCondLst>
+                                        </p:cTn>
+                                        <p:tgtEl>
+                                          <p:spTgt spid="103"/>
+                                        </p:tgtEl>
+                                        <p:attrNameLst>
+                                          <p:attrName>style.visibility</p:attrName>
+                                        </p:attrNameLst>
+                                      </p:cBhvr>
+                                      <p:to>
+                                        <p:strVal val="visible"/>
+                                      </p:to>
+                                    </p:set>
+                                  </p:childTnLst>
+                                </p:cTn>
+                              </p:par>
+                              <p:par>
+                                <p:cTn id="73" presetID="1" presetClass="entr" presetSubtype="0" fill="hold" grpId="0" nodeType="withEffect">
+                                  <p:stCondLst>
+                                    <p:cond delay="0"/>
+                                  </p:stCondLst>
+                                  <p:childTnLst>
+                                    <p:set>
+                                      <p:cBhvr>
+                                        <p:cTn id="74" dur="1" fill="hold">
+                                          <p:stCondLst>
+                                            <p:cond delay="0"/>
+                                          </p:stCondLst>
+                                        </p:cTn>
+                                        <p:tgtEl>
+                                          <p:spTgt spid="110"/>
+                                        </p:tgtEl>
+                                        <p:attrNameLst>
+                                          <p:attrName>style.visibility</p:attrName>
+                                        </p:attrNameLst>
+                                      </p:cBhvr>
+                                      <p:to>
+                                        <p:strVal val="visible"/>
+                                      </p:to>
+                                    </p:set>
+                                  </p:childTnLst>
+                                </p:cTn>
+                              </p:par>
+                              <p:par>
+                                <p:cTn id="75" presetID="1" presetClass="entr" presetSubtype="0" fill="hold" nodeType="withEffect">
+                                  <p:stCondLst>
+                                    <p:cond delay="0"/>
+                                  </p:stCondLst>
+                                  <p:childTnLst>
+                                    <p:set>
+                                      <p:cBhvr>
+                                        <p:cTn id="76" dur="1" fill="hold">
+                                          <p:stCondLst>
+                                            <p:cond delay="0"/>
+                                          </p:stCondLst>
+                                        </p:cTn>
+                                        <p:tgtEl>
+                                          <p:spTgt spid="111"/>
+                                        </p:tgtEl>
+                                        <p:attrNameLst>
+                                          <p:attrName>style.visibility</p:attrName>
+                                        </p:attrNameLst>
+                                      </p:cBhvr>
+                                      <p:to>
+                                        <p:strVal val="visible"/>
+                                      </p:to>
+                                    </p:set>
+                                  </p:childTnLst>
+                                </p:cTn>
+                              </p:par>
+                              <p:par>
+                                <p:cTn id="77" presetID="1" presetClass="entr" presetSubtype="0" fill="hold" nodeType="withEffect">
+                                  <p:stCondLst>
+                                    <p:cond delay="0"/>
+                                  </p:stCondLst>
+                                  <p:childTnLst>
+                                    <p:set>
+                                      <p:cBhvr>
+                                        <p:cTn id="78" dur="1" fill="hold">
+                                          <p:stCondLst>
+                                            <p:cond delay="0"/>
+                                          </p:stCondLst>
+                                        </p:cTn>
+                                        <p:tgtEl>
+                                          <p:spTgt spid="112"/>
+                                        </p:tgtEl>
+                                        <p:attrNameLst>
+                                          <p:attrName>style.visibility</p:attrName>
+                                        </p:attrNameLst>
+                                      </p:cBhvr>
+                                      <p:to>
+                                        <p:strVal val="visible"/>
+                                      </p:to>
+                                    </p:set>
+                                  </p:childTnLst>
+                                </p:cTn>
+                              </p:par>
+                              <p:par>
+                                <p:cTn id="79" presetID="1" presetClass="entr" presetSubtype="0" fill="hold" grpId="0" nodeType="withEffect">
+                                  <p:stCondLst>
+                                    <p:cond delay="0"/>
+                                  </p:stCondLst>
+                                  <p:childTnLst>
+                                    <p:set>
+                                      <p:cBhvr>
+                                        <p:cTn id="80" dur="1" fill="hold">
+                                          <p:stCondLst>
+                                            <p:cond delay="0"/>
+                                          </p:stCondLst>
+                                        </p:cTn>
+                                        <p:tgtEl>
+                                          <p:spTgt spid="117"/>
+                                        </p:tgtEl>
+                                        <p:attrNameLst>
+                                          <p:attrName>style.visibility</p:attrName>
+                                        </p:attrNameLst>
+                                      </p:cBhvr>
+                                      <p:to>
+                                        <p:strVal val="visible"/>
+                                      </p:to>
+                                    </p:set>
+                                  </p:childTnLst>
+                                </p:cTn>
+                              </p:par>
+                            </p:childTnLst>
+                          </p:cTn>
+                        </p:par>
+                      </p:childTnLst>
+                    </p:cTn>
+                  </p:par>
+                  <p:par>
+                    <p:cTn id="81" fill="hold">
+                      <p:stCondLst>
+                        <p:cond delay="indefinite"/>
+                      </p:stCondLst>
+                      <p:childTnLst>
+                        <p:par>
+                          <p:cTn id="82" fill="hold">
+                            <p:stCondLst>
+                              <p:cond delay="0"/>
+                            </p:stCondLst>
+                            <p:childTnLst>
+                              <p:par>
+                                <p:cTn id="83" presetID="1" presetClass="entr" presetSubtype="0" fill="hold" nodeType="clickEffect">
+                                  <p:stCondLst>
+                                    <p:cond delay="0"/>
+                                  </p:stCondLst>
+                                  <p:childTnLst>
+                                    <p:set>
+                                      <p:cBhvr>
+                                        <p:cTn id="84" dur="1" fill="hold">
+                                          <p:stCondLst>
+                                            <p:cond delay="0"/>
+                                          </p:stCondLst>
+                                        </p:cTn>
+                                        <p:tgtEl>
+                                          <p:spTgt spid="83"/>
+                                        </p:tgtEl>
+                                        <p:attrNameLst>
+                                          <p:attrName>style.visibility</p:attrName>
+                                        </p:attrNameLst>
+                                      </p:cBhvr>
+                                      <p:to>
+                                        <p:strVal val="visible"/>
+                                      </p:to>
+                                    </p:set>
+                                  </p:childTnLst>
+                                </p:cTn>
+                              </p:par>
+                              <p:par>
+                                <p:cTn id="85" presetID="1" presetClass="entr" presetSubtype="0" fill="hold" nodeType="withEffect">
+                                  <p:stCondLst>
+                                    <p:cond delay="0"/>
+                                  </p:stCondLst>
+                                  <p:childTnLst>
+                                    <p:set>
+                                      <p:cBhvr>
+                                        <p:cTn id="86" dur="1" fill="hold">
+                                          <p:stCondLst>
+                                            <p:cond delay="0"/>
+                                          </p:stCondLst>
+                                        </p:cTn>
+                                        <p:tgtEl>
+                                          <p:spTgt spid="89"/>
+                                        </p:tgtEl>
+                                        <p:attrNameLst>
+                                          <p:attrName>style.visibility</p:attrName>
+                                        </p:attrNameLst>
+                                      </p:cBhvr>
+                                      <p:to>
+                                        <p:strVal val="visible"/>
+                                      </p:to>
+                                    </p:set>
+                                  </p:childTnLst>
+                                </p:cTn>
+                              </p:par>
+                              <p:par>
+                                <p:cTn id="87" presetID="1" presetClass="entr" presetSubtype="0" fill="hold" grpId="0" nodeType="withEffect">
+                                  <p:stCondLst>
+                                    <p:cond delay="0"/>
+                                  </p:stCondLst>
+                                  <p:childTnLst>
+                                    <p:set>
+                                      <p:cBhvr>
+                                        <p:cTn id="88" dur="1" fill="hold">
+                                          <p:stCondLst>
+                                            <p:cond delay="0"/>
+                                          </p:stCondLst>
+                                        </p:cTn>
+                                        <p:tgtEl>
+                                          <p:spTgt spid="84"/>
+                                        </p:tgtEl>
+                                        <p:attrNameLst>
+                                          <p:attrName>style.visibility</p:attrName>
+                                        </p:attrNameLst>
+                                      </p:cBhvr>
+                                      <p:to>
+                                        <p:strVal val="visible"/>
+                                      </p:to>
+                                    </p:set>
+                                  </p:childTnLst>
+                                </p:cTn>
+                              </p:par>
+                              <p:par>
+                                <p:cTn id="89" presetID="1" presetClass="entr" presetSubtype="0" fill="hold" nodeType="withEffect">
+                                  <p:stCondLst>
+                                    <p:cond delay="0"/>
+                                  </p:stCondLst>
+                                  <p:childTnLst>
+                                    <p:set>
+                                      <p:cBhvr>
+                                        <p:cTn id="90" dur="1" fill="hold">
+                                          <p:stCondLst>
+                                            <p:cond delay="0"/>
+                                          </p:stCondLst>
+                                        </p:cTn>
+                                        <p:tgtEl>
+                                          <p:spTgt spid="122"/>
+                                        </p:tgtEl>
+                                        <p:attrNameLst>
+                                          <p:attrName>style.visibility</p:attrName>
+                                        </p:attrNameLst>
+                                      </p:cBhvr>
+                                      <p:to>
+                                        <p:strVal val="visible"/>
+                                      </p:to>
+                                    </p:set>
+                                  </p:childTnLst>
+                                </p:cTn>
+                              </p:par>
+                              <p:par>
+                                <p:cTn id="91" presetID="1" presetClass="entr" presetSubtype="0" fill="hold" nodeType="withEffect">
+                                  <p:stCondLst>
+                                    <p:cond delay="0"/>
+                                  </p:stCondLst>
+                                  <p:childTnLst>
+                                    <p:set>
+                                      <p:cBhvr>
+                                        <p:cTn id="92" dur="1" fill="hold">
+                                          <p:stCondLst>
+                                            <p:cond delay="0"/>
+                                          </p:stCondLst>
+                                        </p:cTn>
+                                        <p:tgtEl>
+                                          <p:spTgt spid="85"/>
+                                        </p:tgtEl>
+                                        <p:attrNameLst>
+                                          <p:attrName>style.visibility</p:attrName>
+                                        </p:attrNameLst>
+                                      </p:cBhvr>
+                                      <p:to>
+                                        <p:strVal val="visible"/>
+                                      </p:to>
+                                    </p:set>
+                                  </p:childTnLst>
+                                </p:cTn>
+                              </p:par>
+                            </p:childTnLst>
+                          </p:cTn>
+                        </p:par>
+                      </p:childTnLst>
+                    </p:cTn>
+                  </p:par>
+                  <p:par>
+                    <p:cTn id="93" fill="hold">
+                      <p:stCondLst>
+                        <p:cond delay="indefinite"/>
+                      </p:stCondLst>
+                      <p:childTnLst>
+                        <p:par>
+                          <p:cTn id="94" fill="hold">
+                            <p:stCondLst>
+                              <p:cond delay="0"/>
+                            </p:stCondLst>
+                            <p:childTnLst>
+                              <p:par>
+                                <p:cTn id="95" presetID="1" presetClass="entr" presetSubtype="0" fill="hold" nodeType="clickEffect">
+                                  <p:stCondLst>
+                                    <p:cond delay="0"/>
+                                  </p:stCondLst>
+                                  <p:childTnLst>
+                                    <p:set>
+                                      <p:cBhvr>
+                                        <p:cTn id="96" dur="1" fill="hold">
+                                          <p:stCondLst>
+                                            <p:cond delay="0"/>
+                                          </p:stCondLst>
+                                        </p:cTn>
+                                        <p:tgtEl>
+                                          <p:spTgt spid="121"/>
+                                        </p:tgtEl>
+                                        <p:attrNameLst>
+                                          <p:attrName>style.visibility</p:attrName>
+                                        </p:attrNameLst>
+                                      </p:cBhvr>
+                                      <p:to>
+                                        <p:strVal val="visible"/>
+                                      </p:to>
+                                    </p:set>
+                                  </p:childTnLst>
+                                </p:cTn>
+                              </p:par>
+                            </p:childTnLst>
+                          </p:cTn>
+                        </p:par>
+                      </p:childTnLst>
+                    </p:cTn>
+                  </p:par>
+                  <p:par>
+                    <p:cTn id="97" fill="hold">
+                      <p:stCondLst>
+                        <p:cond delay="indefinite"/>
+                      </p:stCondLst>
+                      <p:childTnLst>
+                        <p:par>
+                          <p:cTn id="98" fill="hold">
+                            <p:stCondLst>
+                              <p:cond delay="0"/>
+                            </p:stCondLst>
+                            <p:childTnLst>
+                              <p:par>
+                                <p:cTn id="99" presetID="1" presetClass="entr" presetSubtype="0" fill="hold" nodeType="clickEffect">
+                                  <p:stCondLst>
+                                    <p:cond delay="0"/>
+                                  </p:stCondLst>
+                                  <p:childTnLst>
+                                    <p:set>
+                                      <p:cBhvr>
+                                        <p:cTn id="100" dur="1" fill="hold">
+                                          <p:stCondLst>
+                                            <p:cond delay="0"/>
+                                          </p:stCondLst>
+                                        </p:cTn>
+                                        <p:tgtEl>
+                                          <p:spTgt spid="125"/>
+                                        </p:tgtEl>
+                                        <p:attrNameLst>
+                                          <p:attrName>style.visibility</p:attrName>
+                                        </p:attrNameLst>
+                                      </p:cBhvr>
+                                      <p:to>
+                                        <p:strVal val="visible"/>
+                                      </p:to>
+                                    </p:set>
+                                  </p:childTnLst>
+                                </p:cTn>
+                              </p:par>
+                              <p:par>
+                                <p:cTn id="101" presetID="1" presetClass="entr" presetSubtype="0" fill="hold" nodeType="withEffect">
+                                  <p:stCondLst>
+                                    <p:cond delay="0"/>
+                                  </p:stCondLst>
+                                  <p:childTnLst>
+                                    <p:set>
+                                      <p:cBhvr>
+                                        <p:cTn id="102" dur="1" fill="hold">
+                                          <p:stCondLst>
+                                            <p:cond delay="0"/>
+                                          </p:stCondLst>
+                                        </p:cTn>
+                                        <p:tgtEl>
+                                          <p:spTgt spid="128"/>
+                                        </p:tgtEl>
+                                        <p:attrNameLst>
+                                          <p:attrName>style.visibility</p:attrName>
+                                        </p:attrNameLst>
+                                      </p:cBhvr>
+                                      <p:to>
+                                        <p:strVal val="visible"/>
+                                      </p:to>
+                                    </p:set>
+                                  </p:childTnLst>
+                                </p:cTn>
+                              </p:par>
+                              <p:par>
+                                <p:cTn id="103" presetID="1" presetClass="entr" presetSubtype="0" fill="hold" nodeType="withEffect">
+                                  <p:stCondLst>
+                                    <p:cond delay="0"/>
+                                  </p:stCondLst>
+                                  <p:childTnLst>
+                                    <p:set>
+                                      <p:cBhvr>
+                                        <p:cTn id="104" dur="1" fill="hold">
+                                          <p:stCondLst>
+                                            <p:cond delay="0"/>
+                                          </p:stCondLst>
+                                        </p:cTn>
+                                        <p:tgtEl>
+                                          <p:spTgt spid="129"/>
+                                        </p:tgtEl>
+                                        <p:attrNameLst>
+                                          <p:attrName>style.visibility</p:attrName>
+                                        </p:attrNameLst>
+                                      </p:cBhvr>
+                                      <p:to>
+                                        <p:strVal val="visible"/>
+                                      </p:to>
+                                    </p:set>
+                                  </p:childTnLst>
+                                </p:cTn>
+                              </p:par>
+                              <p:par>
+                                <p:cTn id="105" presetID="1" presetClass="entr" presetSubtype="0" fill="hold" grpId="0" nodeType="withEffect">
+                                  <p:stCondLst>
+                                    <p:cond delay="0"/>
+                                  </p:stCondLst>
+                                  <p:childTnLst>
+                                    <p:set>
+                                      <p:cBhvr>
+                                        <p:cTn id="106" dur="1" fill="hold">
+                                          <p:stCondLst>
+                                            <p:cond delay="0"/>
+                                          </p:stCondLst>
+                                        </p:cTn>
+                                        <p:tgtEl>
+                                          <p:spTgt spid="134"/>
+                                        </p:tgtEl>
+                                        <p:attrNameLst>
+                                          <p:attrName>style.visibility</p:attrName>
+                                        </p:attrNameLst>
+                                      </p:cBhvr>
+                                      <p:to>
+                                        <p:strVal val="visible"/>
+                                      </p:to>
+                                    </p:set>
+                                  </p:childTnLst>
+                                </p:cTn>
+                              </p:par>
+                              <p:par>
+                                <p:cTn id="107" presetID="1" presetClass="entr" presetSubtype="0" fill="hold" nodeType="withEffect">
+                                  <p:stCondLst>
+                                    <p:cond delay="0"/>
+                                  </p:stCondLst>
+                                  <p:childTnLst>
+                                    <p:set>
+                                      <p:cBhvr>
+                                        <p:cTn id="108" dur="1" fill="hold">
+                                          <p:stCondLst>
+                                            <p:cond delay="0"/>
+                                          </p:stCondLst>
+                                        </p:cTn>
+                                        <p:tgtEl>
+                                          <p:spTgt spid="135"/>
+                                        </p:tgtEl>
+                                        <p:attrNameLst>
+                                          <p:attrName>style.visibility</p:attrName>
+                                        </p:attrNameLst>
+                                      </p:cBhvr>
+                                      <p:to>
+                                        <p:strVal val="visible"/>
+                                      </p:to>
+                                    </p:set>
+                                  </p:childTnLst>
+                                </p:cTn>
+                              </p:par>
+                              <p:par>
+                                <p:cTn id="109" presetID="1" presetClass="entr" presetSubtype="0" fill="hold" nodeType="withEffect">
+                                  <p:stCondLst>
+                                    <p:cond delay="0"/>
+                                  </p:stCondLst>
+                                  <p:childTnLst>
+                                    <p:set>
+                                      <p:cBhvr>
+                                        <p:cTn id="110" dur="1" fill="hold">
+                                          <p:stCondLst>
+                                            <p:cond delay="0"/>
+                                          </p:stCondLst>
+                                        </p:cTn>
+                                        <p:tgtEl>
+                                          <p:spTgt spid="136"/>
+                                        </p:tgtEl>
+                                        <p:attrNameLst>
+                                          <p:attrName>style.visibility</p:attrName>
+                                        </p:attrNameLst>
+                                      </p:cBhvr>
+                                      <p:to>
+                                        <p:strVal val="visible"/>
+                                      </p:to>
+                                    </p:set>
+                                  </p:childTnLst>
+                                </p:cTn>
+                              </p:par>
+                              <p:par>
+                                <p:cTn id="111" presetID="1" presetClass="entr" presetSubtype="0" fill="hold" grpId="0" nodeType="withEffect">
+                                  <p:stCondLst>
+                                    <p:cond delay="0"/>
+                                  </p:stCondLst>
+                                  <p:childTnLst>
+                                    <p:set>
+                                      <p:cBhvr>
+                                        <p:cTn id="112" dur="1" fill="hold">
+                                          <p:stCondLst>
+                                            <p:cond delay="0"/>
+                                          </p:stCondLst>
+                                        </p:cTn>
+                                        <p:tgtEl>
+                                          <p:spTgt spid="141"/>
+                                        </p:tgtEl>
+                                        <p:attrNameLst>
+                                          <p:attrName>style.visibility</p:attrName>
+                                        </p:attrNameLst>
+                                      </p:cBhvr>
+                                      <p:to>
+                                        <p:strVal val="visible"/>
+                                      </p:to>
+                                    </p:set>
+                                  </p:childTnLst>
+                                </p:cTn>
+                              </p:par>
                             </p:childTnLst>
                           </p:cTn>
                         </p:par>
@@ -13178,6 +17012,18 @@
       <p:bldP spid="60" grpId="0"/>
       <p:bldP spid="67" grpId="0"/>
       <p:bldP spid="72" grpId="0"/>
+      <p:bldP spid="82" grpId="0"/>
+      <p:bldP spid="84" grpId="0"/>
+      <p:bldP spid="96" grpId="0"/>
+      <p:bldP spid="97" grpId="0"/>
+      <p:bldP spid="98" grpId="0" animBg="1"/>
+      <p:bldP spid="110" grpId="0"/>
+      <p:bldP spid="117" grpId="0"/>
+      <p:bldP spid="118" grpId="0" animBg="1"/>
+      <p:bldP spid="119" grpId="0"/>
+      <p:bldP spid="123" grpId="0"/>
+      <p:bldP spid="134" grpId="0"/>
+      <p:bldP spid="141" grpId="0"/>
     </p:bldLst>
   </p:timing>
 </p:sld>
